--- a/docs/diagrams/UndoRedoNewCommand1StateListDiagram.pptx
+++ b/docs/diagrams/UndoRedoNewCommand1StateListDiagram.pptx
@@ -138,7 +138,7 @@
           <p:cNvPr id="2" name="Title 1">
             <a:extLst>
               <a:ext uri="{FF2B5EF4-FFF2-40B4-BE49-F238E27FC236}">
-                <a16:creationId xmlns:a16="http://schemas.microsoft.com/office/drawing/2014/main" id="{39FCC519-EE2E-4054-A653-93D611E0133E}"/>
+                <a16:creationId xmlns="" xmlns:a16="http://schemas.microsoft.com/office/drawing/2014/main" id="{39FCC519-EE2E-4054-A653-93D611E0133E}"/>
               </a:ext>
             </a:extLst>
           </p:cNvPr>
@@ -176,7 +176,7 @@
           <p:cNvPr id="3" name="Subtitle 2">
             <a:extLst>
               <a:ext uri="{FF2B5EF4-FFF2-40B4-BE49-F238E27FC236}">
-                <a16:creationId xmlns:a16="http://schemas.microsoft.com/office/drawing/2014/main" id="{3EDEA74E-4030-4F69-A055-4C6319EEEC29}"/>
+                <a16:creationId xmlns="" xmlns:a16="http://schemas.microsoft.com/office/drawing/2014/main" id="{3EDEA74E-4030-4F69-A055-4C6319EEEC29}"/>
               </a:ext>
             </a:extLst>
           </p:cNvPr>
@@ -247,7 +247,7 @@
           <p:cNvPr id="4" name="Date Placeholder 3">
             <a:extLst>
               <a:ext uri="{FF2B5EF4-FFF2-40B4-BE49-F238E27FC236}">
-                <a16:creationId xmlns:a16="http://schemas.microsoft.com/office/drawing/2014/main" id="{E5CC99E3-37A6-4485-B9A2-AF27A72608C6}"/>
+                <a16:creationId xmlns="" xmlns:a16="http://schemas.microsoft.com/office/drawing/2014/main" id="{E5CC99E3-37A6-4485-B9A2-AF27A72608C6}"/>
               </a:ext>
             </a:extLst>
           </p:cNvPr>
@@ -265,7 +265,7 @@
           <a:p>
             <a:fld id="{03EC4E3E-8101-482F-A883-8B55DAFF7C07}" type="datetimeFigureOut">
               <a:rPr lang="en-SG" smtClean="0"/>
-              <a:t>6/7/2018</a:t>
+              <a:t>4/3/19</a:t>
             </a:fld>
             <a:endParaRPr lang="en-SG"/>
           </a:p>
@@ -276,7 +276,7 @@
           <p:cNvPr id="5" name="Footer Placeholder 4">
             <a:extLst>
               <a:ext uri="{FF2B5EF4-FFF2-40B4-BE49-F238E27FC236}">
-                <a16:creationId xmlns:a16="http://schemas.microsoft.com/office/drawing/2014/main" id="{D75BD546-D949-4A25-8EA4-47DF23229409}"/>
+                <a16:creationId xmlns="" xmlns:a16="http://schemas.microsoft.com/office/drawing/2014/main" id="{D75BD546-D949-4A25-8EA4-47DF23229409}"/>
               </a:ext>
             </a:extLst>
           </p:cNvPr>
@@ -301,7 +301,7 @@
           <p:cNvPr id="6" name="Slide Number Placeholder 5">
             <a:extLst>
               <a:ext uri="{FF2B5EF4-FFF2-40B4-BE49-F238E27FC236}">
-                <a16:creationId xmlns:a16="http://schemas.microsoft.com/office/drawing/2014/main" id="{68147391-4DF6-4ACF-BCE9-C1A9DAC803E3}"/>
+                <a16:creationId xmlns="" xmlns:a16="http://schemas.microsoft.com/office/drawing/2014/main" id="{68147391-4DF6-4ACF-BCE9-C1A9DAC803E3}"/>
               </a:ext>
             </a:extLst>
           </p:cNvPr>
@@ -360,7 +360,7 @@
           <p:cNvPr id="2" name="Title 1">
             <a:extLst>
               <a:ext uri="{FF2B5EF4-FFF2-40B4-BE49-F238E27FC236}">
-                <a16:creationId xmlns:a16="http://schemas.microsoft.com/office/drawing/2014/main" id="{251D3DFE-0C62-45F5-B1BF-FD1F194ED112}"/>
+                <a16:creationId xmlns="" xmlns:a16="http://schemas.microsoft.com/office/drawing/2014/main" id="{251D3DFE-0C62-45F5-B1BF-FD1F194ED112}"/>
               </a:ext>
             </a:extLst>
           </p:cNvPr>
@@ -389,7 +389,7 @@
           <p:cNvPr id="3" name="Vertical Text Placeholder 2">
             <a:extLst>
               <a:ext uri="{FF2B5EF4-FFF2-40B4-BE49-F238E27FC236}">
-                <a16:creationId xmlns:a16="http://schemas.microsoft.com/office/drawing/2014/main" id="{D2392762-3586-4B6D-A174-2D3ACF0A125B}"/>
+                <a16:creationId xmlns="" xmlns:a16="http://schemas.microsoft.com/office/drawing/2014/main" id="{D2392762-3586-4B6D-A174-2D3ACF0A125B}"/>
               </a:ext>
             </a:extLst>
           </p:cNvPr>
@@ -447,7 +447,7 @@
           <p:cNvPr id="4" name="Date Placeholder 3">
             <a:extLst>
               <a:ext uri="{FF2B5EF4-FFF2-40B4-BE49-F238E27FC236}">
-                <a16:creationId xmlns:a16="http://schemas.microsoft.com/office/drawing/2014/main" id="{73B232E7-84FB-4535-9FC1-1BEF8F17421F}"/>
+                <a16:creationId xmlns="" xmlns:a16="http://schemas.microsoft.com/office/drawing/2014/main" id="{73B232E7-84FB-4535-9FC1-1BEF8F17421F}"/>
               </a:ext>
             </a:extLst>
           </p:cNvPr>
@@ -465,7 +465,7 @@
           <a:p>
             <a:fld id="{03EC4E3E-8101-482F-A883-8B55DAFF7C07}" type="datetimeFigureOut">
               <a:rPr lang="en-SG" smtClean="0"/>
-              <a:t>6/7/2018</a:t>
+              <a:t>4/3/19</a:t>
             </a:fld>
             <a:endParaRPr lang="en-SG"/>
           </a:p>
@@ -476,7 +476,7 @@
           <p:cNvPr id="5" name="Footer Placeholder 4">
             <a:extLst>
               <a:ext uri="{FF2B5EF4-FFF2-40B4-BE49-F238E27FC236}">
-                <a16:creationId xmlns:a16="http://schemas.microsoft.com/office/drawing/2014/main" id="{76F796EF-04EF-401A-AC84-F7BDBC99DE80}"/>
+                <a16:creationId xmlns="" xmlns:a16="http://schemas.microsoft.com/office/drawing/2014/main" id="{76F796EF-04EF-401A-AC84-F7BDBC99DE80}"/>
               </a:ext>
             </a:extLst>
           </p:cNvPr>
@@ -501,7 +501,7 @@
           <p:cNvPr id="6" name="Slide Number Placeholder 5">
             <a:extLst>
               <a:ext uri="{FF2B5EF4-FFF2-40B4-BE49-F238E27FC236}">
-                <a16:creationId xmlns:a16="http://schemas.microsoft.com/office/drawing/2014/main" id="{8F55F009-0A64-4649-A732-4AA6D619F1F3}"/>
+                <a16:creationId xmlns="" xmlns:a16="http://schemas.microsoft.com/office/drawing/2014/main" id="{8F55F009-0A64-4649-A732-4AA6D619F1F3}"/>
               </a:ext>
             </a:extLst>
           </p:cNvPr>
@@ -560,7 +560,7 @@
           <p:cNvPr id="2" name="Vertical Title 1">
             <a:extLst>
               <a:ext uri="{FF2B5EF4-FFF2-40B4-BE49-F238E27FC236}">
-                <a16:creationId xmlns:a16="http://schemas.microsoft.com/office/drawing/2014/main" id="{F7DE9595-D7A8-4E19-B4C6-E295F978F6A4}"/>
+                <a16:creationId xmlns="" xmlns:a16="http://schemas.microsoft.com/office/drawing/2014/main" id="{F7DE9595-D7A8-4E19-B4C6-E295F978F6A4}"/>
               </a:ext>
             </a:extLst>
           </p:cNvPr>
@@ -594,7 +594,7 @@
           <p:cNvPr id="3" name="Vertical Text Placeholder 2">
             <a:extLst>
               <a:ext uri="{FF2B5EF4-FFF2-40B4-BE49-F238E27FC236}">
-                <a16:creationId xmlns:a16="http://schemas.microsoft.com/office/drawing/2014/main" id="{0D2975B7-7A6D-40EA-B2F6-338022AD2BF1}"/>
+                <a16:creationId xmlns="" xmlns:a16="http://schemas.microsoft.com/office/drawing/2014/main" id="{0D2975B7-7A6D-40EA-B2F6-338022AD2BF1}"/>
               </a:ext>
             </a:extLst>
           </p:cNvPr>
@@ -657,7 +657,7 @@
           <p:cNvPr id="4" name="Date Placeholder 3">
             <a:extLst>
               <a:ext uri="{FF2B5EF4-FFF2-40B4-BE49-F238E27FC236}">
-                <a16:creationId xmlns:a16="http://schemas.microsoft.com/office/drawing/2014/main" id="{C8230AC3-1BED-4D2B-96D3-51C50E14A9E6}"/>
+                <a16:creationId xmlns="" xmlns:a16="http://schemas.microsoft.com/office/drawing/2014/main" id="{C8230AC3-1BED-4D2B-96D3-51C50E14A9E6}"/>
               </a:ext>
             </a:extLst>
           </p:cNvPr>
@@ -675,7 +675,7 @@
           <a:p>
             <a:fld id="{03EC4E3E-8101-482F-A883-8B55DAFF7C07}" type="datetimeFigureOut">
               <a:rPr lang="en-SG" smtClean="0"/>
-              <a:t>6/7/2018</a:t>
+              <a:t>4/3/19</a:t>
             </a:fld>
             <a:endParaRPr lang="en-SG"/>
           </a:p>
@@ -686,7 +686,7 @@
           <p:cNvPr id="5" name="Footer Placeholder 4">
             <a:extLst>
               <a:ext uri="{FF2B5EF4-FFF2-40B4-BE49-F238E27FC236}">
-                <a16:creationId xmlns:a16="http://schemas.microsoft.com/office/drawing/2014/main" id="{4AD6CA96-231A-43AD-B530-7C509651DE3B}"/>
+                <a16:creationId xmlns="" xmlns:a16="http://schemas.microsoft.com/office/drawing/2014/main" id="{4AD6CA96-231A-43AD-B530-7C509651DE3B}"/>
               </a:ext>
             </a:extLst>
           </p:cNvPr>
@@ -711,7 +711,7 @@
           <p:cNvPr id="6" name="Slide Number Placeholder 5">
             <a:extLst>
               <a:ext uri="{FF2B5EF4-FFF2-40B4-BE49-F238E27FC236}">
-                <a16:creationId xmlns:a16="http://schemas.microsoft.com/office/drawing/2014/main" id="{12063E3B-180A-454E-A661-6CCD48D7062C}"/>
+                <a16:creationId xmlns="" xmlns:a16="http://schemas.microsoft.com/office/drawing/2014/main" id="{12063E3B-180A-454E-A661-6CCD48D7062C}"/>
               </a:ext>
             </a:extLst>
           </p:cNvPr>
@@ -770,7 +770,7 @@
           <p:cNvPr id="2" name="Title 1">
             <a:extLst>
               <a:ext uri="{FF2B5EF4-FFF2-40B4-BE49-F238E27FC236}">
-                <a16:creationId xmlns:a16="http://schemas.microsoft.com/office/drawing/2014/main" id="{7E861C8D-BAF0-4DD9-92B9-591B272791CA}"/>
+                <a16:creationId xmlns="" xmlns:a16="http://schemas.microsoft.com/office/drawing/2014/main" id="{7E861C8D-BAF0-4DD9-92B9-591B272791CA}"/>
               </a:ext>
             </a:extLst>
           </p:cNvPr>
@@ -799,7 +799,7 @@
           <p:cNvPr id="3" name="Content Placeholder 2">
             <a:extLst>
               <a:ext uri="{FF2B5EF4-FFF2-40B4-BE49-F238E27FC236}">
-                <a16:creationId xmlns:a16="http://schemas.microsoft.com/office/drawing/2014/main" id="{534DA4BD-1D78-446B-B79F-C1229642DDEB}"/>
+                <a16:creationId xmlns="" xmlns:a16="http://schemas.microsoft.com/office/drawing/2014/main" id="{534DA4BD-1D78-446B-B79F-C1229642DDEB}"/>
               </a:ext>
             </a:extLst>
           </p:cNvPr>
@@ -857,7 +857,7 @@
           <p:cNvPr id="4" name="Date Placeholder 3">
             <a:extLst>
               <a:ext uri="{FF2B5EF4-FFF2-40B4-BE49-F238E27FC236}">
-                <a16:creationId xmlns:a16="http://schemas.microsoft.com/office/drawing/2014/main" id="{AD6BEDB5-7B62-4953-BECB-7F7F3E909CAC}"/>
+                <a16:creationId xmlns="" xmlns:a16="http://schemas.microsoft.com/office/drawing/2014/main" id="{AD6BEDB5-7B62-4953-BECB-7F7F3E909CAC}"/>
               </a:ext>
             </a:extLst>
           </p:cNvPr>
@@ -875,7 +875,7 @@
           <a:p>
             <a:fld id="{03EC4E3E-8101-482F-A883-8B55DAFF7C07}" type="datetimeFigureOut">
               <a:rPr lang="en-SG" smtClean="0"/>
-              <a:t>6/7/2018</a:t>
+              <a:t>4/3/19</a:t>
             </a:fld>
             <a:endParaRPr lang="en-SG"/>
           </a:p>
@@ -886,7 +886,7 @@
           <p:cNvPr id="5" name="Footer Placeholder 4">
             <a:extLst>
               <a:ext uri="{FF2B5EF4-FFF2-40B4-BE49-F238E27FC236}">
-                <a16:creationId xmlns:a16="http://schemas.microsoft.com/office/drawing/2014/main" id="{349CD732-2DD1-42BE-8480-5C6507018294}"/>
+                <a16:creationId xmlns="" xmlns:a16="http://schemas.microsoft.com/office/drawing/2014/main" id="{349CD732-2DD1-42BE-8480-5C6507018294}"/>
               </a:ext>
             </a:extLst>
           </p:cNvPr>
@@ -911,7 +911,7 @@
           <p:cNvPr id="6" name="Slide Number Placeholder 5">
             <a:extLst>
               <a:ext uri="{FF2B5EF4-FFF2-40B4-BE49-F238E27FC236}">
-                <a16:creationId xmlns:a16="http://schemas.microsoft.com/office/drawing/2014/main" id="{574C27E0-F36A-4438-9402-C2CB0377D92D}"/>
+                <a16:creationId xmlns="" xmlns:a16="http://schemas.microsoft.com/office/drawing/2014/main" id="{574C27E0-F36A-4438-9402-C2CB0377D92D}"/>
               </a:ext>
             </a:extLst>
           </p:cNvPr>
@@ -970,7 +970,7 @@
           <p:cNvPr id="2" name="Title 1">
             <a:extLst>
               <a:ext uri="{FF2B5EF4-FFF2-40B4-BE49-F238E27FC236}">
-                <a16:creationId xmlns:a16="http://schemas.microsoft.com/office/drawing/2014/main" id="{80A42FFA-8A45-40F8-9C5C-9906971B38AB}"/>
+                <a16:creationId xmlns="" xmlns:a16="http://schemas.microsoft.com/office/drawing/2014/main" id="{80A42FFA-8A45-40F8-9C5C-9906971B38AB}"/>
               </a:ext>
             </a:extLst>
           </p:cNvPr>
@@ -1008,7 +1008,7 @@
           <p:cNvPr id="3" name="Text Placeholder 2">
             <a:extLst>
               <a:ext uri="{FF2B5EF4-FFF2-40B4-BE49-F238E27FC236}">
-                <a16:creationId xmlns:a16="http://schemas.microsoft.com/office/drawing/2014/main" id="{7D8879A7-8225-4473-B738-B780B6224EC5}"/>
+                <a16:creationId xmlns="" xmlns:a16="http://schemas.microsoft.com/office/drawing/2014/main" id="{7D8879A7-8225-4473-B738-B780B6224EC5}"/>
               </a:ext>
             </a:extLst>
           </p:cNvPr>
@@ -1133,7 +1133,7 @@
           <p:cNvPr id="4" name="Date Placeholder 3">
             <a:extLst>
               <a:ext uri="{FF2B5EF4-FFF2-40B4-BE49-F238E27FC236}">
-                <a16:creationId xmlns:a16="http://schemas.microsoft.com/office/drawing/2014/main" id="{6CF7978C-FE65-4091-9152-E33029C12AEA}"/>
+                <a16:creationId xmlns="" xmlns:a16="http://schemas.microsoft.com/office/drawing/2014/main" id="{6CF7978C-FE65-4091-9152-E33029C12AEA}"/>
               </a:ext>
             </a:extLst>
           </p:cNvPr>
@@ -1151,7 +1151,7 @@
           <a:p>
             <a:fld id="{03EC4E3E-8101-482F-A883-8B55DAFF7C07}" type="datetimeFigureOut">
               <a:rPr lang="en-SG" smtClean="0"/>
-              <a:t>6/7/2018</a:t>
+              <a:t>4/3/19</a:t>
             </a:fld>
             <a:endParaRPr lang="en-SG"/>
           </a:p>
@@ -1162,7 +1162,7 @@
           <p:cNvPr id="5" name="Footer Placeholder 4">
             <a:extLst>
               <a:ext uri="{FF2B5EF4-FFF2-40B4-BE49-F238E27FC236}">
-                <a16:creationId xmlns:a16="http://schemas.microsoft.com/office/drawing/2014/main" id="{B344C9CC-480F-4DCB-AC70-D7A4CCA0B8B7}"/>
+                <a16:creationId xmlns="" xmlns:a16="http://schemas.microsoft.com/office/drawing/2014/main" id="{B344C9CC-480F-4DCB-AC70-D7A4CCA0B8B7}"/>
               </a:ext>
             </a:extLst>
           </p:cNvPr>
@@ -1187,7 +1187,7 @@
           <p:cNvPr id="6" name="Slide Number Placeholder 5">
             <a:extLst>
               <a:ext uri="{FF2B5EF4-FFF2-40B4-BE49-F238E27FC236}">
-                <a16:creationId xmlns:a16="http://schemas.microsoft.com/office/drawing/2014/main" id="{8F5A07EC-843A-4ED9-8F1C-AD703CA36D58}"/>
+                <a16:creationId xmlns="" xmlns:a16="http://schemas.microsoft.com/office/drawing/2014/main" id="{8F5A07EC-843A-4ED9-8F1C-AD703CA36D58}"/>
               </a:ext>
             </a:extLst>
           </p:cNvPr>
@@ -1246,7 +1246,7 @@
           <p:cNvPr id="2" name="Title 1">
             <a:extLst>
               <a:ext uri="{FF2B5EF4-FFF2-40B4-BE49-F238E27FC236}">
-                <a16:creationId xmlns:a16="http://schemas.microsoft.com/office/drawing/2014/main" id="{056EE2DA-07D9-4774-A8CA-0CA247F8C72A}"/>
+                <a16:creationId xmlns="" xmlns:a16="http://schemas.microsoft.com/office/drawing/2014/main" id="{056EE2DA-07D9-4774-A8CA-0CA247F8C72A}"/>
               </a:ext>
             </a:extLst>
           </p:cNvPr>
@@ -1275,7 +1275,7 @@
           <p:cNvPr id="3" name="Content Placeholder 2">
             <a:extLst>
               <a:ext uri="{FF2B5EF4-FFF2-40B4-BE49-F238E27FC236}">
-                <a16:creationId xmlns:a16="http://schemas.microsoft.com/office/drawing/2014/main" id="{3CF93A59-4E25-4FFA-8796-AA06EF3E5C3E}"/>
+                <a16:creationId xmlns="" xmlns:a16="http://schemas.microsoft.com/office/drawing/2014/main" id="{3CF93A59-4E25-4FFA-8796-AA06EF3E5C3E}"/>
               </a:ext>
             </a:extLst>
           </p:cNvPr>
@@ -1338,7 +1338,7 @@
           <p:cNvPr id="4" name="Content Placeholder 3">
             <a:extLst>
               <a:ext uri="{FF2B5EF4-FFF2-40B4-BE49-F238E27FC236}">
-                <a16:creationId xmlns:a16="http://schemas.microsoft.com/office/drawing/2014/main" id="{81373B10-E346-4893-AFEE-65E014405E2D}"/>
+                <a16:creationId xmlns="" xmlns:a16="http://schemas.microsoft.com/office/drawing/2014/main" id="{81373B10-E346-4893-AFEE-65E014405E2D}"/>
               </a:ext>
             </a:extLst>
           </p:cNvPr>
@@ -1401,7 +1401,7 @@
           <p:cNvPr id="5" name="Date Placeholder 4">
             <a:extLst>
               <a:ext uri="{FF2B5EF4-FFF2-40B4-BE49-F238E27FC236}">
-                <a16:creationId xmlns:a16="http://schemas.microsoft.com/office/drawing/2014/main" id="{D9C411A1-6D64-4C63-A758-5D2FEE677F45}"/>
+                <a16:creationId xmlns="" xmlns:a16="http://schemas.microsoft.com/office/drawing/2014/main" id="{D9C411A1-6D64-4C63-A758-5D2FEE677F45}"/>
               </a:ext>
             </a:extLst>
           </p:cNvPr>
@@ -1419,7 +1419,7 @@
           <a:p>
             <a:fld id="{03EC4E3E-8101-482F-A883-8B55DAFF7C07}" type="datetimeFigureOut">
               <a:rPr lang="en-SG" smtClean="0"/>
-              <a:t>6/7/2018</a:t>
+              <a:t>4/3/19</a:t>
             </a:fld>
             <a:endParaRPr lang="en-SG"/>
           </a:p>
@@ -1430,7 +1430,7 @@
           <p:cNvPr id="6" name="Footer Placeholder 5">
             <a:extLst>
               <a:ext uri="{FF2B5EF4-FFF2-40B4-BE49-F238E27FC236}">
-                <a16:creationId xmlns:a16="http://schemas.microsoft.com/office/drawing/2014/main" id="{8D9C2E46-644C-4155-A697-764A7A0AB1F4}"/>
+                <a16:creationId xmlns="" xmlns:a16="http://schemas.microsoft.com/office/drawing/2014/main" id="{8D9C2E46-644C-4155-A697-764A7A0AB1F4}"/>
               </a:ext>
             </a:extLst>
           </p:cNvPr>
@@ -1455,7 +1455,7 @@
           <p:cNvPr id="7" name="Slide Number Placeholder 6">
             <a:extLst>
               <a:ext uri="{FF2B5EF4-FFF2-40B4-BE49-F238E27FC236}">
-                <a16:creationId xmlns:a16="http://schemas.microsoft.com/office/drawing/2014/main" id="{6192DEDD-6479-45E4-B1F5-6EDD41BBB103}"/>
+                <a16:creationId xmlns="" xmlns:a16="http://schemas.microsoft.com/office/drawing/2014/main" id="{6192DEDD-6479-45E4-B1F5-6EDD41BBB103}"/>
               </a:ext>
             </a:extLst>
           </p:cNvPr>
@@ -1514,7 +1514,7 @@
           <p:cNvPr id="2" name="Title 1">
             <a:extLst>
               <a:ext uri="{FF2B5EF4-FFF2-40B4-BE49-F238E27FC236}">
-                <a16:creationId xmlns:a16="http://schemas.microsoft.com/office/drawing/2014/main" id="{DC0ED888-63EF-4CC0-8500-9C8DB672FEC2}"/>
+                <a16:creationId xmlns="" xmlns:a16="http://schemas.microsoft.com/office/drawing/2014/main" id="{DC0ED888-63EF-4CC0-8500-9C8DB672FEC2}"/>
               </a:ext>
             </a:extLst>
           </p:cNvPr>
@@ -1548,7 +1548,7 @@
           <p:cNvPr id="3" name="Text Placeholder 2">
             <a:extLst>
               <a:ext uri="{FF2B5EF4-FFF2-40B4-BE49-F238E27FC236}">
-                <a16:creationId xmlns:a16="http://schemas.microsoft.com/office/drawing/2014/main" id="{3C33BC1E-FB79-4906-A967-9C7046C6D272}"/>
+                <a16:creationId xmlns="" xmlns:a16="http://schemas.microsoft.com/office/drawing/2014/main" id="{3C33BC1E-FB79-4906-A967-9C7046C6D272}"/>
               </a:ext>
             </a:extLst>
           </p:cNvPr>
@@ -1619,7 +1619,7 @@
           <p:cNvPr id="4" name="Content Placeholder 3">
             <a:extLst>
               <a:ext uri="{FF2B5EF4-FFF2-40B4-BE49-F238E27FC236}">
-                <a16:creationId xmlns:a16="http://schemas.microsoft.com/office/drawing/2014/main" id="{697A4EC6-1C42-4BA4-8108-32579276C17B}"/>
+                <a16:creationId xmlns="" xmlns:a16="http://schemas.microsoft.com/office/drawing/2014/main" id="{697A4EC6-1C42-4BA4-8108-32579276C17B}"/>
               </a:ext>
             </a:extLst>
           </p:cNvPr>
@@ -1682,7 +1682,7 @@
           <p:cNvPr id="5" name="Text Placeholder 4">
             <a:extLst>
               <a:ext uri="{FF2B5EF4-FFF2-40B4-BE49-F238E27FC236}">
-                <a16:creationId xmlns:a16="http://schemas.microsoft.com/office/drawing/2014/main" id="{8A2CA209-B9F5-4E1E-B302-74CC2D4CFDFB}"/>
+                <a16:creationId xmlns="" xmlns:a16="http://schemas.microsoft.com/office/drawing/2014/main" id="{8A2CA209-B9F5-4E1E-B302-74CC2D4CFDFB}"/>
               </a:ext>
             </a:extLst>
           </p:cNvPr>
@@ -1753,7 +1753,7 @@
           <p:cNvPr id="6" name="Content Placeholder 5">
             <a:extLst>
               <a:ext uri="{FF2B5EF4-FFF2-40B4-BE49-F238E27FC236}">
-                <a16:creationId xmlns:a16="http://schemas.microsoft.com/office/drawing/2014/main" id="{0E6E876D-DC4D-40EE-BA38-CD01089602CF}"/>
+                <a16:creationId xmlns="" xmlns:a16="http://schemas.microsoft.com/office/drawing/2014/main" id="{0E6E876D-DC4D-40EE-BA38-CD01089602CF}"/>
               </a:ext>
             </a:extLst>
           </p:cNvPr>
@@ -1816,7 +1816,7 @@
           <p:cNvPr id="7" name="Date Placeholder 6">
             <a:extLst>
               <a:ext uri="{FF2B5EF4-FFF2-40B4-BE49-F238E27FC236}">
-                <a16:creationId xmlns:a16="http://schemas.microsoft.com/office/drawing/2014/main" id="{F24E1D97-8B3C-41A1-B0BA-BA833AD8BC7C}"/>
+                <a16:creationId xmlns="" xmlns:a16="http://schemas.microsoft.com/office/drawing/2014/main" id="{F24E1D97-8B3C-41A1-B0BA-BA833AD8BC7C}"/>
               </a:ext>
             </a:extLst>
           </p:cNvPr>
@@ -1834,7 +1834,7 @@
           <a:p>
             <a:fld id="{03EC4E3E-8101-482F-A883-8B55DAFF7C07}" type="datetimeFigureOut">
               <a:rPr lang="en-SG" smtClean="0"/>
-              <a:t>6/7/2018</a:t>
+              <a:t>4/3/19</a:t>
             </a:fld>
             <a:endParaRPr lang="en-SG"/>
           </a:p>
@@ -1845,7 +1845,7 @@
           <p:cNvPr id="8" name="Footer Placeholder 7">
             <a:extLst>
               <a:ext uri="{FF2B5EF4-FFF2-40B4-BE49-F238E27FC236}">
-                <a16:creationId xmlns:a16="http://schemas.microsoft.com/office/drawing/2014/main" id="{FC358D8F-B7DA-4DCE-AC8F-706450EEC0DC}"/>
+                <a16:creationId xmlns="" xmlns:a16="http://schemas.microsoft.com/office/drawing/2014/main" id="{FC358D8F-B7DA-4DCE-AC8F-706450EEC0DC}"/>
               </a:ext>
             </a:extLst>
           </p:cNvPr>
@@ -1870,7 +1870,7 @@
           <p:cNvPr id="9" name="Slide Number Placeholder 8">
             <a:extLst>
               <a:ext uri="{FF2B5EF4-FFF2-40B4-BE49-F238E27FC236}">
-                <a16:creationId xmlns:a16="http://schemas.microsoft.com/office/drawing/2014/main" id="{40CE354E-2C73-4B6F-8AEB-14D1378A77E1}"/>
+                <a16:creationId xmlns="" xmlns:a16="http://schemas.microsoft.com/office/drawing/2014/main" id="{40CE354E-2C73-4B6F-8AEB-14D1378A77E1}"/>
               </a:ext>
             </a:extLst>
           </p:cNvPr>
@@ -1929,7 +1929,7 @@
           <p:cNvPr id="2" name="Title 1">
             <a:extLst>
               <a:ext uri="{FF2B5EF4-FFF2-40B4-BE49-F238E27FC236}">
-                <a16:creationId xmlns:a16="http://schemas.microsoft.com/office/drawing/2014/main" id="{17D9D381-288C-43FB-86C2-AAA4FCFD43FD}"/>
+                <a16:creationId xmlns="" xmlns:a16="http://schemas.microsoft.com/office/drawing/2014/main" id="{17D9D381-288C-43FB-86C2-AAA4FCFD43FD}"/>
               </a:ext>
             </a:extLst>
           </p:cNvPr>
@@ -1958,7 +1958,7 @@
           <p:cNvPr id="3" name="Date Placeholder 2">
             <a:extLst>
               <a:ext uri="{FF2B5EF4-FFF2-40B4-BE49-F238E27FC236}">
-                <a16:creationId xmlns:a16="http://schemas.microsoft.com/office/drawing/2014/main" id="{A85D75E5-4830-4F75-8132-91122609F925}"/>
+                <a16:creationId xmlns="" xmlns:a16="http://schemas.microsoft.com/office/drawing/2014/main" id="{A85D75E5-4830-4F75-8132-91122609F925}"/>
               </a:ext>
             </a:extLst>
           </p:cNvPr>
@@ -1976,7 +1976,7 @@
           <a:p>
             <a:fld id="{03EC4E3E-8101-482F-A883-8B55DAFF7C07}" type="datetimeFigureOut">
               <a:rPr lang="en-SG" smtClean="0"/>
-              <a:t>6/7/2018</a:t>
+              <a:t>4/3/19</a:t>
             </a:fld>
             <a:endParaRPr lang="en-SG"/>
           </a:p>
@@ -1987,7 +1987,7 @@
           <p:cNvPr id="4" name="Footer Placeholder 3">
             <a:extLst>
               <a:ext uri="{FF2B5EF4-FFF2-40B4-BE49-F238E27FC236}">
-                <a16:creationId xmlns:a16="http://schemas.microsoft.com/office/drawing/2014/main" id="{0C14A42C-834F-43EA-8053-84D5A665CEE7}"/>
+                <a16:creationId xmlns="" xmlns:a16="http://schemas.microsoft.com/office/drawing/2014/main" id="{0C14A42C-834F-43EA-8053-84D5A665CEE7}"/>
               </a:ext>
             </a:extLst>
           </p:cNvPr>
@@ -2012,7 +2012,7 @@
           <p:cNvPr id="5" name="Slide Number Placeholder 4">
             <a:extLst>
               <a:ext uri="{FF2B5EF4-FFF2-40B4-BE49-F238E27FC236}">
-                <a16:creationId xmlns:a16="http://schemas.microsoft.com/office/drawing/2014/main" id="{38C1E789-CDA9-48FF-A7BA-F21E31600226}"/>
+                <a16:creationId xmlns="" xmlns:a16="http://schemas.microsoft.com/office/drawing/2014/main" id="{38C1E789-CDA9-48FF-A7BA-F21E31600226}"/>
               </a:ext>
             </a:extLst>
           </p:cNvPr>
@@ -2071,7 +2071,7 @@
           <p:cNvPr id="2" name="Date Placeholder 1">
             <a:extLst>
               <a:ext uri="{FF2B5EF4-FFF2-40B4-BE49-F238E27FC236}">
-                <a16:creationId xmlns:a16="http://schemas.microsoft.com/office/drawing/2014/main" id="{21A40ECD-0ABD-4F35-B481-512A01FC643D}"/>
+                <a16:creationId xmlns="" xmlns:a16="http://schemas.microsoft.com/office/drawing/2014/main" id="{21A40ECD-0ABD-4F35-B481-512A01FC643D}"/>
               </a:ext>
             </a:extLst>
           </p:cNvPr>
@@ -2089,7 +2089,7 @@
           <a:p>
             <a:fld id="{03EC4E3E-8101-482F-A883-8B55DAFF7C07}" type="datetimeFigureOut">
               <a:rPr lang="en-SG" smtClean="0"/>
-              <a:t>6/7/2018</a:t>
+              <a:t>4/3/19</a:t>
             </a:fld>
             <a:endParaRPr lang="en-SG"/>
           </a:p>
@@ -2100,7 +2100,7 @@
           <p:cNvPr id="3" name="Footer Placeholder 2">
             <a:extLst>
               <a:ext uri="{FF2B5EF4-FFF2-40B4-BE49-F238E27FC236}">
-                <a16:creationId xmlns:a16="http://schemas.microsoft.com/office/drawing/2014/main" id="{D44B8F11-A412-4FA6-9070-B9C742F699F3}"/>
+                <a16:creationId xmlns="" xmlns:a16="http://schemas.microsoft.com/office/drawing/2014/main" id="{D44B8F11-A412-4FA6-9070-B9C742F699F3}"/>
               </a:ext>
             </a:extLst>
           </p:cNvPr>
@@ -2125,7 +2125,7 @@
           <p:cNvPr id="4" name="Slide Number Placeholder 3">
             <a:extLst>
               <a:ext uri="{FF2B5EF4-FFF2-40B4-BE49-F238E27FC236}">
-                <a16:creationId xmlns:a16="http://schemas.microsoft.com/office/drawing/2014/main" id="{E3EA086A-DA0B-4378-A128-F213644ECB0C}"/>
+                <a16:creationId xmlns="" xmlns:a16="http://schemas.microsoft.com/office/drawing/2014/main" id="{E3EA086A-DA0B-4378-A128-F213644ECB0C}"/>
               </a:ext>
             </a:extLst>
           </p:cNvPr>
@@ -2184,7 +2184,7 @@
           <p:cNvPr id="2" name="Title 1">
             <a:extLst>
               <a:ext uri="{FF2B5EF4-FFF2-40B4-BE49-F238E27FC236}">
-                <a16:creationId xmlns:a16="http://schemas.microsoft.com/office/drawing/2014/main" id="{765D165A-D423-4E89-A075-D59A9FB59792}"/>
+                <a16:creationId xmlns="" xmlns:a16="http://schemas.microsoft.com/office/drawing/2014/main" id="{765D165A-D423-4E89-A075-D59A9FB59792}"/>
               </a:ext>
             </a:extLst>
           </p:cNvPr>
@@ -2222,7 +2222,7 @@
           <p:cNvPr id="3" name="Content Placeholder 2">
             <a:extLst>
               <a:ext uri="{FF2B5EF4-FFF2-40B4-BE49-F238E27FC236}">
-                <a16:creationId xmlns:a16="http://schemas.microsoft.com/office/drawing/2014/main" id="{77C2A5CC-2876-49CA-993D-F4F73FC9D2B0}"/>
+                <a16:creationId xmlns="" xmlns:a16="http://schemas.microsoft.com/office/drawing/2014/main" id="{77C2A5CC-2876-49CA-993D-F4F73FC9D2B0}"/>
               </a:ext>
             </a:extLst>
           </p:cNvPr>
@@ -2313,7 +2313,7 @@
           <p:cNvPr id="4" name="Text Placeholder 3">
             <a:extLst>
               <a:ext uri="{FF2B5EF4-FFF2-40B4-BE49-F238E27FC236}">
-                <a16:creationId xmlns:a16="http://schemas.microsoft.com/office/drawing/2014/main" id="{7B4DE2E8-CCF6-4E88-A858-05A04CD0D736}"/>
+                <a16:creationId xmlns="" xmlns:a16="http://schemas.microsoft.com/office/drawing/2014/main" id="{7B4DE2E8-CCF6-4E88-A858-05A04CD0D736}"/>
               </a:ext>
             </a:extLst>
           </p:cNvPr>
@@ -2384,7 +2384,7 @@
           <p:cNvPr id="5" name="Date Placeholder 4">
             <a:extLst>
               <a:ext uri="{FF2B5EF4-FFF2-40B4-BE49-F238E27FC236}">
-                <a16:creationId xmlns:a16="http://schemas.microsoft.com/office/drawing/2014/main" id="{CAEBEC1E-DE48-4B55-A846-F8248E381145}"/>
+                <a16:creationId xmlns="" xmlns:a16="http://schemas.microsoft.com/office/drawing/2014/main" id="{CAEBEC1E-DE48-4B55-A846-F8248E381145}"/>
               </a:ext>
             </a:extLst>
           </p:cNvPr>
@@ -2402,7 +2402,7 @@
           <a:p>
             <a:fld id="{03EC4E3E-8101-482F-A883-8B55DAFF7C07}" type="datetimeFigureOut">
               <a:rPr lang="en-SG" smtClean="0"/>
-              <a:t>6/7/2018</a:t>
+              <a:t>4/3/19</a:t>
             </a:fld>
             <a:endParaRPr lang="en-SG"/>
           </a:p>
@@ -2413,7 +2413,7 @@
           <p:cNvPr id="6" name="Footer Placeholder 5">
             <a:extLst>
               <a:ext uri="{FF2B5EF4-FFF2-40B4-BE49-F238E27FC236}">
-                <a16:creationId xmlns:a16="http://schemas.microsoft.com/office/drawing/2014/main" id="{945A6E8B-6BC2-49E9-B4E5-DAD3F7A1A1BF}"/>
+                <a16:creationId xmlns="" xmlns:a16="http://schemas.microsoft.com/office/drawing/2014/main" id="{945A6E8B-6BC2-49E9-B4E5-DAD3F7A1A1BF}"/>
               </a:ext>
             </a:extLst>
           </p:cNvPr>
@@ -2438,7 +2438,7 @@
           <p:cNvPr id="7" name="Slide Number Placeholder 6">
             <a:extLst>
               <a:ext uri="{FF2B5EF4-FFF2-40B4-BE49-F238E27FC236}">
-                <a16:creationId xmlns:a16="http://schemas.microsoft.com/office/drawing/2014/main" id="{E5CF739B-EDF0-43CE-A87E-C49F040C85A5}"/>
+                <a16:creationId xmlns="" xmlns:a16="http://schemas.microsoft.com/office/drawing/2014/main" id="{E5CF739B-EDF0-43CE-A87E-C49F040C85A5}"/>
               </a:ext>
             </a:extLst>
           </p:cNvPr>
@@ -2497,7 +2497,7 @@
           <p:cNvPr id="2" name="Title 1">
             <a:extLst>
               <a:ext uri="{FF2B5EF4-FFF2-40B4-BE49-F238E27FC236}">
-                <a16:creationId xmlns:a16="http://schemas.microsoft.com/office/drawing/2014/main" id="{0091F49F-E849-4834-84DB-61CF2F2652D4}"/>
+                <a16:creationId xmlns="" xmlns:a16="http://schemas.microsoft.com/office/drawing/2014/main" id="{0091F49F-E849-4834-84DB-61CF2F2652D4}"/>
               </a:ext>
             </a:extLst>
           </p:cNvPr>
@@ -2535,7 +2535,7 @@
           <p:cNvPr id="3" name="Picture Placeholder 2">
             <a:extLst>
               <a:ext uri="{FF2B5EF4-FFF2-40B4-BE49-F238E27FC236}">
-                <a16:creationId xmlns:a16="http://schemas.microsoft.com/office/drawing/2014/main" id="{631D62A9-3420-4F1C-9EB9-09EF85106E78}"/>
+                <a16:creationId xmlns="" xmlns:a16="http://schemas.microsoft.com/office/drawing/2014/main" id="{631D62A9-3420-4F1C-9EB9-09EF85106E78}"/>
               </a:ext>
             </a:extLst>
           </p:cNvPr>
@@ -2602,7 +2602,7 @@
           <p:cNvPr id="4" name="Text Placeholder 3">
             <a:extLst>
               <a:ext uri="{FF2B5EF4-FFF2-40B4-BE49-F238E27FC236}">
-                <a16:creationId xmlns:a16="http://schemas.microsoft.com/office/drawing/2014/main" id="{E450EC8D-D7F4-45FC-AD8C-2E198A32CCA2}"/>
+                <a16:creationId xmlns="" xmlns:a16="http://schemas.microsoft.com/office/drawing/2014/main" id="{E450EC8D-D7F4-45FC-AD8C-2E198A32CCA2}"/>
               </a:ext>
             </a:extLst>
           </p:cNvPr>
@@ -2673,7 +2673,7 @@
           <p:cNvPr id="5" name="Date Placeholder 4">
             <a:extLst>
               <a:ext uri="{FF2B5EF4-FFF2-40B4-BE49-F238E27FC236}">
-                <a16:creationId xmlns:a16="http://schemas.microsoft.com/office/drawing/2014/main" id="{7A73D668-ABF4-41FE-958C-542EEDC5F6CC}"/>
+                <a16:creationId xmlns="" xmlns:a16="http://schemas.microsoft.com/office/drawing/2014/main" id="{7A73D668-ABF4-41FE-958C-542EEDC5F6CC}"/>
               </a:ext>
             </a:extLst>
           </p:cNvPr>
@@ -2691,7 +2691,7 @@
           <a:p>
             <a:fld id="{03EC4E3E-8101-482F-A883-8B55DAFF7C07}" type="datetimeFigureOut">
               <a:rPr lang="en-SG" smtClean="0"/>
-              <a:t>6/7/2018</a:t>
+              <a:t>4/3/19</a:t>
             </a:fld>
             <a:endParaRPr lang="en-SG"/>
           </a:p>
@@ -2702,7 +2702,7 @@
           <p:cNvPr id="6" name="Footer Placeholder 5">
             <a:extLst>
               <a:ext uri="{FF2B5EF4-FFF2-40B4-BE49-F238E27FC236}">
-                <a16:creationId xmlns:a16="http://schemas.microsoft.com/office/drawing/2014/main" id="{F4A83B1C-93E7-4D32-9D1B-3F37403B1ACD}"/>
+                <a16:creationId xmlns="" xmlns:a16="http://schemas.microsoft.com/office/drawing/2014/main" id="{F4A83B1C-93E7-4D32-9D1B-3F37403B1ACD}"/>
               </a:ext>
             </a:extLst>
           </p:cNvPr>
@@ -2727,7 +2727,7 @@
           <p:cNvPr id="7" name="Slide Number Placeholder 6">
             <a:extLst>
               <a:ext uri="{FF2B5EF4-FFF2-40B4-BE49-F238E27FC236}">
-                <a16:creationId xmlns:a16="http://schemas.microsoft.com/office/drawing/2014/main" id="{C6AF73BE-F17B-487B-943B-28655BB51C92}"/>
+                <a16:creationId xmlns="" xmlns:a16="http://schemas.microsoft.com/office/drawing/2014/main" id="{C6AF73BE-F17B-487B-943B-28655BB51C92}"/>
               </a:ext>
             </a:extLst>
           </p:cNvPr>
@@ -2791,7 +2791,7 @@
           <p:cNvPr id="2" name="Title Placeholder 1">
             <a:extLst>
               <a:ext uri="{FF2B5EF4-FFF2-40B4-BE49-F238E27FC236}">
-                <a16:creationId xmlns:a16="http://schemas.microsoft.com/office/drawing/2014/main" id="{96F7127E-5F47-4B37-9FDB-695AB14D9551}"/>
+                <a16:creationId xmlns="" xmlns:a16="http://schemas.microsoft.com/office/drawing/2014/main" id="{96F7127E-5F47-4B37-9FDB-695AB14D9551}"/>
               </a:ext>
             </a:extLst>
           </p:cNvPr>
@@ -2830,7 +2830,7 @@
           <p:cNvPr id="3" name="Text Placeholder 2">
             <a:extLst>
               <a:ext uri="{FF2B5EF4-FFF2-40B4-BE49-F238E27FC236}">
-                <a16:creationId xmlns:a16="http://schemas.microsoft.com/office/drawing/2014/main" id="{3BD20F0F-B303-4EE3-AF17-E303EA90B1A3}"/>
+                <a16:creationId xmlns="" xmlns:a16="http://schemas.microsoft.com/office/drawing/2014/main" id="{3BD20F0F-B303-4EE3-AF17-E303EA90B1A3}"/>
               </a:ext>
             </a:extLst>
           </p:cNvPr>
@@ -2898,7 +2898,7 @@
           <p:cNvPr id="4" name="Date Placeholder 3">
             <a:extLst>
               <a:ext uri="{FF2B5EF4-FFF2-40B4-BE49-F238E27FC236}">
-                <a16:creationId xmlns:a16="http://schemas.microsoft.com/office/drawing/2014/main" id="{7927ADFB-0C7F-4333-A456-815FAB4B0315}"/>
+                <a16:creationId xmlns="" xmlns:a16="http://schemas.microsoft.com/office/drawing/2014/main" id="{7927ADFB-0C7F-4333-A456-815FAB4B0315}"/>
               </a:ext>
             </a:extLst>
           </p:cNvPr>
@@ -2934,7 +2934,7 @@
           <a:p>
             <a:fld id="{03EC4E3E-8101-482F-A883-8B55DAFF7C07}" type="datetimeFigureOut">
               <a:rPr lang="en-SG" smtClean="0"/>
-              <a:t>6/7/2018</a:t>
+              <a:t>4/3/19</a:t>
             </a:fld>
             <a:endParaRPr lang="en-SG"/>
           </a:p>
@@ -2945,7 +2945,7 @@
           <p:cNvPr id="5" name="Footer Placeholder 4">
             <a:extLst>
               <a:ext uri="{FF2B5EF4-FFF2-40B4-BE49-F238E27FC236}">
-                <a16:creationId xmlns:a16="http://schemas.microsoft.com/office/drawing/2014/main" id="{A1992B28-8397-4C93-A277-5EE43A537825}"/>
+                <a16:creationId xmlns="" xmlns:a16="http://schemas.microsoft.com/office/drawing/2014/main" id="{A1992B28-8397-4C93-A277-5EE43A537825}"/>
               </a:ext>
             </a:extLst>
           </p:cNvPr>
@@ -2988,7 +2988,7 @@
           <p:cNvPr id="6" name="Slide Number Placeholder 5">
             <a:extLst>
               <a:ext uri="{FF2B5EF4-FFF2-40B4-BE49-F238E27FC236}">
-                <a16:creationId xmlns:a16="http://schemas.microsoft.com/office/drawing/2014/main" id="{D7231209-A74B-4134-87D0-421AB81BBB47}"/>
+                <a16:creationId xmlns="" xmlns:a16="http://schemas.microsoft.com/office/drawing/2014/main" id="{D7231209-A74B-4134-87D0-421AB81BBB47}"/>
               </a:ext>
             </a:extLst>
           </p:cNvPr>
@@ -3356,7 +3356,7 @@
           <p:cNvPr id="45" name="TextBox 44">
             <a:extLst>
               <a:ext uri="{FF2B5EF4-FFF2-40B4-BE49-F238E27FC236}">
-                <a16:creationId xmlns:a16="http://schemas.microsoft.com/office/drawing/2014/main" id="{3151A13B-9509-43FA-BFEB-1D9866A00B84}"/>
+                <a16:creationId xmlns="" xmlns:a16="http://schemas.microsoft.com/office/drawing/2014/main" id="{3151A13B-9509-43FA-BFEB-1D9866A00B84}"/>
               </a:ext>
             </a:extLst>
           </p:cNvPr>
@@ -3400,7 +3400,7 @@
           <p:cNvPr id="13" name="Table 12">
             <a:extLst>
               <a:ext uri="{FF2B5EF4-FFF2-40B4-BE49-F238E27FC236}">
-                <a16:creationId xmlns:a16="http://schemas.microsoft.com/office/drawing/2014/main" id="{F545FAB8-F1CE-4886-9BDE-E772BCB0A9C4}"/>
+                <a16:creationId xmlns="" xmlns:a16="http://schemas.microsoft.com/office/drawing/2014/main" id="{F545FAB8-F1CE-4886-9BDE-E772BCB0A9C4}"/>
               </a:ext>
             </a:extLst>
           </p:cNvPr>
@@ -3410,7 +3410,7 @@
           <p:nvPr>
             <p:extLst>
               <p:ext uri="{D42A27DB-BD31-4B8C-83A1-F6EECF244321}">
-                <p14:modId xmlns:p14="http://schemas.microsoft.com/office/powerpoint/2010/main" val="770650361"/>
+                <p14:modId xmlns:p14="http://schemas.microsoft.com/office/powerpoint/2010/main" val="721412984"/>
               </p:ext>
             </p:extLst>
           </p:nvPr>
@@ -3429,7 +3429,7 @@
                 <a:gridCol w="1833356">
                   <a:extLst>
                     <a:ext uri="{9D8B030D-6E8A-4147-A177-3AD203B41FA5}">
-                      <a16:colId xmlns:a16="http://schemas.microsoft.com/office/drawing/2014/main" val="4240773277"/>
+                      <a16:colId xmlns="" xmlns:a16="http://schemas.microsoft.com/office/drawing/2014/main" val="4240773277"/>
                     </a:ext>
                   </a:extLst>
                 </a:gridCol>
@@ -3441,12 +3441,12 @@
                     <a:lstStyle/>
                     <a:p>
                       <a:r>
-                        <a:rPr lang="en-SG" u="sng" dirty="0"/>
-                        <a:t>ab0:</a:t>
+                        <a:rPr lang="en-SG" u="sng" dirty="0" smtClean="0"/>
+                        <a:t>b0:</a:t>
                       </a:r>
                       <a:r>
-                        <a:rPr lang="en-SG" sz="1800" u="sng" dirty="0"/>
-                        <a:t>AddressBook</a:t>
+                        <a:rPr lang="en-SG" sz="1800" u="sng" dirty="0" smtClean="0"/>
+                        <a:t>BookList</a:t>
                       </a:r>
                       <a:endParaRPr lang="en-SG" sz="1600" u="sng" dirty="0"/>
                     </a:p>
@@ -3455,7 +3455,7 @@
                 </a:tc>
                 <a:extLst>
                   <a:ext uri="{0D108BD9-81ED-4DB2-BD59-A6C34878D82A}">
-                    <a16:rowId xmlns:a16="http://schemas.microsoft.com/office/drawing/2014/main" val="2194462629"/>
+                    <a16:rowId xmlns="" xmlns:a16="http://schemas.microsoft.com/office/drawing/2014/main" val="2194462629"/>
                   </a:ext>
                 </a:extLst>
               </a:tr>
@@ -3501,7 +3501,11 @@
             <a:pPr algn="ctr"/>
             <a:r>
               <a:rPr lang="en-SG" dirty="0"/>
-              <a:t>delete 5</a:t>
+              <a:t>delete </a:t>
+            </a:r>
+            <a:r>
+              <a:rPr lang="en-SG" dirty="0" smtClean="0"/>
+              <a:t>Alice</a:t>
             </a:r>
             <a:endParaRPr lang="en-US" dirty="0"/>
           </a:p>
@@ -3558,7 +3562,7 @@
           <p:cNvPr id="19" name="TextBox 18">
             <a:extLst>
               <a:ext uri="{FF2B5EF4-FFF2-40B4-BE49-F238E27FC236}">
-                <a16:creationId xmlns:a16="http://schemas.microsoft.com/office/drawing/2014/main" id="{3151A13B-9509-43FA-BFEB-1D9866A00B84}"/>
+                <a16:creationId xmlns="" xmlns:a16="http://schemas.microsoft.com/office/drawing/2014/main" id="{3151A13B-9509-43FA-BFEB-1D9866A00B84}"/>
               </a:ext>
             </a:extLst>
           </p:cNvPr>
@@ -3648,7 +3652,7 @@
           <p:cNvPr id="12" name="Table 11">
             <a:extLst>
               <a:ext uri="{FF2B5EF4-FFF2-40B4-BE49-F238E27FC236}">
-                <a16:creationId xmlns:a16="http://schemas.microsoft.com/office/drawing/2014/main" id="{F545FAB8-F1CE-4886-9BDE-E772BCB0A9C4}"/>
+                <a16:creationId xmlns="" xmlns:a16="http://schemas.microsoft.com/office/drawing/2014/main" id="{F545FAB8-F1CE-4886-9BDE-E772BCB0A9C4}"/>
               </a:ext>
             </a:extLst>
           </p:cNvPr>
@@ -3658,7 +3662,7 @@
           <p:nvPr>
             <p:extLst>
               <p:ext uri="{D42A27DB-BD31-4B8C-83A1-F6EECF244321}">
-                <p14:modId xmlns:p14="http://schemas.microsoft.com/office/powerpoint/2010/main" val="2370624015"/>
+                <p14:modId xmlns:p14="http://schemas.microsoft.com/office/powerpoint/2010/main" val="1500075358"/>
               </p:ext>
             </p:extLst>
           </p:nvPr>
@@ -3677,7 +3681,7 @@
                 <a:gridCol w="1833356">
                   <a:extLst>
                     <a:ext uri="{9D8B030D-6E8A-4147-A177-3AD203B41FA5}">
-                      <a16:colId xmlns:a16="http://schemas.microsoft.com/office/drawing/2014/main" val="4240773277"/>
+                      <a16:colId xmlns="" xmlns:a16="http://schemas.microsoft.com/office/drawing/2014/main" val="4240773277"/>
                     </a:ext>
                   </a:extLst>
                 </a:gridCol>
@@ -3689,12 +3693,12 @@
                     <a:lstStyle/>
                     <a:p>
                       <a:r>
-                        <a:rPr lang="en-SG" u="sng" dirty="0"/>
-                        <a:t>ab1:</a:t>
+                        <a:rPr lang="en-SG" u="sng" dirty="0" smtClean="0"/>
+                        <a:t>b0:</a:t>
                       </a:r>
                       <a:r>
-                        <a:rPr lang="en-SG" sz="1800" u="sng" dirty="0"/>
-                        <a:t>AddressBook</a:t>
+                        <a:rPr lang="en-SG" sz="1800" u="sng" dirty="0" smtClean="0"/>
+                        <a:t>BookList</a:t>
                       </a:r>
                       <a:endParaRPr lang="en-SG" sz="1600" u="sng" dirty="0"/>
                     </a:p>
@@ -3703,7 +3707,7 @@
                 </a:tc>
                 <a:extLst>
                   <a:ext uri="{0D108BD9-81ED-4DB2-BD59-A6C34878D82A}">
-                    <a16:rowId xmlns:a16="http://schemas.microsoft.com/office/drawing/2014/main" val="2194462629"/>
+                    <a16:rowId xmlns="" xmlns:a16="http://schemas.microsoft.com/office/drawing/2014/main" val="2194462629"/>
                   </a:ext>
                 </a:extLst>
               </a:tr>
@@ -3716,7 +3720,7 @@
           <p:cNvPr id="15" name="Table 14">
             <a:extLst>
               <a:ext uri="{FF2B5EF4-FFF2-40B4-BE49-F238E27FC236}">
-                <a16:creationId xmlns:a16="http://schemas.microsoft.com/office/drawing/2014/main" id="{F545FAB8-F1CE-4886-9BDE-E772BCB0A9C4}"/>
+                <a16:creationId xmlns="" xmlns:a16="http://schemas.microsoft.com/office/drawing/2014/main" id="{F545FAB8-F1CE-4886-9BDE-E772BCB0A9C4}"/>
               </a:ext>
             </a:extLst>
           </p:cNvPr>
@@ -3726,7 +3730,7 @@
           <p:nvPr>
             <p:extLst>
               <p:ext uri="{D42A27DB-BD31-4B8C-83A1-F6EECF244321}">
-                <p14:modId xmlns:p14="http://schemas.microsoft.com/office/powerpoint/2010/main" val="2523374166"/>
+                <p14:modId xmlns:p14="http://schemas.microsoft.com/office/powerpoint/2010/main" val="281029727"/>
               </p:ext>
             </p:extLst>
           </p:nvPr>
@@ -3745,7 +3749,7 @@
                 <a:gridCol w="1833356">
                   <a:extLst>
                     <a:ext uri="{9D8B030D-6E8A-4147-A177-3AD203B41FA5}">
-                      <a16:colId xmlns:a16="http://schemas.microsoft.com/office/drawing/2014/main" val="4240773277"/>
+                      <a16:colId xmlns="" xmlns:a16="http://schemas.microsoft.com/office/drawing/2014/main" val="4240773277"/>
                     </a:ext>
                   </a:extLst>
                 </a:gridCol>
@@ -3757,12 +3761,12 @@
                     <a:lstStyle/>
                     <a:p>
                       <a:r>
-                        <a:rPr lang="en-SG" u="sng" dirty="0"/>
-                        <a:t>ab0:</a:t>
+                        <a:rPr lang="en-SG" u="sng" dirty="0" smtClean="0"/>
+                        <a:t>b0:</a:t>
                       </a:r>
                       <a:r>
-                        <a:rPr lang="en-SG" sz="1800" u="sng" dirty="0"/>
-                        <a:t>AddressBook</a:t>
+                        <a:rPr lang="en-SG" sz="1800" u="sng" dirty="0" smtClean="0"/>
+                        <a:t>BookList</a:t>
                       </a:r>
                       <a:endParaRPr lang="en-SG" sz="1600" u="sng" dirty="0"/>
                     </a:p>
@@ -3771,7 +3775,7 @@
                 </a:tc>
                 <a:extLst>
                   <a:ext uri="{0D108BD9-81ED-4DB2-BD59-A6C34878D82A}">
-                    <a16:rowId xmlns:a16="http://schemas.microsoft.com/office/drawing/2014/main" val="2194462629"/>
+                    <a16:rowId xmlns="" xmlns:a16="http://schemas.microsoft.com/office/drawing/2014/main" val="2194462629"/>
                   </a:ext>
                 </a:extLst>
               </a:tr>
@@ -3784,7 +3788,7 @@
           <p:cNvPr id="14" name="Straight Arrow Connector 13">
             <a:extLst>
               <a:ext uri="{FF2B5EF4-FFF2-40B4-BE49-F238E27FC236}">
-                <a16:creationId xmlns:a16="http://schemas.microsoft.com/office/drawing/2014/main" id="{4E562EDA-12B3-44FD-8B44-BCF3C4356EB8}"/>
+                <a16:creationId xmlns="" xmlns:a16="http://schemas.microsoft.com/office/drawing/2014/main" id="{4E562EDA-12B3-44FD-8B44-BCF3C4356EB8}"/>
               </a:ext>
             </a:extLst>
           </p:cNvPr>
@@ -3828,7 +3832,7 @@
           <p:cNvPr id="16" name="Straight Arrow Connector 15">
             <a:extLst>
               <a:ext uri="{FF2B5EF4-FFF2-40B4-BE49-F238E27FC236}">
-                <a16:creationId xmlns:a16="http://schemas.microsoft.com/office/drawing/2014/main" id="{0C07500F-40C6-444B-B521-89577F312910}"/>
+                <a16:creationId xmlns="" xmlns:a16="http://schemas.microsoft.com/office/drawing/2014/main" id="{0C07500F-40C6-444B-B521-89577F312910}"/>
               </a:ext>
             </a:extLst>
           </p:cNvPr>

--- a/docs/diagrams/UndoRedoNewCommand1StateListDiagram.pptx
+++ b/docs/diagrams/UndoRedoNewCommand1StateListDiagram.pptx
@@ -265,7 +265,7 @@
           <a:p>
             <a:fld id="{03EC4E3E-8101-482F-A883-8B55DAFF7C07}" type="datetimeFigureOut">
               <a:rPr lang="en-SG" smtClean="0"/>
-              <a:t>4/3/19</a:t>
+              <a:t>5/3/19</a:t>
             </a:fld>
             <a:endParaRPr lang="en-SG"/>
           </a:p>
@@ -465,7 +465,7 @@
           <a:p>
             <a:fld id="{03EC4E3E-8101-482F-A883-8B55DAFF7C07}" type="datetimeFigureOut">
               <a:rPr lang="en-SG" smtClean="0"/>
-              <a:t>4/3/19</a:t>
+              <a:t>5/3/19</a:t>
             </a:fld>
             <a:endParaRPr lang="en-SG"/>
           </a:p>
@@ -675,7 +675,7 @@
           <a:p>
             <a:fld id="{03EC4E3E-8101-482F-A883-8B55DAFF7C07}" type="datetimeFigureOut">
               <a:rPr lang="en-SG" smtClean="0"/>
-              <a:t>4/3/19</a:t>
+              <a:t>5/3/19</a:t>
             </a:fld>
             <a:endParaRPr lang="en-SG"/>
           </a:p>
@@ -875,7 +875,7 @@
           <a:p>
             <a:fld id="{03EC4E3E-8101-482F-A883-8B55DAFF7C07}" type="datetimeFigureOut">
               <a:rPr lang="en-SG" smtClean="0"/>
-              <a:t>4/3/19</a:t>
+              <a:t>5/3/19</a:t>
             </a:fld>
             <a:endParaRPr lang="en-SG"/>
           </a:p>
@@ -1151,7 +1151,7 @@
           <a:p>
             <a:fld id="{03EC4E3E-8101-482F-A883-8B55DAFF7C07}" type="datetimeFigureOut">
               <a:rPr lang="en-SG" smtClean="0"/>
-              <a:t>4/3/19</a:t>
+              <a:t>5/3/19</a:t>
             </a:fld>
             <a:endParaRPr lang="en-SG"/>
           </a:p>
@@ -1419,7 +1419,7 @@
           <a:p>
             <a:fld id="{03EC4E3E-8101-482F-A883-8B55DAFF7C07}" type="datetimeFigureOut">
               <a:rPr lang="en-SG" smtClean="0"/>
-              <a:t>4/3/19</a:t>
+              <a:t>5/3/19</a:t>
             </a:fld>
             <a:endParaRPr lang="en-SG"/>
           </a:p>
@@ -1834,7 +1834,7 @@
           <a:p>
             <a:fld id="{03EC4E3E-8101-482F-A883-8B55DAFF7C07}" type="datetimeFigureOut">
               <a:rPr lang="en-SG" smtClean="0"/>
-              <a:t>4/3/19</a:t>
+              <a:t>5/3/19</a:t>
             </a:fld>
             <a:endParaRPr lang="en-SG"/>
           </a:p>
@@ -1976,7 +1976,7 @@
           <a:p>
             <a:fld id="{03EC4E3E-8101-482F-A883-8B55DAFF7C07}" type="datetimeFigureOut">
               <a:rPr lang="en-SG" smtClean="0"/>
-              <a:t>4/3/19</a:t>
+              <a:t>5/3/19</a:t>
             </a:fld>
             <a:endParaRPr lang="en-SG"/>
           </a:p>
@@ -2089,7 +2089,7 @@
           <a:p>
             <a:fld id="{03EC4E3E-8101-482F-A883-8B55DAFF7C07}" type="datetimeFigureOut">
               <a:rPr lang="en-SG" smtClean="0"/>
-              <a:t>4/3/19</a:t>
+              <a:t>5/3/19</a:t>
             </a:fld>
             <a:endParaRPr lang="en-SG"/>
           </a:p>
@@ -2402,7 +2402,7 @@
           <a:p>
             <a:fld id="{03EC4E3E-8101-482F-A883-8B55DAFF7C07}" type="datetimeFigureOut">
               <a:rPr lang="en-SG" smtClean="0"/>
-              <a:t>4/3/19</a:t>
+              <a:t>5/3/19</a:t>
             </a:fld>
             <a:endParaRPr lang="en-SG"/>
           </a:p>
@@ -2691,7 +2691,7 @@
           <a:p>
             <a:fld id="{03EC4E3E-8101-482F-A883-8B55DAFF7C07}" type="datetimeFigureOut">
               <a:rPr lang="en-SG" smtClean="0"/>
-              <a:t>4/3/19</a:t>
+              <a:t>5/3/19</a:t>
             </a:fld>
             <a:endParaRPr lang="en-SG"/>
           </a:p>
@@ -2934,7 +2934,7 @@
           <a:p>
             <a:fld id="{03EC4E3E-8101-482F-A883-8B55DAFF7C07}" type="datetimeFigureOut">
               <a:rPr lang="en-SG" smtClean="0"/>
-              <a:t>4/3/19</a:t>
+              <a:t>5/3/19</a:t>
             </a:fld>
             <a:endParaRPr lang="en-SG"/>
           </a:p>
@@ -3410,7 +3410,7 @@
           <p:nvPr>
             <p:extLst>
               <p:ext uri="{D42A27DB-BD31-4B8C-83A1-F6EECF244321}">
-                <p14:modId xmlns:p14="http://schemas.microsoft.com/office/powerpoint/2010/main" val="721412984"/>
+                <p14:modId xmlns:p14="http://schemas.microsoft.com/office/powerpoint/2010/main" val="1851476725"/>
               </p:ext>
             </p:extLst>
           </p:nvPr>
@@ -3446,7 +3446,7 @@
                       </a:r>
                       <a:r>
                         <a:rPr lang="en-SG" sz="1800" u="sng" dirty="0" smtClean="0"/>
-                        <a:t>BookList</a:t>
+                        <a:t>BookShelf</a:t>
                       </a:r>
                       <a:endParaRPr lang="en-SG" sz="1600" u="sng" dirty="0"/>
                     </a:p>
@@ -3662,7 +3662,7 @@
           <p:nvPr>
             <p:extLst>
               <p:ext uri="{D42A27DB-BD31-4B8C-83A1-F6EECF244321}">
-                <p14:modId xmlns:p14="http://schemas.microsoft.com/office/powerpoint/2010/main" val="1500075358"/>
+                <p14:modId xmlns:p14="http://schemas.microsoft.com/office/powerpoint/2010/main" val="1841014798"/>
               </p:ext>
             </p:extLst>
           </p:nvPr>
@@ -3693,12 +3693,12 @@
                     <a:lstStyle/>
                     <a:p>
                       <a:r>
-                        <a:rPr lang="en-SG" u="sng" dirty="0" smtClean="0"/>
+                        <a:rPr lang="en-SG" u="sng" smtClean="0"/>
                         <a:t>b0:</a:t>
                       </a:r>
                       <a:r>
-                        <a:rPr lang="en-SG" sz="1800" u="sng" dirty="0" smtClean="0"/>
-                        <a:t>BookList</a:t>
+                        <a:rPr lang="en-SG" sz="1800" u="sng" smtClean="0"/>
+                        <a:t>BookShelf</a:t>
                       </a:r>
                       <a:endParaRPr lang="en-SG" sz="1600" u="sng" dirty="0"/>
                     </a:p>
@@ -3730,7 +3730,7 @@
           <p:nvPr>
             <p:extLst>
               <p:ext uri="{D42A27DB-BD31-4B8C-83A1-F6EECF244321}">
-                <p14:modId xmlns:p14="http://schemas.microsoft.com/office/powerpoint/2010/main" val="281029727"/>
+                <p14:modId xmlns:p14="http://schemas.microsoft.com/office/powerpoint/2010/main" val="374619582"/>
               </p:ext>
             </p:extLst>
           </p:nvPr>
@@ -3766,7 +3766,7 @@
                       </a:r>
                       <a:r>
                         <a:rPr lang="en-SG" sz="1800" u="sng" dirty="0" smtClean="0"/>
-                        <a:t>BookList</a:t>
+                        <a:t>BookShelf</a:t>
                       </a:r>
                       <a:endParaRPr lang="en-SG" sz="1600" u="sng" dirty="0"/>
                     </a:p>

--- a/docs/diagrams/UndoRedoNewCommand1StateListDiagram.pptx
+++ b/docs/diagrams/UndoRedoNewCommand1StateListDiagram.pptx
@@ -138,7 +138,7 @@
           <p:cNvPr id="2" name="Title 1">
             <a:extLst>
               <a:ext uri="{FF2B5EF4-FFF2-40B4-BE49-F238E27FC236}">
-                <a16:creationId xmlns="" xmlns:a16="http://schemas.microsoft.com/office/drawing/2014/main" id="{39FCC519-EE2E-4054-A653-93D611E0133E}"/>
+                <a16:creationId xmlns:a16="http://schemas.microsoft.com/office/drawing/2014/main" xmlns="" id="{39FCC519-EE2E-4054-A653-93D611E0133E}"/>
               </a:ext>
             </a:extLst>
           </p:cNvPr>
@@ -176,7 +176,7 @@
           <p:cNvPr id="3" name="Subtitle 2">
             <a:extLst>
               <a:ext uri="{FF2B5EF4-FFF2-40B4-BE49-F238E27FC236}">
-                <a16:creationId xmlns="" xmlns:a16="http://schemas.microsoft.com/office/drawing/2014/main" id="{3EDEA74E-4030-4F69-A055-4C6319EEEC29}"/>
+                <a16:creationId xmlns:a16="http://schemas.microsoft.com/office/drawing/2014/main" xmlns="" id="{3EDEA74E-4030-4F69-A055-4C6319EEEC29}"/>
               </a:ext>
             </a:extLst>
           </p:cNvPr>
@@ -247,7 +247,7 @@
           <p:cNvPr id="4" name="Date Placeholder 3">
             <a:extLst>
               <a:ext uri="{FF2B5EF4-FFF2-40B4-BE49-F238E27FC236}">
-                <a16:creationId xmlns="" xmlns:a16="http://schemas.microsoft.com/office/drawing/2014/main" id="{E5CC99E3-37A6-4485-B9A2-AF27A72608C6}"/>
+                <a16:creationId xmlns:a16="http://schemas.microsoft.com/office/drawing/2014/main" xmlns="" id="{E5CC99E3-37A6-4485-B9A2-AF27A72608C6}"/>
               </a:ext>
             </a:extLst>
           </p:cNvPr>
@@ -276,7 +276,7 @@
           <p:cNvPr id="5" name="Footer Placeholder 4">
             <a:extLst>
               <a:ext uri="{FF2B5EF4-FFF2-40B4-BE49-F238E27FC236}">
-                <a16:creationId xmlns="" xmlns:a16="http://schemas.microsoft.com/office/drawing/2014/main" id="{D75BD546-D949-4A25-8EA4-47DF23229409}"/>
+                <a16:creationId xmlns:a16="http://schemas.microsoft.com/office/drawing/2014/main" xmlns="" id="{D75BD546-D949-4A25-8EA4-47DF23229409}"/>
               </a:ext>
             </a:extLst>
           </p:cNvPr>
@@ -301,7 +301,7 @@
           <p:cNvPr id="6" name="Slide Number Placeholder 5">
             <a:extLst>
               <a:ext uri="{FF2B5EF4-FFF2-40B4-BE49-F238E27FC236}">
-                <a16:creationId xmlns="" xmlns:a16="http://schemas.microsoft.com/office/drawing/2014/main" id="{68147391-4DF6-4ACF-BCE9-C1A9DAC803E3}"/>
+                <a16:creationId xmlns:a16="http://schemas.microsoft.com/office/drawing/2014/main" xmlns="" id="{68147391-4DF6-4ACF-BCE9-C1A9DAC803E3}"/>
               </a:ext>
             </a:extLst>
           </p:cNvPr>
@@ -360,7 +360,7 @@
           <p:cNvPr id="2" name="Title 1">
             <a:extLst>
               <a:ext uri="{FF2B5EF4-FFF2-40B4-BE49-F238E27FC236}">
-                <a16:creationId xmlns="" xmlns:a16="http://schemas.microsoft.com/office/drawing/2014/main" id="{251D3DFE-0C62-45F5-B1BF-FD1F194ED112}"/>
+                <a16:creationId xmlns:a16="http://schemas.microsoft.com/office/drawing/2014/main" xmlns="" id="{251D3DFE-0C62-45F5-B1BF-FD1F194ED112}"/>
               </a:ext>
             </a:extLst>
           </p:cNvPr>
@@ -389,7 +389,7 @@
           <p:cNvPr id="3" name="Vertical Text Placeholder 2">
             <a:extLst>
               <a:ext uri="{FF2B5EF4-FFF2-40B4-BE49-F238E27FC236}">
-                <a16:creationId xmlns="" xmlns:a16="http://schemas.microsoft.com/office/drawing/2014/main" id="{D2392762-3586-4B6D-A174-2D3ACF0A125B}"/>
+                <a16:creationId xmlns:a16="http://schemas.microsoft.com/office/drawing/2014/main" xmlns="" id="{D2392762-3586-4B6D-A174-2D3ACF0A125B}"/>
               </a:ext>
             </a:extLst>
           </p:cNvPr>
@@ -447,7 +447,7 @@
           <p:cNvPr id="4" name="Date Placeholder 3">
             <a:extLst>
               <a:ext uri="{FF2B5EF4-FFF2-40B4-BE49-F238E27FC236}">
-                <a16:creationId xmlns="" xmlns:a16="http://schemas.microsoft.com/office/drawing/2014/main" id="{73B232E7-84FB-4535-9FC1-1BEF8F17421F}"/>
+                <a16:creationId xmlns:a16="http://schemas.microsoft.com/office/drawing/2014/main" xmlns="" id="{73B232E7-84FB-4535-9FC1-1BEF8F17421F}"/>
               </a:ext>
             </a:extLst>
           </p:cNvPr>
@@ -476,7 +476,7 @@
           <p:cNvPr id="5" name="Footer Placeholder 4">
             <a:extLst>
               <a:ext uri="{FF2B5EF4-FFF2-40B4-BE49-F238E27FC236}">
-                <a16:creationId xmlns="" xmlns:a16="http://schemas.microsoft.com/office/drawing/2014/main" id="{76F796EF-04EF-401A-AC84-F7BDBC99DE80}"/>
+                <a16:creationId xmlns:a16="http://schemas.microsoft.com/office/drawing/2014/main" xmlns="" id="{76F796EF-04EF-401A-AC84-F7BDBC99DE80}"/>
               </a:ext>
             </a:extLst>
           </p:cNvPr>
@@ -501,7 +501,7 @@
           <p:cNvPr id="6" name="Slide Number Placeholder 5">
             <a:extLst>
               <a:ext uri="{FF2B5EF4-FFF2-40B4-BE49-F238E27FC236}">
-                <a16:creationId xmlns="" xmlns:a16="http://schemas.microsoft.com/office/drawing/2014/main" id="{8F55F009-0A64-4649-A732-4AA6D619F1F3}"/>
+                <a16:creationId xmlns:a16="http://schemas.microsoft.com/office/drawing/2014/main" xmlns="" id="{8F55F009-0A64-4649-A732-4AA6D619F1F3}"/>
               </a:ext>
             </a:extLst>
           </p:cNvPr>
@@ -560,7 +560,7 @@
           <p:cNvPr id="2" name="Vertical Title 1">
             <a:extLst>
               <a:ext uri="{FF2B5EF4-FFF2-40B4-BE49-F238E27FC236}">
-                <a16:creationId xmlns="" xmlns:a16="http://schemas.microsoft.com/office/drawing/2014/main" id="{F7DE9595-D7A8-4E19-B4C6-E295F978F6A4}"/>
+                <a16:creationId xmlns:a16="http://schemas.microsoft.com/office/drawing/2014/main" xmlns="" id="{F7DE9595-D7A8-4E19-B4C6-E295F978F6A4}"/>
               </a:ext>
             </a:extLst>
           </p:cNvPr>
@@ -594,7 +594,7 @@
           <p:cNvPr id="3" name="Vertical Text Placeholder 2">
             <a:extLst>
               <a:ext uri="{FF2B5EF4-FFF2-40B4-BE49-F238E27FC236}">
-                <a16:creationId xmlns="" xmlns:a16="http://schemas.microsoft.com/office/drawing/2014/main" id="{0D2975B7-7A6D-40EA-B2F6-338022AD2BF1}"/>
+                <a16:creationId xmlns:a16="http://schemas.microsoft.com/office/drawing/2014/main" xmlns="" id="{0D2975B7-7A6D-40EA-B2F6-338022AD2BF1}"/>
               </a:ext>
             </a:extLst>
           </p:cNvPr>
@@ -657,7 +657,7 @@
           <p:cNvPr id="4" name="Date Placeholder 3">
             <a:extLst>
               <a:ext uri="{FF2B5EF4-FFF2-40B4-BE49-F238E27FC236}">
-                <a16:creationId xmlns="" xmlns:a16="http://schemas.microsoft.com/office/drawing/2014/main" id="{C8230AC3-1BED-4D2B-96D3-51C50E14A9E6}"/>
+                <a16:creationId xmlns:a16="http://schemas.microsoft.com/office/drawing/2014/main" xmlns="" id="{C8230AC3-1BED-4D2B-96D3-51C50E14A9E6}"/>
               </a:ext>
             </a:extLst>
           </p:cNvPr>
@@ -686,7 +686,7 @@
           <p:cNvPr id="5" name="Footer Placeholder 4">
             <a:extLst>
               <a:ext uri="{FF2B5EF4-FFF2-40B4-BE49-F238E27FC236}">
-                <a16:creationId xmlns="" xmlns:a16="http://schemas.microsoft.com/office/drawing/2014/main" id="{4AD6CA96-231A-43AD-B530-7C509651DE3B}"/>
+                <a16:creationId xmlns:a16="http://schemas.microsoft.com/office/drawing/2014/main" xmlns="" id="{4AD6CA96-231A-43AD-B530-7C509651DE3B}"/>
               </a:ext>
             </a:extLst>
           </p:cNvPr>
@@ -711,7 +711,7 @@
           <p:cNvPr id="6" name="Slide Number Placeholder 5">
             <a:extLst>
               <a:ext uri="{FF2B5EF4-FFF2-40B4-BE49-F238E27FC236}">
-                <a16:creationId xmlns="" xmlns:a16="http://schemas.microsoft.com/office/drawing/2014/main" id="{12063E3B-180A-454E-A661-6CCD48D7062C}"/>
+                <a16:creationId xmlns:a16="http://schemas.microsoft.com/office/drawing/2014/main" xmlns="" id="{12063E3B-180A-454E-A661-6CCD48D7062C}"/>
               </a:ext>
             </a:extLst>
           </p:cNvPr>
@@ -770,7 +770,7 @@
           <p:cNvPr id="2" name="Title 1">
             <a:extLst>
               <a:ext uri="{FF2B5EF4-FFF2-40B4-BE49-F238E27FC236}">
-                <a16:creationId xmlns="" xmlns:a16="http://schemas.microsoft.com/office/drawing/2014/main" id="{7E861C8D-BAF0-4DD9-92B9-591B272791CA}"/>
+                <a16:creationId xmlns:a16="http://schemas.microsoft.com/office/drawing/2014/main" xmlns="" id="{7E861C8D-BAF0-4DD9-92B9-591B272791CA}"/>
               </a:ext>
             </a:extLst>
           </p:cNvPr>
@@ -799,7 +799,7 @@
           <p:cNvPr id="3" name="Content Placeholder 2">
             <a:extLst>
               <a:ext uri="{FF2B5EF4-FFF2-40B4-BE49-F238E27FC236}">
-                <a16:creationId xmlns="" xmlns:a16="http://schemas.microsoft.com/office/drawing/2014/main" id="{534DA4BD-1D78-446B-B79F-C1229642DDEB}"/>
+                <a16:creationId xmlns:a16="http://schemas.microsoft.com/office/drawing/2014/main" xmlns="" id="{534DA4BD-1D78-446B-B79F-C1229642DDEB}"/>
               </a:ext>
             </a:extLst>
           </p:cNvPr>
@@ -857,7 +857,7 @@
           <p:cNvPr id="4" name="Date Placeholder 3">
             <a:extLst>
               <a:ext uri="{FF2B5EF4-FFF2-40B4-BE49-F238E27FC236}">
-                <a16:creationId xmlns="" xmlns:a16="http://schemas.microsoft.com/office/drawing/2014/main" id="{AD6BEDB5-7B62-4953-BECB-7F7F3E909CAC}"/>
+                <a16:creationId xmlns:a16="http://schemas.microsoft.com/office/drawing/2014/main" xmlns="" id="{AD6BEDB5-7B62-4953-BECB-7F7F3E909CAC}"/>
               </a:ext>
             </a:extLst>
           </p:cNvPr>
@@ -886,7 +886,7 @@
           <p:cNvPr id="5" name="Footer Placeholder 4">
             <a:extLst>
               <a:ext uri="{FF2B5EF4-FFF2-40B4-BE49-F238E27FC236}">
-                <a16:creationId xmlns="" xmlns:a16="http://schemas.microsoft.com/office/drawing/2014/main" id="{349CD732-2DD1-42BE-8480-5C6507018294}"/>
+                <a16:creationId xmlns:a16="http://schemas.microsoft.com/office/drawing/2014/main" xmlns="" id="{349CD732-2DD1-42BE-8480-5C6507018294}"/>
               </a:ext>
             </a:extLst>
           </p:cNvPr>
@@ -911,7 +911,7 @@
           <p:cNvPr id="6" name="Slide Number Placeholder 5">
             <a:extLst>
               <a:ext uri="{FF2B5EF4-FFF2-40B4-BE49-F238E27FC236}">
-                <a16:creationId xmlns="" xmlns:a16="http://schemas.microsoft.com/office/drawing/2014/main" id="{574C27E0-F36A-4438-9402-C2CB0377D92D}"/>
+                <a16:creationId xmlns:a16="http://schemas.microsoft.com/office/drawing/2014/main" xmlns="" id="{574C27E0-F36A-4438-9402-C2CB0377D92D}"/>
               </a:ext>
             </a:extLst>
           </p:cNvPr>
@@ -970,7 +970,7 @@
           <p:cNvPr id="2" name="Title 1">
             <a:extLst>
               <a:ext uri="{FF2B5EF4-FFF2-40B4-BE49-F238E27FC236}">
-                <a16:creationId xmlns="" xmlns:a16="http://schemas.microsoft.com/office/drawing/2014/main" id="{80A42FFA-8A45-40F8-9C5C-9906971B38AB}"/>
+                <a16:creationId xmlns:a16="http://schemas.microsoft.com/office/drawing/2014/main" xmlns="" id="{80A42FFA-8A45-40F8-9C5C-9906971B38AB}"/>
               </a:ext>
             </a:extLst>
           </p:cNvPr>
@@ -1008,7 +1008,7 @@
           <p:cNvPr id="3" name="Text Placeholder 2">
             <a:extLst>
               <a:ext uri="{FF2B5EF4-FFF2-40B4-BE49-F238E27FC236}">
-                <a16:creationId xmlns="" xmlns:a16="http://schemas.microsoft.com/office/drawing/2014/main" id="{7D8879A7-8225-4473-B738-B780B6224EC5}"/>
+                <a16:creationId xmlns:a16="http://schemas.microsoft.com/office/drawing/2014/main" xmlns="" id="{7D8879A7-8225-4473-B738-B780B6224EC5}"/>
               </a:ext>
             </a:extLst>
           </p:cNvPr>
@@ -1133,7 +1133,7 @@
           <p:cNvPr id="4" name="Date Placeholder 3">
             <a:extLst>
               <a:ext uri="{FF2B5EF4-FFF2-40B4-BE49-F238E27FC236}">
-                <a16:creationId xmlns="" xmlns:a16="http://schemas.microsoft.com/office/drawing/2014/main" id="{6CF7978C-FE65-4091-9152-E33029C12AEA}"/>
+                <a16:creationId xmlns:a16="http://schemas.microsoft.com/office/drawing/2014/main" xmlns="" id="{6CF7978C-FE65-4091-9152-E33029C12AEA}"/>
               </a:ext>
             </a:extLst>
           </p:cNvPr>
@@ -1162,7 +1162,7 @@
           <p:cNvPr id="5" name="Footer Placeholder 4">
             <a:extLst>
               <a:ext uri="{FF2B5EF4-FFF2-40B4-BE49-F238E27FC236}">
-                <a16:creationId xmlns="" xmlns:a16="http://schemas.microsoft.com/office/drawing/2014/main" id="{B344C9CC-480F-4DCB-AC70-D7A4CCA0B8B7}"/>
+                <a16:creationId xmlns:a16="http://schemas.microsoft.com/office/drawing/2014/main" xmlns="" id="{B344C9CC-480F-4DCB-AC70-D7A4CCA0B8B7}"/>
               </a:ext>
             </a:extLst>
           </p:cNvPr>
@@ -1187,7 +1187,7 @@
           <p:cNvPr id="6" name="Slide Number Placeholder 5">
             <a:extLst>
               <a:ext uri="{FF2B5EF4-FFF2-40B4-BE49-F238E27FC236}">
-                <a16:creationId xmlns="" xmlns:a16="http://schemas.microsoft.com/office/drawing/2014/main" id="{8F5A07EC-843A-4ED9-8F1C-AD703CA36D58}"/>
+                <a16:creationId xmlns:a16="http://schemas.microsoft.com/office/drawing/2014/main" xmlns="" id="{8F5A07EC-843A-4ED9-8F1C-AD703CA36D58}"/>
               </a:ext>
             </a:extLst>
           </p:cNvPr>
@@ -1246,7 +1246,7 @@
           <p:cNvPr id="2" name="Title 1">
             <a:extLst>
               <a:ext uri="{FF2B5EF4-FFF2-40B4-BE49-F238E27FC236}">
-                <a16:creationId xmlns="" xmlns:a16="http://schemas.microsoft.com/office/drawing/2014/main" id="{056EE2DA-07D9-4774-A8CA-0CA247F8C72A}"/>
+                <a16:creationId xmlns:a16="http://schemas.microsoft.com/office/drawing/2014/main" xmlns="" id="{056EE2DA-07D9-4774-A8CA-0CA247F8C72A}"/>
               </a:ext>
             </a:extLst>
           </p:cNvPr>
@@ -1275,7 +1275,7 @@
           <p:cNvPr id="3" name="Content Placeholder 2">
             <a:extLst>
               <a:ext uri="{FF2B5EF4-FFF2-40B4-BE49-F238E27FC236}">
-                <a16:creationId xmlns="" xmlns:a16="http://schemas.microsoft.com/office/drawing/2014/main" id="{3CF93A59-4E25-4FFA-8796-AA06EF3E5C3E}"/>
+                <a16:creationId xmlns:a16="http://schemas.microsoft.com/office/drawing/2014/main" xmlns="" id="{3CF93A59-4E25-4FFA-8796-AA06EF3E5C3E}"/>
               </a:ext>
             </a:extLst>
           </p:cNvPr>
@@ -1338,7 +1338,7 @@
           <p:cNvPr id="4" name="Content Placeholder 3">
             <a:extLst>
               <a:ext uri="{FF2B5EF4-FFF2-40B4-BE49-F238E27FC236}">
-                <a16:creationId xmlns="" xmlns:a16="http://schemas.microsoft.com/office/drawing/2014/main" id="{81373B10-E346-4893-AFEE-65E014405E2D}"/>
+                <a16:creationId xmlns:a16="http://schemas.microsoft.com/office/drawing/2014/main" xmlns="" id="{81373B10-E346-4893-AFEE-65E014405E2D}"/>
               </a:ext>
             </a:extLst>
           </p:cNvPr>
@@ -1401,7 +1401,7 @@
           <p:cNvPr id="5" name="Date Placeholder 4">
             <a:extLst>
               <a:ext uri="{FF2B5EF4-FFF2-40B4-BE49-F238E27FC236}">
-                <a16:creationId xmlns="" xmlns:a16="http://schemas.microsoft.com/office/drawing/2014/main" id="{D9C411A1-6D64-4C63-A758-5D2FEE677F45}"/>
+                <a16:creationId xmlns:a16="http://schemas.microsoft.com/office/drawing/2014/main" xmlns="" id="{D9C411A1-6D64-4C63-A758-5D2FEE677F45}"/>
               </a:ext>
             </a:extLst>
           </p:cNvPr>
@@ -1430,7 +1430,7 @@
           <p:cNvPr id="6" name="Footer Placeholder 5">
             <a:extLst>
               <a:ext uri="{FF2B5EF4-FFF2-40B4-BE49-F238E27FC236}">
-                <a16:creationId xmlns="" xmlns:a16="http://schemas.microsoft.com/office/drawing/2014/main" id="{8D9C2E46-644C-4155-A697-764A7A0AB1F4}"/>
+                <a16:creationId xmlns:a16="http://schemas.microsoft.com/office/drawing/2014/main" xmlns="" id="{8D9C2E46-644C-4155-A697-764A7A0AB1F4}"/>
               </a:ext>
             </a:extLst>
           </p:cNvPr>
@@ -1455,7 +1455,7 @@
           <p:cNvPr id="7" name="Slide Number Placeholder 6">
             <a:extLst>
               <a:ext uri="{FF2B5EF4-FFF2-40B4-BE49-F238E27FC236}">
-                <a16:creationId xmlns="" xmlns:a16="http://schemas.microsoft.com/office/drawing/2014/main" id="{6192DEDD-6479-45E4-B1F5-6EDD41BBB103}"/>
+                <a16:creationId xmlns:a16="http://schemas.microsoft.com/office/drawing/2014/main" xmlns="" id="{6192DEDD-6479-45E4-B1F5-6EDD41BBB103}"/>
               </a:ext>
             </a:extLst>
           </p:cNvPr>
@@ -1514,7 +1514,7 @@
           <p:cNvPr id="2" name="Title 1">
             <a:extLst>
               <a:ext uri="{FF2B5EF4-FFF2-40B4-BE49-F238E27FC236}">
-                <a16:creationId xmlns="" xmlns:a16="http://schemas.microsoft.com/office/drawing/2014/main" id="{DC0ED888-63EF-4CC0-8500-9C8DB672FEC2}"/>
+                <a16:creationId xmlns:a16="http://schemas.microsoft.com/office/drawing/2014/main" xmlns="" id="{DC0ED888-63EF-4CC0-8500-9C8DB672FEC2}"/>
               </a:ext>
             </a:extLst>
           </p:cNvPr>
@@ -1548,7 +1548,7 @@
           <p:cNvPr id="3" name="Text Placeholder 2">
             <a:extLst>
               <a:ext uri="{FF2B5EF4-FFF2-40B4-BE49-F238E27FC236}">
-                <a16:creationId xmlns="" xmlns:a16="http://schemas.microsoft.com/office/drawing/2014/main" id="{3C33BC1E-FB79-4906-A967-9C7046C6D272}"/>
+                <a16:creationId xmlns:a16="http://schemas.microsoft.com/office/drawing/2014/main" xmlns="" id="{3C33BC1E-FB79-4906-A967-9C7046C6D272}"/>
               </a:ext>
             </a:extLst>
           </p:cNvPr>
@@ -1619,7 +1619,7 @@
           <p:cNvPr id="4" name="Content Placeholder 3">
             <a:extLst>
               <a:ext uri="{FF2B5EF4-FFF2-40B4-BE49-F238E27FC236}">
-                <a16:creationId xmlns="" xmlns:a16="http://schemas.microsoft.com/office/drawing/2014/main" id="{697A4EC6-1C42-4BA4-8108-32579276C17B}"/>
+                <a16:creationId xmlns:a16="http://schemas.microsoft.com/office/drawing/2014/main" xmlns="" id="{697A4EC6-1C42-4BA4-8108-32579276C17B}"/>
               </a:ext>
             </a:extLst>
           </p:cNvPr>
@@ -1682,7 +1682,7 @@
           <p:cNvPr id="5" name="Text Placeholder 4">
             <a:extLst>
               <a:ext uri="{FF2B5EF4-FFF2-40B4-BE49-F238E27FC236}">
-                <a16:creationId xmlns="" xmlns:a16="http://schemas.microsoft.com/office/drawing/2014/main" id="{8A2CA209-B9F5-4E1E-B302-74CC2D4CFDFB}"/>
+                <a16:creationId xmlns:a16="http://schemas.microsoft.com/office/drawing/2014/main" xmlns="" id="{8A2CA209-B9F5-4E1E-B302-74CC2D4CFDFB}"/>
               </a:ext>
             </a:extLst>
           </p:cNvPr>
@@ -1753,7 +1753,7 @@
           <p:cNvPr id="6" name="Content Placeholder 5">
             <a:extLst>
               <a:ext uri="{FF2B5EF4-FFF2-40B4-BE49-F238E27FC236}">
-                <a16:creationId xmlns="" xmlns:a16="http://schemas.microsoft.com/office/drawing/2014/main" id="{0E6E876D-DC4D-40EE-BA38-CD01089602CF}"/>
+                <a16:creationId xmlns:a16="http://schemas.microsoft.com/office/drawing/2014/main" xmlns="" id="{0E6E876D-DC4D-40EE-BA38-CD01089602CF}"/>
               </a:ext>
             </a:extLst>
           </p:cNvPr>
@@ -1816,7 +1816,7 @@
           <p:cNvPr id="7" name="Date Placeholder 6">
             <a:extLst>
               <a:ext uri="{FF2B5EF4-FFF2-40B4-BE49-F238E27FC236}">
-                <a16:creationId xmlns="" xmlns:a16="http://schemas.microsoft.com/office/drawing/2014/main" id="{F24E1D97-8B3C-41A1-B0BA-BA833AD8BC7C}"/>
+                <a16:creationId xmlns:a16="http://schemas.microsoft.com/office/drawing/2014/main" xmlns="" id="{F24E1D97-8B3C-41A1-B0BA-BA833AD8BC7C}"/>
               </a:ext>
             </a:extLst>
           </p:cNvPr>
@@ -1845,7 +1845,7 @@
           <p:cNvPr id="8" name="Footer Placeholder 7">
             <a:extLst>
               <a:ext uri="{FF2B5EF4-FFF2-40B4-BE49-F238E27FC236}">
-                <a16:creationId xmlns="" xmlns:a16="http://schemas.microsoft.com/office/drawing/2014/main" id="{FC358D8F-B7DA-4DCE-AC8F-706450EEC0DC}"/>
+                <a16:creationId xmlns:a16="http://schemas.microsoft.com/office/drawing/2014/main" xmlns="" id="{FC358D8F-B7DA-4DCE-AC8F-706450EEC0DC}"/>
               </a:ext>
             </a:extLst>
           </p:cNvPr>
@@ -1870,7 +1870,7 @@
           <p:cNvPr id="9" name="Slide Number Placeholder 8">
             <a:extLst>
               <a:ext uri="{FF2B5EF4-FFF2-40B4-BE49-F238E27FC236}">
-                <a16:creationId xmlns="" xmlns:a16="http://schemas.microsoft.com/office/drawing/2014/main" id="{40CE354E-2C73-4B6F-8AEB-14D1378A77E1}"/>
+                <a16:creationId xmlns:a16="http://schemas.microsoft.com/office/drawing/2014/main" xmlns="" id="{40CE354E-2C73-4B6F-8AEB-14D1378A77E1}"/>
               </a:ext>
             </a:extLst>
           </p:cNvPr>
@@ -1929,7 +1929,7 @@
           <p:cNvPr id="2" name="Title 1">
             <a:extLst>
               <a:ext uri="{FF2B5EF4-FFF2-40B4-BE49-F238E27FC236}">
-                <a16:creationId xmlns="" xmlns:a16="http://schemas.microsoft.com/office/drawing/2014/main" id="{17D9D381-288C-43FB-86C2-AAA4FCFD43FD}"/>
+                <a16:creationId xmlns:a16="http://schemas.microsoft.com/office/drawing/2014/main" xmlns="" id="{17D9D381-288C-43FB-86C2-AAA4FCFD43FD}"/>
               </a:ext>
             </a:extLst>
           </p:cNvPr>
@@ -1958,7 +1958,7 @@
           <p:cNvPr id="3" name="Date Placeholder 2">
             <a:extLst>
               <a:ext uri="{FF2B5EF4-FFF2-40B4-BE49-F238E27FC236}">
-                <a16:creationId xmlns="" xmlns:a16="http://schemas.microsoft.com/office/drawing/2014/main" id="{A85D75E5-4830-4F75-8132-91122609F925}"/>
+                <a16:creationId xmlns:a16="http://schemas.microsoft.com/office/drawing/2014/main" xmlns="" id="{A85D75E5-4830-4F75-8132-91122609F925}"/>
               </a:ext>
             </a:extLst>
           </p:cNvPr>
@@ -1987,7 +1987,7 @@
           <p:cNvPr id="4" name="Footer Placeholder 3">
             <a:extLst>
               <a:ext uri="{FF2B5EF4-FFF2-40B4-BE49-F238E27FC236}">
-                <a16:creationId xmlns="" xmlns:a16="http://schemas.microsoft.com/office/drawing/2014/main" id="{0C14A42C-834F-43EA-8053-84D5A665CEE7}"/>
+                <a16:creationId xmlns:a16="http://schemas.microsoft.com/office/drawing/2014/main" xmlns="" id="{0C14A42C-834F-43EA-8053-84D5A665CEE7}"/>
               </a:ext>
             </a:extLst>
           </p:cNvPr>
@@ -2012,7 +2012,7 @@
           <p:cNvPr id="5" name="Slide Number Placeholder 4">
             <a:extLst>
               <a:ext uri="{FF2B5EF4-FFF2-40B4-BE49-F238E27FC236}">
-                <a16:creationId xmlns="" xmlns:a16="http://schemas.microsoft.com/office/drawing/2014/main" id="{38C1E789-CDA9-48FF-A7BA-F21E31600226}"/>
+                <a16:creationId xmlns:a16="http://schemas.microsoft.com/office/drawing/2014/main" xmlns="" id="{38C1E789-CDA9-48FF-A7BA-F21E31600226}"/>
               </a:ext>
             </a:extLst>
           </p:cNvPr>
@@ -2071,7 +2071,7 @@
           <p:cNvPr id="2" name="Date Placeholder 1">
             <a:extLst>
               <a:ext uri="{FF2B5EF4-FFF2-40B4-BE49-F238E27FC236}">
-                <a16:creationId xmlns="" xmlns:a16="http://schemas.microsoft.com/office/drawing/2014/main" id="{21A40ECD-0ABD-4F35-B481-512A01FC643D}"/>
+                <a16:creationId xmlns:a16="http://schemas.microsoft.com/office/drawing/2014/main" xmlns="" id="{21A40ECD-0ABD-4F35-B481-512A01FC643D}"/>
               </a:ext>
             </a:extLst>
           </p:cNvPr>
@@ -2100,7 +2100,7 @@
           <p:cNvPr id="3" name="Footer Placeholder 2">
             <a:extLst>
               <a:ext uri="{FF2B5EF4-FFF2-40B4-BE49-F238E27FC236}">
-                <a16:creationId xmlns="" xmlns:a16="http://schemas.microsoft.com/office/drawing/2014/main" id="{D44B8F11-A412-4FA6-9070-B9C742F699F3}"/>
+                <a16:creationId xmlns:a16="http://schemas.microsoft.com/office/drawing/2014/main" xmlns="" id="{D44B8F11-A412-4FA6-9070-B9C742F699F3}"/>
               </a:ext>
             </a:extLst>
           </p:cNvPr>
@@ -2125,7 +2125,7 @@
           <p:cNvPr id="4" name="Slide Number Placeholder 3">
             <a:extLst>
               <a:ext uri="{FF2B5EF4-FFF2-40B4-BE49-F238E27FC236}">
-                <a16:creationId xmlns="" xmlns:a16="http://schemas.microsoft.com/office/drawing/2014/main" id="{E3EA086A-DA0B-4378-A128-F213644ECB0C}"/>
+                <a16:creationId xmlns:a16="http://schemas.microsoft.com/office/drawing/2014/main" xmlns="" id="{E3EA086A-DA0B-4378-A128-F213644ECB0C}"/>
               </a:ext>
             </a:extLst>
           </p:cNvPr>
@@ -2184,7 +2184,7 @@
           <p:cNvPr id="2" name="Title 1">
             <a:extLst>
               <a:ext uri="{FF2B5EF4-FFF2-40B4-BE49-F238E27FC236}">
-                <a16:creationId xmlns="" xmlns:a16="http://schemas.microsoft.com/office/drawing/2014/main" id="{765D165A-D423-4E89-A075-D59A9FB59792}"/>
+                <a16:creationId xmlns:a16="http://schemas.microsoft.com/office/drawing/2014/main" xmlns="" id="{765D165A-D423-4E89-A075-D59A9FB59792}"/>
               </a:ext>
             </a:extLst>
           </p:cNvPr>
@@ -2222,7 +2222,7 @@
           <p:cNvPr id="3" name="Content Placeholder 2">
             <a:extLst>
               <a:ext uri="{FF2B5EF4-FFF2-40B4-BE49-F238E27FC236}">
-                <a16:creationId xmlns="" xmlns:a16="http://schemas.microsoft.com/office/drawing/2014/main" id="{77C2A5CC-2876-49CA-993D-F4F73FC9D2B0}"/>
+                <a16:creationId xmlns:a16="http://schemas.microsoft.com/office/drawing/2014/main" xmlns="" id="{77C2A5CC-2876-49CA-993D-F4F73FC9D2B0}"/>
               </a:ext>
             </a:extLst>
           </p:cNvPr>
@@ -2313,7 +2313,7 @@
           <p:cNvPr id="4" name="Text Placeholder 3">
             <a:extLst>
               <a:ext uri="{FF2B5EF4-FFF2-40B4-BE49-F238E27FC236}">
-                <a16:creationId xmlns="" xmlns:a16="http://schemas.microsoft.com/office/drawing/2014/main" id="{7B4DE2E8-CCF6-4E88-A858-05A04CD0D736}"/>
+                <a16:creationId xmlns:a16="http://schemas.microsoft.com/office/drawing/2014/main" xmlns="" id="{7B4DE2E8-CCF6-4E88-A858-05A04CD0D736}"/>
               </a:ext>
             </a:extLst>
           </p:cNvPr>
@@ -2384,7 +2384,7 @@
           <p:cNvPr id="5" name="Date Placeholder 4">
             <a:extLst>
               <a:ext uri="{FF2B5EF4-FFF2-40B4-BE49-F238E27FC236}">
-                <a16:creationId xmlns="" xmlns:a16="http://schemas.microsoft.com/office/drawing/2014/main" id="{CAEBEC1E-DE48-4B55-A846-F8248E381145}"/>
+                <a16:creationId xmlns:a16="http://schemas.microsoft.com/office/drawing/2014/main" xmlns="" id="{CAEBEC1E-DE48-4B55-A846-F8248E381145}"/>
               </a:ext>
             </a:extLst>
           </p:cNvPr>
@@ -2413,7 +2413,7 @@
           <p:cNvPr id="6" name="Footer Placeholder 5">
             <a:extLst>
               <a:ext uri="{FF2B5EF4-FFF2-40B4-BE49-F238E27FC236}">
-                <a16:creationId xmlns="" xmlns:a16="http://schemas.microsoft.com/office/drawing/2014/main" id="{945A6E8B-6BC2-49E9-B4E5-DAD3F7A1A1BF}"/>
+                <a16:creationId xmlns:a16="http://schemas.microsoft.com/office/drawing/2014/main" xmlns="" id="{945A6E8B-6BC2-49E9-B4E5-DAD3F7A1A1BF}"/>
               </a:ext>
             </a:extLst>
           </p:cNvPr>
@@ -2438,7 +2438,7 @@
           <p:cNvPr id="7" name="Slide Number Placeholder 6">
             <a:extLst>
               <a:ext uri="{FF2B5EF4-FFF2-40B4-BE49-F238E27FC236}">
-                <a16:creationId xmlns="" xmlns:a16="http://schemas.microsoft.com/office/drawing/2014/main" id="{E5CF739B-EDF0-43CE-A87E-C49F040C85A5}"/>
+                <a16:creationId xmlns:a16="http://schemas.microsoft.com/office/drawing/2014/main" xmlns="" id="{E5CF739B-EDF0-43CE-A87E-C49F040C85A5}"/>
               </a:ext>
             </a:extLst>
           </p:cNvPr>
@@ -2497,7 +2497,7 @@
           <p:cNvPr id="2" name="Title 1">
             <a:extLst>
               <a:ext uri="{FF2B5EF4-FFF2-40B4-BE49-F238E27FC236}">
-                <a16:creationId xmlns="" xmlns:a16="http://schemas.microsoft.com/office/drawing/2014/main" id="{0091F49F-E849-4834-84DB-61CF2F2652D4}"/>
+                <a16:creationId xmlns:a16="http://schemas.microsoft.com/office/drawing/2014/main" xmlns="" id="{0091F49F-E849-4834-84DB-61CF2F2652D4}"/>
               </a:ext>
             </a:extLst>
           </p:cNvPr>
@@ -2535,7 +2535,7 @@
           <p:cNvPr id="3" name="Picture Placeholder 2">
             <a:extLst>
               <a:ext uri="{FF2B5EF4-FFF2-40B4-BE49-F238E27FC236}">
-                <a16:creationId xmlns="" xmlns:a16="http://schemas.microsoft.com/office/drawing/2014/main" id="{631D62A9-3420-4F1C-9EB9-09EF85106E78}"/>
+                <a16:creationId xmlns:a16="http://schemas.microsoft.com/office/drawing/2014/main" xmlns="" id="{631D62A9-3420-4F1C-9EB9-09EF85106E78}"/>
               </a:ext>
             </a:extLst>
           </p:cNvPr>
@@ -2602,7 +2602,7 @@
           <p:cNvPr id="4" name="Text Placeholder 3">
             <a:extLst>
               <a:ext uri="{FF2B5EF4-FFF2-40B4-BE49-F238E27FC236}">
-                <a16:creationId xmlns="" xmlns:a16="http://schemas.microsoft.com/office/drawing/2014/main" id="{E450EC8D-D7F4-45FC-AD8C-2E198A32CCA2}"/>
+                <a16:creationId xmlns:a16="http://schemas.microsoft.com/office/drawing/2014/main" xmlns="" id="{E450EC8D-D7F4-45FC-AD8C-2E198A32CCA2}"/>
               </a:ext>
             </a:extLst>
           </p:cNvPr>
@@ -2673,7 +2673,7 @@
           <p:cNvPr id="5" name="Date Placeholder 4">
             <a:extLst>
               <a:ext uri="{FF2B5EF4-FFF2-40B4-BE49-F238E27FC236}">
-                <a16:creationId xmlns="" xmlns:a16="http://schemas.microsoft.com/office/drawing/2014/main" id="{7A73D668-ABF4-41FE-958C-542EEDC5F6CC}"/>
+                <a16:creationId xmlns:a16="http://schemas.microsoft.com/office/drawing/2014/main" xmlns="" id="{7A73D668-ABF4-41FE-958C-542EEDC5F6CC}"/>
               </a:ext>
             </a:extLst>
           </p:cNvPr>
@@ -2702,7 +2702,7 @@
           <p:cNvPr id="6" name="Footer Placeholder 5">
             <a:extLst>
               <a:ext uri="{FF2B5EF4-FFF2-40B4-BE49-F238E27FC236}">
-                <a16:creationId xmlns="" xmlns:a16="http://schemas.microsoft.com/office/drawing/2014/main" id="{F4A83B1C-93E7-4D32-9D1B-3F37403B1ACD}"/>
+                <a16:creationId xmlns:a16="http://schemas.microsoft.com/office/drawing/2014/main" xmlns="" id="{F4A83B1C-93E7-4D32-9D1B-3F37403B1ACD}"/>
               </a:ext>
             </a:extLst>
           </p:cNvPr>
@@ -2727,7 +2727,7 @@
           <p:cNvPr id="7" name="Slide Number Placeholder 6">
             <a:extLst>
               <a:ext uri="{FF2B5EF4-FFF2-40B4-BE49-F238E27FC236}">
-                <a16:creationId xmlns="" xmlns:a16="http://schemas.microsoft.com/office/drawing/2014/main" id="{C6AF73BE-F17B-487B-943B-28655BB51C92}"/>
+                <a16:creationId xmlns:a16="http://schemas.microsoft.com/office/drawing/2014/main" xmlns="" id="{C6AF73BE-F17B-487B-943B-28655BB51C92}"/>
               </a:ext>
             </a:extLst>
           </p:cNvPr>
@@ -2791,7 +2791,7 @@
           <p:cNvPr id="2" name="Title Placeholder 1">
             <a:extLst>
               <a:ext uri="{FF2B5EF4-FFF2-40B4-BE49-F238E27FC236}">
-                <a16:creationId xmlns="" xmlns:a16="http://schemas.microsoft.com/office/drawing/2014/main" id="{96F7127E-5F47-4B37-9FDB-695AB14D9551}"/>
+                <a16:creationId xmlns:a16="http://schemas.microsoft.com/office/drawing/2014/main" xmlns="" id="{96F7127E-5F47-4B37-9FDB-695AB14D9551}"/>
               </a:ext>
             </a:extLst>
           </p:cNvPr>
@@ -2830,7 +2830,7 @@
           <p:cNvPr id="3" name="Text Placeholder 2">
             <a:extLst>
               <a:ext uri="{FF2B5EF4-FFF2-40B4-BE49-F238E27FC236}">
-                <a16:creationId xmlns="" xmlns:a16="http://schemas.microsoft.com/office/drawing/2014/main" id="{3BD20F0F-B303-4EE3-AF17-E303EA90B1A3}"/>
+                <a16:creationId xmlns:a16="http://schemas.microsoft.com/office/drawing/2014/main" xmlns="" id="{3BD20F0F-B303-4EE3-AF17-E303EA90B1A3}"/>
               </a:ext>
             </a:extLst>
           </p:cNvPr>
@@ -2898,7 +2898,7 @@
           <p:cNvPr id="4" name="Date Placeholder 3">
             <a:extLst>
               <a:ext uri="{FF2B5EF4-FFF2-40B4-BE49-F238E27FC236}">
-                <a16:creationId xmlns="" xmlns:a16="http://schemas.microsoft.com/office/drawing/2014/main" id="{7927ADFB-0C7F-4333-A456-815FAB4B0315}"/>
+                <a16:creationId xmlns:a16="http://schemas.microsoft.com/office/drawing/2014/main" xmlns="" id="{7927ADFB-0C7F-4333-A456-815FAB4B0315}"/>
               </a:ext>
             </a:extLst>
           </p:cNvPr>
@@ -2945,7 +2945,7 @@
           <p:cNvPr id="5" name="Footer Placeholder 4">
             <a:extLst>
               <a:ext uri="{FF2B5EF4-FFF2-40B4-BE49-F238E27FC236}">
-                <a16:creationId xmlns="" xmlns:a16="http://schemas.microsoft.com/office/drawing/2014/main" id="{A1992B28-8397-4C93-A277-5EE43A537825}"/>
+                <a16:creationId xmlns:a16="http://schemas.microsoft.com/office/drawing/2014/main" xmlns="" id="{A1992B28-8397-4C93-A277-5EE43A537825}"/>
               </a:ext>
             </a:extLst>
           </p:cNvPr>
@@ -2988,7 +2988,7 @@
           <p:cNvPr id="6" name="Slide Number Placeholder 5">
             <a:extLst>
               <a:ext uri="{FF2B5EF4-FFF2-40B4-BE49-F238E27FC236}">
-                <a16:creationId xmlns="" xmlns:a16="http://schemas.microsoft.com/office/drawing/2014/main" id="{D7231209-A74B-4134-87D0-421AB81BBB47}"/>
+                <a16:creationId xmlns:a16="http://schemas.microsoft.com/office/drawing/2014/main" xmlns="" id="{D7231209-A74B-4134-87D0-421AB81BBB47}"/>
               </a:ext>
             </a:extLst>
           </p:cNvPr>
@@ -3356,7 +3356,7 @@
           <p:cNvPr id="45" name="TextBox 44">
             <a:extLst>
               <a:ext uri="{FF2B5EF4-FFF2-40B4-BE49-F238E27FC236}">
-                <a16:creationId xmlns="" xmlns:a16="http://schemas.microsoft.com/office/drawing/2014/main" id="{3151A13B-9509-43FA-BFEB-1D9866A00B84}"/>
+                <a16:creationId xmlns:a16="http://schemas.microsoft.com/office/drawing/2014/main" xmlns="" id="{3151A13B-9509-43FA-BFEB-1D9866A00B84}"/>
               </a:ext>
             </a:extLst>
           </p:cNvPr>
@@ -3400,7 +3400,7 @@
           <p:cNvPr id="13" name="Table 12">
             <a:extLst>
               <a:ext uri="{FF2B5EF4-FFF2-40B4-BE49-F238E27FC236}">
-                <a16:creationId xmlns="" xmlns:a16="http://schemas.microsoft.com/office/drawing/2014/main" id="{F545FAB8-F1CE-4886-9BDE-E772BCB0A9C4}"/>
+                <a16:creationId xmlns:a16="http://schemas.microsoft.com/office/drawing/2014/main" xmlns="" id="{F545FAB8-F1CE-4886-9BDE-E772BCB0A9C4}"/>
               </a:ext>
             </a:extLst>
           </p:cNvPr>
@@ -3410,7 +3410,7 @@
           <p:nvPr>
             <p:extLst>
               <p:ext uri="{D42A27DB-BD31-4B8C-83A1-F6EECF244321}">
-                <p14:modId xmlns:p14="http://schemas.microsoft.com/office/powerpoint/2010/main" val="1851476725"/>
+                <p14:modId xmlns:p14="http://schemas.microsoft.com/office/powerpoint/2010/main" val="251345024"/>
               </p:ext>
             </p:extLst>
           </p:nvPr>
@@ -3429,7 +3429,7 @@
                 <a:gridCol w="1833356">
                   <a:extLst>
                     <a:ext uri="{9D8B030D-6E8A-4147-A177-3AD203B41FA5}">
-                      <a16:colId xmlns="" xmlns:a16="http://schemas.microsoft.com/office/drawing/2014/main" val="4240773277"/>
+                      <a16:colId xmlns:a16="http://schemas.microsoft.com/office/drawing/2014/main" xmlns="" val="4240773277"/>
                     </a:ext>
                   </a:extLst>
                 </a:gridCol>
@@ -3455,7 +3455,7 @@
                 </a:tc>
                 <a:extLst>
                   <a:ext uri="{0D108BD9-81ED-4DB2-BD59-A6C34878D82A}">
-                    <a16:rowId xmlns="" xmlns:a16="http://schemas.microsoft.com/office/drawing/2014/main" val="2194462629"/>
+                    <a16:rowId xmlns:a16="http://schemas.microsoft.com/office/drawing/2014/main" xmlns="" val="2194462629"/>
                   </a:ext>
                 </a:extLst>
               </a:tr>
@@ -3562,7 +3562,7 @@
           <p:cNvPr id="19" name="TextBox 18">
             <a:extLst>
               <a:ext uri="{FF2B5EF4-FFF2-40B4-BE49-F238E27FC236}">
-                <a16:creationId xmlns="" xmlns:a16="http://schemas.microsoft.com/office/drawing/2014/main" id="{3151A13B-9509-43FA-BFEB-1D9866A00B84}"/>
+                <a16:creationId xmlns:a16="http://schemas.microsoft.com/office/drawing/2014/main" xmlns="" id="{3151A13B-9509-43FA-BFEB-1D9866A00B84}"/>
               </a:ext>
             </a:extLst>
           </p:cNvPr>
@@ -3652,7 +3652,7 @@
           <p:cNvPr id="12" name="Table 11">
             <a:extLst>
               <a:ext uri="{FF2B5EF4-FFF2-40B4-BE49-F238E27FC236}">
-                <a16:creationId xmlns="" xmlns:a16="http://schemas.microsoft.com/office/drawing/2014/main" id="{F545FAB8-F1CE-4886-9BDE-E772BCB0A9C4}"/>
+                <a16:creationId xmlns:a16="http://schemas.microsoft.com/office/drawing/2014/main" xmlns="" id="{F545FAB8-F1CE-4886-9BDE-E772BCB0A9C4}"/>
               </a:ext>
             </a:extLst>
           </p:cNvPr>
@@ -3662,7 +3662,7 @@
           <p:nvPr>
             <p:extLst>
               <p:ext uri="{D42A27DB-BD31-4B8C-83A1-F6EECF244321}">
-                <p14:modId xmlns:p14="http://schemas.microsoft.com/office/powerpoint/2010/main" val="1841014798"/>
+                <p14:modId xmlns:p14="http://schemas.microsoft.com/office/powerpoint/2010/main" val="255484719"/>
               </p:ext>
             </p:extLst>
           </p:nvPr>
@@ -3681,7 +3681,7 @@
                 <a:gridCol w="1833356">
                   <a:extLst>
                     <a:ext uri="{9D8B030D-6E8A-4147-A177-3AD203B41FA5}">
-                      <a16:colId xmlns="" xmlns:a16="http://schemas.microsoft.com/office/drawing/2014/main" val="4240773277"/>
+                      <a16:colId xmlns:a16="http://schemas.microsoft.com/office/drawing/2014/main" xmlns="" val="4240773277"/>
                     </a:ext>
                   </a:extLst>
                 </a:gridCol>
@@ -3707,7 +3707,7 @@
                 </a:tc>
                 <a:extLst>
                   <a:ext uri="{0D108BD9-81ED-4DB2-BD59-A6C34878D82A}">
-                    <a16:rowId xmlns="" xmlns:a16="http://schemas.microsoft.com/office/drawing/2014/main" val="2194462629"/>
+                    <a16:rowId xmlns:a16="http://schemas.microsoft.com/office/drawing/2014/main" xmlns="" val="2194462629"/>
                   </a:ext>
                 </a:extLst>
               </a:tr>
@@ -3720,7 +3720,7 @@
           <p:cNvPr id="15" name="Table 14">
             <a:extLst>
               <a:ext uri="{FF2B5EF4-FFF2-40B4-BE49-F238E27FC236}">
-                <a16:creationId xmlns="" xmlns:a16="http://schemas.microsoft.com/office/drawing/2014/main" id="{F545FAB8-F1CE-4886-9BDE-E772BCB0A9C4}"/>
+                <a16:creationId xmlns:a16="http://schemas.microsoft.com/office/drawing/2014/main" xmlns="" id="{F545FAB8-F1CE-4886-9BDE-E772BCB0A9C4}"/>
               </a:ext>
             </a:extLst>
           </p:cNvPr>
@@ -3730,7 +3730,7 @@
           <p:nvPr>
             <p:extLst>
               <p:ext uri="{D42A27DB-BD31-4B8C-83A1-F6EECF244321}">
-                <p14:modId xmlns:p14="http://schemas.microsoft.com/office/powerpoint/2010/main" val="374619582"/>
+                <p14:modId xmlns:p14="http://schemas.microsoft.com/office/powerpoint/2010/main" val="1111861880"/>
               </p:ext>
             </p:extLst>
           </p:nvPr>
@@ -3749,7 +3749,7 @@
                 <a:gridCol w="1833356">
                   <a:extLst>
                     <a:ext uri="{9D8B030D-6E8A-4147-A177-3AD203B41FA5}">
-                      <a16:colId xmlns="" xmlns:a16="http://schemas.microsoft.com/office/drawing/2014/main" val="4240773277"/>
+                      <a16:colId xmlns:a16="http://schemas.microsoft.com/office/drawing/2014/main" xmlns="" val="4240773277"/>
                     </a:ext>
                   </a:extLst>
                 </a:gridCol>
@@ -3775,7 +3775,7 @@
                 </a:tc>
                 <a:extLst>
                   <a:ext uri="{0D108BD9-81ED-4DB2-BD59-A6C34878D82A}">
-                    <a16:rowId xmlns="" xmlns:a16="http://schemas.microsoft.com/office/drawing/2014/main" val="2194462629"/>
+                    <a16:rowId xmlns:a16="http://schemas.microsoft.com/office/drawing/2014/main" xmlns="" val="2194462629"/>
                   </a:ext>
                 </a:extLst>
               </a:tr>
@@ -3788,7 +3788,7 @@
           <p:cNvPr id="14" name="Straight Arrow Connector 13">
             <a:extLst>
               <a:ext uri="{FF2B5EF4-FFF2-40B4-BE49-F238E27FC236}">
-                <a16:creationId xmlns="" xmlns:a16="http://schemas.microsoft.com/office/drawing/2014/main" id="{4E562EDA-12B3-44FD-8B44-BCF3C4356EB8}"/>
+                <a16:creationId xmlns:a16="http://schemas.microsoft.com/office/drawing/2014/main" xmlns="" id="{4E562EDA-12B3-44FD-8B44-BCF3C4356EB8}"/>
               </a:ext>
             </a:extLst>
           </p:cNvPr>
@@ -3832,7 +3832,7 @@
           <p:cNvPr id="16" name="Straight Arrow Connector 15">
             <a:extLst>
               <a:ext uri="{FF2B5EF4-FFF2-40B4-BE49-F238E27FC236}">
-                <a16:creationId xmlns="" xmlns:a16="http://schemas.microsoft.com/office/drawing/2014/main" id="{0C07500F-40C6-444B-B521-89577F312910}"/>
+                <a16:creationId xmlns:a16="http://schemas.microsoft.com/office/drawing/2014/main" xmlns="" id="{0C07500F-40C6-444B-B521-89577F312910}"/>
               </a:ext>
             </a:extLst>
           </p:cNvPr>

--- a/docs/diagrams/UndoRedoNewCommand1StateListDiagram.pptx
+++ b/docs/diagrams/UndoRedoNewCommand1StateListDiagram.pptx
@@ -138,7 +138,7 @@
           <p:cNvPr id="2" name="Title 1">
             <a:extLst>
               <a:ext uri="{FF2B5EF4-FFF2-40B4-BE49-F238E27FC236}">
-                <a16:creationId xmlns:a16="http://schemas.microsoft.com/office/drawing/2014/main" id="{39FCC519-EE2E-4054-A653-93D611E0133E}"/>
+                <a16:creationId xmlns:a16="http://schemas.microsoft.com/office/drawing/2014/main" xmlns="" id="{39FCC519-EE2E-4054-A653-93D611E0133E}"/>
               </a:ext>
             </a:extLst>
           </p:cNvPr>
@@ -176,7 +176,7 @@
           <p:cNvPr id="3" name="Subtitle 2">
             <a:extLst>
               <a:ext uri="{FF2B5EF4-FFF2-40B4-BE49-F238E27FC236}">
-                <a16:creationId xmlns:a16="http://schemas.microsoft.com/office/drawing/2014/main" id="{3EDEA74E-4030-4F69-A055-4C6319EEEC29}"/>
+                <a16:creationId xmlns:a16="http://schemas.microsoft.com/office/drawing/2014/main" xmlns="" id="{3EDEA74E-4030-4F69-A055-4C6319EEEC29}"/>
               </a:ext>
             </a:extLst>
           </p:cNvPr>
@@ -247,7 +247,7 @@
           <p:cNvPr id="4" name="Date Placeholder 3">
             <a:extLst>
               <a:ext uri="{FF2B5EF4-FFF2-40B4-BE49-F238E27FC236}">
-                <a16:creationId xmlns:a16="http://schemas.microsoft.com/office/drawing/2014/main" id="{E5CC99E3-37A6-4485-B9A2-AF27A72608C6}"/>
+                <a16:creationId xmlns:a16="http://schemas.microsoft.com/office/drawing/2014/main" xmlns="" id="{E5CC99E3-37A6-4485-B9A2-AF27A72608C6}"/>
               </a:ext>
             </a:extLst>
           </p:cNvPr>
@@ -265,7 +265,7 @@
           <a:p>
             <a:fld id="{03EC4E3E-8101-482F-A883-8B55DAFF7C07}" type="datetimeFigureOut">
               <a:rPr lang="en-SG" smtClean="0"/>
-              <a:t>6/7/2018</a:t>
+              <a:t>5/3/19</a:t>
             </a:fld>
             <a:endParaRPr lang="en-SG"/>
           </a:p>
@@ -276,7 +276,7 @@
           <p:cNvPr id="5" name="Footer Placeholder 4">
             <a:extLst>
               <a:ext uri="{FF2B5EF4-FFF2-40B4-BE49-F238E27FC236}">
-                <a16:creationId xmlns:a16="http://schemas.microsoft.com/office/drawing/2014/main" id="{D75BD546-D949-4A25-8EA4-47DF23229409}"/>
+                <a16:creationId xmlns:a16="http://schemas.microsoft.com/office/drawing/2014/main" xmlns="" id="{D75BD546-D949-4A25-8EA4-47DF23229409}"/>
               </a:ext>
             </a:extLst>
           </p:cNvPr>
@@ -301,7 +301,7 @@
           <p:cNvPr id="6" name="Slide Number Placeholder 5">
             <a:extLst>
               <a:ext uri="{FF2B5EF4-FFF2-40B4-BE49-F238E27FC236}">
-                <a16:creationId xmlns:a16="http://schemas.microsoft.com/office/drawing/2014/main" id="{68147391-4DF6-4ACF-BCE9-C1A9DAC803E3}"/>
+                <a16:creationId xmlns:a16="http://schemas.microsoft.com/office/drawing/2014/main" xmlns="" id="{68147391-4DF6-4ACF-BCE9-C1A9DAC803E3}"/>
               </a:ext>
             </a:extLst>
           </p:cNvPr>
@@ -360,7 +360,7 @@
           <p:cNvPr id="2" name="Title 1">
             <a:extLst>
               <a:ext uri="{FF2B5EF4-FFF2-40B4-BE49-F238E27FC236}">
-                <a16:creationId xmlns:a16="http://schemas.microsoft.com/office/drawing/2014/main" id="{251D3DFE-0C62-45F5-B1BF-FD1F194ED112}"/>
+                <a16:creationId xmlns:a16="http://schemas.microsoft.com/office/drawing/2014/main" xmlns="" id="{251D3DFE-0C62-45F5-B1BF-FD1F194ED112}"/>
               </a:ext>
             </a:extLst>
           </p:cNvPr>
@@ -389,7 +389,7 @@
           <p:cNvPr id="3" name="Vertical Text Placeholder 2">
             <a:extLst>
               <a:ext uri="{FF2B5EF4-FFF2-40B4-BE49-F238E27FC236}">
-                <a16:creationId xmlns:a16="http://schemas.microsoft.com/office/drawing/2014/main" id="{D2392762-3586-4B6D-A174-2D3ACF0A125B}"/>
+                <a16:creationId xmlns:a16="http://schemas.microsoft.com/office/drawing/2014/main" xmlns="" id="{D2392762-3586-4B6D-A174-2D3ACF0A125B}"/>
               </a:ext>
             </a:extLst>
           </p:cNvPr>
@@ -447,7 +447,7 @@
           <p:cNvPr id="4" name="Date Placeholder 3">
             <a:extLst>
               <a:ext uri="{FF2B5EF4-FFF2-40B4-BE49-F238E27FC236}">
-                <a16:creationId xmlns:a16="http://schemas.microsoft.com/office/drawing/2014/main" id="{73B232E7-84FB-4535-9FC1-1BEF8F17421F}"/>
+                <a16:creationId xmlns:a16="http://schemas.microsoft.com/office/drawing/2014/main" xmlns="" id="{73B232E7-84FB-4535-9FC1-1BEF8F17421F}"/>
               </a:ext>
             </a:extLst>
           </p:cNvPr>
@@ -465,7 +465,7 @@
           <a:p>
             <a:fld id="{03EC4E3E-8101-482F-A883-8B55DAFF7C07}" type="datetimeFigureOut">
               <a:rPr lang="en-SG" smtClean="0"/>
-              <a:t>6/7/2018</a:t>
+              <a:t>5/3/19</a:t>
             </a:fld>
             <a:endParaRPr lang="en-SG"/>
           </a:p>
@@ -476,7 +476,7 @@
           <p:cNvPr id="5" name="Footer Placeholder 4">
             <a:extLst>
               <a:ext uri="{FF2B5EF4-FFF2-40B4-BE49-F238E27FC236}">
-                <a16:creationId xmlns:a16="http://schemas.microsoft.com/office/drawing/2014/main" id="{76F796EF-04EF-401A-AC84-F7BDBC99DE80}"/>
+                <a16:creationId xmlns:a16="http://schemas.microsoft.com/office/drawing/2014/main" xmlns="" id="{76F796EF-04EF-401A-AC84-F7BDBC99DE80}"/>
               </a:ext>
             </a:extLst>
           </p:cNvPr>
@@ -501,7 +501,7 @@
           <p:cNvPr id="6" name="Slide Number Placeholder 5">
             <a:extLst>
               <a:ext uri="{FF2B5EF4-FFF2-40B4-BE49-F238E27FC236}">
-                <a16:creationId xmlns:a16="http://schemas.microsoft.com/office/drawing/2014/main" id="{8F55F009-0A64-4649-A732-4AA6D619F1F3}"/>
+                <a16:creationId xmlns:a16="http://schemas.microsoft.com/office/drawing/2014/main" xmlns="" id="{8F55F009-0A64-4649-A732-4AA6D619F1F3}"/>
               </a:ext>
             </a:extLst>
           </p:cNvPr>
@@ -560,7 +560,7 @@
           <p:cNvPr id="2" name="Vertical Title 1">
             <a:extLst>
               <a:ext uri="{FF2B5EF4-FFF2-40B4-BE49-F238E27FC236}">
-                <a16:creationId xmlns:a16="http://schemas.microsoft.com/office/drawing/2014/main" id="{F7DE9595-D7A8-4E19-B4C6-E295F978F6A4}"/>
+                <a16:creationId xmlns:a16="http://schemas.microsoft.com/office/drawing/2014/main" xmlns="" id="{F7DE9595-D7A8-4E19-B4C6-E295F978F6A4}"/>
               </a:ext>
             </a:extLst>
           </p:cNvPr>
@@ -594,7 +594,7 @@
           <p:cNvPr id="3" name="Vertical Text Placeholder 2">
             <a:extLst>
               <a:ext uri="{FF2B5EF4-FFF2-40B4-BE49-F238E27FC236}">
-                <a16:creationId xmlns:a16="http://schemas.microsoft.com/office/drawing/2014/main" id="{0D2975B7-7A6D-40EA-B2F6-338022AD2BF1}"/>
+                <a16:creationId xmlns:a16="http://schemas.microsoft.com/office/drawing/2014/main" xmlns="" id="{0D2975B7-7A6D-40EA-B2F6-338022AD2BF1}"/>
               </a:ext>
             </a:extLst>
           </p:cNvPr>
@@ -657,7 +657,7 @@
           <p:cNvPr id="4" name="Date Placeholder 3">
             <a:extLst>
               <a:ext uri="{FF2B5EF4-FFF2-40B4-BE49-F238E27FC236}">
-                <a16:creationId xmlns:a16="http://schemas.microsoft.com/office/drawing/2014/main" id="{C8230AC3-1BED-4D2B-96D3-51C50E14A9E6}"/>
+                <a16:creationId xmlns:a16="http://schemas.microsoft.com/office/drawing/2014/main" xmlns="" id="{C8230AC3-1BED-4D2B-96D3-51C50E14A9E6}"/>
               </a:ext>
             </a:extLst>
           </p:cNvPr>
@@ -675,7 +675,7 @@
           <a:p>
             <a:fld id="{03EC4E3E-8101-482F-A883-8B55DAFF7C07}" type="datetimeFigureOut">
               <a:rPr lang="en-SG" smtClean="0"/>
-              <a:t>6/7/2018</a:t>
+              <a:t>5/3/19</a:t>
             </a:fld>
             <a:endParaRPr lang="en-SG"/>
           </a:p>
@@ -686,7 +686,7 @@
           <p:cNvPr id="5" name="Footer Placeholder 4">
             <a:extLst>
               <a:ext uri="{FF2B5EF4-FFF2-40B4-BE49-F238E27FC236}">
-                <a16:creationId xmlns:a16="http://schemas.microsoft.com/office/drawing/2014/main" id="{4AD6CA96-231A-43AD-B530-7C509651DE3B}"/>
+                <a16:creationId xmlns:a16="http://schemas.microsoft.com/office/drawing/2014/main" xmlns="" id="{4AD6CA96-231A-43AD-B530-7C509651DE3B}"/>
               </a:ext>
             </a:extLst>
           </p:cNvPr>
@@ -711,7 +711,7 @@
           <p:cNvPr id="6" name="Slide Number Placeholder 5">
             <a:extLst>
               <a:ext uri="{FF2B5EF4-FFF2-40B4-BE49-F238E27FC236}">
-                <a16:creationId xmlns:a16="http://schemas.microsoft.com/office/drawing/2014/main" id="{12063E3B-180A-454E-A661-6CCD48D7062C}"/>
+                <a16:creationId xmlns:a16="http://schemas.microsoft.com/office/drawing/2014/main" xmlns="" id="{12063E3B-180A-454E-A661-6CCD48D7062C}"/>
               </a:ext>
             </a:extLst>
           </p:cNvPr>
@@ -770,7 +770,7 @@
           <p:cNvPr id="2" name="Title 1">
             <a:extLst>
               <a:ext uri="{FF2B5EF4-FFF2-40B4-BE49-F238E27FC236}">
-                <a16:creationId xmlns:a16="http://schemas.microsoft.com/office/drawing/2014/main" id="{7E861C8D-BAF0-4DD9-92B9-591B272791CA}"/>
+                <a16:creationId xmlns:a16="http://schemas.microsoft.com/office/drawing/2014/main" xmlns="" id="{7E861C8D-BAF0-4DD9-92B9-591B272791CA}"/>
               </a:ext>
             </a:extLst>
           </p:cNvPr>
@@ -799,7 +799,7 @@
           <p:cNvPr id="3" name="Content Placeholder 2">
             <a:extLst>
               <a:ext uri="{FF2B5EF4-FFF2-40B4-BE49-F238E27FC236}">
-                <a16:creationId xmlns:a16="http://schemas.microsoft.com/office/drawing/2014/main" id="{534DA4BD-1D78-446B-B79F-C1229642DDEB}"/>
+                <a16:creationId xmlns:a16="http://schemas.microsoft.com/office/drawing/2014/main" xmlns="" id="{534DA4BD-1D78-446B-B79F-C1229642DDEB}"/>
               </a:ext>
             </a:extLst>
           </p:cNvPr>
@@ -857,7 +857,7 @@
           <p:cNvPr id="4" name="Date Placeholder 3">
             <a:extLst>
               <a:ext uri="{FF2B5EF4-FFF2-40B4-BE49-F238E27FC236}">
-                <a16:creationId xmlns:a16="http://schemas.microsoft.com/office/drawing/2014/main" id="{AD6BEDB5-7B62-4953-BECB-7F7F3E909CAC}"/>
+                <a16:creationId xmlns:a16="http://schemas.microsoft.com/office/drawing/2014/main" xmlns="" id="{AD6BEDB5-7B62-4953-BECB-7F7F3E909CAC}"/>
               </a:ext>
             </a:extLst>
           </p:cNvPr>
@@ -875,7 +875,7 @@
           <a:p>
             <a:fld id="{03EC4E3E-8101-482F-A883-8B55DAFF7C07}" type="datetimeFigureOut">
               <a:rPr lang="en-SG" smtClean="0"/>
-              <a:t>6/7/2018</a:t>
+              <a:t>5/3/19</a:t>
             </a:fld>
             <a:endParaRPr lang="en-SG"/>
           </a:p>
@@ -886,7 +886,7 @@
           <p:cNvPr id="5" name="Footer Placeholder 4">
             <a:extLst>
               <a:ext uri="{FF2B5EF4-FFF2-40B4-BE49-F238E27FC236}">
-                <a16:creationId xmlns:a16="http://schemas.microsoft.com/office/drawing/2014/main" id="{349CD732-2DD1-42BE-8480-5C6507018294}"/>
+                <a16:creationId xmlns:a16="http://schemas.microsoft.com/office/drawing/2014/main" xmlns="" id="{349CD732-2DD1-42BE-8480-5C6507018294}"/>
               </a:ext>
             </a:extLst>
           </p:cNvPr>
@@ -911,7 +911,7 @@
           <p:cNvPr id="6" name="Slide Number Placeholder 5">
             <a:extLst>
               <a:ext uri="{FF2B5EF4-FFF2-40B4-BE49-F238E27FC236}">
-                <a16:creationId xmlns:a16="http://schemas.microsoft.com/office/drawing/2014/main" id="{574C27E0-F36A-4438-9402-C2CB0377D92D}"/>
+                <a16:creationId xmlns:a16="http://schemas.microsoft.com/office/drawing/2014/main" xmlns="" id="{574C27E0-F36A-4438-9402-C2CB0377D92D}"/>
               </a:ext>
             </a:extLst>
           </p:cNvPr>
@@ -970,7 +970,7 @@
           <p:cNvPr id="2" name="Title 1">
             <a:extLst>
               <a:ext uri="{FF2B5EF4-FFF2-40B4-BE49-F238E27FC236}">
-                <a16:creationId xmlns:a16="http://schemas.microsoft.com/office/drawing/2014/main" id="{80A42FFA-8A45-40F8-9C5C-9906971B38AB}"/>
+                <a16:creationId xmlns:a16="http://schemas.microsoft.com/office/drawing/2014/main" xmlns="" id="{80A42FFA-8A45-40F8-9C5C-9906971B38AB}"/>
               </a:ext>
             </a:extLst>
           </p:cNvPr>
@@ -1008,7 +1008,7 @@
           <p:cNvPr id="3" name="Text Placeholder 2">
             <a:extLst>
               <a:ext uri="{FF2B5EF4-FFF2-40B4-BE49-F238E27FC236}">
-                <a16:creationId xmlns:a16="http://schemas.microsoft.com/office/drawing/2014/main" id="{7D8879A7-8225-4473-B738-B780B6224EC5}"/>
+                <a16:creationId xmlns:a16="http://schemas.microsoft.com/office/drawing/2014/main" xmlns="" id="{7D8879A7-8225-4473-B738-B780B6224EC5}"/>
               </a:ext>
             </a:extLst>
           </p:cNvPr>
@@ -1133,7 +1133,7 @@
           <p:cNvPr id="4" name="Date Placeholder 3">
             <a:extLst>
               <a:ext uri="{FF2B5EF4-FFF2-40B4-BE49-F238E27FC236}">
-                <a16:creationId xmlns:a16="http://schemas.microsoft.com/office/drawing/2014/main" id="{6CF7978C-FE65-4091-9152-E33029C12AEA}"/>
+                <a16:creationId xmlns:a16="http://schemas.microsoft.com/office/drawing/2014/main" xmlns="" id="{6CF7978C-FE65-4091-9152-E33029C12AEA}"/>
               </a:ext>
             </a:extLst>
           </p:cNvPr>
@@ -1151,7 +1151,7 @@
           <a:p>
             <a:fld id="{03EC4E3E-8101-482F-A883-8B55DAFF7C07}" type="datetimeFigureOut">
               <a:rPr lang="en-SG" smtClean="0"/>
-              <a:t>6/7/2018</a:t>
+              <a:t>5/3/19</a:t>
             </a:fld>
             <a:endParaRPr lang="en-SG"/>
           </a:p>
@@ -1162,7 +1162,7 @@
           <p:cNvPr id="5" name="Footer Placeholder 4">
             <a:extLst>
               <a:ext uri="{FF2B5EF4-FFF2-40B4-BE49-F238E27FC236}">
-                <a16:creationId xmlns:a16="http://schemas.microsoft.com/office/drawing/2014/main" id="{B344C9CC-480F-4DCB-AC70-D7A4CCA0B8B7}"/>
+                <a16:creationId xmlns:a16="http://schemas.microsoft.com/office/drawing/2014/main" xmlns="" id="{B344C9CC-480F-4DCB-AC70-D7A4CCA0B8B7}"/>
               </a:ext>
             </a:extLst>
           </p:cNvPr>
@@ -1187,7 +1187,7 @@
           <p:cNvPr id="6" name="Slide Number Placeholder 5">
             <a:extLst>
               <a:ext uri="{FF2B5EF4-FFF2-40B4-BE49-F238E27FC236}">
-                <a16:creationId xmlns:a16="http://schemas.microsoft.com/office/drawing/2014/main" id="{8F5A07EC-843A-4ED9-8F1C-AD703CA36D58}"/>
+                <a16:creationId xmlns:a16="http://schemas.microsoft.com/office/drawing/2014/main" xmlns="" id="{8F5A07EC-843A-4ED9-8F1C-AD703CA36D58}"/>
               </a:ext>
             </a:extLst>
           </p:cNvPr>
@@ -1246,7 +1246,7 @@
           <p:cNvPr id="2" name="Title 1">
             <a:extLst>
               <a:ext uri="{FF2B5EF4-FFF2-40B4-BE49-F238E27FC236}">
-                <a16:creationId xmlns:a16="http://schemas.microsoft.com/office/drawing/2014/main" id="{056EE2DA-07D9-4774-A8CA-0CA247F8C72A}"/>
+                <a16:creationId xmlns:a16="http://schemas.microsoft.com/office/drawing/2014/main" xmlns="" id="{056EE2DA-07D9-4774-A8CA-0CA247F8C72A}"/>
               </a:ext>
             </a:extLst>
           </p:cNvPr>
@@ -1275,7 +1275,7 @@
           <p:cNvPr id="3" name="Content Placeholder 2">
             <a:extLst>
               <a:ext uri="{FF2B5EF4-FFF2-40B4-BE49-F238E27FC236}">
-                <a16:creationId xmlns:a16="http://schemas.microsoft.com/office/drawing/2014/main" id="{3CF93A59-4E25-4FFA-8796-AA06EF3E5C3E}"/>
+                <a16:creationId xmlns:a16="http://schemas.microsoft.com/office/drawing/2014/main" xmlns="" id="{3CF93A59-4E25-4FFA-8796-AA06EF3E5C3E}"/>
               </a:ext>
             </a:extLst>
           </p:cNvPr>
@@ -1338,7 +1338,7 @@
           <p:cNvPr id="4" name="Content Placeholder 3">
             <a:extLst>
               <a:ext uri="{FF2B5EF4-FFF2-40B4-BE49-F238E27FC236}">
-                <a16:creationId xmlns:a16="http://schemas.microsoft.com/office/drawing/2014/main" id="{81373B10-E346-4893-AFEE-65E014405E2D}"/>
+                <a16:creationId xmlns:a16="http://schemas.microsoft.com/office/drawing/2014/main" xmlns="" id="{81373B10-E346-4893-AFEE-65E014405E2D}"/>
               </a:ext>
             </a:extLst>
           </p:cNvPr>
@@ -1401,7 +1401,7 @@
           <p:cNvPr id="5" name="Date Placeholder 4">
             <a:extLst>
               <a:ext uri="{FF2B5EF4-FFF2-40B4-BE49-F238E27FC236}">
-                <a16:creationId xmlns:a16="http://schemas.microsoft.com/office/drawing/2014/main" id="{D9C411A1-6D64-4C63-A758-5D2FEE677F45}"/>
+                <a16:creationId xmlns:a16="http://schemas.microsoft.com/office/drawing/2014/main" xmlns="" id="{D9C411A1-6D64-4C63-A758-5D2FEE677F45}"/>
               </a:ext>
             </a:extLst>
           </p:cNvPr>
@@ -1419,7 +1419,7 @@
           <a:p>
             <a:fld id="{03EC4E3E-8101-482F-A883-8B55DAFF7C07}" type="datetimeFigureOut">
               <a:rPr lang="en-SG" smtClean="0"/>
-              <a:t>6/7/2018</a:t>
+              <a:t>5/3/19</a:t>
             </a:fld>
             <a:endParaRPr lang="en-SG"/>
           </a:p>
@@ -1430,7 +1430,7 @@
           <p:cNvPr id="6" name="Footer Placeholder 5">
             <a:extLst>
               <a:ext uri="{FF2B5EF4-FFF2-40B4-BE49-F238E27FC236}">
-                <a16:creationId xmlns:a16="http://schemas.microsoft.com/office/drawing/2014/main" id="{8D9C2E46-644C-4155-A697-764A7A0AB1F4}"/>
+                <a16:creationId xmlns:a16="http://schemas.microsoft.com/office/drawing/2014/main" xmlns="" id="{8D9C2E46-644C-4155-A697-764A7A0AB1F4}"/>
               </a:ext>
             </a:extLst>
           </p:cNvPr>
@@ -1455,7 +1455,7 @@
           <p:cNvPr id="7" name="Slide Number Placeholder 6">
             <a:extLst>
               <a:ext uri="{FF2B5EF4-FFF2-40B4-BE49-F238E27FC236}">
-                <a16:creationId xmlns:a16="http://schemas.microsoft.com/office/drawing/2014/main" id="{6192DEDD-6479-45E4-B1F5-6EDD41BBB103}"/>
+                <a16:creationId xmlns:a16="http://schemas.microsoft.com/office/drawing/2014/main" xmlns="" id="{6192DEDD-6479-45E4-B1F5-6EDD41BBB103}"/>
               </a:ext>
             </a:extLst>
           </p:cNvPr>
@@ -1514,7 +1514,7 @@
           <p:cNvPr id="2" name="Title 1">
             <a:extLst>
               <a:ext uri="{FF2B5EF4-FFF2-40B4-BE49-F238E27FC236}">
-                <a16:creationId xmlns:a16="http://schemas.microsoft.com/office/drawing/2014/main" id="{DC0ED888-63EF-4CC0-8500-9C8DB672FEC2}"/>
+                <a16:creationId xmlns:a16="http://schemas.microsoft.com/office/drawing/2014/main" xmlns="" id="{DC0ED888-63EF-4CC0-8500-9C8DB672FEC2}"/>
               </a:ext>
             </a:extLst>
           </p:cNvPr>
@@ -1548,7 +1548,7 @@
           <p:cNvPr id="3" name="Text Placeholder 2">
             <a:extLst>
               <a:ext uri="{FF2B5EF4-FFF2-40B4-BE49-F238E27FC236}">
-                <a16:creationId xmlns:a16="http://schemas.microsoft.com/office/drawing/2014/main" id="{3C33BC1E-FB79-4906-A967-9C7046C6D272}"/>
+                <a16:creationId xmlns:a16="http://schemas.microsoft.com/office/drawing/2014/main" xmlns="" id="{3C33BC1E-FB79-4906-A967-9C7046C6D272}"/>
               </a:ext>
             </a:extLst>
           </p:cNvPr>
@@ -1619,7 +1619,7 @@
           <p:cNvPr id="4" name="Content Placeholder 3">
             <a:extLst>
               <a:ext uri="{FF2B5EF4-FFF2-40B4-BE49-F238E27FC236}">
-                <a16:creationId xmlns:a16="http://schemas.microsoft.com/office/drawing/2014/main" id="{697A4EC6-1C42-4BA4-8108-32579276C17B}"/>
+                <a16:creationId xmlns:a16="http://schemas.microsoft.com/office/drawing/2014/main" xmlns="" id="{697A4EC6-1C42-4BA4-8108-32579276C17B}"/>
               </a:ext>
             </a:extLst>
           </p:cNvPr>
@@ -1682,7 +1682,7 @@
           <p:cNvPr id="5" name="Text Placeholder 4">
             <a:extLst>
               <a:ext uri="{FF2B5EF4-FFF2-40B4-BE49-F238E27FC236}">
-                <a16:creationId xmlns:a16="http://schemas.microsoft.com/office/drawing/2014/main" id="{8A2CA209-B9F5-4E1E-B302-74CC2D4CFDFB}"/>
+                <a16:creationId xmlns:a16="http://schemas.microsoft.com/office/drawing/2014/main" xmlns="" id="{8A2CA209-B9F5-4E1E-B302-74CC2D4CFDFB}"/>
               </a:ext>
             </a:extLst>
           </p:cNvPr>
@@ -1753,7 +1753,7 @@
           <p:cNvPr id="6" name="Content Placeholder 5">
             <a:extLst>
               <a:ext uri="{FF2B5EF4-FFF2-40B4-BE49-F238E27FC236}">
-                <a16:creationId xmlns:a16="http://schemas.microsoft.com/office/drawing/2014/main" id="{0E6E876D-DC4D-40EE-BA38-CD01089602CF}"/>
+                <a16:creationId xmlns:a16="http://schemas.microsoft.com/office/drawing/2014/main" xmlns="" id="{0E6E876D-DC4D-40EE-BA38-CD01089602CF}"/>
               </a:ext>
             </a:extLst>
           </p:cNvPr>
@@ -1816,7 +1816,7 @@
           <p:cNvPr id="7" name="Date Placeholder 6">
             <a:extLst>
               <a:ext uri="{FF2B5EF4-FFF2-40B4-BE49-F238E27FC236}">
-                <a16:creationId xmlns:a16="http://schemas.microsoft.com/office/drawing/2014/main" id="{F24E1D97-8B3C-41A1-B0BA-BA833AD8BC7C}"/>
+                <a16:creationId xmlns:a16="http://schemas.microsoft.com/office/drawing/2014/main" xmlns="" id="{F24E1D97-8B3C-41A1-B0BA-BA833AD8BC7C}"/>
               </a:ext>
             </a:extLst>
           </p:cNvPr>
@@ -1834,7 +1834,7 @@
           <a:p>
             <a:fld id="{03EC4E3E-8101-482F-A883-8B55DAFF7C07}" type="datetimeFigureOut">
               <a:rPr lang="en-SG" smtClean="0"/>
-              <a:t>6/7/2018</a:t>
+              <a:t>5/3/19</a:t>
             </a:fld>
             <a:endParaRPr lang="en-SG"/>
           </a:p>
@@ -1845,7 +1845,7 @@
           <p:cNvPr id="8" name="Footer Placeholder 7">
             <a:extLst>
               <a:ext uri="{FF2B5EF4-FFF2-40B4-BE49-F238E27FC236}">
-                <a16:creationId xmlns:a16="http://schemas.microsoft.com/office/drawing/2014/main" id="{FC358D8F-B7DA-4DCE-AC8F-706450EEC0DC}"/>
+                <a16:creationId xmlns:a16="http://schemas.microsoft.com/office/drawing/2014/main" xmlns="" id="{FC358D8F-B7DA-4DCE-AC8F-706450EEC0DC}"/>
               </a:ext>
             </a:extLst>
           </p:cNvPr>
@@ -1870,7 +1870,7 @@
           <p:cNvPr id="9" name="Slide Number Placeholder 8">
             <a:extLst>
               <a:ext uri="{FF2B5EF4-FFF2-40B4-BE49-F238E27FC236}">
-                <a16:creationId xmlns:a16="http://schemas.microsoft.com/office/drawing/2014/main" id="{40CE354E-2C73-4B6F-8AEB-14D1378A77E1}"/>
+                <a16:creationId xmlns:a16="http://schemas.microsoft.com/office/drawing/2014/main" xmlns="" id="{40CE354E-2C73-4B6F-8AEB-14D1378A77E1}"/>
               </a:ext>
             </a:extLst>
           </p:cNvPr>
@@ -1929,7 +1929,7 @@
           <p:cNvPr id="2" name="Title 1">
             <a:extLst>
               <a:ext uri="{FF2B5EF4-FFF2-40B4-BE49-F238E27FC236}">
-                <a16:creationId xmlns:a16="http://schemas.microsoft.com/office/drawing/2014/main" id="{17D9D381-288C-43FB-86C2-AAA4FCFD43FD}"/>
+                <a16:creationId xmlns:a16="http://schemas.microsoft.com/office/drawing/2014/main" xmlns="" id="{17D9D381-288C-43FB-86C2-AAA4FCFD43FD}"/>
               </a:ext>
             </a:extLst>
           </p:cNvPr>
@@ -1958,7 +1958,7 @@
           <p:cNvPr id="3" name="Date Placeholder 2">
             <a:extLst>
               <a:ext uri="{FF2B5EF4-FFF2-40B4-BE49-F238E27FC236}">
-                <a16:creationId xmlns:a16="http://schemas.microsoft.com/office/drawing/2014/main" id="{A85D75E5-4830-4F75-8132-91122609F925}"/>
+                <a16:creationId xmlns:a16="http://schemas.microsoft.com/office/drawing/2014/main" xmlns="" id="{A85D75E5-4830-4F75-8132-91122609F925}"/>
               </a:ext>
             </a:extLst>
           </p:cNvPr>
@@ -1976,7 +1976,7 @@
           <a:p>
             <a:fld id="{03EC4E3E-8101-482F-A883-8B55DAFF7C07}" type="datetimeFigureOut">
               <a:rPr lang="en-SG" smtClean="0"/>
-              <a:t>6/7/2018</a:t>
+              <a:t>5/3/19</a:t>
             </a:fld>
             <a:endParaRPr lang="en-SG"/>
           </a:p>
@@ -1987,7 +1987,7 @@
           <p:cNvPr id="4" name="Footer Placeholder 3">
             <a:extLst>
               <a:ext uri="{FF2B5EF4-FFF2-40B4-BE49-F238E27FC236}">
-                <a16:creationId xmlns:a16="http://schemas.microsoft.com/office/drawing/2014/main" id="{0C14A42C-834F-43EA-8053-84D5A665CEE7}"/>
+                <a16:creationId xmlns:a16="http://schemas.microsoft.com/office/drawing/2014/main" xmlns="" id="{0C14A42C-834F-43EA-8053-84D5A665CEE7}"/>
               </a:ext>
             </a:extLst>
           </p:cNvPr>
@@ -2012,7 +2012,7 @@
           <p:cNvPr id="5" name="Slide Number Placeholder 4">
             <a:extLst>
               <a:ext uri="{FF2B5EF4-FFF2-40B4-BE49-F238E27FC236}">
-                <a16:creationId xmlns:a16="http://schemas.microsoft.com/office/drawing/2014/main" id="{38C1E789-CDA9-48FF-A7BA-F21E31600226}"/>
+                <a16:creationId xmlns:a16="http://schemas.microsoft.com/office/drawing/2014/main" xmlns="" id="{38C1E789-CDA9-48FF-A7BA-F21E31600226}"/>
               </a:ext>
             </a:extLst>
           </p:cNvPr>
@@ -2071,7 +2071,7 @@
           <p:cNvPr id="2" name="Date Placeholder 1">
             <a:extLst>
               <a:ext uri="{FF2B5EF4-FFF2-40B4-BE49-F238E27FC236}">
-                <a16:creationId xmlns:a16="http://schemas.microsoft.com/office/drawing/2014/main" id="{21A40ECD-0ABD-4F35-B481-512A01FC643D}"/>
+                <a16:creationId xmlns:a16="http://schemas.microsoft.com/office/drawing/2014/main" xmlns="" id="{21A40ECD-0ABD-4F35-B481-512A01FC643D}"/>
               </a:ext>
             </a:extLst>
           </p:cNvPr>
@@ -2089,7 +2089,7 @@
           <a:p>
             <a:fld id="{03EC4E3E-8101-482F-A883-8B55DAFF7C07}" type="datetimeFigureOut">
               <a:rPr lang="en-SG" smtClean="0"/>
-              <a:t>6/7/2018</a:t>
+              <a:t>5/3/19</a:t>
             </a:fld>
             <a:endParaRPr lang="en-SG"/>
           </a:p>
@@ -2100,7 +2100,7 @@
           <p:cNvPr id="3" name="Footer Placeholder 2">
             <a:extLst>
               <a:ext uri="{FF2B5EF4-FFF2-40B4-BE49-F238E27FC236}">
-                <a16:creationId xmlns:a16="http://schemas.microsoft.com/office/drawing/2014/main" id="{D44B8F11-A412-4FA6-9070-B9C742F699F3}"/>
+                <a16:creationId xmlns:a16="http://schemas.microsoft.com/office/drawing/2014/main" xmlns="" id="{D44B8F11-A412-4FA6-9070-B9C742F699F3}"/>
               </a:ext>
             </a:extLst>
           </p:cNvPr>
@@ -2125,7 +2125,7 @@
           <p:cNvPr id="4" name="Slide Number Placeholder 3">
             <a:extLst>
               <a:ext uri="{FF2B5EF4-FFF2-40B4-BE49-F238E27FC236}">
-                <a16:creationId xmlns:a16="http://schemas.microsoft.com/office/drawing/2014/main" id="{E3EA086A-DA0B-4378-A128-F213644ECB0C}"/>
+                <a16:creationId xmlns:a16="http://schemas.microsoft.com/office/drawing/2014/main" xmlns="" id="{E3EA086A-DA0B-4378-A128-F213644ECB0C}"/>
               </a:ext>
             </a:extLst>
           </p:cNvPr>
@@ -2184,7 +2184,7 @@
           <p:cNvPr id="2" name="Title 1">
             <a:extLst>
               <a:ext uri="{FF2B5EF4-FFF2-40B4-BE49-F238E27FC236}">
-                <a16:creationId xmlns:a16="http://schemas.microsoft.com/office/drawing/2014/main" id="{765D165A-D423-4E89-A075-D59A9FB59792}"/>
+                <a16:creationId xmlns:a16="http://schemas.microsoft.com/office/drawing/2014/main" xmlns="" id="{765D165A-D423-4E89-A075-D59A9FB59792}"/>
               </a:ext>
             </a:extLst>
           </p:cNvPr>
@@ -2222,7 +2222,7 @@
           <p:cNvPr id="3" name="Content Placeholder 2">
             <a:extLst>
               <a:ext uri="{FF2B5EF4-FFF2-40B4-BE49-F238E27FC236}">
-                <a16:creationId xmlns:a16="http://schemas.microsoft.com/office/drawing/2014/main" id="{77C2A5CC-2876-49CA-993D-F4F73FC9D2B0}"/>
+                <a16:creationId xmlns:a16="http://schemas.microsoft.com/office/drawing/2014/main" xmlns="" id="{77C2A5CC-2876-49CA-993D-F4F73FC9D2B0}"/>
               </a:ext>
             </a:extLst>
           </p:cNvPr>
@@ -2313,7 +2313,7 @@
           <p:cNvPr id="4" name="Text Placeholder 3">
             <a:extLst>
               <a:ext uri="{FF2B5EF4-FFF2-40B4-BE49-F238E27FC236}">
-                <a16:creationId xmlns:a16="http://schemas.microsoft.com/office/drawing/2014/main" id="{7B4DE2E8-CCF6-4E88-A858-05A04CD0D736}"/>
+                <a16:creationId xmlns:a16="http://schemas.microsoft.com/office/drawing/2014/main" xmlns="" id="{7B4DE2E8-CCF6-4E88-A858-05A04CD0D736}"/>
               </a:ext>
             </a:extLst>
           </p:cNvPr>
@@ -2384,7 +2384,7 @@
           <p:cNvPr id="5" name="Date Placeholder 4">
             <a:extLst>
               <a:ext uri="{FF2B5EF4-FFF2-40B4-BE49-F238E27FC236}">
-                <a16:creationId xmlns:a16="http://schemas.microsoft.com/office/drawing/2014/main" id="{CAEBEC1E-DE48-4B55-A846-F8248E381145}"/>
+                <a16:creationId xmlns:a16="http://schemas.microsoft.com/office/drawing/2014/main" xmlns="" id="{CAEBEC1E-DE48-4B55-A846-F8248E381145}"/>
               </a:ext>
             </a:extLst>
           </p:cNvPr>
@@ -2402,7 +2402,7 @@
           <a:p>
             <a:fld id="{03EC4E3E-8101-482F-A883-8B55DAFF7C07}" type="datetimeFigureOut">
               <a:rPr lang="en-SG" smtClean="0"/>
-              <a:t>6/7/2018</a:t>
+              <a:t>5/3/19</a:t>
             </a:fld>
             <a:endParaRPr lang="en-SG"/>
           </a:p>
@@ -2413,7 +2413,7 @@
           <p:cNvPr id="6" name="Footer Placeholder 5">
             <a:extLst>
               <a:ext uri="{FF2B5EF4-FFF2-40B4-BE49-F238E27FC236}">
-                <a16:creationId xmlns:a16="http://schemas.microsoft.com/office/drawing/2014/main" id="{945A6E8B-6BC2-49E9-B4E5-DAD3F7A1A1BF}"/>
+                <a16:creationId xmlns:a16="http://schemas.microsoft.com/office/drawing/2014/main" xmlns="" id="{945A6E8B-6BC2-49E9-B4E5-DAD3F7A1A1BF}"/>
               </a:ext>
             </a:extLst>
           </p:cNvPr>
@@ -2438,7 +2438,7 @@
           <p:cNvPr id="7" name="Slide Number Placeholder 6">
             <a:extLst>
               <a:ext uri="{FF2B5EF4-FFF2-40B4-BE49-F238E27FC236}">
-                <a16:creationId xmlns:a16="http://schemas.microsoft.com/office/drawing/2014/main" id="{E5CF739B-EDF0-43CE-A87E-C49F040C85A5}"/>
+                <a16:creationId xmlns:a16="http://schemas.microsoft.com/office/drawing/2014/main" xmlns="" id="{E5CF739B-EDF0-43CE-A87E-C49F040C85A5}"/>
               </a:ext>
             </a:extLst>
           </p:cNvPr>
@@ -2497,7 +2497,7 @@
           <p:cNvPr id="2" name="Title 1">
             <a:extLst>
               <a:ext uri="{FF2B5EF4-FFF2-40B4-BE49-F238E27FC236}">
-                <a16:creationId xmlns:a16="http://schemas.microsoft.com/office/drawing/2014/main" id="{0091F49F-E849-4834-84DB-61CF2F2652D4}"/>
+                <a16:creationId xmlns:a16="http://schemas.microsoft.com/office/drawing/2014/main" xmlns="" id="{0091F49F-E849-4834-84DB-61CF2F2652D4}"/>
               </a:ext>
             </a:extLst>
           </p:cNvPr>
@@ -2535,7 +2535,7 @@
           <p:cNvPr id="3" name="Picture Placeholder 2">
             <a:extLst>
               <a:ext uri="{FF2B5EF4-FFF2-40B4-BE49-F238E27FC236}">
-                <a16:creationId xmlns:a16="http://schemas.microsoft.com/office/drawing/2014/main" id="{631D62A9-3420-4F1C-9EB9-09EF85106E78}"/>
+                <a16:creationId xmlns:a16="http://schemas.microsoft.com/office/drawing/2014/main" xmlns="" id="{631D62A9-3420-4F1C-9EB9-09EF85106E78}"/>
               </a:ext>
             </a:extLst>
           </p:cNvPr>
@@ -2602,7 +2602,7 @@
           <p:cNvPr id="4" name="Text Placeholder 3">
             <a:extLst>
               <a:ext uri="{FF2B5EF4-FFF2-40B4-BE49-F238E27FC236}">
-                <a16:creationId xmlns:a16="http://schemas.microsoft.com/office/drawing/2014/main" id="{E450EC8D-D7F4-45FC-AD8C-2E198A32CCA2}"/>
+                <a16:creationId xmlns:a16="http://schemas.microsoft.com/office/drawing/2014/main" xmlns="" id="{E450EC8D-D7F4-45FC-AD8C-2E198A32CCA2}"/>
               </a:ext>
             </a:extLst>
           </p:cNvPr>
@@ -2673,7 +2673,7 @@
           <p:cNvPr id="5" name="Date Placeholder 4">
             <a:extLst>
               <a:ext uri="{FF2B5EF4-FFF2-40B4-BE49-F238E27FC236}">
-                <a16:creationId xmlns:a16="http://schemas.microsoft.com/office/drawing/2014/main" id="{7A73D668-ABF4-41FE-958C-542EEDC5F6CC}"/>
+                <a16:creationId xmlns:a16="http://schemas.microsoft.com/office/drawing/2014/main" xmlns="" id="{7A73D668-ABF4-41FE-958C-542EEDC5F6CC}"/>
               </a:ext>
             </a:extLst>
           </p:cNvPr>
@@ -2691,7 +2691,7 @@
           <a:p>
             <a:fld id="{03EC4E3E-8101-482F-A883-8B55DAFF7C07}" type="datetimeFigureOut">
               <a:rPr lang="en-SG" smtClean="0"/>
-              <a:t>6/7/2018</a:t>
+              <a:t>5/3/19</a:t>
             </a:fld>
             <a:endParaRPr lang="en-SG"/>
           </a:p>
@@ -2702,7 +2702,7 @@
           <p:cNvPr id="6" name="Footer Placeholder 5">
             <a:extLst>
               <a:ext uri="{FF2B5EF4-FFF2-40B4-BE49-F238E27FC236}">
-                <a16:creationId xmlns:a16="http://schemas.microsoft.com/office/drawing/2014/main" id="{F4A83B1C-93E7-4D32-9D1B-3F37403B1ACD}"/>
+                <a16:creationId xmlns:a16="http://schemas.microsoft.com/office/drawing/2014/main" xmlns="" id="{F4A83B1C-93E7-4D32-9D1B-3F37403B1ACD}"/>
               </a:ext>
             </a:extLst>
           </p:cNvPr>
@@ -2727,7 +2727,7 @@
           <p:cNvPr id="7" name="Slide Number Placeholder 6">
             <a:extLst>
               <a:ext uri="{FF2B5EF4-FFF2-40B4-BE49-F238E27FC236}">
-                <a16:creationId xmlns:a16="http://schemas.microsoft.com/office/drawing/2014/main" id="{C6AF73BE-F17B-487B-943B-28655BB51C92}"/>
+                <a16:creationId xmlns:a16="http://schemas.microsoft.com/office/drawing/2014/main" xmlns="" id="{C6AF73BE-F17B-487B-943B-28655BB51C92}"/>
               </a:ext>
             </a:extLst>
           </p:cNvPr>
@@ -2791,7 +2791,7 @@
           <p:cNvPr id="2" name="Title Placeholder 1">
             <a:extLst>
               <a:ext uri="{FF2B5EF4-FFF2-40B4-BE49-F238E27FC236}">
-                <a16:creationId xmlns:a16="http://schemas.microsoft.com/office/drawing/2014/main" id="{96F7127E-5F47-4B37-9FDB-695AB14D9551}"/>
+                <a16:creationId xmlns:a16="http://schemas.microsoft.com/office/drawing/2014/main" xmlns="" id="{96F7127E-5F47-4B37-9FDB-695AB14D9551}"/>
               </a:ext>
             </a:extLst>
           </p:cNvPr>
@@ -2830,7 +2830,7 @@
           <p:cNvPr id="3" name="Text Placeholder 2">
             <a:extLst>
               <a:ext uri="{FF2B5EF4-FFF2-40B4-BE49-F238E27FC236}">
-                <a16:creationId xmlns:a16="http://schemas.microsoft.com/office/drawing/2014/main" id="{3BD20F0F-B303-4EE3-AF17-E303EA90B1A3}"/>
+                <a16:creationId xmlns:a16="http://schemas.microsoft.com/office/drawing/2014/main" xmlns="" id="{3BD20F0F-B303-4EE3-AF17-E303EA90B1A3}"/>
               </a:ext>
             </a:extLst>
           </p:cNvPr>
@@ -2898,7 +2898,7 @@
           <p:cNvPr id="4" name="Date Placeholder 3">
             <a:extLst>
               <a:ext uri="{FF2B5EF4-FFF2-40B4-BE49-F238E27FC236}">
-                <a16:creationId xmlns:a16="http://schemas.microsoft.com/office/drawing/2014/main" id="{7927ADFB-0C7F-4333-A456-815FAB4B0315}"/>
+                <a16:creationId xmlns:a16="http://schemas.microsoft.com/office/drawing/2014/main" xmlns="" id="{7927ADFB-0C7F-4333-A456-815FAB4B0315}"/>
               </a:ext>
             </a:extLst>
           </p:cNvPr>
@@ -2934,7 +2934,7 @@
           <a:p>
             <a:fld id="{03EC4E3E-8101-482F-A883-8B55DAFF7C07}" type="datetimeFigureOut">
               <a:rPr lang="en-SG" smtClean="0"/>
-              <a:t>6/7/2018</a:t>
+              <a:t>5/3/19</a:t>
             </a:fld>
             <a:endParaRPr lang="en-SG"/>
           </a:p>
@@ -2945,7 +2945,7 @@
           <p:cNvPr id="5" name="Footer Placeholder 4">
             <a:extLst>
               <a:ext uri="{FF2B5EF4-FFF2-40B4-BE49-F238E27FC236}">
-                <a16:creationId xmlns:a16="http://schemas.microsoft.com/office/drawing/2014/main" id="{A1992B28-8397-4C93-A277-5EE43A537825}"/>
+                <a16:creationId xmlns:a16="http://schemas.microsoft.com/office/drawing/2014/main" xmlns="" id="{A1992B28-8397-4C93-A277-5EE43A537825}"/>
               </a:ext>
             </a:extLst>
           </p:cNvPr>
@@ -2988,7 +2988,7 @@
           <p:cNvPr id="6" name="Slide Number Placeholder 5">
             <a:extLst>
               <a:ext uri="{FF2B5EF4-FFF2-40B4-BE49-F238E27FC236}">
-                <a16:creationId xmlns:a16="http://schemas.microsoft.com/office/drawing/2014/main" id="{D7231209-A74B-4134-87D0-421AB81BBB47}"/>
+                <a16:creationId xmlns:a16="http://schemas.microsoft.com/office/drawing/2014/main" xmlns="" id="{D7231209-A74B-4134-87D0-421AB81BBB47}"/>
               </a:ext>
             </a:extLst>
           </p:cNvPr>
@@ -3356,7 +3356,7 @@
           <p:cNvPr id="45" name="TextBox 44">
             <a:extLst>
               <a:ext uri="{FF2B5EF4-FFF2-40B4-BE49-F238E27FC236}">
-                <a16:creationId xmlns:a16="http://schemas.microsoft.com/office/drawing/2014/main" id="{3151A13B-9509-43FA-BFEB-1D9866A00B84}"/>
+                <a16:creationId xmlns:a16="http://schemas.microsoft.com/office/drawing/2014/main" xmlns="" id="{3151A13B-9509-43FA-BFEB-1D9866A00B84}"/>
               </a:ext>
             </a:extLst>
           </p:cNvPr>
@@ -3400,7 +3400,7 @@
           <p:cNvPr id="13" name="Table 12">
             <a:extLst>
               <a:ext uri="{FF2B5EF4-FFF2-40B4-BE49-F238E27FC236}">
-                <a16:creationId xmlns:a16="http://schemas.microsoft.com/office/drawing/2014/main" id="{F545FAB8-F1CE-4886-9BDE-E772BCB0A9C4}"/>
+                <a16:creationId xmlns:a16="http://schemas.microsoft.com/office/drawing/2014/main" xmlns="" id="{F545FAB8-F1CE-4886-9BDE-E772BCB0A9C4}"/>
               </a:ext>
             </a:extLst>
           </p:cNvPr>
@@ -3410,7 +3410,7 @@
           <p:nvPr>
             <p:extLst>
               <p:ext uri="{D42A27DB-BD31-4B8C-83A1-F6EECF244321}">
-                <p14:modId xmlns:p14="http://schemas.microsoft.com/office/powerpoint/2010/main" val="770650361"/>
+                <p14:modId xmlns:p14="http://schemas.microsoft.com/office/powerpoint/2010/main" val="251345024"/>
               </p:ext>
             </p:extLst>
           </p:nvPr>
@@ -3429,7 +3429,7 @@
                 <a:gridCol w="1833356">
                   <a:extLst>
                     <a:ext uri="{9D8B030D-6E8A-4147-A177-3AD203B41FA5}">
-                      <a16:colId xmlns:a16="http://schemas.microsoft.com/office/drawing/2014/main" val="4240773277"/>
+                      <a16:colId xmlns:a16="http://schemas.microsoft.com/office/drawing/2014/main" xmlns="" val="4240773277"/>
                     </a:ext>
                   </a:extLst>
                 </a:gridCol>
@@ -3441,12 +3441,12 @@
                     <a:lstStyle/>
                     <a:p>
                       <a:r>
-                        <a:rPr lang="en-SG" u="sng" dirty="0"/>
-                        <a:t>ab0:</a:t>
+                        <a:rPr lang="en-SG" u="sng" dirty="0" smtClean="0"/>
+                        <a:t>b0:</a:t>
                       </a:r>
                       <a:r>
-                        <a:rPr lang="en-SG" sz="1800" u="sng" dirty="0"/>
-                        <a:t>AddressBook</a:t>
+                        <a:rPr lang="en-SG" sz="1800" u="sng" dirty="0" smtClean="0"/>
+                        <a:t>BookShelf</a:t>
                       </a:r>
                       <a:endParaRPr lang="en-SG" sz="1600" u="sng" dirty="0"/>
                     </a:p>
@@ -3455,7 +3455,7 @@
                 </a:tc>
                 <a:extLst>
                   <a:ext uri="{0D108BD9-81ED-4DB2-BD59-A6C34878D82A}">
-                    <a16:rowId xmlns:a16="http://schemas.microsoft.com/office/drawing/2014/main" val="2194462629"/>
+                    <a16:rowId xmlns:a16="http://schemas.microsoft.com/office/drawing/2014/main" xmlns="" val="2194462629"/>
                   </a:ext>
                 </a:extLst>
               </a:tr>
@@ -3501,7 +3501,11 @@
             <a:pPr algn="ctr"/>
             <a:r>
               <a:rPr lang="en-SG" dirty="0"/>
-              <a:t>delete 5</a:t>
+              <a:t>delete </a:t>
+            </a:r>
+            <a:r>
+              <a:rPr lang="en-SG" dirty="0" smtClean="0"/>
+              <a:t>Alice</a:t>
             </a:r>
             <a:endParaRPr lang="en-US" dirty="0"/>
           </a:p>
@@ -3558,7 +3562,7 @@
           <p:cNvPr id="19" name="TextBox 18">
             <a:extLst>
               <a:ext uri="{FF2B5EF4-FFF2-40B4-BE49-F238E27FC236}">
-                <a16:creationId xmlns:a16="http://schemas.microsoft.com/office/drawing/2014/main" id="{3151A13B-9509-43FA-BFEB-1D9866A00B84}"/>
+                <a16:creationId xmlns:a16="http://schemas.microsoft.com/office/drawing/2014/main" xmlns="" id="{3151A13B-9509-43FA-BFEB-1D9866A00B84}"/>
               </a:ext>
             </a:extLst>
           </p:cNvPr>
@@ -3648,7 +3652,7 @@
           <p:cNvPr id="12" name="Table 11">
             <a:extLst>
               <a:ext uri="{FF2B5EF4-FFF2-40B4-BE49-F238E27FC236}">
-                <a16:creationId xmlns:a16="http://schemas.microsoft.com/office/drawing/2014/main" id="{F545FAB8-F1CE-4886-9BDE-E772BCB0A9C4}"/>
+                <a16:creationId xmlns:a16="http://schemas.microsoft.com/office/drawing/2014/main" xmlns="" id="{F545FAB8-F1CE-4886-9BDE-E772BCB0A9C4}"/>
               </a:ext>
             </a:extLst>
           </p:cNvPr>
@@ -3658,7 +3662,7 @@
           <p:nvPr>
             <p:extLst>
               <p:ext uri="{D42A27DB-BD31-4B8C-83A1-F6EECF244321}">
-                <p14:modId xmlns:p14="http://schemas.microsoft.com/office/powerpoint/2010/main" val="2370624015"/>
+                <p14:modId xmlns:p14="http://schemas.microsoft.com/office/powerpoint/2010/main" val="255484719"/>
               </p:ext>
             </p:extLst>
           </p:nvPr>
@@ -3677,7 +3681,7 @@
                 <a:gridCol w="1833356">
                   <a:extLst>
                     <a:ext uri="{9D8B030D-6E8A-4147-A177-3AD203B41FA5}">
-                      <a16:colId xmlns:a16="http://schemas.microsoft.com/office/drawing/2014/main" val="4240773277"/>
+                      <a16:colId xmlns:a16="http://schemas.microsoft.com/office/drawing/2014/main" xmlns="" val="4240773277"/>
                     </a:ext>
                   </a:extLst>
                 </a:gridCol>
@@ -3689,12 +3693,12 @@
                     <a:lstStyle/>
                     <a:p>
                       <a:r>
-                        <a:rPr lang="en-SG" u="sng" dirty="0"/>
-                        <a:t>ab1:</a:t>
+                        <a:rPr lang="en-SG" u="sng" smtClean="0"/>
+                        <a:t>b0:</a:t>
                       </a:r>
                       <a:r>
-                        <a:rPr lang="en-SG" sz="1800" u="sng" dirty="0"/>
-                        <a:t>AddressBook</a:t>
+                        <a:rPr lang="en-SG" sz="1800" u="sng" smtClean="0"/>
+                        <a:t>BookShelf</a:t>
                       </a:r>
                       <a:endParaRPr lang="en-SG" sz="1600" u="sng" dirty="0"/>
                     </a:p>
@@ -3703,7 +3707,7 @@
                 </a:tc>
                 <a:extLst>
                   <a:ext uri="{0D108BD9-81ED-4DB2-BD59-A6C34878D82A}">
-                    <a16:rowId xmlns:a16="http://schemas.microsoft.com/office/drawing/2014/main" val="2194462629"/>
+                    <a16:rowId xmlns:a16="http://schemas.microsoft.com/office/drawing/2014/main" xmlns="" val="2194462629"/>
                   </a:ext>
                 </a:extLst>
               </a:tr>
@@ -3716,7 +3720,7 @@
           <p:cNvPr id="15" name="Table 14">
             <a:extLst>
               <a:ext uri="{FF2B5EF4-FFF2-40B4-BE49-F238E27FC236}">
-                <a16:creationId xmlns:a16="http://schemas.microsoft.com/office/drawing/2014/main" id="{F545FAB8-F1CE-4886-9BDE-E772BCB0A9C4}"/>
+                <a16:creationId xmlns:a16="http://schemas.microsoft.com/office/drawing/2014/main" xmlns="" id="{F545FAB8-F1CE-4886-9BDE-E772BCB0A9C4}"/>
               </a:ext>
             </a:extLst>
           </p:cNvPr>
@@ -3726,7 +3730,7 @@
           <p:nvPr>
             <p:extLst>
               <p:ext uri="{D42A27DB-BD31-4B8C-83A1-F6EECF244321}">
-                <p14:modId xmlns:p14="http://schemas.microsoft.com/office/powerpoint/2010/main" val="2523374166"/>
+                <p14:modId xmlns:p14="http://schemas.microsoft.com/office/powerpoint/2010/main" val="1111861880"/>
               </p:ext>
             </p:extLst>
           </p:nvPr>
@@ -3745,7 +3749,7 @@
                 <a:gridCol w="1833356">
                   <a:extLst>
                     <a:ext uri="{9D8B030D-6E8A-4147-A177-3AD203B41FA5}">
-                      <a16:colId xmlns:a16="http://schemas.microsoft.com/office/drawing/2014/main" val="4240773277"/>
+                      <a16:colId xmlns:a16="http://schemas.microsoft.com/office/drawing/2014/main" xmlns="" val="4240773277"/>
                     </a:ext>
                   </a:extLst>
                 </a:gridCol>
@@ -3757,12 +3761,12 @@
                     <a:lstStyle/>
                     <a:p>
                       <a:r>
-                        <a:rPr lang="en-SG" u="sng" dirty="0"/>
-                        <a:t>ab0:</a:t>
+                        <a:rPr lang="en-SG" u="sng" dirty="0" smtClean="0"/>
+                        <a:t>b0:</a:t>
                       </a:r>
                       <a:r>
-                        <a:rPr lang="en-SG" sz="1800" u="sng" dirty="0"/>
-                        <a:t>AddressBook</a:t>
+                        <a:rPr lang="en-SG" sz="1800" u="sng" dirty="0" smtClean="0"/>
+                        <a:t>BookShelf</a:t>
                       </a:r>
                       <a:endParaRPr lang="en-SG" sz="1600" u="sng" dirty="0"/>
                     </a:p>
@@ -3771,7 +3775,7 @@
                 </a:tc>
                 <a:extLst>
                   <a:ext uri="{0D108BD9-81ED-4DB2-BD59-A6C34878D82A}">
-                    <a16:rowId xmlns:a16="http://schemas.microsoft.com/office/drawing/2014/main" val="2194462629"/>
+                    <a16:rowId xmlns:a16="http://schemas.microsoft.com/office/drawing/2014/main" xmlns="" val="2194462629"/>
                   </a:ext>
                 </a:extLst>
               </a:tr>
@@ -3784,7 +3788,7 @@
           <p:cNvPr id="14" name="Straight Arrow Connector 13">
             <a:extLst>
               <a:ext uri="{FF2B5EF4-FFF2-40B4-BE49-F238E27FC236}">
-                <a16:creationId xmlns:a16="http://schemas.microsoft.com/office/drawing/2014/main" id="{4E562EDA-12B3-44FD-8B44-BCF3C4356EB8}"/>
+                <a16:creationId xmlns:a16="http://schemas.microsoft.com/office/drawing/2014/main" xmlns="" id="{4E562EDA-12B3-44FD-8B44-BCF3C4356EB8}"/>
               </a:ext>
             </a:extLst>
           </p:cNvPr>
@@ -3828,7 +3832,7 @@
           <p:cNvPr id="16" name="Straight Arrow Connector 15">
             <a:extLst>
               <a:ext uri="{FF2B5EF4-FFF2-40B4-BE49-F238E27FC236}">
-                <a16:creationId xmlns:a16="http://schemas.microsoft.com/office/drawing/2014/main" id="{0C07500F-40C6-444B-B521-89577F312910}"/>
+                <a16:creationId xmlns:a16="http://schemas.microsoft.com/office/drawing/2014/main" xmlns="" id="{0C07500F-40C6-444B-B521-89577F312910}"/>
               </a:ext>
             </a:extLst>
           </p:cNvPr>

--- a/docs/diagrams/UndoRedoNewCommand1StateListDiagram.pptx
+++ b/docs/diagrams/UndoRedoNewCommand1StateListDiagram.pptx
@@ -112,10 +112,6 @@
 </p:presentation>
 </file>
 
-<file path=ppt/revisionInfo.xml><?xml version="1.0" encoding="utf-8"?>
-<p1510:revInfo xmlns:a="http://schemas.openxmlformats.org/drawingml/2006/main" xmlns:r="http://schemas.openxmlformats.org/officeDocument/2006/relationships" xmlns:p1510="http://schemas.microsoft.com/office/powerpoint/2015/10/main"/>
-</file>
-
 <file path=ppt/slideLayouts/slideLayout1.xml><?xml version="1.0" encoding="utf-8"?>
 <p:sldLayout xmlns:a="http://schemas.openxmlformats.org/drawingml/2006/main" xmlns:r="http://schemas.openxmlformats.org/officeDocument/2006/relationships" xmlns:p="http://schemas.openxmlformats.org/presentationml/2006/main" type="title" preserve="1">
   <p:cSld name="Title Slide">
@@ -265,7 +261,7 @@
           <a:p>
             <a:fld id="{03EC4E3E-8101-482F-A883-8B55DAFF7C07}" type="datetimeFigureOut">
               <a:rPr lang="en-SG" smtClean="0"/>
-              <a:t>6/7/2018</a:t>
+              <a:t>17/3/2019</a:t>
             </a:fld>
             <a:endParaRPr lang="en-SG"/>
           </a:p>
@@ -465,7 +461,7 @@
           <a:p>
             <a:fld id="{03EC4E3E-8101-482F-A883-8B55DAFF7C07}" type="datetimeFigureOut">
               <a:rPr lang="en-SG" smtClean="0"/>
-              <a:t>6/7/2018</a:t>
+              <a:t>17/3/2019</a:t>
             </a:fld>
             <a:endParaRPr lang="en-SG"/>
           </a:p>
@@ -675,7 +671,7 @@
           <a:p>
             <a:fld id="{03EC4E3E-8101-482F-A883-8B55DAFF7C07}" type="datetimeFigureOut">
               <a:rPr lang="en-SG" smtClean="0"/>
-              <a:t>6/7/2018</a:t>
+              <a:t>17/3/2019</a:t>
             </a:fld>
             <a:endParaRPr lang="en-SG"/>
           </a:p>
@@ -875,7 +871,7 @@
           <a:p>
             <a:fld id="{03EC4E3E-8101-482F-A883-8B55DAFF7C07}" type="datetimeFigureOut">
               <a:rPr lang="en-SG" smtClean="0"/>
-              <a:t>6/7/2018</a:t>
+              <a:t>17/3/2019</a:t>
             </a:fld>
             <a:endParaRPr lang="en-SG"/>
           </a:p>
@@ -1151,7 +1147,7 @@
           <a:p>
             <a:fld id="{03EC4E3E-8101-482F-A883-8B55DAFF7C07}" type="datetimeFigureOut">
               <a:rPr lang="en-SG" smtClean="0"/>
-              <a:t>6/7/2018</a:t>
+              <a:t>17/3/2019</a:t>
             </a:fld>
             <a:endParaRPr lang="en-SG"/>
           </a:p>
@@ -1419,7 +1415,7 @@
           <a:p>
             <a:fld id="{03EC4E3E-8101-482F-A883-8B55DAFF7C07}" type="datetimeFigureOut">
               <a:rPr lang="en-SG" smtClean="0"/>
-              <a:t>6/7/2018</a:t>
+              <a:t>17/3/2019</a:t>
             </a:fld>
             <a:endParaRPr lang="en-SG"/>
           </a:p>
@@ -1834,7 +1830,7 @@
           <a:p>
             <a:fld id="{03EC4E3E-8101-482F-A883-8B55DAFF7C07}" type="datetimeFigureOut">
               <a:rPr lang="en-SG" smtClean="0"/>
-              <a:t>6/7/2018</a:t>
+              <a:t>17/3/2019</a:t>
             </a:fld>
             <a:endParaRPr lang="en-SG"/>
           </a:p>
@@ -1976,7 +1972,7 @@
           <a:p>
             <a:fld id="{03EC4E3E-8101-482F-A883-8B55DAFF7C07}" type="datetimeFigureOut">
               <a:rPr lang="en-SG" smtClean="0"/>
-              <a:t>6/7/2018</a:t>
+              <a:t>17/3/2019</a:t>
             </a:fld>
             <a:endParaRPr lang="en-SG"/>
           </a:p>
@@ -2089,7 +2085,7 @@
           <a:p>
             <a:fld id="{03EC4E3E-8101-482F-A883-8B55DAFF7C07}" type="datetimeFigureOut">
               <a:rPr lang="en-SG" smtClean="0"/>
-              <a:t>6/7/2018</a:t>
+              <a:t>17/3/2019</a:t>
             </a:fld>
             <a:endParaRPr lang="en-SG"/>
           </a:p>
@@ -2402,7 +2398,7 @@
           <a:p>
             <a:fld id="{03EC4E3E-8101-482F-A883-8B55DAFF7C07}" type="datetimeFigureOut">
               <a:rPr lang="en-SG" smtClean="0"/>
-              <a:t>6/7/2018</a:t>
+              <a:t>17/3/2019</a:t>
             </a:fld>
             <a:endParaRPr lang="en-SG"/>
           </a:p>
@@ -2691,7 +2687,7 @@
           <a:p>
             <a:fld id="{03EC4E3E-8101-482F-A883-8B55DAFF7C07}" type="datetimeFigureOut">
               <a:rPr lang="en-SG" smtClean="0"/>
-              <a:t>6/7/2018</a:t>
+              <a:t>17/3/2019</a:t>
             </a:fld>
             <a:endParaRPr lang="en-SG"/>
           </a:p>
@@ -2934,7 +2930,7 @@
           <a:p>
             <a:fld id="{03EC4E3E-8101-482F-A883-8B55DAFF7C07}" type="datetimeFigureOut">
               <a:rPr lang="en-SG" smtClean="0"/>
-              <a:t>6/7/2018</a:t>
+              <a:t>17/3/2019</a:t>
             </a:fld>
             <a:endParaRPr lang="en-SG"/>
           </a:p>
@@ -3365,7 +3361,7 @@
         </p:nvSpPr>
         <p:spPr>
           <a:xfrm>
-            <a:off x="0" y="2760740"/>
+            <a:off x="182152" y="2778280"/>
             <a:ext cx="3207000" cy="369332"/>
           </a:xfrm>
           <a:prstGeom prst="rect">
@@ -3395,74 +3391,6 @@
           </a:p>
         </p:txBody>
       </p:sp>
-      <p:graphicFrame>
-        <p:nvGraphicFramePr>
-          <p:cNvPr id="13" name="Table 12">
-            <a:extLst>
-              <a:ext uri="{FF2B5EF4-FFF2-40B4-BE49-F238E27FC236}">
-                <a16:creationId xmlns:a16="http://schemas.microsoft.com/office/drawing/2014/main" id="{F545FAB8-F1CE-4886-9BDE-E772BCB0A9C4}"/>
-              </a:ext>
-            </a:extLst>
-          </p:cNvPr>
-          <p:cNvGraphicFramePr>
-            <a:graphicFrameLocks noGrp="1"/>
-          </p:cNvGraphicFramePr>
-          <p:nvPr>
-            <p:extLst>
-              <p:ext uri="{D42A27DB-BD31-4B8C-83A1-F6EECF244321}">
-                <p14:modId xmlns:p14="http://schemas.microsoft.com/office/powerpoint/2010/main" val="770650361"/>
-              </p:ext>
-            </p:extLst>
-          </p:nvPr>
-        </p:nvGraphicFramePr>
-        <p:xfrm>
-          <a:off x="473240" y="1476102"/>
-          <a:ext cx="1833356" cy="410363"/>
-        </p:xfrm>
-        <a:graphic>
-          <a:graphicData uri="http://schemas.openxmlformats.org/drawingml/2006/table">
-            <a:tbl>
-              <a:tblPr>
-                <a:tableStyleId>{638B1855-1B75-4FBE-930C-398BA8C253C6}</a:tableStyleId>
-              </a:tblPr>
-              <a:tblGrid>
-                <a:gridCol w="1833356">
-                  <a:extLst>
-                    <a:ext uri="{9D8B030D-6E8A-4147-A177-3AD203B41FA5}">
-                      <a16:colId xmlns:a16="http://schemas.microsoft.com/office/drawing/2014/main" val="4240773277"/>
-                    </a:ext>
-                  </a:extLst>
-                </a:gridCol>
-              </a:tblGrid>
-              <a:tr h="410363">
-                <a:tc>
-                  <a:txBody>
-                    <a:bodyPr/>
-                    <a:lstStyle/>
-                    <a:p>
-                      <a:r>
-                        <a:rPr lang="en-SG" u="sng" dirty="0"/>
-                        <a:t>ab0:</a:t>
-                      </a:r>
-                      <a:r>
-                        <a:rPr lang="en-SG" sz="1800" u="sng" dirty="0"/>
-                        <a:t>AddressBook</a:t>
-                      </a:r>
-                      <a:endParaRPr lang="en-SG" sz="1600" u="sng" dirty="0"/>
-                    </a:p>
-                  </a:txBody>
-                  <a:tcPr/>
-                </a:tc>
-                <a:extLst>
-                  <a:ext uri="{0D108BD9-81ED-4DB2-BD59-A6C34878D82A}">
-                    <a16:rowId xmlns:a16="http://schemas.microsoft.com/office/drawing/2014/main" val="2194462629"/>
-                  </a:ext>
-                </a:extLst>
-              </a:tr>
-            </a:tbl>
-          </a:graphicData>
-        </a:graphic>
-      </p:graphicFrame>
       <p:sp>
         <p:nvSpPr>
           <p:cNvPr id="3" name="Down Arrow 2"/>
@@ -3471,7 +3399,7 @@
         </p:nvSpPr>
         <p:spPr>
           <a:xfrm>
-            <a:off x="4397701" y="2244365"/>
+            <a:off x="4989077" y="2215316"/>
             <a:ext cx="1672046" cy="1402081"/>
           </a:xfrm>
           <a:prstGeom prst="downArrow">
@@ -3567,7 +3495,7 @@
         </p:nvSpPr>
         <p:spPr>
           <a:xfrm>
-            <a:off x="1967014" y="5245581"/>
+            <a:off x="2283728" y="5297381"/>
             <a:ext cx="3207000" cy="369332"/>
           </a:xfrm>
           <a:prstGeom prst="rect">
@@ -3643,142 +3571,6 @@
           </a:p>
         </p:txBody>
       </p:sp>
-      <p:graphicFrame>
-        <p:nvGraphicFramePr>
-          <p:cNvPr id="12" name="Table 11">
-            <a:extLst>
-              <a:ext uri="{FF2B5EF4-FFF2-40B4-BE49-F238E27FC236}">
-                <a16:creationId xmlns:a16="http://schemas.microsoft.com/office/drawing/2014/main" id="{F545FAB8-F1CE-4886-9BDE-E772BCB0A9C4}"/>
-              </a:ext>
-            </a:extLst>
-          </p:cNvPr>
-          <p:cNvGraphicFramePr>
-            <a:graphicFrameLocks noGrp="1"/>
-          </p:cNvGraphicFramePr>
-          <p:nvPr>
-            <p:extLst>
-              <p:ext uri="{D42A27DB-BD31-4B8C-83A1-F6EECF244321}">
-                <p14:modId xmlns:p14="http://schemas.microsoft.com/office/powerpoint/2010/main" val="2370624015"/>
-              </p:ext>
-            </p:extLst>
-          </p:nvPr>
-        </p:nvGraphicFramePr>
-        <p:xfrm>
-          <a:off x="2448268" y="3926065"/>
-          <a:ext cx="1833356" cy="410363"/>
-        </p:xfrm>
-        <a:graphic>
-          <a:graphicData uri="http://schemas.openxmlformats.org/drawingml/2006/table">
-            <a:tbl>
-              <a:tblPr>
-                <a:tableStyleId>{638B1855-1B75-4FBE-930C-398BA8C253C6}</a:tableStyleId>
-              </a:tblPr>
-              <a:tblGrid>
-                <a:gridCol w="1833356">
-                  <a:extLst>
-                    <a:ext uri="{9D8B030D-6E8A-4147-A177-3AD203B41FA5}">
-                      <a16:colId xmlns:a16="http://schemas.microsoft.com/office/drawing/2014/main" val="4240773277"/>
-                    </a:ext>
-                  </a:extLst>
-                </a:gridCol>
-              </a:tblGrid>
-              <a:tr h="410363">
-                <a:tc>
-                  <a:txBody>
-                    <a:bodyPr/>
-                    <a:lstStyle/>
-                    <a:p>
-                      <a:r>
-                        <a:rPr lang="en-SG" u="sng" dirty="0"/>
-                        <a:t>ab1:</a:t>
-                      </a:r>
-                      <a:r>
-                        <a:rPr lang="en-SG" sz="1800" u="sng" dirty="0"/>
-                        <a:t>AddressBook</a:t>
-                      </a:r>
-                      <a:endParaRPr lang="en-SG" sz="1600" u="sng" dirty="0"/>
-                    </a:p>
-                  </a:txBody>
-                  <a:tcPr/>
-                </a:tc>
-                <a:extLst>
-                  <a:ext uri="{0D108BD9-81ED-4DB2-BD59-A6C34878D82A}">
-                    <a16:rowId xmlns:a16="http://schemas.microsoft.com/office/drawing/2014/main" val="2194462629"/>
-                  </a:ext>
-                </a:extLst>
-              </a:tr>
-            </a:tbl>
-          </a:graphicData>
-        </a:graphic>
-      </p:graphicFrame>
-      <p:graphicFrame>
-        <p:nvGraphicFramePr>
-          <p:cNvPr id="15" name="Table 14">
-            <a:extLst>
-              <a:ext uri="{FF2B5EF4-FFF2-40B4-BE49-F238E27FC236}">
-                <a16:creationId xmlns:a16="http://schemas.microsoft.com/office/drawing/2014/main" id="{F545FAB8-F1CE-4886-9BDE-E772BCB0A9C4}"/>
-              </a:ext>
-            </a:extLst>
-          </p:cNvPr>
-          <p:cNvGraphicFramePr>
-            <a:graphicFrameLocks noGrp="1"/>
-          </p:cNvGraphicFramePr>
-          <p:nvPr>
-            <p:extLst>
-              <p:ext uri="{D42A27DB-BD31-4B8C-83A1-F6EECF244321}">
-                <p14:modId xmlns:p14="http://schemas.microsoft.com/office/powerpoint/2010/main" val="2523374166"/>
-              </p:ext>
-            </p:extLst>
-          </p:nvPr>
-        </p:nvGraphicFramePr>
-        <p:xfrm>
-          <a:off x="473240" y="3918002"/>
-          <a:ext cx="1833356" cy="410363"/>
-        </p:xfrm>
-        <a:graphic>
-          <a:graphicData uri="http://schemas.openxmlformats.org/drawingml/2006/table">
-            <a:tbl>
-              <a:tblPr>
-                <a:tableStyleId>{638B1855-1B75-4FBE-930C-398BA8C253C6}</a:tableStyleId>
-              </a:tblPr>
-              <a:tblGrid>
-                <a:gridCol w="1833356">
-                  <a:extLst>
-                    <a:ext uri="{9D8B030D-6E8A-4147-A177-3AD203B41FA5}">
-                      <a16:colId xmlns:a16="http://schemas.microsoft.com/office/drawing/2014/main" val="4240773277"/>
-                    </a:ext>
-                  </a:extLst>
-                </a:gridCol>
-              </a:tblGrid>
-              <a:tr h="410363">
-                <a:tc>
-                  <a:txBody>
-                    <a:bodyPr/>
-                    <a:lstStyle/>
-                    <a:p>
-                      <a:r>
-                        <a:rPr lang="en-SG" u="sng" dirty="0"/>
-                        <a:t>ab0:</a:t>
-                      </a:r>
-                      <a:r>
-                        <a:rPr lang="en-SG" sz="1800" u="sng" dirty="0"/>
-                        <a:t>AddressBook</a:t>
-                      </a:r>
-                      <a:endParaRPr lang="en-SG" sz="1600" u="sng" dirty="0"/>
-                    </a:p>
-                  </a:txBody>
-                  <a:tcPr/>
-                </a:tc>
-                <a:extLst>
-                  <a:ext uri="{0D108BD9-81ED-4DB2-BD59-A6C34878D82A}">
-                    <a16:rowId xmlns:a16="http://schemas.microsoft.com/office/drawing/2014/main" val="2194462629"/>
-                  </a:ext>
-                </a:extLst>
-              </a:tr>
-            </a:tbl>
-          </a:graphicData>
-        </a:graphic>
-      </p:graphicFrame>
       <p:cxnSp>
         <p:nvCxnSpPr>
           <p:cNvPr id="14" name="Straight Arrow Connector 13">
@@ -3795,7 +3587,7 @@
         </p:nvCxnSpPr>
         <p:spPr>
           <a:xfrm flipV="1">
-            <a:off x="1409350" y="2053867"/>
+            <a:off x="1475611" y="2053867"/>
             <a:ext cx="0" cy="706873"/>
           </a:xfrm>
           <a:prstGeom prst="straightConnector1">
@@ -3839,7 +3631,7 @@
         </p:nvCxnSpPr>
         <p:spPr>
           <a:xfrm flipV="1">
-            <a:off x="3389152" y="4538708"/>
+            <a:off x="3887228" y="4538708"/>
             <a:ext cx="0" cy="706873"/>
           </a:xfrm>
           <a:prstGeom prst="straightConnector1">
@@ -3867,6 +3659,213 @@
           </a:fontRef>
         </p:style>
       </p:cxnSp>
+      <p:graphicFrame>
+        <p:nvGraphicFramePr>
+          <p:cNvPr id="17" name="Table 16">
+            <a:extLst>
+              <a:ext uri="{FF2B5EF4-FFF2-40B4-BE49-F238E27FC236}">
+                <a16:creationId xmlns:a16="http://schemas.microsoft.com/office/drawing/2014/main" id="{ECD445E1-58D4-4EDE-8585-E36FE81AFF2E}"/>
+              </a:ext>
+            </a:extLst>
+          </p:cNvPr>
+          <p:cNvGraphicFramePr>
+            <a:graphicFrameLocks noGrp="1"/>
+          </p:cNvGraphicFramePr>
+          <p:nvPr>
+            <p:extLst>
+              <p:ext uri="{D42A27DB-BD31-4B8C-83A1-F6EECF244321}">
+                <p14:modId xmlns:p14="http://schemas.microsoft.com/office/powerpoint/2010/main" val="2539736392"/>
+              </p:ext>
+            </p:extLst>
+          </p:nvPr>
+        </p:nvGraphicFramePr>
+        <p:xfrm>
+          <a:off x="473239" y="1476102"/>
+          <a:ext cx="2203698" cy="417888"/>
+        </p:xfrm>
+        <a:graphic>
+          <a:graphicData uri="http://schemas.openxmlformats.org/drawingml/2006/table">
+            <a:tbl>
+              <a:tblPr>
+                <a:tableStyleId>{638B1855-1B75-4FBE-930C-398BA8C253C6}</a:tableStyleId>
+              </a:tblPr>
+              <a:tblGrid>
+                <a:gridCol w="2203698">
+                  <a:extLst>
+                    <a:ext uri="{9D8B030D-6E8A-4147-A177-3AD203B41FA5}">
+                      <a16:colId xmlns:a16="http://schemas.microsoft.com/office/drawing/2014/main" val="4240773277"/>
+                    </a:ext>
+                  </a:extLst>
+                </a:gridCol>
+              </a:tblGrid>
+              <a:tr h="417888">
+                <a:tc>
+                  <a:txBody>
+                    <a:bodyPr/>
+                    <a:lstStyle/>
+                    <a:p>
+                      <a:pPr algn="ctr"/>
+                      <a:r>
+                        <a:rPr lang="en-SG" u="sng" dirty="0"/>
+                        <a:t>inventory0:</a:t>
+                      </a:r>
+                      <a:r>
+                        <a:rPr lang="en-SG" sz="1800" u="sng" dirty="0"/>
+                        <a:t>Inventory</a:t>
+                      </a:r>
+                      <a:endParaRPr lang="en-SG" u="sng" dirty="0"/>
+                    </a:p>
+                  </a:txBody>
+                  <a:tcPr/>
+                </a:tc>
+                <a:extLst>
+                  <a:ext uri="{0D108BD9-81ED-4DB2-BD59-A6C34878D82A}">
+                    <a16:rowId xmlns:a16="http://schemas.microsoft.com/office/drawing/2014/main" val="2194462629"/>
+                  </a:ext>
+                </a:extLst>
+              </a:tr>
+            </a:tbl>
+          </a:graphicData>
+        </a:graphic>
+      </p:graphicFrame>
+      <p:graphicFrame>
+        <p:nvGraphicFramePr>
+          <p:cNvPr id="18" name="Table 17">
+            <a:extLst>
+              <a:ext uri="{FF2B5EF4-FFF2-40B4-BE49-F238E27FC236}">
+                <a16:creationId xmlns:a16="http://schemas.microsoft.com/office/drawing/2014/main" id="{1A7711DD-CB71-481C-8920-CF134468997F}"/>
+              </a:ext>
+            </a:extLst>
+          </p:cNvPr>
+          <p:cNvGraphicFramePr>
+            <a:graphicFrameLocks noGrp="1"/>
+          </p:cNvGraphicFramePr>
+          <p:nvPr>
+            <p:extLst>
+              <p:ext uri="{D42A27DB-BD31-4B8C-83A1-F6EECF244321}">
+                <p14:modId xmlns:p14="http://schemas.microsoft.com/office/powerpoint/2010/main" val="124089704"/>
+              </p:ext>
+            </p:extLst>
+          </p:nvPr>
+        </p:nvGraphicFramePr>
+        <p:xfrm>
+          <a:off x="473239" y="3934059"/>
+          <a:ext cx="2203698" cy="417888"/>
+        </p:xfrm>
+        <a:graphic>
+          <a:graphicData uri="http://schemas.openxmlformats.org/drawingml/2006/table">
+            <a:tbl>
+              <a:tblPr>
+                <a:tableStyleId>{638B1855-1B75-4FBE-930C-398BA8C253C6}</a:tableStyleId>
+              </a:tblPr>
+              <a:tblGrid>
+                <a:gridCol w="2203698">
+                  <a:extLst>
+                    <a:ext uri="{9D8B030D-6E8A-4147-A177-3AD203B41FA5}">
+                      <a16:colId xmlns:a16="http://schemas.microsoft.com/office/drawing/2014/main" val="4240773277"/>
+                    </a:ext>
+                  </a:extLst>
+                </a:gridCol>
+              </a:tblGrid>
+              <a:tr h="417888">
+                <a:tc>
+                  <a:txBody>
+                    <a:bodyPr/>
+                    <a:lstStyle/>
+                    <a:p>
+                      <a:pPr algn="ctr"/>
+                      <a:r>
+                        <a:rPr lang="en-SG" u="sng" dirty="0"/>
+                        <a:t>inventory0:</a:t>
+                      </a:r>
+                      <a:r>
+                        <a:rPr lang="en-SG" sz="1800" u="sng" dirty="0"/>
+                        <a:t>Inventory</a:t>
+                      </a:r>
+                      <a:endParaRPr lang="en-SG" u="sng" dirty="0"/>
+                    </a:p>
+                  </a:txBody>
+                  <a:tcPr/>
+                </a:tc>
+                <a:extLst>
+                  <a:ext uri="{0D108BD9-81ED-4DB2-BD59-A6C34878D82A}">
+                    <a16:rowId xmlns:a16="http://schemas.microsoft.com/office/drawing/2014/main" val="2194462629"/>
+                  </a:ext>
+                </a:extLst>
+              </a:tr>
+            </a:tbl>
+          </a:graphicData>
+        </a:graphic>
+      </p:graphicFrame>
+      <p:graphicFrame>
+        <p:nvGraphicFramePr>
+          <p:cNvPr id="20" name="Table 19">
+            <a:extLst>
+              <a:ext uri="{FF2B5EF4-FFF2-40B4-BE49-F238E27FC236}">
+                <a16:creationId xmlns:a16="http://schemas.microsoft.com/office/drawing/2014/main" id="{B53BB8C9-7EFE-4DFC-9F70-0C481319313D}"/>
+              </a:ext>
+            </a:extLst>
+          </p:cNvPr>
+          <p:cNvGraphicFramePr>
+            <a:graphicFrameLocks noGrp="1"/>
+          </p:cNvGraphicFramePr>
+          <p:nvPr>
+            <p:extLst>
+              <p:ext uri="{D42A27DB-BD31-4B8C-83A1-F6EECF244321}">
+                <p14:modId xmlns:p14="http://schemas.microsoft.com/office/powerpoint/2010/main" val="1390348134"/>
+              </p:ext>
+            </p:extLst>
+          </p:nvPr>
+        </p:nvGraphicFramePr>
+        <p:xfrm>
+          <a:off x="2785379" y="3933173"/>
+          <a:ext cx="2203698" cy="417888"/>
+        </p:xfrm>
+        <a:graphic>
+          <a:graphicData uri="http://schemas.openxmlformats.org/drawingml/2006/table">
+            <a:tbl>
+              <a:tblPr>
+                <a:tableStyleId>{638B1855-1B75-4FBE-930C-398BA8C253C6}</a:tableStyleId>
+              </a:tblPr>
+              <a:tblGrid>
+                <a:gridCol w="2203698">
+                  <a:extLst>
+                    <a:ext uri="{9D8B030D-6E8A-4147-A177-3AD203B41FA5}">
+                      <a16:colId xmlns:a16="http://schemas.microsoft.com/office/drawing/2014/main" val="4240773277"/>
+                    </a:ext>
+                  </a:extLst>
+                </a:gridCol>
+              </a:tblGrid>
+              <a:tr h="417888">
+                <a:tc>
+                  <a:txBody>
+                    <a:bodyPr/>
+                    <a:lstStyle/>
+                    <a:p>
+                      <a:pPr algn="ctr"/>
+                      <a:r>
+                        <a:rPr lang="en-SG" u="sng" dirty="0"/>
+                        <a:t>inventory1:</a:t>
+                      </a:r>
+                      <a:r>
+                        <a:rPr lang="en-SG" sz="1800" u="sng" dirty="0"/>
+                        <a:t>Inventory</a:t>
+                      </a:r>
+                      <a:endParaRPr lang="en-SG" u="sng" dirty="0"/>
+                    </a:p>
+                  </a:txBody>
+                  <a:tcPr/>
+                </a:tc>
+                <a:extLst>
+                  <a:ext uri="{0D108BD9-81ED-4DB2-BD59-A6C34878D82A}">
+                    <a16:rowId xmlns:a16="http://schemas.microsoft.com/office/drawing/2014/main" val="2194462629"/>
+                  </a:ext>
+                </a:extLst>
+              </a:tr>
+            </a:tbl>
+          </a:graphicData>
+        </a:graphic>
+      </p:graphicFrame>
     </p:spTree>
     <p:extLst>
       <p:ext uri="{BB962C8B-B14F-4D97-AF65-F5344CB8AC3E}">

--- a/docs/diagrams/UndoRedoNewCommand1StateListDiagram.pptx
+++ b/docs/diagrams/UndoRedoNewCommand1StateListDiagram.pptx
@@ -112,10 +112,6 @@
 </p:presentation>
 </file>
 
-<file path=ppt/revisionInfo.xml><?xml version="1.0" encoding="utf-8"?>
-<p1510:revInfo xmlns:a="http://schemas.openxmlformats.org/drawingml/2006/main" xmlns:r="http://schemas.openxmlformats.org/officeDocument/2006/relationships" xmlns:p1510="http://schemas.microsoft.com/office/powerpoint/2015/10/main"/>
-</file>
-
 <file path=ppt/slideLayouts/slideLayout1.xml><?xml version="1.0" encoding="utf-8"?>
 <p:sldLayout xmlns:a="http://schemas.openxmlformats.org/drawingml/2006/main" xmlns:r="http://schemas.openxmlformats.org/officeDocument/2006/relationships" xmlns:p="http://schemas.openxmlformats.org/presentationml/2006/main" type="title" preserve="1">
   <p:cSld name="Title Slide">
@@ -265,7 +261,7 @@
           <a:p>
             <a:fld id="{03EC4E3E-8101-482F-A883-8B55DAFF7C07}" type="datetimeFigureOut">
               <a:rPr lang="en-SG" smtClean="0"/>
-              <a:t>6/7/2018</a:t>
+              <a:t>18/3/19</a:t>
             </a:fld>
             <a:endParaRPr lang="en-SG"/>
           </a:p>
@@ -465,7 +461,7 @@
           <a:p>
             <a:fld id="{03EC4E3E-8101-482F-A883-8B55DAFF7C07}" type="datetimeFigureOut">
               <a:rPr lang="en-SG" smtClean="0"/>
-              <a:t>6/7/2018</a:t>
+              <a:t>18/3/19</a:t>
             </a:fld>
             <a:endParaRPr lang="en-SG"/>
           </a:p>
@@ -675,7 +671,7 @@
           <a:p>
             <a:fld id="{03EC4E3E-8101-482F-A883-8B55DAFF7C07}" type="datetimeFigureOut">
               <a:rPr lang="en-SG" smtClean="0"/>
-              <a:t>6/7/2018</a:t>
+              <a:t>18/3/19</a:t>
             </a:fld>
             <a:endParaRPr lang="en-SG"/>
           </a:p>
@@ -875,7 +871,7 @@
           <a:p>
             <a:fld id="{03EC4E3E-8101-482F-A883-8B55DAFF7C07}" type="datetimeFigureOut">
               <a:rPr lang="en-SG" smtClean="0"/>
-              <a:t>6/7/2018</a:t>
+              <a:t>18/3/19</a:t>
             </a:fld>
             <a:endParaRPr lang="en-SG"/>
           </a:p>
@@ -1151,7 +1147,7 @@
           <a:p>
             <a:fld id="{03EC4E3E-8101-482F-A883-8B55DAFF7C07}" type="datetimeFigureOut">
               <a:rPr lang="en-SG" smtClean="0"/>
-              <a:t>6/7/2018</a:t>
+              <a:t>18/3/19</a:t>
             </a:fld>
             <a:endParaRPr lang="en-SG"/>
           </a:p>
@@ -1419,7 +1415,7 @@
           <a:p>
             <a:fld id="{03EC4E3E-8101-482F-A883-8B55DAFF7C07}" type="datetimeFigureOut">
               <a:rPr lang="en-SG" smtClean="0"/>
-              <a:t>6/7/2018</a:t>
+              <a:t>18/3/19</a:t>
             </a:fld>
             <a:endParaRPr lang="en-SG"/>
           </a:p>
@@ -1834,7 +1830,7 @@
           <a:p>
             <a:fld id="{03EC4E3E-8101-482F-A883-8B55DAFF7C07}" type="datetimeFigureOut">
               <a:rPr lang="en-SG" smtClean="0"/>
-              <a:t>6/7/2018</a:t>
+              <a:t>18/3/19</a:t>
             </a:fld>
             <a:endParaRPr lang="en-SG"/>
           </a:p>
@@ -1976,7 +1972,7 @@
           <a:p>
             <a:fld id="{03EC4E3E-8101-482F-A883-8B55DAFF7C07}" type="datetimeFigureOut">
               <a:rPr lang="en-SG" smtClean="0"/>
-              <a:t>6/7/2018</a:t>
+              <a:t>18/3/19</a:t>
             </a:fld>
             <a:endParaRPr lang="en-SG"/>
           </a:p>
@@ -2089,7 +2085,7 @@
           <a:p>
             <a:fld id="{03EC4E3E-8101-482F-A883-8B55DAFF7C07}" type="datetimeFigureOut">
               <a:rPr lang="en-SG" smtClean="0"/>
-              <a:t>6/7/2018</a:t>
+              <a:t>18/3/19</a:t>
             </a:fld>
             <a:endParaRPr lang="en-SG"/>
           </a:p>
@@ -2402,7 +2398,7 @@
           <a:p>
             <a:fld id="{03EC4E3E-8101-482F-A883-8B55DAFF7C07}" type="datetimeFigureOut">
               <a:rPr lang="en-SG" smtClean="0"/>
-              <a:t>6/7/2018</a:t>
+              <a:t>18/3/19</a:t>
             </a:fld>
             <a:endParaRPr lang="en-SG"/>
           </a:p>
@@ -2691,7 +2687,7 @@
           <a:p>
             <a:fld id="{03EC4E3E-8101-482F-A883-8B55DAFF7C07}" type="datetimeFigureOut">
               <a:rPr lang="en-SG" smtClean="0"/>
-              <a:t>6/7/2018</a:t>
+              <a:t>18/3/19</a:t>
             </a:fld>
             <a:endParaRPr lang="en-SG"/>
           </a:p>
@@ -2934,7 +2930,7 @@
           <a:p>
             <a:fld id="{03EC4E3E-8101-482F-A883-8B55DAFF7C07}" type="datetimeFigureOut">
               <a:rPr lang="en-SG" smtClean="0"/>
-              <a:t>6/7/2018</a:t>
+              <a:t>18/3/19</a:t>
             </a:fld>
             <a:endParaRPr lang="en-SG"/>
           </a:p>
@@ -3410,7 +3406,7 @@
           <p:nvPr>
             <p:extLst>
               <p:ext uri="{D42A27DB-BD31-4B8C-83A1-F6EECF244321}">
-                <p14:modId xmlns:p14="http://schemas.microsoft.com/office/powerpoint/2010/main" val="770650361"/>
+                <p14:modId xmlns:p14="http://schemas.microsoft.com/office/powerpoint/2010/main" val="2922131504"/>
               </p:ext>
             </p:extLst>
           </p:nvPr>
@@ -3442,11 +3438,11 @@
                     <a:p>
                       <a:r>
                         <a:rPr lang="en-SG" u="sng" dirty="0"/>
-                        <a:t>ab0:</a:t>
+                        <a:t>pb0:</a:t>
                       </a:r>
                       <a:r>
                         <a:rPr lang="en-SG" sz="1800" u="sng" dirty="0"/>
-                        <a:t>AddressBook</a:t>
+                        <a:t>PdfBook</a:t>
                       </a:r>
                       <a:endParaRPr lang="en-SG" sz="1600" u="sng" dirty="0"/>
                     </a:p>
@@ -3658,7 +3654,7 @@
           <p:nvPr>
             <p:extLst>
               <p:ext uri="{D42A27DB-BD31-4B8C-83A1-F6EECF244321}">
-                <p14:modId xmlns:p14="http://schemas.microsoft.com/office/powerpoint/2010/main" val="2370624015"/>
+                <p14:modId xmlns:p14="http://schemas.microsoft.com/office/powerpoint/2010/main" val="1074102269"/>
               </p:ext>
             </p:extLst>
           </p:nvPr>
@@ -3690,11 +3686,11 @@
                     <a:p>
                       <a:r>
                         <a:rPr lang="en-SG" u="sng" dirty="0"/>
-                        <a:t>ab1:</a:t>
+                        <a:t>pb1:</a:t>
                       </a:r>
                       <a:r>
                         <a:rPr lang="en-SG" sz="1800" u="sng" dirty="0"/>
-                        <a:t>AddressBook</a:t>
+                        <a:t>PdfBook</a:t>
                       </a:r>
                       <a:endParaRPr lang="en-SG" sz="1600" u="sng" dirty="0"/>
                     </a:p>
@@ -3726,7 +3722,7 @@
           <p:nvPr>
             <p:extLst>
               <p:ext uri="{D42A27DB-BD31-4B8C-83A1-F6EECF244321}">
-                <p14:modId xmlns:p14="http://schemas.microsoft.com/office/powerpoint/2010/main" val="2523374166"/>
+                <p14:modId xmlns:p14="http://schemas.microsoft.com/office/powerpoint/2010/main" val="1689586539"/>
               </p:ext>
             </p:extLst>
           </p:nvPr>
@@ -3758,11 +3754,11 @@
                     <a:p>
                       <a:r>
                         <a:rPr lang="en-SG" u="sng" dirty="0"/>
-                        <a:t>ab0:</a:t>
+                        <a:t>pb0:</a:t>
                       </a:r>
                       <a:r>
                         <a:rPr lang="en-SG" sz="1800" u="sng" dirty="0"/>
-                        <a:t>AddressBook</a:t>
+                        <a:t>PdfBook</a:t>
                       </a:r>
                       <a:endParaRPr lang="en-SG" sz="1600" u="sng" dirty="0"/>
                     </a:p>

--- a/docs/diagrams/UndoRedoNewCommand1StateListDiagram.pptx
+++ b/docs/diagrams/UndoRedoNewCommand1StateListDiagram.pptx
@@ -112,10 +112,6 @@
 </p:presentation>
 </file>
 
-<file path=ppt/revisionInfo.xml><?xml version="1.0" encoding="utf-8"?>
-<p1510:revInfo xmlns:a="http://schemas.openxmlformats.org/drawingml/2006/main" xmlns:r="http://schemas.openxmlformats.org/officeDocument/2006/relationships" xmlns:p1510="http://schemas.microsoft.com/office/powerpoint/2015/10/main"/>
-</file>
-
 <file path=ppt/slideLayouts/slideLayout1.xml><?xml version="1.0" encoding="utf-8"?>
 <p:sldLayout xmlns:a="http://schemas.openxmlformats.org/drawingml/2006/main" xmlns:r="http://schemas.openxmlformats.org/officeDocument/2006/relationships" xmlns:p="http://schemas.openxmlformats.org/presentationml/2006/main" type="title" preserve="1">
   <p:cSld name="Title Slide">
@@ -265,7 +261,7 @@
           <a:p>
             <a:fld id="{03EC4E3E-8101-482F-A883-8B55DAFF7C07}" type="datetimeFigureOut">
               <a:rPr lang="en-SG" smtClean="0"/>
-              <a:t>6/7/2018</a:t>
+              <a:t>20/3/19</a:t>
             </a:fld>
             <a:endParaRPr lang="en-SG"/>
           </a:p>
@@ -465,7 +461,7 @@
           <a:p>
             <a:fld id="{03EC4E3E-8101-482F-A883-8B55DAFF7C07}" type="datetimeFigureOut">
               <a:rPr lang="en-SG" smtClean="0"/>
-              <a:t>6/7/2018</a:t>
+              <a:t>20/3/19</a:t>
             </a:fld>
             <a:endParaRPr lang="en-SG"/>
           </a:p>
@@ -675,7 +671,7 @@
           <a:p>
             <a:fld id="{03EC4E3E-8101-482F-A883-8B55DAFF7C07}" type="datetimeFigureOut">
               <a:rPr lang="en-SG" smtClean="0"/>
-              <a:t>6/7/2018</a:t>
+              <a:t>20/3/19</a:t>
             </a:fld>
             <a:endParaRPr lang="en-SG"/>
           </a:p>
@@ -875,7 +871,7 @@
           <a:p>
             <a:fld id="{03EC4E3E-8101-482F-A883-8B55DAFF7C07}" type="datetimeFigureOut">
               <a:rPr lang="en-SG" smtClean="0"/>
-              <a:t>6/7/2018</a:t>
+              <a:t>20/3/19</a:t>
             </a:fld>
             <a:endParaRPr lang="en-SG"/>
           </a:p>
@@ -1151,7 +1147,7 @@
           <a:p>
             <a:fld id="{03EC4E3E-8101-482F-A883-8B55DAFF7C07}" type="datetimeFigureOut">
               <a:rPr lang="en-SG" smtClean="0"/>
-              <a:t>6/7/2018</a:t>
+              <a:t>20/3/19</a:t>
             </a:fld>
             <a:endParaRPr lang="en-SG"/>
           </a:p>
@@ -1419,7 +1415,7 @@
           <a:p>
             <a:fld id="{03EC4E3E-8101-482F-A883-8B55DAFF7C07}" type="datetimeFigureOut">
               <a:rPr lang="en-SG" smtClean="0"/>
-              <a:t>6/7/2018</a:t>
+              <a:t>20/3/19</a:t>
             </a:fld>
             <a:endParaRPr lang="en-SG"/>
           </a:p>
@@ -1834,7 +1830,7 @@
           <a:p>
             <a:fld id="{03EC4E3E-8101-482F-A883-8B55DAFF7C07}" type="datetimeFigureOut">
               <a:rPr lang="en-SG" smtClean="0"/>
-              <a:t>6/7/2018</a:t>
+              <a:t>20/3/19</a:t>
             </a:fld>
             <a:endParaRPr lang="en-SG"/>
           </a:p>
@@ -1976,7 +1972,7 @@
           <a:p>
             <a:fld id="{03EC4E3E-8101-482F-A883-8B55DAFF7C07}" type="datetimeFigureOut">
               <a:rPr lang="en-SG" smtClean="0"/>
-              <a:t>6/7/2018</a:t>
+              <a:t>20/3/19</a:t>
             </a:fld>
             <a:endParaRPr lang="en-SG"/>
           </a:p>
@@ -2089,7 +2085,7 @@
           <a:p>
             <a:fld id="{03EC4E3E-8101-482F-A883-8B55DAFF7C07}" type="datetimeFigureOut">
               <a:rPr lang="en-SG" smtClean="0"/>
-              <a:t>6/7/2018</a:t>
+              <a:t>20/3/19</a:t>
             </a:fld>
             <a:endParaRPr lang="en-SG"/>
           </a:p>
@@ -2402,7 +2398,7 @@
           <a:p>
             <a:fld id="{03EC4E3E-8101-482F-A883-8B55DAFF7C07}" type="datetimeFigureOut">
               <a:rPr lang="en-SG" smtClean="0"/>
-              <a:t>6/7/2018</a:t>
+              <a:t>20/3/19</a:t>
             </a:fld>
             <a:endParaRPr lang="en-SG"/>
           </a:p>
@@ -2691,7 +2687,7 @@
           <a:p>
             <a:fld id="{03EC4E3E-8101-482F-A883-8B55DAFF7C07}" type="datetimeFigureOut">
               <a:rPr lang="en-SG" smtClean="0"/>
-              <a:t>6/7/2018</a:t>
+              <a:t>20/3/19</a:t>
             </a:fld>
             <a:endParaRPr lang="en-SG"/>
           </a:p>
@@ -2934,7 +2930,7 @@
           <a:p>
             <a:fld id="{03EC4E3E-8101-482F-A883-8B55DAFF7C07}" type="datetimeFigureOut">
               <a:rPr lang="en-SG" smtClean="0"/>
-              <a:t>6/7/2018</a:t>
+              <a:t>20/3/19</a:t>
             </a:fld>
             <a:endParaRPr lang="en-SG"/>
           </a:p>
@@ -3410,14 +3406,14 @@
           <p:nvPr>
             <p:extLst>
               <p:ext uri="{D42A27DB-BD31-4B8C-83A1-F6EECF244321}">
-                <p14:modId xmlns:p14="http://schemas.microsoft.com/office/powerpoint/2010/main" val="770650361"/>
+                <p14:modId xmlns:p14="http://schemas.microsoft.com/office/powerpoint/2010/main" val="2437944512"/>
               </p:ext>
             </p:extLst>
           </p:nvPr>
         </p:nvGraphicFramePr>
         <p:xfrm>
-          <a:off x="473240" y="1476102"/>
-          <a:ext cx="1833356" cy="410363"/>
+          <a:off x="473239" y="1476102"/>
+          <a:ext cx="3207000" cy="410363"/>
         </p:xfrm>
         <a:graphic>
           <a:graphicData uri="http://schemas.openxmlformats.org/drawingml/2006/table">
@@ -3426,7 +3422,7 @@
                 <a:tableStyleId>{638B1855-1B75-4FBE-930C-398BA8C253C6}</a:tableStyleId>
               </a:tblPr>
               <a:tblGrid>
-                <a:gridCol w="1833356">
+                <a:gridCol w="3207000">
                   <a:extLst>
                     <a:ext uri="{9D8B030D-6E8A-4147-A177-3AD203B41FA5}">
                       <a16:colId xmlns:a16="http://schemas.microsoft.com/office/drawing/2014/main" val="4240773277"/>
@@ -3442,11 +3438,11 @@
                     <a:p>
                       <a:r>
                         <a:rPr lang="en-SG" u="sng" dirty="0"/>
-                        <a:t>ab0:</a:t>
+                        <a:t>hms0:</a:t>
                       </a:r>
                       <a:r>
                         <a:rPr lang="en-SG" sz="1800" u="sng" dirty="0"/>
-                        <a:t>AddressBook</a:t>
+                        <a:t>HotelManagementSystem</a:t>
                       </a:r>
                       <a:endParaRPr lang="en-SG" sz="1600" u="sng" dirty="0"/>
                     </a:p>
@@ -3567,7 +3563,7 @@
         </p:nvSpPr>
         <p:spPr>
           <a:xfrm>
-            <a:off x="1967014" y="5245581"/>
+            <a:off x="3528645" y="5197232"/>
             <a:ext cx="3207000" cy="369332"/>
           </a:xfrm>
           <a:prstGeom prst="rect">
@@ -3658,14 +3654,14 @@
           <p:nvPr>
             <p:extLst>
               <p:ext uri="{D42A27DB-BD31-4B8C-83A1-F6EECF244321}">
-                <p14:modId xmlns:p14="http://schemas.microsoft.com/office/powerpoint/2010/main" val="2370624015"/>
+                <p14:modId xmlns:p14="http://schemas.microsoft.com/office/powerpoint/2010/main" val="3847427064"/>
               </p:ext>
             </p:extLst>
           </p:nvPr>
         </p:nvGraphicFramePr>
         <p:xfrm>
-          <a:off x="2448268" y="3926065"/>
-          <a:ext cx="1833356" cy="410363"/>
+          <a:off x="3766072" y="3930351"/>
+          <a:ext cx="3207000" cy="410363"/>
         </p:xfrm>
         <a:graphic>
           <a:graphicData uri="http://schemas.openxmlformats.org/drawingml/2006/table">
@@ -3674,7 +3670,7 @@
                 <a:tableStyleId>{638B1855-1B75-4FBE-930C-398BA8C253C6}</a:tableStyleId>
               </a:tblPr>
               <a:tblGrid>
-                <a:gridCol w="1833356">
+                <a:gridCol w="3207000">
                   <a:extLst>
                     <a:ext uri="{9D8B030D-6E8A-4147-A177-3AD203B41FA5}">
                       <a16:colId xmlns:a16="http://schemas.microsoft.com/office/drawing/2014/main" val="4240773277"/>
@@ -3690,11 +3686,11 @@
                     <a:p>
                       <a:r>
                         <a:rPr lang="en-SG" u="sng" dirty="0"/>
-                        <a:t>ab1:</a:t>
+                        <a:t>hms1:</a:t>
                       </a:r>
                       <a:r>
                         <a:rPr lang="en-SG" sz="1800" u="sng" dirty="0"/>
-                        <a:t>AddressBook</a:t>
+                        <a:t>HotelManagementSystem</a:t>
                       </a:r>
                       <a:endParaRPr lang="en-SG" sz="1600" u="sng" dirty="0"/>
                     </a:p>
@@ -3726,14 +3722,14 @@
           <p:nvPr>
             <p:extLst>
               <p:ext uri="{D42A27DB-BD31-4B8C-83A1-F6EECF244321}">
-                <p14:modId xmlns:p14="http://schemas.microsoft.com/office/powerpoint/2010/main" val="2523374166"/>
+                <p14:modId xmlns:p14="http://schemas.microsoft.com/office/powerpoint/2010/main" val="3407928886"/>
               </p:ext>
             </p:extLst>
           </p:nvPr>
         </p:nvGraphicFramePr>
         <p:xfrm>
-          <a:off x="473240" y="3918002"/>
-          <a:ext cx="1833356" cy="410363"/>
+          <a:off x="473238" y="3918002"/>
+          <a:ext cx="3207000" cy="410363"/>
         </p:xfrm>
         <a:graphic>
           <a:graphicData uri="http://schemas.openxmlformats.org/drawingml/2006/table">
@@ -3742,7 +3738,7 @@
                 <a:tableStyleId>{638B1855-1B75-4FBE-930C-398BA8C253C6}</a:tableStyleId>
               </a:tblPr>
               <a:tblGrid>
-                <a:gridCol w="1833356">
+                <a:gridCol w="3207000">
                   <a:extLst>
                     <a:ext uri="{9D8B030D-6E8A-4147-A177-3AD203B41FA5}">
                       <a16:colId xmlns:a16="http://schemas.microsoft.com/office/drawing/2014/main" val="4240773277"/>
@@ -3758,11 +3754,11 @@
                     <a:p>
                       <a:r>
                         <a:rPr lang="en-SG" u="sng" dirty="0"/>
-                        <a:t>ab0:</a:t>
+                        <a:t>hms0:</a:t>
                       </a:r>
                       <a:r>
                         <a:rPr lang="en-SG" sz="1800" u="sng" dirty="0"/>
-                        <a:t>AddressBook</a:t>
+                        <a:t>HotelManagementSystem</a:t>
                       </a:r>
                       <a:endParaRPr lang="en-SG" sz="1600" u="sng" dirty="0"/>
                     </a:p>
@@ -3839,7 +3835,7 @@
         </p:nvCxnSpPr>
         <p:spPr>
           <a:xfrm flipV="1">
-            <a:off x="3389152" y="4538708"/>
+            <a:off x="5098159" y="4490359"/>
             <a:ext cx="0" cy="706873"/>
           </a:xfrm>
           <a:prstGeom prst="straightConnector1">

--- a/docs/diagrams/UndoRedoNewCommand1StateListDiagram.pptx
+++ b/docs/diagrams/UndoRedoNewCommand1StateListDiagram.pptx
@@ -261,7 +261,7 @@
           <a:p>
             <a:fld id="{03EC4E3E-8101-482F-A883-8B55DAFF7C07}" type="datetimeFigureOut">
               <a:rPr lang="en-SG" smtClean="0"/>
-              <a:t>20/3/19</a:t>
+              <a:t>21/3/19</a:t>
             </a:fld>
             <a:endParaRPr lang="en-SG"/>
           </a:p>
@@ -461,7 +461,7 @@
           <a:p>
             <a:fld id="{03EC4E3E-8101-482F-A883-8B55DAFF7C07}" type="datetimeFigureOut">
               <a:rPr lang="en-SG" smtClean="0"/>
-              <a:t>20/3/19</a:t>
+              <a:t>21/3/19</a:t>
             </a:fld>
             <a:endParaRPr lang="en-SG"/>
           </a:p>
@@ -671,7 +671,7 @@
           <a:p>
             <a:fld id="{03EC4E3E-8101-482F-A883-8B55DAFF7C07}" type="datetimeFigureOut">
               <a:rPr lang="en-SG" smtClean="0"/>
-              <a:t>20/3/19</a:t>
+              <a:t>21/3/19</a:t>
             </a:fld>
             <a:endParaRPr lang="en-SG"/>
           </a:p>
@@ -871,7 +871,7 @@
           <a:p>
             <a:fld id="{03EC4E3E-8101-482F-A883-8B55DAFF7C07}" type="datetimeFigureOut">
               <a:rPr lang="en-SG" smtClean="0"/>
-              <a:t>20/3/19</a:t>
+              <a:t>21/3/19</a:t>
             </a:fld>
             <a:endParaRPr lang="en-SG"/>
           </a:p>
@@ -1147,7 +1147,7 @@
           <a:p>
             <a:fld id="{03EC4E3E-8101-482F-A883-8B55DAFF7C07}" type="datetimeFigureOut">
               <a:rPr lang="en-SG" smtClean="0"/>
-              <a:t>20/3/19</a:t>
+              <a:t>21/3/19</a:t>
             </a:fld>
             <a:endParaRPr lang="en-SG"/>
           </a:p>
@@ -1415,7 +1415,7 @@
           <a:p>
             <a:fld id="{03EC4E3E-8101-482F-A883-8B55DAFF7C07}" type="datetimeFigureOut">
               <a:rPr lang="en-SG" smtClean="0"/>
-              <a:t>20/3/19</a:t>
+              <a:t>21/3/19</a:t>
             </a:fld>
             <a:endParaRPr lang="en-SG"/>
           </a:p>
@@ -1830,7 +1830,7 @@
           <a:p>
             <a:fld id="{03EC4E3E-8101-482F-A883-8B55DAFF7C07}" type="datetimeFigureOut">
               <a:rPr lang="en-SG" smtClean="0"/>
-              <a:t>20/3/19</a:t>
+              <a:t>21/3/19</a:t>
             </a:fld>
             <a:endParaRPr lang="en-SG"/>
           </a:p>
@@ -1972,7 +1972,7 @@
           <a:p>
             <a:fld id="{03EC4E3E-8101-482F-A883-8B55DAFF7C07}" type="datetimeFigureOut">
               <a:rPr lang="en-SG" smtClean="0"/>
-              <a:t>20/3/19</a:t>
+              <a:t>21/3/19</a:t>
             </a:fld>
             <a:endParaRPr lang="en-SG"/>
           </a:p>
@@ -2085,7 +2085,7 @@
           <a:p>
             <a:fld id="{03EC4E3E-8101-482F-A883-8B55DAFF7C07}" type="datetimeFigureOut">
               <a:rPr lang="en-SG" smtClean="0"/>
-              <a:t>20/3/19</a:t>
+              <a:t>21/3/19</a:t>
             </a:fld>
             <a:endParaRPr lang="en-SG"/>
           </a:p>
@@ -2398,7 +2398,7 @@
           <a:p>
             <a:fld id="{03EC4E3E-8101-482F-A883-8B55DAFF7C07}" type="datetimeFigureOut">
               <a:rPr lang="en-SG" smtClean="0"/>
-              <a:t>20/3/19</a:t>
+              <a:t>21/3/19</a:t>
             </a:fld>
             <a:endParaRPr lang="en-SG"/>
           </a:p>
@@ -2687,7 +2687,7 @@
           <a:p>
             <a:fld id="{03EC4E3E-8101-482F-A883-8B55DAFF7C07}" type="datetimeFigureOut">
               <a:rPr lang="en-SG" smtClean="0"/>
-              <a:t>20/3/19</a:t>
+              <a:t>21/3/19</a:t>
             </a:fld>
             <a:endParaRPr lang="en-SG"/>
           </a:p>
@@ -2930,7 +2930,7 @@
           <a:p>
             <a:fld id="{03EC4E3E-8101-482F-A883-8B55DAFF7C07}" type="datetimeFigureOut">
               <a:rPr lang="en-SG" smtClean="0"/>
-              <a:t>20/3/19</a:t>
+              <a:t>21/3/19</a:t>
             </a:fld>
             <a:endParaRPr lang="en-SG"/>
           </a:p>
@@ -3377,16 +3377,10 @@
           <a:p>
             <a:pPr algn="ctr"/>
             <a:r>
-              <a:rPr lang="en-SG" dirty="0" err="1">
-                <a:latin typeface="Consolas" panose="020B0609020204030204" pitchFamily="49" charset="0"/>
-              </a:rPr>
-              <a:t>currentStatePointer</a:t>
-            </a:r>
-            <a:r>
               <a:rPr lang="en-SG" dirty="0">
                 <a:latin typeface="Consolas" panose="020B0609020204030204" pitchFamily="49" charset="0"/>
               </a:rPr>
-              <a:t> = 0</a:t>
+              <a:t>currentStatePointer = 0</a:t>
             </a:r>
           </a:p>
         </p:txBody>
@@ -3579,16 +3573,10 @@
           <a:p>
             <a:pPr algn="ctr"/>
             <a:r>
-              <a:rPr lang="en-SG" dirty="0" err="1">
-                <a:latin typeface="Consolas" panose="020B0609020204030204" pitchFamily="49" charset="0"/>
-              </a:rPr>
-              <a:t>currentStatePointer</a:t>
-            </a:r>
-            <a:r>
               <a:rPr lang="en-SG" dirty="0">
                 <a:latin typeface="Consolas" panose="020B0609020204030204" pitchFamily="49" charset="0"/>
               </a:rPr>
-              <a:t> = 1</a:t>
+              <a:t>currentStatePointer = 1</a:t>
             </a:r>
           </a:p>
         </p:txBody>

--- a/docs/diagrams/UndoRedoNewCommand1StateListDiagram.pptx
+++ b/docs/diagrams/UndoRedoNewCommand1StateListDiagram.pptx
@@ -112,10 +112,6 @@
 </p:presentation>
 </file>
 
-<file path=ppt/revisionInfo.xml><?xml version="1.0" encoding="utf-8"?>
-<p1510:revInfo xmlns:a="http://schemas.openxmlformats.org/drawingml/2006/main" xmlns:r="http://schemas.openxmlformats.org/officeDocument/2006/relationships" xmlns:p1510="http://schemas.microsoft.com/office/powerpoint/2015/10/main"/>
-</file>
-
 <file path=ppt/slideLayouts/slideLayout1.xml><?xml version="1.0" encoding="utf-8"?>
 <p:sldLayout xmlns:a="http://schemas.openxmlformats.org/drawingml/2006/main" xmlns:r="http://schemas.openxmlformats.org/officeDocument/2006/relationships" xmlns:p="http://schemas.openxmlformats.org/presentationml/2006/main" type="title" preserve="1">
   <p:cSld name="Title Slide">
@@ -265,7 +261,7 @@
           <a:p>
             <a:fld id="{03EC4E3E-8101-482F-A883-8B55DAFF7C07}" type="datetimeFigureOut">
               <a:rPr lang="en-SG" smtClean="0"/>
-              <a:t>6/7/2018</a:t>
+              <a:t>22/3/2019</a:t>
             </a:fld>
             <a:endParaRPr lang="en-SG"/>
           </a:p>
@@ -465,7 +461,7 @@
           <a:p>
             <a:fld id="{03EC4E3E-8101-482F-A883-8B55DAFF7C07}" type="datetimeFigureOut">
               <a:rPr lang="en-SG" smtClean="0"/>
-              <a:t>6/7/2018</a:t>
+              <a:t>22/3/2019</a:t>
             </a:fld>
             <a:endParaRPr lang="en-SG"/>
           </a:p>
@@ -675,7 +671,7 @@
           <a:p>
             <a:fld id="{03EC4E3E-8101-482F-A883-8B55DAFF7C07}" type="datetimeFigureOut">
               <a:rPr lang="en-SG" smtClean="0"/>
-              <a:t>6/7/2018</a:t>
+              <a:t>22/3/2019</a:t>
             </a:fld>
             <a:endParaRPr lang="en-SG"/>
           </a:p>
@@ -875,7 +871,7 @@
           <a:p>
             <a:fld id="{03EC4E3E-8101-482F-A883-8B55DAFF7C07}" type="datetimeFigureOut">
               <a:rPr lang="en-SG" smtClean="0"/>
-              <a:t>6/7/2018</a:t>
+              <a:t>22/3/2019</a:t>
             </a:fld>
             <a:endParaRPr lang="en-SG"/>
           </a:p>
@@ -1151,7 +1147,7 @@
           <a:p>
             <a:fld id="{03EC4E3E-8101-482F-A883-8B55DAFF7C07}" type="datetimeFigureOut">
               <a:rPr lang="en-SG" smtClean="0"/>
-              <a:t>6/7/2018</a:t>
+              <a:t>22/3/2019</a:t>
             </a:fld>
             <a:endParaRPr lang="en-SG"/>
           </a:p>
@@ -1419,7 +1415,7 @@
           <a:p>
             <a:fld id="{03EC4E3E-8101-482F-A883-8B55DAFF7C07}" type="datetimeFigureOut">
               <a:rPr lang="en-SG" smtClean="0"/>
-              <a:t>6/7/2018</a:t>
+              <a:t>22/3/2019</a:t>
             </a:fld>
             <a:endParaRPr lang="en-SG"/>
           </a:p>
@@ -1834,7 +1830,7 @@
           <a:p>
             <a:fld id="{03EC4E3E-8101-482F-A883-8B55DAFF7C07}" type="datetimeFigureOut">
               <a:rPr lang="en-SG" smtClean="0"/>
-              <a:t>6/7/2018</a:t>
+              <a:t>22/3/2019</a:t>
             </a:fld>
             <a:endParaRPr lang="en-SG"/>
           </a:p>
@@ -1976,7 +1972,7 @@
           <a:p>
             <a:fld id="{03EC4E3E-8101-482F-A883-8B55DAFF7C07}" type="datetimeFigureOut">
               <a:rPr lang="en-SG" smtClean="0"/>
-              <a:t>6/7/2018</a:t>
+              <a:t>22/3/2019</a:t>
             </a:fld>
             <a:endParaRPr lang="en-SG"/>
           </a:p>
@@ -2089,7 +2085,7 @@
           <a:p>
             <a:fld id="{03EC4E3E-8101-482F-A883-8B55DAFF7C07}" type="datetimeFigureOut">
               <a:rPr lang="en-SG" smtClean="0"/>
-              <a:t>6/7/2018</a:t>
+              <a:t>22/3/2019</a:t>
             </a:fld>
             <a:endParaRPr lang="en-SG"/>
           </a:p>
@@ -2402,7 +2398,7 @@
           <a:p>
             <a:fld id="{03EC4E3E-8101-482F-A883-8B55DAFF7C07}" type="datetimeFigureOut">
               <a:rPr lang="en-SG" smtClean="0"/>
-              <a:t>6/7/2018</a:t>
+              <a:t>22/3/2019</a:t>
             </a:fld>
             <a:endParaRPr lang="en-SG"/>
           </a:p>
@@ -2691,7 +2687,7 @@
           <a:p>
             <a:fld id="{03EC4E3E-8101-482F-A883-8B55DAFF7C07}" type="datetimeFigureOut">
               <a:rPr lang="en-SG" smtClean="0"/>
-              <a:t>6/7/2018</a:t>
+              <a:t>22/3/2019</a:t>
             </a:fld>
             <a:endParaRPr lang="en-SG"/>
           </a:p>
@@ -2934,7 +2930,7 @@
           <a:p>
             <a:fld id="{03EC4E3E-8101-482F-A883-8B55DAFF7C07}" type="datetimeFigureOut">
               <a:rPr lang="en-SG" smtClean="0"/>
-              <a:t>6/7/2018</a:t>
+              <a:t>22/3/2019</a:t>
             </a:fld>
             <a:endParaRPr lang="en-SG"/>
           </a:p>
@@ -3410,7 +3406,7 @@
           <p:nvPr>
             <p:extLst>
               <p:ext uri="{D42A27DB-BD31-4B8C-83A1-F6EECF244321}">
-                <p14:modId xmlns:p14="http://schemas.microsoft.com/office/powerpoint/2010/main" val="770650361"/>
+                <p14:modId xmlns:p14="http://schemas.microsoft.com/office/powerpoint/2010/main" val="693973417"/>
               </p:ext>
             </p:extLst>
           </p:nvPr>
@@ -3442,11 +3438,11 @@
                     <a:p>
                       <a:r>
                         <a:rPr lang="en-SG" u="sng" dirty="0"/>
-                        <a:t>ab0:</a:t>
+                        <a:t>tb0:</a:t>
                       </a:r>
                       <a:r>
                         <a:rPr lang="en-SG" sz="1800" u="sng" dirty="0"/>
-                        <a:t>AddressBook</a:t>
+                        <a:t>TravelBuddy</a:t>
                       </a:r>
                       <a:endParaRPr lang="en-SG" sz="1600" u="sng" dirty="0"/>
                     </a:p>
@@ -3658,7 +3654,7 @@
           <p:nvPr>
             <p:extLst>
               <p:ext uri="{D42A27DB-BD31-4B8C-83A1-F6EECF244321}">
-                <p14:modId xmlns:p14="http://schemas.microsoft.com/office/powerpoint/2010/main" val="2370624015"/>
+                <p14:modId xmlns:p14="http://schemas.microsoft.com/office/powerpoint/2010/main" val="2856496786"/>
               </p:ext>
             </p:extLst>
           </p:nvPr>
@@ -3690,11 +3686,19 @@
                     <a:p>
                       <a:r>
                         <a:rPr lang="en-SG" u="sng" dirty="0"/>
-                        <a:t>ab1:</a:t>
+                        <a:t>t</a:t>
+                      </a:r>
+                      <a:r>
+                        <a:rPr lang="en-SG" u="sng"/>
+                        <a:t>b1</a:t>
+                      </a:r>
+                      <a:r>
+                        <a:rPr lang="en-SG" u="sng" dirty="0"/>
+                        <a:t>:</a:t>
                       </a:r>
                       <a:r>
                         <a:rPr lang="en-SG" sz="1800" u="sng" dirty="0"/>
-                        <a:t>AddressBook</a:t>
+                        <a:t>TravelBuddy</a:t>
                       </a:r>
                       <a:endParaRPr lang="en-SG" sz="1600" u="sng" dirty="0"/>
                     </a:p>
@@ -3726,7 +3730,7 @@
           <p:nvPr>
             <p:extLst>
               <p:ext uri="{D42A27DB-BD31-4B8C-83A1-F6EECF244321}">
-                <p14:modId xmlns:p14="http://schemas.microsoft.com/office/powerpoint/2010/main" val="2523374166"/>
+                <p14:modId xmlns:p14="http://schemas.microsoft.com/office/powerpoint/2010/main" val="421515978"/>
               </p:ext>
             </p:extLst>
           </p:nvPr>
@@ -3758,11 +3762,11 @@
                     <a:p>
                       <a:r>
                         <a:rPr lang="en-SG" u="sng" dirty="0"/>
-                        <a:t>ab0:</a:t>
+                        <a:t>tb0:</a:t>
                       </a:r>
                       <a:r>
                         <a:rPr lang="en-SG" sz="1800" u="sng" dirty="0"/>
-                        <a:t>AddressBook</a:t>
+                        <a:t>TravelBuddy</a:t>
                       </a:r>
                       <a:endParaRPr lang="en-SG" sz="1600" u="sng" dirty="0"/>
                     </a:p>

--- a/docs/diagrams/UndoRedoNewCommand1StateListDiagram.pptx
+++ b/docs/diagrams/UndoRedoNewCommand1StateListDiagram.pptx
@@ -112,10 +112,6 @@
 </p:presentation>
 </file>
 
-<file path=ppt/revisionInfo.xml><?xml version="1.0" encoding="utf-8"?>
-<p1510:revInfo xmlns:a="http://schemas.openxmlformats.org/drawingml/2006/main" xmlns:r="http://schemas.openxmlformats.org/officeDocument/2006/relationships" xmlns:p1510="http://schemas.microsoft.com/office/powerpoint/2015/10/main"/>
-</file>
-
 <file path=ppt/slideLayouts/slideLayout1.xml><?xml version="1.0" encoding="utf-8"?>
 <p:sldLayout xmlns:a="http://schemas.openxmlformats.org/drawingml/2006/main" xmlns:r="http://schemas.openxmlformats.org/officeDocument/2006/relationships" xmlns:p="http://schemas.openxmlformats.org/presentationml/2006/main" type="title" preserve="1">
   <p:cSld name="Title Slide">
@@ -265,7 +261,7 @@
           <a:p>
             <a:fld id="{03EC4E3E-8101-482F-A883-8B55DAFF7C07}" type="datetimeFigureOut">
               <a:rPr lang="en-SG" smtClean="0"/>
-              <a:t>6/7/2018</a:t>
+              <a:t>30/3/2019</a:t>
             </a:fld>
             <a:endParaRPr lang="en-SG"/>
           </a:p>
@@ -465,7 +461,7 @@
           <a:p>
             <a:fld id="{03EC4E3E-8101-482F-A883-8B55DAFF7C07}" type="datetimeFigureOut">
               <a:rPr lang="en-SG" smtClean="0"/>
-              <a:t>6/7/2018</a:t>
+              <a:t>30/3/2019</a:t>
             </a:fld>
             <a:endParaRPr lang="en-SG"/>
           </a:p>
@@ -675,7 +671,7 @@
           <a:p>
             <a:fld id="{03EC4E3E-8101-482F-A883-8B55DAFF7C07}" type="datetimeFigureOut">
               <a:rPr lang="en-SG" smtClean="0"/>
-              <a:t>6/7/2018</a:t>
+              <a:t>30/3/2019</a:t>
             </a:fld>
             <a:endParaRPr lang="en-SG"/>
           </a:p>
@@ -875,7 +871,7 @@
           <a:p>
             <a:fld id="{03EC4E3E-8101-482F-A883-8B55DAFF7C07}" type="datetimeFigureOut">
               <a:rPr lang="en-SG" smtClean="0"/>
-              <a:t>6/7/2018</a:t>
+              <a:t>30/3/2019</a:t>
             </a:fld>
             <a:endParaRPr lang="en-SG"/>
           </a:p>
@@ -1151,7 +1147,7 @@
           <a:p>
             <a:fld id="{03EC4E3E-8101-482F-A883-8B55DAFF7C07}" type="datetimeFigureOut">
               <a:rPr lang="en-SG" smtClean="0"/>
-              <a:t>6/7/2018</a:t>
+              <a:t>30/3/2019</a:t>
             </a:fld>
             <a:endParaRPr lang="en-SG"/>
           </a:p>
@@ -1419,7 +1415,7 @@
           <a:p>
             <a:fld id="{03EC4E3E-8101-482F-A883-8B55DAFF7C07}" type="datetimeFigureOut">
               <a:rPr lang="en-SG" smtClean="0"/>
-              <a:t>6/7/2018</a:t>
+              <a:t>30/3/2019</a:t>
             </a:fld>
             <a:endParaRPr lang="en-SG"/>
           </a:p>
@@ -1834,7 +1830,7 @@
           <a:p>
             <a:fld id="{03EC4E3E-8101-482F-A883-8B55DAFF7C07}" type="datetimeFigureOut">
               <a:rPr lang="en-SG" smtClean="0"/>
-              <a:t>6/7/2018</a:t>
+              <a:t>30/3/2019</a:t>
             </a:fld>
             <a:endParaRPr lang="en-SG"/>
           </a:p>
@@ -1976,7 +1972,7 @@
           <a:p>
             <a:fld id="{03EC4E3E-8101-482F-A883-8B55DAFF7C07}" type="datetimeFigureOut">
               <a:rPr lang="en-SG" smtClean="0"/>
-              <a:t>6/7/2018</a:t>
+              <a:t>30/3/2019</a:t>
             </a:fld>
             <a:endParaRPr lang="en-SG"/>
           </a:p>
@@ -2089,7 +2085,7 @@
           <a:p>
             <a:fld id="{03EC4E3E-8101-482F-A883-8B55DAFF7C07}" type="datetimeFigureOut">
               <a:rPr lang="en-SG" smtClean="0"/>
-              <a:t>6/7/2018</a:t>
+              <a:t>30/3/2019</a:t>
             </a:fld>
             <a:endParaRPr lang="en-SG"/>
           </a:p>
@@ -2402,7 +2398,7 @@
           <a:p>
             <a:fld id="{03EC4E3E-8101-482F-A883-8B55DAFF7C07}" type="datetimeFigureOut">
               <a:rPr lang="en-SG" smtClean="0"/>
-              <a:t>6/7/2018</a:t>
+              <a:t>30/3/2019</a:t>
             </a:fld>
             <a:endParaRPr lang="en-SG"/>
           </a:p>
@@ -2691,7 +2687,7 @@
           <a:p>
             <a:fld id="{03EC4E3E-8101-482F-A883-8B55DAFF7C07}" type="datetimeFigureOut">
               <a:rPr lang="en-SG" smtClean="0"/>
-              <a:t>6/7/2018</a:t>
+              <a:t>30/3/2019</a:t>
             </a:fld>
             <a:endParaRPr lang="en-SG"/>
           </a:p>
@@ -2934,7 +2930,7 @@
           <a:p>
             <a:fld id="{03EC4E3E-8101-482F-A883-8B55DAFF7C07}" type="datetimeFigureOut">
               <a:rPr lang="en-SG" smtClean="0"/>
-              <a:t>6/7/2018</a:t>
+              <a:t>30/3/2019</a:t>
             </a:fld>
             <a:endParaRPr lang="en-SG"/>
           </a:p>
@@ -3381,88 +3377,14 @@
           <a:p>
             <a:pPr algn="ctr"/>
             <a:r>
-              <a:rPr lang="en-SG" dirty="0" err="1">
-                <a:latin typeface="Consolas" panose="020B0609020204030204" pitchFamily="49" charset="0"/>
-              </a:rPr>
-              <a:t>currentStatePointer</a:t>
-            </a:r>
-            <a:r>
               <a:rPr lang="en-SG" dirty="0">
                 <a:latin typeface="Consolas" panose="020B0609020204030204" pitchFamily="49" charset="0"/>
               </a:rPr>
-              <a:t> = 0</a:t>
-            </a:r>
-          </a:p>
-        </p:txBody>
-      </p:sp>
-      <p:graphicFrame>
-        <p:nvGraphicFramePr>
-          <p:cNvPr id="13" name="Table 12">
-            <a:extLst>
-              <a:ext uri="{FF2B5EF4-FFF2-40B4-BE49-F238E27FC236}">
-                <a16:creationId xmlns:a16="http://schemas.microsoft.com/office/drawing/2014/main" id="{F545FAB8-F1CE-4886-9BDE-E772BCB0A9C4}"/>
-              </a:ext>
-            </a:extLst>
-          </p:cNvPr>
-          <p:cNvGraphicFramePr>
-            <a:graphicFrameLocks noGrp="1"/>
-          </p:cNvGraphicFramePr>
-          <p:nvPr>
-            <p:extLst>
-              <p:ext uri="{D42A27DB-BD31-4B8C-83A1-F6EECF244321}">
-                <p14:modId xmlns:p14="http://schemas.microsoft.com/office/powerpoint/2010/main" val="770650361"/>
-              </p:ext>
-            </p:extLst>
-          </p:nvPr>
-        </p:nvGraphicFramePr>
-        <p:xfrm>
-          <a:off x="473240" y="1476102"/>
-          <a:ext cx="1833356" cy="410363"/>
-        </p:xfrm>
-        <a:graphic>
-          <a:graphicData uri="http://schemas.openxmlformats.org/drawingml/2006/table">
-            <a:tbl>
-              <a:tblPr>
-                <a:tableStyleId>{638B1855-1B75-4FBE-930C-398BA8C253C6}</a:tableStyleId>
-              </a:tblPr>
-              <a:tblGrid>
-                <a:gridCol w="1833356">
-                  <a:extLst>
-                    <a:ext uri="{9D8B030D-6E8A-4147-A177-3AD203B41FA5}">
-                      <a16:colId xmlns:a16="http://schemas.microsoft.com/office/drawing/2014/main" val="4240773277"/>
-                    </a:ext>
-                  </a:extLst>
-                </a:gridCol>
-              </a:tblGrid>
-              <a:tr h="410363">
-                <a:tc>
-                  <a:txBody>
-                    <a:bodyPr/>
-                    <a:lstStyle/>
-                    <a:p>
-                      <a:r>
-                        <a:rPr lang="en-SG" u="sng" dirty="0"/>
-                        <a:t>ab0:</a:t>
-                      </a:r>
-                      <a:r>
-                        <a:rPr lang="en-SG" sz="1800" u="sng" dirty="0"/>
-                        <a:t>AddressBook</a:t>
-                      </a:r>
-                      <a:endParaRPr lang="en-SG" sz="1600" u="sng" dirty="0"/>
-                    </a:p>
-                  </a:txBody>
-                  <a:tcPr/>
-                </a:tc>
-                <a:extLst>
-                  <a:ext uri="{0D108BD9-81ED-4DB2-BD59-A6C34878D82A}">
-                    <a16:rowId xmlns:a16="http://schemas.microsoft.com/office/drawing/2014/main" val="2194462629"/>
-                  </a:ext>
-                </a:extLst>
-              </a:tr>
-            </a:tbl>
-          </a:graphicData>
-        </a:graphic>
-      </p:graphicFrame>
+              <a:t>Index = 0</a:t>
+            </a:r>
+          </a:p>
+        </p:txBody>
+      </p:sp>
       <p:sp>
         <p:nvSpPr>
           <p:cNvPr id="3" name="Down Arrow 2"/>
@@ -3471,8 +3393,8 @@
         </p:nvSpPr>
         <p:spPr>
           <a:xfrm>
-            <a:off x="4397701" y="2244365"/>
-            <a:ext cx="1672046" cy="1402081"/>
+            <a:off x="4397700" y="2244365"/>
+            <a:ext cx="2225041" cy="1402081"/>
           </a:xfrm>
           <a:prstGeom prst="downArrow">
             <a:avLst/>
@@ -3501,7 +3423,7 @@
             <a:pPr algn="ctr"/>
             <a:r>
               <a:rPr lang="en-SG" dirty="0"/>
-              <a:t>delete 5</a:t>
+              <a:t>Contrast 2</a:t>
             </a:r>
             <a:endParaRPr lang="en-US" dirty="0"/>
           </a:p>
@@ -3567,7 +3489,7 @@
         </p:nvSpPr>
         <p:spPr>
           <a:xfrm>
-            <a:off x="1967014" y="5245581"/>
+            <a:off x="-185191" y="5297381"/>
             <a:ext cx="3207000" cy="369332"/>
           </a:xfrm>
           <a:prstGeom prst="rect">
@@ -3583,16 +3505,10 @@
           <a:p>
             <a:pPr algn="ctr"/>
             <a:r>
-              <a:rPr lang="en-SG" dirty="0" err="1">
-                <a:latin typeface="Consolas" panose="020B0609020204030204" pitchFamily="49" charset="0"/>
-              </a:rPr>
-              <a:t>currentStatePointer</a:t>
-            </a:r>
-            <a:r>
               <a:rPr lang="en-SG" dirty="0">
                 <a:latin typeface="Consolas" panose="020B0609020204030204" pitchFamily="49" charset="0"/>
               </a:rPr>
-              <a:t> = 1</a:t>
+              <a:t>Index = 1</a:t>
             </a:r>
           </a:p>
         </p:txBody>
@@ -3645,7 +3561,7 @@
       </p:sp>
       <p:graphicFrame>
         <p:nvGraphicFramePr>
-          <p:cNvPr id="12" name="Table 11">
+          <p:cNvPr id="15" name="Table 14">
             <a:extLst>
               <a:ext uri="{FF2B5EF4-FFF2-40B4-BE49-F238E27FC236}">
                 <a16:creationId xmlns:a16="http://schemas.microsoft.com/office/drawing/2014/main" id="{F545FAB8-F1CE-4886-9BDE-E772BCB0A9C4}"/>
@@ -3658,14 +3574,14 @@
           <p:nvPr>
             <p:extLst>
               <p:ext uri="{D42A27DB-BD31-4B8C-83A1-F6EECF244321}">
-                <p14:modId xmlns:p14="http://schemas.microsoft.com/office/powerpoint/2010/main" val="2370624015"/>
+                <p14:modId xmlns:p14="http://schemas.microsoft.com/office/powerpoint/2010/main" val="3163949022"/>
               </p:ext>
             </p:extLst>
           </p:nvPr>
         </p:nvGraphicFramePr>
         <p:xfrm>
-          <a:off x="2448268" y="3926065"/>
-          <a:ext cx="1833356" cy="410363"/>
+          <a:off x="473239" y="3918002"/>
+          <a:ext cx="2190051" cy="410363"/>
         </p:xfrm>
         <a:graphic>
           <a:graphicData uri="http://schemas.openxmlformats.org/drawingml/2006/table">
@@ -3674,7 +3590,7 @@
                 <a:tableStyleId>{638B1855-1B75-4FBE-930C-398BA8C253C6}</a:tableStyleId>
               </a:tblPr>
               <a:tblGrid>
-                <a:gridCol w="1833356">
+                <a:gridCol w="2190051">
                   <a:extLst>
                     <a:ext uri="{9D8B030D-6E8A-4147-A177-3AD203B41FA5}">
                       <a16:colId xmlns:a16="http://schemas.microsoft.com/office/drawing/2014/main" val="4240773277"/>
@@ -3689,80 +3605,12 @@
                     <a:lstStyle/>
                     <a:p>
                       <a:r>
-                        <a:rPr lang="en-SG" u="sng" dirty="0"/>
-                        <a:t>ab1:</a:t>
+                        <a:rPr lang="en-SG" u="sng" dirty="0" err="1"/>
+                        <a:t>Command:Contrast</a:t>
                       </a:r>
                       <a:r>
-                        <a:rPr lang="en-SG" sz="1800" u="sng" dirty="0"/>
-                        <a:t>AddressBook</a:t>
-                      </a:r>
-                      <a:endParaRPr lang="en-SG" sz="1600" u="sng" dirty="0"/>
-                    </a:p>
-                  </a:txBody>
-                  <a:tcPr/>
-                </a:tc>
-                <a:extLst>
-                  <a:ext uri="{0D108BD9-81ED-4DB2-BD59-A6C34878D82A}">
-                    <a16:rowId xmlns:a16="http://schemas.microsoft.com/office/drawing/2014/main" val="2194462629"/>
-                  </a:ext>
-                </a:extLst>
-              </a:tr>
-            </a:tbl>
-          </a:graphicData>
-        </a:graphic>
-      </p:graphicFrame>
-      <p:graphicFrame>
-        <p:nvGraphicFramePr>
-          <p:cNvPr id="15" name="Table 14">
-            <a:extLst>
-              <a:ext uri="{FF2B5EF4-FFF2-40B4-BE49-F238E27FC236}">
-                <a16:creationId xmlns:a16="http://schemas.microsoft.com/office/drawing/2014/main" id="{F545FAB8-F1CE-4886-9BDE-E772BCB0A9C4}"/>
-              </a:ext>
-            </a:extLst>
-          </p:cNvPr>
-          <p:cNvGraphicFramePr>
-            <a:graphicFrameLocks noGrp="1"/>
-          </p:cNvGraphicFramePr>
-          <p:nvPr>
-            <p:extLst>
-              <p:ext uri="{D42A27DB-BD31-4B8C-83A1-F6EECF244321}">
-                <p14:modId xmlns:p14="http://schemas.microsoft.com/office/powerpoint/2010/main" val="2523374166"/>
-              </p:ext>
-            </p:extLst>
-          </p:nvPr>
-        </p:nvGraphicFramePr>
-        <p:xfrm>
-          <a:off x="473240" y="3918002"/>
-          <a:ext cx="1833356" cy="410363"/>
-        </p:xfrm>
-        <a:graphic>
-          <a:graphicData uri="http://schemas.openxmlformats.org/drawingml/2006/table">
-            <a:tbl>
-              <a:tblPr>
-                <a:tableStyleId>{638B1855-1B75-4FBE-930C-398BA8C253C6}</a:tableStyleId>
-              </a:tblPr>
-              <a:tblGrid>
-                <a:gridCol w="1833356">
-                  <a:extLst>
-                    <a:ext uri="{9D8B030D-6E8A-4147-A177-3AD203B41FA5}">
-                      <a16:colId xmlns:a16="http://schemas.microsoft.com/office/drawing/2014/main" val="4240773277"/>
-                    </a:ext>
-                  </a:extLst>
-                </a:gridCol>
-              </a:tblGrid>
-              <a:tr h="410363">
-                <a:tc>
-                  <a:txBody>
-                    <a:bodyPr/>
-                    <a:lstStyle/>
-                    <a:p>
-                      <a:r>
                         <a:rPr lang="en-SG" u="sng" dirty="0"/>
-                        <a:t>ab0:</a:t>
-                      </a:r>
-                      <a:r>
-                        <a:rPr lang="en-SG" sz="1800" u="sng" dirty="0"/>
-                        <a:t>AddressBook</a:t>
+                        <a:t> 2</a:t>
                       </a:r>
                       <a:endParaRPr lang="en-SG" sz="1600" u="sng" dirty="0"/>
                     </a:p>
@@ -3781,10 +3629,10 @@
       </p:graphicFrame>
       <p:cxnSp>
         <p:nvCxnSpPr>
-          <p:cNvPr id="14" name="Straight Arrow Connector 13">
-            <a:extLst>
-              <a:ext uri="{FF2B5EF4-FFF2-40B4-BE49-F238E27FC236}">
-                <a16:creationId xmlns:a16="http://schemas.microsoft.com/office/drawing/2014/main" id="{4E562EDA-12B3-44FD-8B44-BCF3C4356EB8}"/>
+          <p:cNvPr id="16" name="Straight Arrow Connector 15">
+            <a:extLst>
+              <a:ext uri="{FF2B5EF4-FFF2-40B4-BE49-F238E27FC236}">
+                <a16:creationId xmlns:a16="http://schemas.microsoft.com/office/drawing/2014/main" id="{0C07500F-40C6-444B-B521-89577F312910}"/>
               </a:ext>
             </a:extLst>
           </p:cNvPr>
@@ -3795,51 +3643,7 @@
         </p:nvCxnSpPr>
         <p:spPr>
           <a:xfrm flipV="1">
-            <a:off x="1409350" y="2053867"/>
-            <a:ext cx="0" cy="706873"/>
-          </a:xfrm>
-          <a:prstGeom prst="straightConnector1">
-            <a:avLst/>
-          </a:prstGeom>
-          <a:ln>
-            <a:solidFill>
-              <a:srgbClr val="C00000"/>
-            </a:solidFill>
-            <a:tailEnd type="triangle"/>
-          </a:ln>
-        </p:spPr>
-        <p:style>
-          <a:lnRef idx="1">
-            <a:schemeClr val="accent1"/>
-          </a:lnRef>
-          <a:fillRef idx="0">
-            <a:schemeClr val="accent1"/>
-          </a:fillRef>
-          <a:effectRef idx="0">
-            <a:schemeClr val="accent1"/>
-          </a:effectRef>
-          <a:fontRef idx="minor">
-            <a:schemeClr val="tx1"/>
-          </a:fontRef>
-        </p:style>
-      </p:cxnSp>
-      <p:cxnSp>
-        <p:nvCxnSpPr>
-          <p:cNvPr id="16" name="Straight Arrow Connector 15">
-            <a:extLst>
-              <a:ext uri="{FF2B5EF4-FFF2-40B4-BE49-F238E27FC236}">
-                <a16:creationId xmlns:a16="http://schemas.microsoft.com/office/drawing/2014/main" id="{0C07500F-40C6-444B-B521-89577F312910}"/>
-              </a:ext>
-            </a:extLst>
-          </p:cNvPr>
-          <p:cNvCxnSpPr>
-            <a:cxnSpLocks/>
-          </p:cNvCxnSpPr>
-          <p:nvPr/>
-        </p:nvCxnSpPr>
-        <p:spPr>
-          <a:xfrm flipV="1">
-            <a:off x="3389152" y="4538708"/>
+            <a:off x="1418309" y="4538708"/>
             <a:ext cx="0" cy="706873"/>
           </a:xfrm>
           <a:prstGeom prst="straightConnector1">

--- a/docs/diagrams/UndoRedoNewCommand1StateListDiagram.pptx
+++ b/docs/diagrams/UndoRedoNewCommand1StateListDiagram.pptx
@@ -106,7 +106,7 @@
   </p:defaultTextStyle>
   <p:extLst>
     <p:ext uri="{EFAFB233-063F-42B5-8137-9DF3F51BA10A}">
-      <p15:sldGuideLst xmlns:p15="http://schemas.microsoft.com/office/powerpoint/2012/main"/>
+      <p15:sldGuideLst xmlns:p15="http://schemas.microsoft.com/office/powerpoint/2012/main" xmlns=""/>
     </p:ext>
   </p:extLst>
 </p:presentation>
@@ -138,7 +138,7 @@
           <p:cNvPr id="2" name="Title 1">
             <a:extLst>
               <a:ext uri="{FF2B5EF4-FFF2-40B4-BE49-F238E27FC236}">
-                <a16:creationId xmlns:a16="http://schemas.microsoft.com/office/drawing/2014/main" id="{39FCC519-EE2E-4054-A653-93D611E0133E}"/>
+                <a16:creationId xmlns:a16="http://schemas.microsoft.com/office/drawing/2014/main" xmlns="" id="{39FCC519-EE2E-4054-A653-93D611E0133E}"/>
               </a:ext>
             </a:extLst>
           </p:cNvPr>
@@ -176,7 +176,7 @@
           <p:cNvPr id="3" name="Subtitle 2">
             <a:extLst>
               <a:ext uri="{FF2B5EF4-FFF2-40B4-BE49-F238E27FC236}">
-                <a16:creationId xmlns:a16="http://schemas.microsoft.com/office/drawing/2014/main" id="{3EDEA74E-4030-4F69-A055-4C6319EEEC29}"/>
+                <a16:creationId xmlns:a16="http://schemas.microsoft.com/office/drawing/2014/main" xmlns="" id="{3EDEA74E-4030-4F69-A055-4C6319EEEC29}"/>
               </a:ext>
             </a:extLst>
           </p:cNvPr>
@@ -247,7 +247,7 @@
           <p:cNvPr id="4" name="Date Placeholder 3">
             <a:extLst>
               <a:ext uri="{FF2B5EF4-FFF2-40B4-BE49-F238E27FC236}">
-                <a16:creationId xmlns:a16="http://schemas.microsoft.com/office/drawing/2014/main" id="{E5CC99E3-37A6-4485-B9A2-AF27A72608C6}"/>
+                <a16:creationId xmlns:a16="http://schemas.microsoft.com/office/drawing/2014/main" xmlns="" id="{E5CC99E3-37A6-4485-B9A2-AF27A72608C6}"/>
               </a:ext>
             </a:extLst>
           </p:cNvPr>
@@ -265,7 +265,8 @@
           <a:p>
             <a:fld id="{03EC4E3E-8101-482F-A883-8B55DAFF7C07}" type="datetimeFigureOut">
               <a:rPr lang="en-SG" smtClean="0"/>
-              <a:t>6/7/2018</a:t>
+              <a:pPr/>
+              <a:t>31/3/2019</a:t>
             </a:fld>
             <a:endParaRPr lang="en-SG"/>
           </a:p>
@@ -276,7 +277,7 @@
           <p:cNvPr id="5" name="Footer Placeholder 4">
             <a:extLst>
               <a:ext uri="{FF2B5EF4-FFF2-40B4-BE49-F238E27FC236}">
-                <a16:creationId xmlns:a16="http://schemas.microsoft.com/office/drawing/2014/main" id="{D75BD546-D949-4A25-8EA4-47DF23229409}"/>
+                <a16:creationId xmlns:a16="http://schemas.microsoft.com/office/drawing/2014/main" xmlns="" id="{D75BD546-D949-4A25-8EA4-47DF23229409}"/>
               </a:ext>
             </a:extLst>
           </p:cNvPr>
@@ -301,7 +302,7 @@
           <p:cNvPr id="6" name="Slide Number Placeholder 5">
             <a:extLst>
               <a:ext uri="{FF2B5EF4-FFF2-40B4-BE49-F238E27FC236}">
-                <a16:creationId xmlns:a16="http://schemas.microsoft.com/office/drawing/2014/main" id="{68147391-4DF6-4ACF-BCE9-C1A9DAC803E3}"/>
+                <a16:creationId xmlns:a16="http://schemas.microsoft.com/office/drawing/2014/main" xmlns="" id="{68147391-4DF6-4ACF-BCE9-C1A9DAC803E3}"/>
               </a:ext>
             </a:extLst>
           </p:cNvPr>
@@ -319,6 +320,7 @@
           <a:p>
             <a:fld id="{F362EEBD-19F8-4A23-B3A5-01C987241991}" type="slidenum">
               <a:rPr lang="en-SG" smtClean="0"/>
+              <a:pPr/>
               <a:t>‹#›</a:t>
             </a:fld>
             <a:endParaRPr lang="en-SG"/>
@@ -328,7 +330,7 @@
     </p:spTree>
     <p:extLst>
       <p:ext uri="{BB962C8B-B14F-4D97-AF65-F5344CB8AC3E}">
-        <p14:creationId xmlns:p14="http://schemas.microsoft.com/office/powerpoint/2010/main" val="4227771393"/>
+        <p14:creationId xmlns:p14="http://schemas.microsoft.com/office/powerpoint/2010/main" xmlns="" val="4227771393"/>
       </p:ext>
     </p:extLst>
   </p:cSld>
@@ -360,7 +362,7 @@
           <p:cNvPr id="2" name="Title 1">
             <a:extLst>
               <a:ext uri="{FF2B5EF4-FFF2-40B4-BE49-F238E27FC236}">
-                <a16:creationId xmlns:a16="http://schemas.microsoft.com/office/drawing/2014/main" id="{251D3DFE-0C62-45F5-B1BF-FD1F194ED112}"/>
+                <a16:creationId xmlns:a16="http://schemas.microsoft.com/office/drawing/2014/main" xmlns="" id="{251D3DFE-0C62-45F5-B1BF-FD1F194ED112}"/>
               </a:ext>
             </a:extLst>
           </p:cNvPr>
@@ -389,7 +391,7 @@
           <p:cNvPr id="3" name="Vertical Text Placeholder 2">
             <a:extLst>
               <a:ext uri="{FF2B5EF4-FFF2-40B4-BE49-F238E27FC236}">
-                <a16:creationId xmlns:a16="http://schemas.microsoft.com/office/drawing/2014/main" id="{D2392762-3586-4B6D-A174-2D3ACF0A125B}"/>
+                <a16:creationId xmlns:a16="http://schemas.microsoft.com/office/drawing/2014/main" xmlns="" id="{D2392762-3586-4B6D-A174-2D3ACF0A125B}"/>
               </a:ext>
             </a:extLst>
           </p:cNvPr>
@@ -447,7 +449,7 @@
           <p:cNvPr id="4" name="Date Placeholder 3">
             <a:extLst>
               <a:ext uri="{FF2B5EF4-FFF2-40B4-BE49-F238E27FC236}">
-                <a16:creationId xmlns:a16="http://schemas.microsoft.com/office/drawing/2014/main" id="{73B232E7-84FB-4535-9FC1-1BEF8F17421F}"/>
+                <a16:creationId xmlns:a16="http://schemas.microsoft.com/office/drawing/2014/main" xmlns="" id="{73B232E7-84FB-4535-9FC1-1BEF8F17421F}"/>
               </a:ext>
             </a:extLst>
           </p:cNvPr>
@@ -465,7 +467,8 @@
           <a:p>
             <a:fld id="{03EC4E3E-8101-482F-A883-8B55DAFF7C07}" type="datetimeFigureOut">
               <a:rPr lang="en-SG" smtClean="0"/>
-              <a:t>6/7/2018</a:t>
+              <a:pPr/>
+              <a:t>31/3/2019</a:t>
             </a:fld>
             <a:endParaRPr lang="en-SG"/>
           </a:p>
@@ -476,7 +479,7 @@
           <p:cNvPr id="5" name="Footer Placeholder 4">
             <a:extLst>
               <a:ext uri="{FF2B5EF4-FFF2-40B4-BE49-F238E27FC236}">
-                <a16:creationId xmlns:a16="http://schemas.microsoft.com/office/drawing/2014/main" id="{76F796EF-04EF-401A-AC84-F7BDBC99DE80}"/>
+                <a16:creationId xmlns:a16="http://schemas.microsoft.com/office/drawing/2014/main" xmlns="" id="{76F796EF-04EF-401A-AC84-F7BDBC99DE80}"/>
               </a:ext>
             </a:extLst>
           </p:cNvPr>
@@ -501,7 +504,7 @@
           <p:cNvPr id="6" name="Slide Number Placeholder 5">
             <a:extLst>
               <a:ext uri="{FF2B5EF4-FFF2-40B4-BE49-F238E27FC236}">
-                <a16:creationId xmlns:a16="http://schemas.microsoft.com/office/drawing/2014/main" id="{8F55F009-0A64-4649-A732-4AA6D619F1F3}"/>
+                <a16:creationId xmlns:a16="http://schemas.microsoft.com/office/drawing/2014/main" xmlns="" id="{8F55F009-0A64-4649-A732-4AA6D619F1F3}"/>
               </a:ext>
             </a:extLst>
           </p:cNvPr>
@@ -519,6 +522,7 @@
           <a:p>
             <a:fld id="{F362EEBD-19F8-4A23-B3A5-01C987241991}" type="slidenum">
               <a:rPr lang="en-SG" smtClean="0"/>
+              <a:pPr/>
               <a:t>‹#›</a:t>
             </a:fld>
             <a:endParaRPr lang="en-SG"/>
@@ -528,7 +532,7 @@
     </p:spTree>
     <p:extLst>
       <p:ext uri="{BB962C8B-B14F-4D97-AF65-F5344CB8AC3E}">
-        <p14:creationId xmlns:p14="http://schemas.microsoft.com/office/powerpoint/2010/main" val="2305198193"/>
+        <p14:creationId xmlns:p14="http://schemas.microsoft.com/office/powerpoint/2010/main" xmlns="" val="2305198193"/>
       </p:ext>
     </p:extLst>
   </p:cSld>
@@ -560,7 +564,7 @@
           <p:cNvPr id="2" name="Vertical Title 1">
             <a:extLst>
               <a:ext uri="{FF2B5EF4-FFF2-40B4-BE49-F238E27FC236}">
-                <a16:creationId xmlns:a16="http://schemas.microsoft.com/office/drawing/2014/main" id="{F7DE9595-D7A8-4E19-B4C6-E295F978F6A4}"/>
+                <a16:creationId xmlns:a16="http://schemas.microsoft.com/office/drawing/2014/main" xmlns="" id="{F7DE9595-D7A8-4E19-B4C6-E295F978F6A4}"/>
               </a:ext>
             </a:extLst>
           </p:cNvPr>
@@ -594,7 +598,7 @@
           <p:cNvPr id="3" name="Vertical Text Placeholder 2">
             <a:extLst>
               <a:ext uri="{FF2B5EF4-FFF2-40B4-BE49-F238E27FC236}">
-                <a16:creationId xmlns:a16="http://schemas.microsoft.com/office/drawing/2014/main" id="{0D2975B7-7A6D-40EA-B2F6-338022AD2BF1}"/>
+                <a16:creationId xmlns:a16="http://schemas.microsoft.com/office/drawing/2014/main" xmlns="" id="{0D2975B7-7A6D-40EA-B2F6-338022AD2BF1}"/>
               </a:ext>
             </a:extLst>
           </p:cNvPr>
@@ -657,7 +661,7 @@
           <p:cNvPr id="4" name="Date Placeholder 3">
             <a:extLst>
               <a:ext uri="{FF2B5EF4-FFF2-40B4-BE49-F238E27FC236}">
-                <a16:creationId xmlns:a16="http://schemas.microsoft.com/office/drawing/2014/main" id="{C8230AC3-1BED-4D2B-96D3-51C50E14A9E6}"/>
+                <a16:creationId xmlns:a16="http://schemas.microsoft.com/office/drawing/2014/main" xmlns="" id="{C8230AC3-1BED-4D2B-96D3-51C50E14A9E6}"/>
               </a:ext>
             </a:extLst>
           </p:cNvPr>
@@ -675,7 +679,8 @@
           <a:p>
             <a:fld id="{03EC4E3E-8101-482F-A883-8B55DAFF7C07}" type="datetimeFigureOut">
               <a:rPr lang="en-SG" smtClean="0"/>
-              <a:t>6/7/2018</a:t>
+              <a:pPr/>
+              <a:t>31/3/2019</a:t>
             </a:fld>
             <a:endParaRPr lang="en-SG"/>
           </a:p>
@@ -686,7 +691,7 @@
           <p:cNvPr id="5" name="Footer Placeholder 4">
             <a:extLst>
               <a:ext uri="{FF2B5EF4-FFF2-40B4-BE49-F238E27FC236}">
-                <a16:creationId xmlns:a16="http://schemas.microsoft.com/office/drawing/2014/main" id="{4AD6CA96-231A-43AD-B530-7C509651DE3B}"/>
+                <a16:creationId xmlns:a16="http://schemas.microsoft.com/office/drawing/2014/main" xmlns="" id="{4AD6CA96-231A-43AD-B530-7C509651DE3B}"/>
               </a:ext>
             </a:extLst>
           </p:cNvPr>
@@ -711,7 +716,7 @@
           <p:cNvPr id="6" name="Slide Number Placeholder 5">
             <a:extLst>
               <a:ext uri="{FF2B5EF4-FFF2-40B4-BE49-F238E27FC236}">
-                <a16:creationId xmlns:a16="http://schemas.microsoft.com/office/drawing/2014/main" id="{12063E3B-180A-454E-A661-6CCD48D7062C}"/>
+                <a16:creationId xmlns:a16="http://schemas.microsoft.com/office/drawing/2014/main" xmlns="" id="{12063E3B-180A-454E-A661-6CCD48D7062C}"/>
               </a:ext>
             </a:extLst>
           </p:cNvPr>
@@ -729,6 +734,7 @@
           <a:p>
             <a:fld id="{F362EEBD-19F8-4A23-B3A5-01C987241991}" type="slidenum">
               <a:rPr lang="en-SG" smtClean="0"/>
+              <a:pPr/>
               <a:t>‹#›</a:t>
             </a:fld>
             <a:endParaRPr lang="en-SG"/>
@@ -738,7 +744,7 @@
     </p:spTree>
     <p:extLst>
       <p:ext uri="{BB962C8B-B14F-4D97-AF65-F5344CB8AC3E}">
-        <p14:creationId xmlns:p14="http://schemas.microsoft.com/office/powerpoint/2010/main" val="1148984362"/>
+        <p14:creationId xmlns:p14="http://schemas.microsoft.com/office/powerpoint/2010/main" xmlns="" val="1148984362"/>
       </p:ext>
     </p:extLst>
   </p:cSld>
@@ -770,7 +776,7 @@
           <p:cNvPr id="2" name="Title 1">
             <a:extLst>
               <a:ext uri="{FF2B5EF4-FFF2-40B4-BE49-F238E27FC236}">
-                <a16:creationId xmlns:a16="http://schemas.microsoft.com/office/drawing/2014/main" id="{7E861C8D-BAF0-4DD9-92B9-591B272791CA}"/>
+                <a16:creationId xmlns:a16="http://schemas.microsoft.com/office/drawing/2014/main" xmlns="" id="{7E861C8D-BAF0-4DD9-92B9-591B272791CA}"/>
               </a:ext>
             </a:extLst>
           </p:cNvPr>
@@ -799,7 +805,7 @@
           <p:cNvPr id="3" name="Content Placeholder 2">
             <a:extLst>
               <a:ext uri="{FF2B5EF4-FFF2-40B4-BE49-F238E27FC236}">
-                <a16:creationId xmlns:a16="http://schemas.microsoft.com/office/drawing/2014/main" id="{534DA4BD-1D78-446B-B79F-C1229642DDEB}"/>
+                <a16:creationId xmlns:a16="http://schemas.microsoft.com/office/drawing/2014/main" xmlns="" id="{534DA4BD-1D78-446B-B79F-C1229642DDEB}"/>
               </a:ext>
             </a:extLst>
           </p:cNvPr>
@@ -857,7 +863,7 @@
           <p:cNvPr id="4" name="Date Placeholder 3">
             <a:extLst>
               <a:ext uri="{FF2B5EF4-FFF2-40B4-BE49-F238E27FC236}">
-                <a16:creationId xmlns:a16="http://schemas.microsoft.com/office/drawing/2014/main" id="{AD6BEDB5-7B62-4953-BECB-7F7F3E909CAC}"/>
+                <a16:creationId xmlns:a16="http://schemas.microsoft.com/office/drawing/2014/main" xmlns="" id="{AD6BEDB5-7B62-4953-BECB-7F7F3E909CAC}"/>
               </a:ext>
             </a:extLst>
           </p:cNvPr>
@@ -875,7 +881,8 @@
           <a:p>
             <a:fld id="{03EC4E3E-8101-482F-A883-8B55DAFF7C07}" type="datetimeFigureOut">
               <a:rPr lang="en-SG" smtClean="0"/>
-              <a:t>6/7/2018</a:t>
+              <a:pPr/>
+              <a:t>31/3/2019</a:t>
             </a:fld>
             <a:endParaRPr lang="en-SG"/>
           </a:p>
@@ -886,7 +893,7 @@
           <p:cNvPr id="5" name="Footer Placeholder 4">
             <a:extLst>
               <a:ext uri="{FF2B5EF4-FFF2-40B4-BE49-F238E27FC236}">
-                <a16:creationId xmlns:a16="http://schemas.microsoft.com/office/drawing/2014/main" id="{349CD732-2DD1-42BE-8480-5C6507018294}"/>
+                <a16:creationId xmlns:a16="http://schemas.microsoft.com/office/drawing/2014/main" xmlns="" id="{349CD732-2DD1-42BE-8480-5C6507018294}"/>
               </a:ext>
             </a:extLst>
           </p:cNvPr>
@@ -911,7 +918,7 @@
           <p:cNvPr id="6" name="Slide Number Placeholder 5">
             <a:extLst>
               <a:ext uri="{FF2B5EF4-FFF2-40B4-BE49-F238E27FC236}">
-                <a16:creationId xmlns:a16="http://schemas.microsoft.com/office/drawing/2014/main" id="{574C27E0-F36A-4438-9402-C2CB0377D92D}"/>
+                <a16:creationId xmlns:a16="http://schemas.microsoft.com/office/drawing/2014/main" xmlns="" id="{574C27E0-F36A-4438-9402-C2CB0377D92D}"/>
               </a:ext>
             </a:extLst>
           </p:cNvPr>
@@ -929,6 +936,7 @@
           <a:p>
             <a:fld id="{F362EEBD-19F8-4A23-B3A5-01C987241991}" type="slidenum">
               <a:rPr lang="en-SG" smtClean="0"/>
+              <a:pPr/>
               <a:t>‹#›</a:t>
             </a:fld>
             <a:endParaRPr lang="en-SG"/>
@@ -938,7 +946,7 @@
     </p:spTree>
     <p:extLst>
       <p:ext uri="{BB962C8B-B14F-4D97-AF65-F5344CB8AC3E}">
-        <p14:creationId xmlns:p14="http://schemas.microsoft.com/office/powerpoint/2010/main" val="111561436"/>
+        <p14:creationId xmlns:p14="http://schemas.microsoft.com/office/powerpoint/2010/main" xmlns="" val="111561436"/>
       </p:ext>
     </p:extLst>
   </p:cSld>
@@ -970,7 +978,7 @@
           <p:cNvPr id="2" name="Title 1">
             <a:extLst>
               <a:ext uri="{FF2B5EF4-FFF2-40B4-BE49-F238E27FC236}">
-                <a16:creationId xmlns:a16="http://schemas.microsoft.com/office/drawing/2014/main" id="{80A42FFA-8A45-40F8-9C5C-9906971B38AB}"/>
+                <a16:creationId xmlns:a16="http://schemas.microsoft.com/office/drawing/2014/main" xmlns="" id="{80A42FFA-8A45-40F8-9C5C-9906971B38AB}"/>
               </a:ext>
             </a:extLst>
           </p:cNvPr>
@@ -1008,7 +1016,7 @@
           <p:cNvPr id="3" name="Text Placeholder 2">
             <a:extLst>
               <a:ext uri="{FF2B5EF4-FFF2-40B4-BE49-F238E27FC236}">
-                <a16:creationId xmlns:a16="http://schemas.microsoft.com/office/drawing/2014/main" id="{7D8879A7-8225-4473-B738-B780B6224EC5}"/>
+                <a16:creationId xmlns:a16="http://schemas.microsoft.com/office/drawing/2014/main" xmlns="" id="{7D8879A7-8225-4473-B738-B780B6224EC5}"/>
               </a:ext>
             </a:extLst>
           </p:cNvPr>
@@ -1133,7 +1141,7 @@
           <p:cNvPr id="4" name="Date Placeholder 3">
             <a:extLst>
               <a:ext uri="{FF2B5EF4-FFF2-40B4-BE49-F238E27FC236}">
-                <a16:creationId xmlns:a16="http://schemas.microsoft.com/office/drawing/2014/main" id="{6CF7978C-FE65-4091-9152-E33029C12AEA}"/>
+                <a16:creationId xmlns:a16="http://schemas.microsoft.com/office/drawing/2014/main" xmlns="" id="{6CF7978C-FE65-4091-9152-E33029C12AEA}"/>
               </a:ext>
             </a:extLst>
           </p:cNvPr>
@@ -1151,7 +1159,8 @@
           <a:p>
             <a:fld id="{03EC4E3E-8101-482F-A883-8B55DAFF7C07}" type="datetimeFigureOut">
               <a:rPr lang="en-SG" smtClean="0"/>
-              <a:t>6/7/2018</a:t>
+              <a:pPr/>
+              <a:t>31/3/2019</a:t>
             </a:fld>
             <a:endParaRPr lang="en-SG"/>
           </a:p>
@@ -1162,7 +1171,7 @@
           <p:cNvPr id="5" name="Footer Placeholder 4">
             <a:extLst>
               <a:ext uri="{FF2B5EF4-FFF2-40B4-BE49-F238E27FC236}">
-                <a16:creationId xmlns:a16="http://schemas.microsoft.com/office/drawing/2014/main" id="{B344C9CC-480F-4DCB-AC70-D7A4CCA0B8B7}"/>
+                <a16:creationId xmlns:a16="http://schemas.microsoft.com/office/drawing/2014/main" xmlns="" id="{B344C9CC-480F-4DCB-AC70-D7A4CCA0B8B7}"/>
               </a:ext>
             </a:extLst>
           </p:cNvPr>
@@ -1187,7 +1196,7 @@
           <p:cNvPr id="6" name="Slide Number Placeholder 5">
             <a:extLst>
               <a:ext uri="{FF2B5EF4-FFF2-40B4-BE49-F238E27FC236}">
-                <a16:creationId xmlns:a16="http://schemas.microsoft.com/office/drawing/2014/main" id="{8F5A07EC-843A-4ED9-8F1C-AD703CA36D58}"/>
+                <a16:creationId xmlns:a16="http://schemas.microsoft.com/office/drawing/2014/main" xmlns="" id="{8F5A07EC-843A-4ED9-8F1C-AD703CA36D58}"/>
               </a:ext>
             </a:extLst>
           </p:cNvPr>
@@ -1205,6 +1214,7 @@
           <a:p>
             <a:fld id="{F362EEBD-19F8-4A23-B3A5-01C987241991}" type="slidenum">
               <a:rPr lang="en-SG" smtClean="0"/>
+              <a:pPr/>
               <a:t>‹#›</a:t>
             </a:fld>
             <a:endParaRPr lang="en-SG"/>
@@ -1214,7 +1224,7 @@
     </p:spTree>
     <p:extLst>
       <p:ext uri="{BB962C8B-B14F-4D97-AF65-F5344CB8AC3E}">
-        <p14:creationId xmlns:p14="http://schemas.microsoft.com/office/powerpoint/2010/main" val="2217340100"/>
+        <p14:creationId xmlns:p14="http://schemas.microsoft.com/office/powerpoint/2010/main" xmlns="" val="2217340100"/>
       </p:ext>
     </p:extLst>
   </p:cSld>
@@ -1246,7 +1256,7 @@
           <p:cNvPr id="2" name="Title 1">
             <a:extLst>
               <a:ext uri="{FF2B5EF4-FFF2-40B4-BE49-F238E27FC236}">
-                <a16:creationId xmlns:a16="http://schemas.microsoft.com/office/drawing/2014/main" id="{056EE2DA-07D9-4774-A8CA-0CA247F8C72A}"/>
+                <a16:creationId xmlns:a16="http://schemas.microsoft.com/office/drawing/2014/main" xmlns="" id="{056EE2DA-07D9-4774-A8CA-0CA247F8C72A}"/>
               </a:ext>
             </a:extLst>
           </p:cNvPr>
@@ -1275,7 +1285,7 @@
           <p:cNvPr id="3" name="Content Placeholder 2">
             <a:extLst>
               <a:ext uri="{FF2B5EF4-FFF2-40B4-BE49-F238E27FC236}">
-                <a16:creationId xmlns:a16="http://schemas.microsoft.com/office/drawing/2014/main" id="{3CF93A59-4E25-4FFA-8796-AA06EF3E5C3E}"/>
+                <a16:creationId xmlns:a16="http://schemas.microsoft.com/office/drawing/2014/main" xmlns="" id="{3CF93A59-4E25-4FFA-8796-AA06EF3E5C3E}"/>
               </a:ext>
             </a:extLst>
           </p:cNvPr>
@@ -1338,7 +1348,7 @@
           <p:cNvPr id="4" name="Content Placeholder 3">
             <a:extLst>
               <a:ext uri="{FF2B5EF4-FFF2-40B4-BE49-F238E27FC236}">
-                <a16:creationId xmlns:a16="http://schemas.microsoft.com/office/drawing/2014/main" id="{81373B10-E346-4893-AFEE-65E014405E2D}"/>
+                <a16:creationId xmlns:a16="http://schemas.microsoft.com/office/drawing/2014/main" xmlns="" id="{81373B10-E346-4893-AFEE-65E014405E2D}"/>
               </a:ext>
             </a:extLst>
           </p:cNvPr>
@@ -1401,7 +1411,7 @@
           <p:cNvPr id="5" name="Date Placeholder 4">
             <a:extLst>
               <a:ext uri="{FF2B5EF4-FFF2-40B4-BE49-F238E27FC236}">
-                <a16:creationId xmlns:a16="http://schemas.microsoft.com/office/drawing/2014/main" id="{D9C411A1-6D64-4C63-A758-5D2FEE677F45}"/>
+                <a16:creationId xmlns:a16="http://schemas.microsoft.com/office/drawing/2014/main" xmlns="" id="{D9C411A1-6D64-4C63-A758-5D2FEE677F45}"/>
               </a:ext>
             </a:extLst>
           </p:cNvPr>
@@ -1419,7 +1429,8 @@
           <a:p>
             <a:fld id="{03EC4E3E-8101-482F-A883-8B55DAFF7C07}" type="datetimeFigureOut">
               <a:rPr lang="en-SG" smtClean="0"/>
-              <a:t>6/7/2018</a:t>
+              <a:pPr/>
+              <a:t>31/3/2019</a:t>
             </a:fld>
             <a:endParaRPr lang="en-SG"/>
           </a:p>
@@ -1430,7 +1441,7 @@
           <p:cNvPr id="6" name="Footer Placeholder 5">
             <a:extLst>
               <a:ext uri="{FF2B5EF4-FFF2-40B4-BE49-F238E27FC236}">
-                <a16:creationId xmlns:a16="http://schemas.microsoft.com/office/drawing/2014/main" id="{8D9C2E46-644C-4155-A697-764A7A0AB1F4}"/>
+                <a16:creationId xmlns:a16="http://schemas.microsoft.com/office/drawing/2014/main" xmlns="" id="{8D9C2E46-644C-4155-A697-764A7A0AB1F4}"/>
               </a:ext>
             </a:extLst>
           </p:cNvPr>
@@ -1455,7 +1466,7 @@
           <p:cNvPr id="7" name="Slide Number Placeholder 6">
             <a:extLst>
               <a:ext uri="{FF2B5EF4-FFF2-40B4-BE49-F238E27FC236}">
-                <a16:creationId xmlns:a16="http://schemas.microsoft.com/office/drawing/2014/main" id="{6192DEDD-6479-45E4-B1F5-6EDD41BBB103}"/>
+                <a16:creationId xmlns:a16="http://schemas.microsoft.com/office/drawing/2014/main" xmlns="" id="{6192DEDD-6479-45E4-B1F5-6EDD41BBB103}"/>
               </a:ext>
             </a:extLst>
           </p:cNvPr>
@@ -1473,6 +1484,7 @@
           <a:p>
             <a:fld id="{F362EEBD-19F8-4A23-B3A5-01C987241991}" type="slidenum">
               <a:rPr lang="en-SG" smtClean="0"/>
+              <a:pPr/>
               <a:t>‹#›</a:t>
             </a:fld>
             <a:endParaRPr lang="en-SG"/>
@@ -1482,7 +1494,7 @@
     </p:spTree>
     <p:extLst>
       <p:ext uri="{BB962C8B-B14F-4D97-AF65-F5344CB8AC3E}">
-        <p14:creationId xmlns:p14="http://schemas.microsoft.com/office/powerpoint/2010/main" val="1298304602"/>
+        <p14:creationId xmlns:p14="http://schemas.microsoft.com/office/powerpoint/2010/main" xmlns="" val="1298304602"/>
       </p:ext>
     </p:extLst>
   </p:cSld>
@@ -1514,7 +1526,7 @@
           <p:cNvPr id="2" name="Title 1">
             <a:extLst>
               <a:ext uri="{FF2B5EF4-FFF2-40B4-BE49-F238E27FC236}">
-                <a16:creationId xmlns:a16="http://schemas.microsoft.com/office/drawing/2014/main" id="{DC0ED888-63EF-4CC0-8500-9C8DB672FEC2}"/>
+                <a16:creationId xmlns:a16="http://schemas.microsoft.com/office/drawing/2014/main" xmlns="" id="{DC0ED888-63EF-4CC0-8500-9C8DB672FEC2}"/>
               </a:ext>
             </a:extLst>
           </p:cNvPr>
@@ -1548,7 +1560,7 @@
           <p:cNvPr id="3" name="Text Placeholder 2">
             <a:extLst>
               <a:ext uri="{FF2B5EF4-FFF2-40B4-BE49-F238E27FC236}">
-                <a16:creationId xmlns:a16="http://schemas.microsoft.com/office/drawing/2014/main" id="{3C33BC1E-FB79-4906-A967-9C7046C6D272}"/>
+                <a16:creationId xmlns:a16="http://schemas.microsoft.com/office/drawing/2014/main" xmlns="" id="{3C33BC1E-FB79-4906-A967-9C7046C6D272}"/>
               </a:ext>
             </a:extLst>
           </p:cNvPr>
@@ -1619,7 +1631,7 @@
           <p:cNvPr id="4" name="Content Placeholder 3">
             <a:extLst>
               <a:ext uri="{FF2B5EF4-FFF2-40B4-BE49-F238E27FC236}">
-                <a16:creationId xmlns:a16="http://schemas.microsoft.com/office/drawing/2014/main" id="{697A4EC6-1C42-4BA4-8108-32579276C17B}"/>
+                <a16:creationId xmlns:a16="http://schemas.microsoft.com/office/drawing/2014/main" xmlns="" id="{697A4EC6-1C42-4BA4-8108-32579276C17B}"/>
               </a:ext>
             </a:extLst>
           </p:cNvPr>
@@ -1682,7 +1694,7 @@
           <p:cNvPr id="5" name="Text Placeholder 4">
             <a:extLst>
               <a:ext uri="{FF2B5EF4-FFF2-40B4-BE49-F238E27FC236}">
-                <a16:creationId xmlns:a16="http://schemas.microsoft.com/office/drawing/2014/main" id="{8A2CA209-B9F5-4E1E-B302-74CC2D4CFDFB}"/>
+                <a16:creationId xmlns:a16="http://schemas.microsoft.com/office/drawing/2014/main" xmlns="" id="{8A2CA209-B9F5-4E1E-B302-74CC2D4CFDFB}"/>
               </a:ext>
             </a:extLst>
           </p:cNvPr>
@@ -1753,7 +1765,7 @@
           <p:cNvPr id="6" name="Content Placeholder 5">
             <a:extLst>
               <a:ext uri="{FF2B5EF4-FFF2-40B4-BE49-F238E27FC236}">
-                <a16:creationId xmlns:a16="http://schemas.microsoft.com/office/drawing/2014/main" id="{0E6E876D-DC4D-40EE-BA38-CD01089602CF}"/>
+                <a16:creationId xmlns:a16="http://schemas.microsoft.com/office/drawing/2014/main" xmlns="" id="{0E6E876D-DC4D-40EE-BA38-CD01089602CF}"/>
               </a:ext>
             </a:extLst>
           </p:cNvPr>
@@ -1816,7 +1828,7 @@
           <p:cNvPr id="7" name="Date Placeholder 6">
             <a:extLst>
               <a:ext uri="{FF2B5EF4-FFF2-40B4-BE49-F238E27FC236}">
-                <a16:creationId xmlns:a16="http://schemas.microsoft.com/office/drawing/2014/main" id="{F24E1D97-8B3C-41A1-B0BA-BA833AD8BC7C}"/>
+                <a16:creationId xmlns:a16="http://schemas.microsoft.com/office/drawing/2014/main" xmlns="" id="{F24E1D97-8B3C-41A1-B0BA-BA833AD8BC7C}"/>
               </a:ext>
             </a:extLst>
           </p:cNvPr>
@@ -1834,7 +1846,8 @@
           <a:p>
             <a:fld id="{03EC4E3E-8101-482F-A883-8B55DAFF7C07}" type="datetimeFigureOut">
               <a:rPr lang="en-SG" smtClean="0"/>
-              <a:t>6/7/2018</a:t>
+              <a:pPr/>
+              <a:t>31/3/2019</a:t>
             </a:fld>
             <a:endParaRPr lang="en-SG"/>
           </a:p>
@@ -1845,7 +1858,7 @@
           <p:cNvPr id="8" name="Footer Placeholder 7">
             <a:extLst>
               <a:ext uri="{FF2B5EF4-FFF2-40B4-BE49-F238E27FC236}">
-                <a16:creationId xmlns:a16="http://schemas.microsoft.com/office/drawing/2014/main" id="{FC358D8F-B7DA-4DCE-AC8F-706450EEC0DC}"/>
+                <a16:creationId xmlns:a16="http://schemas.microsoft.com/office/drawing/2014/main" xmlns="" id="{FC358D8F-B7DA-4DCE-AC8F-706450EEC0DC}"/>
               </a:ext>
             </a:extLst>
           </p:cNvPr>
@@ -1870,7 +1883,7 @@
           <p:cNvPr id="9" name="Slide Number Placeholder 8">
             <a:extLst>
               <a:ext uri="{FF2B5EF4-FFF2-40B4-BE49-F238E27FC236}">
-                <a16:creationId xmlns:a16="http://schemas.microsoft.com/office/drawing/2014/main" id="{40CE354E-2C73-4B6F-8AEB-14D1378A77E1}"/>
+                <a16:creationId xmlns:a16="http://schemas.microsoft.com/office/drawing/2014/main" xmlns="" id="{40CE354E-2C73-4B6F-8AEB-14D1378A77E1}"/>
               </a:ext>
             </a:extLst>
           </p:cNvPr>
@@ -1888,6 +1901,7 @@
           <a:p>
             <a:fld id="{F362EEBD-19F8-4A23-B3A5-01C987241991}" type="slidenum">
               <a:rPr lang="en-SG" smtClean="0"/>
+              <a:pPr/>
               <a:t>‹#›</a:t>
             </a:fld>
             <a:endParaRPr lang="en-SG"/>
@@ -1897,7 +1911,7 @@
     </p:spTree>
     <p:extLst>
       <p:ext uri="{BB962C8B-B14F-4D97-AF65-F5344CB8AC3E}">
-        <p14:creationId xmlns:p14="http://schemas.microsoft.com/office/powerpoint/2010/main" val="937260254"/>
+        <p14:creationId xmlns:p14="http://schemas.microsoft.com/office/powerpoint/2010/main" xmlns="" val="937260254"/>
       </p:ext>
     </p:extLst>
   </p:cSld>
@@ -1929,7 +1943,7 @@
           <p:cNvPr id="2" name="Title 1">
             <a:extLst>
               <a:ext uri="{FF2B5EF4-FFF2-40B4-BE49-F238E27FC236}">
-                <a16:creationId xmlns:a16="http://schemas.microsoft.com/office/drawing/2014/main" id="{17D9D381-288C-43FB-86C2-AAA4FCFD43FD}"/>
+                <a16:creationId xmlns:a16="http://schemas.microsoft.com/office/drawing/2014/main" xmlns="" id="{17D9D381-288C-43FB-86C2-AAA4FCFD43FD}"/>
               </a:ext>
             </a:extLst>
           </p:cNvPr>
@@ -1958,7 +1972,7 @@
           <p:cNvPr id="3" name="Date Placeholder 2">
             <a:extLst>
               <a:ext uri="{FF2B5EF4-FFF2-40B4-BE49-F238E27FC236}">
-                <a16:creationId xmlns:a16="http://schemas.microsoft.com/office/drawing/2014/main" id="{A85D75E5-4830-4F75-8132-91122609F925}"/>
+                <a16:creationId xmlns:a16="http://schemas.microsoft.com/office/drawing/2014/main" xmlns="" id="{A85D75E5-4830-4F75-8132-91122609F925}"/>
               </a:ext>
             </a:extLst>
           </p:cNvPr>
@@ -1976,7 +1990,8 @@
           <a:p>
             <a:fld id="{03EC4E3E-8101-482F-A883-8B55DAFF7C07}" type="datetimeFigureOut">
               <a:rPr lang="en-SG" smtClean="0"/>
-              <a:t>6/7/2018</a:t>
+              <a:pPr/>
+              <a:t>31/3/2019</a:t>
             </a:fld>
             <a:endParaRPr lang="en-SG"/>
           </a:p>
@@ -1987,7 +2002,7 @@
           <p:cNvPr id="4" name="Footer Placeholder 3">
             <a:extLst>
               <a:ext uri="{FF2B5EF4-FFF2-40B4-BE49-F238E27FC236}">
-                <a16:creationId xmlns:a16="http://schemas.microsoft.com/office/drawing/2014/main" id="{0C14A42C-834F-43EA-8053-84D5A665CEE7}"/>
+                <a16:creationId xmlns:a16="http://schemas.microsoft.com/office/drawing/2014/main" xmlns="" id="{0C14A42C-834F-43EA-8053-84D5A665CEE7}"/>
               </a:ext>
             </a:extLst>
           </p:cNvPr>
@@ -2012,7 +2027,7 @@
           <p:cNvPr id="5" name="Slide Number Placeholder 4">
             <a:extLst>
               <a:ext uri="{FF2B5EF4-FFF2-40B4-BE49-F238E27FC236}">
-                <a16:creationId xmlns:a16="http://schemas.microsoft.com/office/drawing/2014/main" id="{38C1E789-CDA9-48FF-A7BA-F21E31600226}"/>
+                <a16:creationId xmlns:a16="http://schemas.microsoft.com/office/drawing/2014/main" xmlns="" id="{38C1E789-CDA9-48FF-A7BA-F21E31600226}"/>
               </a:ext>
             </a:extLst>
           </p:cNvPr>
@@ -2030,6 +2045,7 @@
           <a:p>
             <a:fld id="{F362EEBD-19F8-4A23-B3A5-01C987241991}" type="slidenum">
               <a:rPr lang="en-SG" smtClean="0"/>
+              <a:pPr/>
               <a:t>‹#›</a:t>
             </a:fld>
             <a:endParaRPr lang="en-SG"/>
@@ -2039,7 +2055,7 @@
     </p:spTree>
     <p:extLst>
       <p:ext uri="{BB962C8B-B14F-4D97-AF65-F5344CB8AC3E}">
-        <p14:creationId xmlns:p14="http://schemas.microsoft.com/office/powerpoint/2010/main" val="2713172575"/>
+        <p14:creationId xmlns:p14="http://schemas.microsoft.com/office/powerpoint/2010/main" xmlns="" val="2713172575"/>
       </p:ext>
     </p:extLst>
   </p:cSld>
@@ -2071,7 +2087,7 @@
           <p:cNvPr id="2" name="Date Placeholder 1">
             <a:extLst>
               <a:ext uri="{FF2B5EF4-FFF2-40B4-BE49-F238E27FC236}">
-                <a16:creationId xmlns:a16="http://schemas.microsoft.com/office/drawing/2014/main" id="{21A40ECD-0ABD-4F35-B481-512A01FC643D}"/>
+                <a16:creationId xmlns:a16="http://schemas.microsoft.com/office/drawing/2014/main" xmlns="" id="{21A40ECD-0ABD-4F35-B481-512A01FC643D}"/>
               </a:ext>
             </a:extLst>
           </p:cNvPr>
@@ -2089,7 +2105,8 @@
           <a:p>
             <a:fld id="{03EC4E3E-8101-482F-A883-8B55DAFF7C07}" type="datetimeFigureOut">
               <a:rPr lang="en-SG" smtClean="0"/>
-              <a:t>6/7/2018</a:t>
+              <a:pPr/>
+              <a:t>31/3/2019</a:t>
             </a:fld>
             <a:endParaRPr lang="en-SG"/>
           </a:p>
@@ -2100,7 +2117,7 @@
           <p:cNvPr id="3" name="Footer Placeholder 2">
             <a:extLst>
               <a:ext uri="{FF2B5EF4-FFF2-40B4-BE49-F238E27FC236}">
-                <a16:creationId xmlns:a16="http://schemas.microsoft.com/office/drawing/2014/main" id="{D44B8F11-A412-4FA6-9070-B9C742F699F3}"/>
+                <a16:creationId xmlns:a16="http://schemas.microsoft.com/office/drawing/2014/main" xmlns="" id="{D44B8F11-A412-4FA6-9070-B9C742F699F3}"/>
               </a:ext>
             </a:extLst>
           </p:cNvPr>
@@ -2125,7 +2142,7 @@
           <p:cNvPr id="4" name="Slide Number Placeholder 3">
             <a:extLst>
               <a:ext uri="{FF2B5EF4-FFF2-40B4-BE49-F238E27FC236}">
-                <a16:creationId xmlns:a16="http://schemas.microsoft.com/office/drawing/2014/main" id="{E3EA086A-DA0B-4378-A128-F213644ECB0C}"/>
+                <a16:creationId xmlns:a16="http://schemas.microsoft.com/office/drawing/2014/main" xmlns="" id="{E3EA086A-DA0B-4378-A128-F213644ECB0C}"/>
               </a:ext>
             </a:extLst>
           </p:cNvPr>
@@ -2143,6 +2160,7 @@
           <a:p>
             <a:fld id="{F362EEBD-19F8-4A23-B3A5-01C987241991}" type="slidenum">
               <a:rPr lang="en-SG" smtClean="0"/>
+              <a:pPr/>
               <a:t>‹#›</a:t>
             </a:fld>
             <a:endParaRPr lang="en-SG"/>
@@ -2152,7 +2170,7 @@
     </p:spTree>
     <p:extLst>
       <p:ext uri="{BB962C8B-B14F-4D97-AF65-F5344CB8AC3E}">
-        <p14:creationId xmlns:p14="http://schemas.microsoft.com/office/powerpoint/2010/main" val="2808055610"/>
+        <p14:creationId xmlns:p14="http://schemas.microsoft.com/office/powerpoint/2010/main" xmlns="" val="2808055610"/>
       </p:ext>
     </p:extLst>
   </p:cSld>
@@ -2184,7 +2202,7 @@
           <p:cNvPr id="2" name="Title 1">
             <a:extLst>
               <a:ext uri="{FF2B5EF4-FFF2-40B4-BE49-F238E27FC236}">
-                <a16:creationId xmlns:a16="http://schemas.microsoft.com/office/drawing/2014/main" id="{765D165A-D423-4E89-A075-D59A9FB59792}"/>
+                <a16:creationId xmlns:a16="http://schemas.microsoft.com/office/drawing/2014/main" xmlns="" id="{765D165A-D423-4E89-A075-D59A9FB59792}"/>
               </a:ext>
             </a:extLst>
           </p:cNvPr>
@@ -2222,7 +2240,7 @@
           <p:cNvPr id="3" name="Content Placeholder 2">
             <a:extLst>
               <a:ext uri="{FF2B5EF4-FFF2-40B4-BE49-F238E27FC236}">
-                <a16:creationId xmlns:a16="http://schemas.microsoft.com/office/drawing/2014/main" id="{77C2A5CC-2876-49CA-993D-F4F73FC9D2B0}"/>
+                <a16:creationId xmlns:a16="http://schemas.microsoft.com/office/drawing/2014/main" xmlns="" id="{77C2A5CC-2876-49CA-993D-F4F73FC9D2B0}"/>
               </a:ext>
             </a:extLst>
           </p:cNvPr>
@@ -2313,7 +2331,7 @@
           <p:cNvPr id="4" name="Text Placeholder 3">
             <a:extLst>
               <a:ext uri="{FF2B5EF4-FFF2-40B4-BE49-F238E27FC236}">
-                <a16:creationId xmlns:a16="http://schemas.microsoft.com/office/drawing/2014/main" id="{7B4DE2E8-CCF6-4E88-A858-05A04CD0D736}"/>
+                <a16:creationId xmlns:a16="http://schemas.microsoft.com/office/drawing/2014/main" xmlns="" id="{7B4DE2E8-CCF6-4E88-A858-05A04CD0D736}"/>
               </a:ext>
             </a:extLst>
           </p:cNvPr>
@@ -2384,7 +2402,7 @@
           <p:cNvPr id="5" name="Date Placeholder 4">
             <a:extLst>
               <a:ext uri="{FF2B5EF4-FFF2-40B4-BE49-F238E27FC236}">
-                <a16:creationId xmlns:a16="http://schemas.microsoft.com/office/drawing/2014/main" id="{CAEBEC1E-DE48-4B55-A846-F8248E381145}"/>
+                <a16:creationId xmlns:a16="http://schemas.microsoft.com/office/drawing/2014/main" xmlns="" id="{CAEBEC1E-DE48-4B55-A846-F8248E381145}"/>
               </a:ext>
             </a:extLst>
           </p:cNvPr>
@@ -2402,7 +2420,8 @@
           <a:p>
             <a:fld id="{03EC4E3E-8101-482F-A883-8B55DAFF7C07}" type="datetimeFigureOut">
               <a:rPr lang="en-SG" smtClean="0"/>
-              <a:t>6/7/2018</a:t>
+              <a:pPr/>
+              <a:t>31/3/2019</a:t>
             </a:fld>
             <a:endParaRPr lang="en-SG"/>
           </a:p>
@@ -2413,7 +2432,7 @@
           <p:cNvPr id="6" name="Footer Placeholder 5">
             <a:extLst>
               <a:ext uri="{FF2B5EF4-FFF2-40B4-BE49-F238E27FC236}">
-                <a16:creationId xmlns:a16="http://schemas.microsoft.com/office/drawing/2014/main" id="{945A6E8B-6BC2-49E9-B4E5-DAD3F7A1A1BF}"/>
+                <a16:creationId xmlns:a16="http://schemas.microsoft.com/office/drawing/2014/main" xmlns="" id="{945A6E8B-6BC2-49E9-B4E5-DAD3F7A1A1BF}"/>
               </a:ext>
             </a:extLst>
           </p:cNvPr>
@@ -2438,7 +2457,7 @@
           <p:cNvPr id="7" name="Slide Number Placeholder 6">
             <a:extLst>
               <a:ext uri="{FF2B5EF4-FFF2-40B4-BE49-F238E27FC236}">
-                <a16:creationId xmlns:a16="http://schemas.microsoft.com/office/drawing/2014/main" id="{E5CF739B-EDF0-43CE-A87E-C49F040C85A5}"/>
+                <a16:creationId xmlns:a16="http://schemas.microsoft.com/office/drawing/2014/main" xmlns="" id="{E5CF739B-EDF0-43CE-A87E-C49F040C85A5}"/>
               </a:ext>
             </a:extLst>
           </p:cNvPr>
@@ -2456,6 +2475,7 @@
           <a:p>
             <a:fld id="{F362EEBD-19F8-4A23-B3A5-01C987241991}" type="slidenum">
               <a:rPr lang="en-SG" smtClean="0"/>
+              <a:pPr/>
               <a:t>‹#›</a:t>
             </a:fld>
             <a:endParaRPr lang="en-SG"/>
@@ -2465,7 +2485,7 @@
     </p:spTree>
     <p:extLst>
       <p:ext uri="{BB962C8B-B14F-4D97-AF65-F5344CB8AC3E}">
-        <p14:creationId xmlns:p14="http://schemas.microsoft.com/office/powerpoint/2010/main" val="4039745741"/>
+        <p14:creationId xmlns:p14="http://schemas.microsoft.com/office/powerpoint/2010/main" xmlns="" val="4039745741"/>
       </p:ext>
     </p:extLst>
   </p:cSld>
@@ -2497,7 +2517,7 @@
           <p:cNvPr id="2" name="Title 1">
             <a:extLst>
               <a:ext uri="{FF2B5EF4-FFF2-40B4-BE49-F238E27FC236}">
-                <a16:creationId xmlns:a16="http://schemas.microsoft.com/office/drawing/2014/main" id="{0091F49F-E849-4834-84DB-61CF2F2652D4}"/>
+                <a16:creationId xmlns:a16="http://schemas.microsoft.com/office/drawing/2014/main" xmlns="" id="{0091F49F-E849-4834-84DB-61CF2F2652D4}"/>
               </a:ext>
             </a:extLst>
           </p:cNvPr>
@@ -2535,7 +2555,7 @@
           <p:cNvPr id="3" name="Picture Placeholder 2">
             <a:extLst>
               <a:ext uri="{FF2B5EF4-FFF2-40B4-BE49-F238E27FC236}">
-                <a16:creationId xmlns:a16="http://schemas.microsoft.com/office/drawing/2014/main" id="{631D62A9-3420-4F1C-9EB9-09EF85106E78}"/>
+                <a16:creationId xmlns:a16="http://schemas.microsoft.com/office/drawing/2014/main" xmlns="" id="{631D62A9-3420-4F1C-9EB9-09EF85106E78}"/>
               </a:ext>
             </a:extLst>
           </p:cNvPr>
@@ -2602,7 +2622,7 @@
           <p:cNvPr id="4" name="Text Placeholder 3">
             <a:extLst>
               <a:ext uri="{FF2B5EF4-FFF2-40B4-BE49-F238E27FC236}">
-                <a16:creationId xmlns:a16="http://schemas.microsoft.com/office/drawing/2014/main" id="{E450EC8D-D7F4-45FC-AD8C-2E198A32CCA2}"/>
+                <a16:creationId xmlns:a16="http://schemas.microsoft.com/office/drawing/2014/main" xmlns="" id="{E450EC8D-D7F4-45FC-AD8C-2E198A32CCA2}"/>
               </a:ext>
             </a:extLst>
           </p:cNvPr>
@@ -2673,7 +2693,7 @@
           <p:cNvPr id="5" name="Date Placeholder 4">
             <a:extLst>
               <a:ext uri="{FF2B5EF4-FFF2-40B4-BE49-F238E27FC236}">
-                <a16:creationId xmlns:a16="http://schemas.microsoft.com/office/drawing/2014/main" id="{7A73D668-ABF4-41FE-958C-542EEDC5F6CC}"/>
+                <a16:creationId xmlns:a16="http://schemas.microsoft.com/office/drawing/2014/main" xmlns="" id="{7A73D668-ABF4-41FE-958C-542EEDC5F6CC}"/>
               </a:ext>
             </a:extLst>
           </p:cNvPr>
@@ -2691,7 +2711,8 @@
           <a:p>
             <a:fld id="{03EC4E3E-8101-482F-A883-8B55DAFF7C07}" type="datetimeFigureOut">
               <a:rPr lang="en-SG" smtClean="0"/>
-              <a:t>6/7/2018</a:t>
+              <a:pPr/>
+              <a:t>31/3/2019</a:t>
             </a:fld>
             <a:endParaRPr lang="en-SG"/>
           </a:p>
@@ -2702,7 +2723,7 @@
           <p:cNvPr id="6" name="Footer Placeholder 5">
             <a:extLst>
               <a:ext uri="{FF2B5EF4-FFF2-40B4-BE49-F238E27FC236}">
-                <a16:creationId xmlns:a16="http://schemas.microsoft.com/office/drawing/2014/main" id="{F4A83B1C-93E7-4D32-9D1B-3F37403B1ACD}"/>
+                <a16:creationId xmlns:a16="http://schemas.microsoft.com/office/drawing/2014/main" xmlns="" id="{F4A83B1C-93E7-4D32-9D1B-3F37403B1ACD}"/>
               </a:ext>
             </a:extLst>
           </p:cNvPr>
@@ -2727,7 +2748,7 @@
           <p:cNvPr id="7" name="Slide Number Placeholder 6">
             <a:extLst>
               <a:ext uri="{FF2B5EF4-FFF2-40B4-BE49-F238E27FC236}">
-                <a16:creationId xmlns:a16="http://schemas.microsoft.com/office/drawing/2014/main" id="{C6AF73BE-F17B-487B-943B-28655BB51C92}"/>
+                <a16:creationId xmlns:a16="http://schemas.microsoft.com/office/drawing/2014/main" xmlns="" id="{C6AF73BE-F17B-487B-943B-28655BB51C92}"/>
               </a:ext>
             </a:extLst>
           </p:cNvPr>
@@ -2745,6 +2766,7 @@
           <a:p>
             <a:fld id="{F362EEBD-19F8-4A23-B3A5-01C987241991}" type="slidenum">
               <a:rPr lang="en-SG" smtClean="0"/>
+              <a:pPr/>
               <a:t>‹#›</a:t>
             </a:fld>
             <a:endParaRPr lang="en-SG"/>
@@ -2754,7 +2776,7 @@
     </p:spTree>
     <p:extLst>
       <p:ext uri="{BB962C8B-B14F-4D97-AF65-F5344CB8AC3E}">
-        <p14:creationId xmlns:p14="http://schemas.microsoft.com/office/powerpoint/2010/main" val="1851851517"/>
+        <p14:creationId xmlns:p14="http://schemas.microsoft.com/office/powerpoint/2010/main" xmlns="" val="1851851517"/>
       </p:ext>
     </p:extLst>
   </p:cSld>
@@ -2791,7 +2813,7 @@
           <p:cNvPr id="2" name="Title Placeholder 1">
             <a:extLst>
               <a:ext uri="{FF2B5EF4-FFF2-40B4-BE49-F238E27FC236}">
-                <a16:creationId xmlns:a16="http://schemas.microsoft.com/office/drawing/2014/main" id="{96F7127E-5F47-4B37-9FDB-695AB14D9551}"/>
+                <a16:creationId xmlns:a16="http://schemas.microsoft.com/office/drawing/2014/main" xmlns="" id="{96F7127E-5F47-4B37-9FDB-695AB14D9551}"/>
               </a:ext>
             </a:extLst>
           </p:cNvPr>
@@ -2830,7 +2852,7 @@
           <p:cNvPr id="3" name="Text Placeholder 2">
             <a:extLst>
               <a:ext uri="{FF2B5EF4-FFF2-40B4-BE49-F238E27FC236}">
-                <a16:creationId xmlns:a16="http://schemas.microsoft.com/office/drawing/2014/main" id="{3BD20F0F-B303-4EE3-AF17-E303EA90B1A3}"/>
+                <a16:creationId xmlns:a16="http://schemas.microsoft.com/office/drawing/2014/main" xmlns="" id="{3BD20F0F-B303-4EE3-AF17-E303EA90B1A3}"/>
               </a:ext>
             </a:extLst>
           </p:cNvPr>
@@ -2898,7 +2920,7 @@
           <p:cNvPr id="4" name="Date Placeholder 3">
             <a:extLst>
               <a:ext uri="{FF2B5EF4-FFF2-40B4-BE49-F238E27FC236}">
-                <a16:creationId xmlns:a16="http://schemas.microsoft.com/office/drawing/2014/main" id="{7927ADFB-0C7F-4333-A456-815FAB4B0315}"/>
+                <a16:creationId xmlns:a16="http://schemas.microsoft.com/office/drawing/2014/main" xmlns="" id="{7927ADFB-0C7F-4333-A456-815FAB4B0315}"/>
               </a:ext>
             </a:extLst>
           </p:cNvPr>
@@ -2934,7 +2956,8 @@
           <a:p>
             <a:fld id="{03EC4E3E-8101-482F-A883-8B55DAFF7C07}" type="datetimeFigureOut">
               <a:rPr lang="en-SG" smtClean="0"/>
-              <a:t>6/7/2018</a:t>
+              <a:pPr/>
+              <a:t>31/3/2019</a:t>
             </a:fld>
             <a:endParaRPr lang="en-SG"/>
           </a:p>
@@ -2945,7 +2968,7 @@
           <p:cNvPr id="5" name="Footer Placeholder 4">
             <a:extLst>
               <a:ext uri="{FF2B5EF4-FFF2-40B4-BE49-F238E27FC236}">
-                <a16:creationId xmlns:a16="http://schemas.microsoft.com/office/drawing/2014/main" id="{A1992B28-8397-4C93-A277-5EE43A537825}"/>
+                <a16:creationId xmlns:a16="http://schemas.microsoft.com/office/drawing/2014/main" xmlns="" id="{A1992B28-8397-4C93-A277-5EE43A537825}"/>
               </a:ext>
             </a:extLst>
           </p:cNvPr>
@@ -2988,7 +3011,7 @@
           <p:cNvPr id="6" name="Slide Number Placeholder 5">
             <a:extLst>
               <a:ext uri="{FF2B5EF4-FFF2-40B4-BE49-F238E27FC236}">
-                <a16:creationId xmlns:a16="http://schemas.microsoft.com/office/drawing/2014/main" id="{D7231209-A74B-4134-87D0-421AB81BBB47}"/>
+                <a16:creationId xmlns:a16="http://schemas.microsoft.com/office/drawing/2014/main" xmlns="" id="{D7231209-A74B-4134-87D0-421AB81BBB47}"/>
               </a:ext>
             </a:extLst>
           </p:cNvPr>
@@ -3024,6 +3047,7 @@
           <a:p>
             <a:fld id="{F362EEBD-19F8-4A23-B3A5-01C987241991}" type="slidenum">
               <a:rPr lang="en-SG" smtClean="0"/>
+              <a:pPr/>
               <a:t>‹#›</a:t>
             </a:fld>
             <a:endParaRPr lang="en-SG"/>
@@ -3033,7 +3057,7 @@
     </p:spTree>
     <p:extLst>
       <p:ext uri="{BB962C8B-B14F-4D97-AF65-F5344CB8AC3E}">
-        <p14:creationId xmlns:p14="http://schemas.microsoft.com/office/powerpoint/2010/main" val="162984175"/>
+        <p14:creationId xmlns:p14="http://schemas.microsoft.com/office/powerpoint/2010/main" xmlns="" val="162984175"/>
       </p:ext>
     </p:extLst>
   </p:cSld>
@@ -3356,7 +3380,7 @@
           <p:cNvPr id="45" name="TextBox 44">
             <a:extLst>
               <a:ext uri="{FF2B5EF4-FFF2-40B4-BE49-F238E27FC236}">
-                <a16:creationId xmlns:a16="http://schemas.microsoft.com/office/drawing/2014/main" id="{3151A13B-9509-43FA-BFEB-1D9866A00B84}"/>
+                <a16:creationId xmlns:a16="http://schemas.microsoft.com/office/drawing/2014/main" xmlns="" id="{3151A13B-9509-43FA-BFEB-1D9866A00B84}"/>
               </a:ext>
             </a:extLst>
           </p:cNvPr>
@@ -3400,7 +3424,7 @@
           <p:cNvPr id="13" name="Table 12">
             <a:extLst>
               <a:ext uri="{FF2B5EF4-FFF2-40B4-BE49-F238E27FC236}">
-                <a16:creationId xmlns:a16="http://schemas.microsoft.com/office/drawing/2014/main" id="{F545FAB8-F1CE-4886-9BDE-E772BCB0A9C4}"/>
+                <a16:creationId xmlns:a16="http://schemas.microsoft.com/office/drawing/2014/main" xmlns="" id="{F545FAB8-F1CE-4886-9BDE-E772BCB0A9C4}"/>
               </a:ext>
             </a:extLst>
           </p:cNvPr>
@@ -3410,7 +3434,7 @@
           <p:nvPr>
             <p:extLst>
               <p:ext uri="{D42A27DB-BD31-4B8C-83A1-F6EECF244321}">
-                <p14:modId xmlns:p14="http://schemas.microsoft.com/office/powerpoint/2010/main" val="770650361"/>
+                <p14:modId xmlns:p14="http://schemas.microsoft.com/office/powerpoint/2010/main" xmlns="" val="770650361"/>
               </p:ext>
             </p:extLst>
           </p:nvPr>
@@ -3429,7 +3453,7 @@
                 <a:gridCol w="1833356">
                   <a:extLst>
                     <a:ext uri="{9D8B030D-6E8A-4147-A177-3AD203B41FA5}">
-                      <a16:colId xmlns:a16="http://schemas.microsoft.com/office/drawing/2014/main" val="4240773277"/>
+                      <a16:colId xmlns:a16="http://schemas.microsoft.com/office/drawing/2014/main" xmlns="" val="4240773277"/>
                     </a:ext>
                   </a:extLst>
                 </a:gridCol>
@@ -3441,12 +3465,12 @@
                     <a:lstStyle/>
                     <a:p>
                       <a:r>
-                        <a:rPr lang="en-SG" u="sng" dirty="0"/>
-                        <a:t>ab0:</a:t>
+                        <a:rPr lang="en-SG" u="sng" dirty="0" smtClean="0"/>
+                        <a:t>gt0:</a:t>
                       </a:r>
                       <a:r>
-                        <a:rPr lang="en-SG" sz="1800" u="sng" dirty="0"/>
-                        <a:t>AddressBook</a:t>
+                        <a:rPr lang="en-SG" sz="1800" u="sng" dirty="0" smtClean="0"/>
+                        <a:t>GradTrak</a:t>
                       </a:r>
                       <a:endParaRPr lang="en-SG" sz="1600" u="sng" dirty="0"/>
                     </a:p>
@@ -3455,7 +3479,7 @@
                 </a:tc>
                 <a:extLst>
                   <a:ext uri="{0D108BD9-81ED-4DB2-BD59-A6C34878D82A}">
-                    <a16:rowId xmlns:a16="http://schemas.microsoft.com/office/drawing/2014/main" val="2194462629"/>
+                    <a16:rowId xmlns:a16="http://schemas.microsoft.com/office/drawing/2014/main" xmlns="" val="2194462629"/>
                   </a:ext>
                 </a:extLst>
               </a:tr>
@@ -3558,7 +3582,7 @@
           <p:cNvPr id="19" name="TextBox 18">
             <a:extLst>
               <a:ext uri="{FF2B5EF4-FFF2-40B4-BE49-F238E27FC236}">
-                <a16:creationId xmlns:a16="http://schemas.microsoft.com/office/drawing/2014/main" id="{3151A13B-9509-43FA-BFEB-1D9866A00B84}"/>
+                <a16:creationId xmlns:a16="http://schemas.microsoft.com/office/drawing/2014/main" xmlns="" id="{3151A13B-9509-43FA-BFEB-1D9866A00B84}"/>
               </a:ext>
             </a:extLst>
           </p:cNvPr>
@@ -3648,7 +3672,7 @@
           <p:cNvPr id="12" name="Table 11">
             <a:extLst>
               <a:ext uri="{FF2B5EF4-FFF2-40B4-BE49-F238E27FC236}">
-                <a16:creationId xmlns:a16="http://schemas.microsoft.com/office/drawing/2014/main" id="{F545FAB8-F1CE-4886-9BDE-E772BCB0A9C4}"/>
+                <a16:creationId xmlns:a16="http://schemas.microsoft.com/office/drawing/2014/main" xmlns="" id="{F545FAB8-F1CE-4886-9BDE-E772BCB0A9C4}"/>
               </a:ext>
             </a:extLst>
           </p:cNvPr>
@@ -3658,7 +3682,7 @@
           <p:nvPr>
             <p:extLst>
               <p:ext uri="{D42A27DB-BD31-4B8C-83A1-F6EECF244321}">
-                <p14:modId xmlns:p14="http://schemas.microsoft.com/office/powerpoint/2010/main" val="2370624015"/>
+                <p14:modId xmlns:p14="http://schemas.microsoft.com/office/powerpoint/2010/main" xmlns="" val="2370624015"/>
               </p:ext>
             </p:extLst>
           </p:nvPr>
@@ -3677,7 +3701,7 @@
                 <a:gridCol w="1833356">
                   <a:extLst>
                     <a:ext uri="{9D8B030D-6E8A-4147-A177-3AD203B41FA5}">
-                      <a16:colId xmlns:a16="http://schemas.microsoft.com/office/drawing/2014/main" val="4240773277"/>
+                      <a16:colId xmlns:a16="http://schemas.microsoft.com/office/drawing/2014/main" xmlns="" val="4240773277"/>
                     </a:ext>
                   </a:extLst>
                 </a:gridCol>
@@ -3689,12 +3713,8 @@
                     <a:lstStyle/>
                     <a:p>
                       <a:r>
-                        <a:rPr lang="en-SG" u="sng" dirty="0"/>
-                        <a:t>ab1:</a:t>
-                      </a:r>
-                      <a:r>
-                        <a:rPr lang="en-SG" sz="1800" u="sng" dirty="0"/>
-                        <a:t>AddressBook</a:t>
+                        <a:rPr lang="en-SG" u="sng" smtClean="0"/>
+                        <a:t>Gt1:GradTrak</a:t>
                       </a:r>
                       <a:endParaRPr lang="en-SG" sz="1600" u="sng" dirty="0"/>
                     </a:p>
@@ -3703,7 +3723,7 @@
                 </a:tc>
                 <a:extLst>
                   <a:ext uri="{0D108BD9-81ED-4DB2-BD59-A6C34878D82A}">
-                    <a16:rowId xmlns:a16="http://schemas.microsoft.com/office/drawing/2014/main" val="2194462629"/>
+                    <a16:rowId xmlns:a16="http://schemas.microsoft.com/office/drawing/2014/main" xmlns="" val="2194462629"/>
                   </a:ext>
                 </a:extLst>
               </a:tr>
@@ -3716,7 +3736,7 @@
           <p:cNvPr id="15" name="Table 14">
             <a:extLst>
               <a:ext uri="{FF2B5EF4-FFF2-40B4-BE49-F238E27FC236}">
-                <a16:creationId xmlns:a16="http://schemas.microsoft.com/office/drawing/2014/main" id="{F545FAB8-F1CE-4886-9BDE-E772BCB0A9C4}"/>
+                <a16:creationId xmlns:a16="http://schemas.microsoft.com/office/drawing/2014/main" xmlns="" id="{F545FAB8-F1CE-4886-9BDE-E772BCB0A9C4}"/>
               </a:ext>
             </a:extLst>
           </p:cNvPr>
@@ -3726,7 +3746,7 @@
           <p:nvPr>
             <p:extLst>
               <p:ext uri="{D42A27DB-BD31-4B8C-83A1-F6EECF244321}">
-                <p14:modId xmlns:p14="http://schemas.microsoft.com/office/powerpoint/2010/main" val="2523374166"/>
+                <p14:modId xmlns:p14="http://schemas.microsoft.com/office/powerpoint/2010/main" xmlns="" val="2523374166"/>
               </p:ext>
             </p:extLst>
           </p:nvPr>
@@ -3745,7 +3765,7 @@
                 <a:gridCol w="1833356">
                   <a:extLst>
                     <a:ext uri="{9D8B030D-6E8A-4147-A177-3AD203B41FA5}">
-                      <a16:colId xmlns:a16="http://schemas.microsoft.com/office/drawing/2014/main" val="4240773277"/>
+                      <a16:colId xmlns:a16="http://schemas.microsoft.com/office/drawing/2014/main" xmlns="" val="4240773277"/>
                     </a:ext>
                   </a:extLst>
                 </a:gridCol>
@@ -3757,12 +3777,12 @@
                     <a:lstStyle/>
                     <a:p>
                       <a:r>
-                        <a:rPr lang="en-SG" u="sng" dirty="0"/>
-                        <a:t>ab0:</a:t>
+                        <a:rPr lang="en-SG" u="sng" dirty="0" smtClean="0"/>
+                        <a:t>gt0:</a:t>
                       </a:r>
                       <a:r>
-                        <a:rPr lang="en-SG" sz="1800" u="sng" dirty="0"/>
-                        <a:t>AddressBook</a:t>
+                        <a:rPr lang="en-SG" sz="1800" u="sng" dirty="0" smtClean="0"/>
+                        <a:t>GradTrak</a:t>
                       </a:r>
                       <a:endParaRPr lang="en-SG" sz="1600" u="sng" dirty="0"/>
                     </a:p>
@@ -3771,7 +3791,7 @@
                 </a:tc>
                 <a:extLst>
                   <a:ext uri="{0D108BD9-81ED-4DB2-BD59-A6C34878D82A}">
-                    <a16:rowId xmlns:a16="http://schemas.microsoft.com/office/drawing/2014/main" val="2194462629"/>
+                    <a16:rowId xmlns:a16="http://schemas.microsoft.com/office/drawing/2014/main" xmlns="" val="2194462629"/>
                   </a:ext>
                 </a:extLst>
               </a:tr>
@@ -3784,7 +3804,7 @@
           <p:cNvPr id="14" name="Straight Arrow Connector 13">
             <a:extLst>
               <a:ext uri="{FF2B5EF4-FFF2-40B4-BE49-F238E27FC236}">
-                <a16:creationId xmlns:a16="http://schemas.microsoft.com/office/drawing/2014/main" id="{4E562EDA-12B3-44FD-8B44-BCF3C4356EB8}"/>
+                <a16:creationId xmlns:a16="http://schemas.microsoft.com/office/drawing/2014/main" xmlns="" id="{4E562EDA-12B3-44FD-8B44-BCF3C4356EB8}"/>
               </a:ext>
             </a:extLst>
           </p:cNvPr>
@@ -3828,7 +3848,7 @@
           <p:cNvPr id="16" name="Straight Arrow Connector 15">
             <a:extLst>
               <a:ext uri="{FF2B5EF4-FFF2-40B4-BE49-F238E27FC236}">
-                <a16:creationId xmlns:a16="http://schemas.microsoft.com/office/drawing/2014/main" id="{0C07500F-40C6-444B-B521-89577F312910}"/>
+                <a16:creationId xmlns:a16="http://schemas.microsoft.com/office/drawing/2014/main" xmlns="" id="{0C07500F-40C6-444B-B521-89577F312910}"/>
               </a:ext>
             </a:extLst>
           </p:cNvPr>
@@ -3870,7 +3890,7 @@
     </p:spTree>
     <p:extLst>
       <p:ext uri="{BB962C8B-B14F-4D97-AF65-F5344CB8AC3E}">
-        <p14:creationId xmlns:p14="http://schemas.microsoft.com/office/powerpoint/2010/main" val="3338945851"/>
+        <p14:creationId xmlns:p14="http://schemas.microsoft.com/office/powerpoint/2010/main" xmlns="" val="3338945851"/>
       </p:ext>
     </p:extLst>
   </p:cSld>
@@ -3923,7 +3943,7 @@
     </a:clrScheme>
     <a:fontScheme name="Office">
       <a:majorFont>
-        <a:latin typeface="Calibri Light" panose="020F0302020204030204"/>
+        <a:latin typeface="Calibri Light"/>
         <a:ea typeface=""/>
         <a:cs typeface=""/>
         <a:font script="Jpan" typeface="游ゴシック Light"/>
@@ -3975,7 +3995,7 @@
         <a:font script="Tfng" typeface="Ebrima"/>
       </a:majorFont>
       <a:minorFont>
-        <a:latin typeface="Calibri" panose="020F0502020204030204"/>
+        <a:latin typeface="Calibri"/>
         <a:ea typeface=""/>
         <a:cs typeface=""/>
         <a:font script="Jpan" typeface="游ゴシック"/>
@@ -4169,7 +4189,7 @@
   <a:extraClrSchemeLst/>
   <a:extLst>
     <a:ext uri="{05A4C25C-085E-4340-85A3-A5531E510DB2}">
-      <thm15:themeFamily xmlns:thm15="http://schemas.microsoft.com/office/thememl/2012/main" name="Office Theme" id="{62F939B6-93AF-4DB8-9C6B-D6C7DFDC589F}" vid="{4A3C46E8-61CC-4603-A589-7422A47A8E4A}"/>
+      <thm15:themeFamily xmlns:thm15="http://schemas.microsoft.com/office/thememl/2012/main" xmlns="" name="Office Theme" id="{62F939B6-93AF-4DB8-9C6B-D6C7DFDC589F}" vid="{4A3C46E8-61CC-4603-A589-7422A47A8E4A}"/>
     </a:ext>
   </a:extLst>
 </a:theme>

--- a/docs/diagrams/UndoRedoNewCommand1StateListDiagram.pptx
+++ b/docs/diagrams/UndoRedoNewCommand1StateListDiagram.pptx
@@ -106,7 +106,7 @@
   </p:defaultTextStyle>
   <p:extLst>
     <p:ext uri="{EFAFB233-063F-42B5-8137-9DF3F51BA10A}">
-      <p15:sldGuideLst xmlns:p15="http://schemas.microsoft.com/office/powerpoint/2012/main"/>
+      <p15:sldGuideLst xmlns:p15="http://schemas.microsoft.com/office/powerpoint/2012/main" xmlns=""/>
     </p:ext>
   </p:extLst>
 </p:presentation>
@@ -138,7 +138,7 @@
           <p:cNvPr id="2" name="Title 1">
             <a:extLst>
               <a:ext uri="{FF2B5EF4-FFF2-40B4-BE49-F238E27FC236}">
-                <a16:creationId xmlns:a16="http://schemas.microsoft.com/office/drawing/2014/main" id="{39FCC519-EE2E-4054-A653-93D611E0133E}"/>
+                <a16:creationId xmlns:a16="http://schemas.microsoft.com/office/drawing/2014/main" xmlns="" id="{39FCC519-EE2E-4054-A653-93D611E0133E}"/>
               </a:ext>
             </a:extLst>
           </p:cNvPr>
@@ -176,7 +176,7 @@
           <p:cNvPr id="3" name="Subtitle 2">
             <a:extLst>
               <a:ext uri="{FF2B5EF4-FFF2-40B4-BE49-F238E27FC236}">
-                <a16:creationId xmlns:a16="http://schemas.microsoft.com/office/drawing/2014/main" id="{3EDEA74E-4030-4F69-A055-4C6319EEEC29}"/>
+                <a16:creationId xmlns:a16="http://schemas.microsoft.com/office/drawing/2014/main" xmlns="" id="{3EDEA74E-4030-4F69-A055-4C6319EEEC29}"/>
               </a:ext>
             </a:extLst>
           </p:cNvPr>
@@ -247,7 +247,7 @@
           <p:cNvPr id="4" name="Date Placeholder 3">
             <a:extLst>
               <a:ext uri="{FF2B5EF4-FFF2-40B4-BE49-F238E27FC236}">
-                <a16:creationId xmlns:a16="http://schemas.microsoft.com/office/drawing/2014/main" id="{E5CC99E3-37A6-4485-B9A2-AF27A72608C6}"/>
+                <a16:creationId xmlns:a16="http://schemas.microsoft.com/office/drawing/2014/main" xmlns="" id="{E5CC99E3-37A6-4485-B9A2-AF27A72608C6}"/>
               </a:ext>
             </a:extLst>
           </p:cNvPr>
@@ -265,7 +265,7 @@
           <a:p>
             <a:fld id="{03EC4E3E-8101-482F-A883-8B55DAFF7C07}" type="datetimeFigureOut">
               <a:rPr lang="en-SG" smtClean="0"/>
-              <a:t>6/7/2018</a:t>
+              <a:t>31/3/2019</a:t>
             </a:fld>
             <a:endParaRPr lang="en-SG"/>
           </a:p>
@@ -276,7 +276,7 @@
           <p:cNvPr id="5" name="Footer Placeholder 4">
             <a:extLst>
               <a:ext uri="{FF2B5EF4-FFF2-40B4-BE49-F238E27FC236}">
-                <a16:creationId xmlns:a16="http://schemas.microsoft.com/office/drawing/2014/main" id="{D75BD546-D949-4A25-8EA4-47DF23229409}"/>
+                <a16:creationId xmlns:a16="http://schemas.microsoft.com/office/drawing/2014/main" xmlns="" id="{D75BD546-D949-4A25-8EA4-47DF23229409}"/>
               </a:ext>
             </a:extLst>
           </p:cNvPr>
@@ -301,7 +301,7 @@
           <p:cNvPr id="6" name="Slide Number Placeholder 5">
             <a:extLst>
               <a:ext uri="{FF2B5EF4-FFF2-40B4-BE49-F238E27FC236}">
-                <a16:creationId xmlns:a16="http://schemas.microsoft.com/office/drawing/2014/main" id="{68147391-4DF6-4ACF-BCE9-C1A9DAC803E3}"/>
+                <a16:creationId xmlns:a16="http://schemas.microsoft.com/office/drawing/2014/main" xmlns="" id="{68147391-4DF6-4ACF-BCE9-C1A9DAC803E3}"/>
               </a:ext>
             </a:extLst>
           </p:cNvPr>
@@ -360,7 +360,7 @@
           <p:cNvPr id="2" name="Title 1">
             <a:extLst>
               <a:ext uri="{FF2B5EF4-FFF2-40B4-BE49-F238E27FC236}">
-                <a16:creationId xmlns:a16="http://schemas.microsoft.com/office/drawing/2014/main" id="{251D3DFE-0C62-45F5-B1BF-FD1F194ED112}"/>
+                <a16:creationId xmlns:a16="http://schemas.microsoft.com/office/drawing/2014/main" xmlns="" id="{251D3DFE-0C62-45F5-B1BF-FD1F194ED112}"/>
               </a:ext>
             </a:extLst>
           </p:cNvPr>
@@ -389,7 +389,7 @@
           <p:cNvPr id="3" name="Vertical Text Placeholder 2">
             <a:extLst>
               <a:ext uri="{FF2B5EF4-FFF2-40B4-BE49-F238E27FC236}">
-                <a16:creationId xmlns:a16="http://schemas.microsoft.com/office/drawing/2014/main" id="{D2392762-3586-4B6D-A174-2D3ACF0A125B}"/>
+                <a16:creationId xmlns:a16="http://schemas.microsoft.com/office/drawing/2014/main" xmlns="" id="{D2392762-3586-4B6D-A174-2D3ACF0A125B}"/>
               </a:ext>
             </a:extLst>
           </p:cNvPr>
@@ -447,7 +447,7 @@
           <p:cNvPr id="4" name="Date Placeholder 3">
             <a:extLst>
               <a:ext uri="{FF2B5EF4-FFF2-40B4-BE49-F238E27FC236}">
-                <a16:creationId xmlns:a16="http://schemas.microsoft.com/office/drawing/2014/main" id="{73B232E7-84FB-4535-9FC1-1BEF8F17421F}"/>
+                <a16:creationId xmlns:a16="http://schemas.microsoft.com/office/drawing/2014/main" xmlns="" id="{73B232E7-84FB-4535-9FC1-1BEF8F17421F}"/>
               </a:ext>
             </a:extLst>
           </p:cNvPr>
@@ -465,7 +465,7 @@
           <a:p>
             <a:fld id="{03EC4E3E-8101-482F-A883-8B55DAFF7C07}" type="datetimeFigureOut">
               <a:rPr lang="en-SG" smtClean="0"/>
-              <a:t>6/7/2018</a:t>
+              <a:t>31/3/2019</a:t>
             </a:fld>
             <a:endParaRPr lang="en-SG"/>
           </a:p>
@@ -476,7 +476,7 @@
           <p:cNvPr id="5" name="Footer Placeholder 4">
             <a:extLst>
               <a:ext uri="{FF2B5EF4-FFF2-40B4-BE49-F238E27FC236}">
-                <a16:creationId xmlns:a16="http://schemas.microsoft.com/office/drawing/2014/main" id="{76F796EF-04EF-401A-AC84-F7BDBC99DE80}"/>
+                <a16:creationId xmlns:a16="http://schemas.microsoft.com/office/drawing/2014/main" xmlns="" id="{76F796EF-04EF-401A-AC84-F7BDBC99DE80}"/>
               </a:ext>
             </a:extLst>
           </p:cNvPr>
@@ -501,7 +501,7 @@
           <p:cNvPr id="6" name="Slide Number Placeholder 5">
             <a:extLst>
               <a:ext uri="{FF2B5EF4-FFF2-40B4-BE49-F238E27FC236}">
-                <a16:creationId xmlns:a16="http://schemas.microsoft.com/office/drawing/2014/main" id="{8F55F009-0A64-4649-A732-4AA6D619F1F3}"/>
+                <a16:creationId xmlns:a16="http://schemas.microsoft.com/office/drawing/2014/main" xmlns="" id="{8F55F009-0A64-4649-A732-4AA6D619F1F3}"/>
               </a:ext>
             </a:extLst>
           </p:cNvPr>
@@ -560,7 +560,7 @@
           <p:cNvPr id="2" name="Vertical Title 1">
             <a:extLst>
               <a:ext uri="{FF2B5EF4-FFF2-40B4-BE49-F238E27FC236}">
-                <a16:creationId xmlns:a16="http://schemas.microsoft.com/office/drawing/2014/main" id="{F7DE9595-D7A8-4E19-B4C6-E295F978F6A4}"/>
+                <a16:creationId xmlns:a16="http://schemas.microsoft.com/office/drawing/2014/main" xmlns="" id="{F7DE9595-D7A8-4E19-B4C6-E295F978F6A4}"/>
               </a:ext>
             </a:extLst>
           </p:cNvPr>
@@ -594,7 +594,7 @@
           <p:cNvPr id="3" name="Vertical Text Placeholder 2">
             <a:extLst>
               <a:ext uri="{FF2B5EF4-FFF2-40B4-BE49-F238E27FC236}">
-                <a16:creationId xmlns:a16="http://schemas.microsoft.com/office/drawing/2014/main" id="{0D2975B7-7A6D-40EA-B2F6-338022AD2BF1}"/>
+                <a16:creationId xmlns:a16="http://schemas.microsoft.com/office/drawing/2014/main" xmlns="" id="{0D2975B7-7A6D-40EA-B2F6-338022AD2BF1}"/>
               </a:ext>
             </a:extLst>
           </p:cNvPr>
@@ -657,7 +657,7 @@
           <p:cNvPr id="4" name="Date Placeholder 3">
             <a:extLst>
               <a:ext uri="{FF2B5EF4-FFF2-40B4-BE49-F238E27FC236}">
-                <a16:creationId xmlns:a16="http://schemas.microsoft.com/office/drawing/2014/main" id="{C8230AC3-1BED-4D2B-96D3-51C50E14A9E6}"/>
+                <a16:creationId xmlns:a16="http://schemas.microsoft.com/office/drawing/2014/main" xmlns="" id="{C8230AC3-1BED-4D2B-96D3-51C50E14A9E6}"/>
               </a:ext>
             </a:extLst>
           </p:cNvPr>
@@ -675,7 +675,7 @@
           <a:p>
             <a:fld id="{03EC4E3E-8101-482F-A883-8B55DAFF7C07}" type="datetimeFigureOut">
               <a:rPr lang="en-SG" smtClean="0"/>
-              <a:t>6/7/2018</a:t>
+              <a:t>31/3/2019</a:t>
             </a:fld>
             <a:endParaRPr lang="en-SG"/>
           </a:p>
@@ -686,7 +686,7 @@
           <p:cNvPr id="5" name="Footer Placeholder 4">
             <a:extLst>
               <a:ext uri="{FF2B5EF4-FFF2-40B4-BE49-F238E27FC236}">
-                <a16:creationId xmlns:a16="http://schemas.microsoft.com/office/drawing/2014/main" id="{4AD6CA96-231A-43AD-B530-7C509651DE3B}"/>
+                <a16:creationId xmlns:a16="http://schemas.microsoft.com/office/drawing/2014/main" xmlns="" id="{4AD6CA96-231A-43AD-B530-7C509651DE3B}"/>
               </a:ext>
             </a:extLst>
           </p:cNvPr>
@@ -711,7 +711,7 @@
           <p:cNvPr id="6" name="Slide Number Placeholder 5">
             <a:extLst>
               <a:ext uri="{FF2B5EF4-FFF2-40B4-BE49-F238E27FC236}">
-                <a16:creationId xmlns:a16="http://schemas.microsoft.com/office/drawing/2014/main" id="{12063E3B-180A-454E-A661-6CCD48D7062C}"/>
+                <a16:creationId xmlns:a16="http://schemas.microsoft.com/office/drawing/2014/main" xmlns="" id="{12063E3B-180A-454E-A661-6CCD48D7062C}"/>
               </a:ext>
             </a:extLst>
           </p:cNvPr>
@@ -770,7 +770,7 @@
           <p:cNvPr id="2" name="Title 1">
             <a:extLst>
               <a:ext uri="{FF2B5EF4-FFF2-40B4-BE49-F238E27FC236}">
-                <a16:creationId xmlns:a16="http://schemas.microsoft.com/office/drawing/2014/main" id="{7E861C8D-BAF0-4DD9-92B9-591B272791CA}"/>
+                <a16:creationId xmlns:a16="http://schemas.microsoft.com/office/drawing/2014/main" xmlns="" id="{7E861C8D-BAF0-4DD9-92B9-591B272791CA}"/>
               </a:ext>
             </a:extLst>
           </p:cNvPr>
@@ -799,7 +799,7 @@
           <p:cNvPr id="3" name="Content Placeholder 2">
             <a:extLst>
               <a:ext uri="{FF2B5EF4-FFF2-40B4-BE49-F238E27FC236}">
-                <a16:creationId xmlns:a16="http://schemas.microsoft.com/office/drawing/2014/main" id="{534DA4BD-1D78-446B-B79F-C1229642DDEB}"/>
+                <a16:creationId xmlns:a16="http://schemas.microsoft.com/office/drawing/2014/main" xmlns="" id="{534DA4BD-1D78-446B-B79F-C1229642DDEB}"/>
               </a:ext>
             </a:extLst>
           </p:cNvPr>
@@ -857,7 +857,7 @@
           <p:cNvPr id="4" name="Date Placeholder 3">
             <a:extLst>
               <a:ext uri="{FF2B5EF4-FFF2-40B4-BE49-F238E27FC236}">
-                <a16:creationId xmlns:a16="http://schemas.microsoft.com/office/drawing/2014/main" id="{AD6BEDB5-7B62-4953-BECB-7F7F3E909CAC}"/>
+                <a16:creationId xmlns:a16="http://schemas.microsoft.com/office/drawing/2014/main" xmlns="" id="{AD6BEDB5-7B62-4953-BECB-7F7F3E909CAC}"/>
               </a:ext>
             </a:extLst>
           </p:cNvPr>
@@ -875,7 +875,7 @@
           <a:p>
             <a:fld id="{03EC4E3E-8101-482F-A883-8B55DAFF7C07}" type="datetimeFigureOut">
               <a:rPr lang="en-SG" smtClean="0"/>
-              <a:t>6/7/2018</a:t>
+              <a:t>31/3/2019</a:t>
             </a:fld>
             <a:endParaRPr lang="en-SG"/>
           </a:p>
@@ -886,7 +886,7 @@
           <p:cNvPr id="5" name="Footer Placeholder 4">
             <a:extLst>
               <a:ext uri="{FF2B5EF4-FFF2-40B4-BE49-F238E27FC236}">
-                <a16:creationId xmlns:a16="http://schemas.microsoft.com/office/drawing/2014/main" id="{349CD732-2DD1-42BE-8480-5C6507018294}"/>
+                <a16:creationId xmlns:a16="http://schemas.microsoft.com/office/drawing/2014/main" xmlns="" id="{349CD732-2DD1-42BE-8480-5C6507018294}"/>
               </a:ext>
             </a:extLst>
           </p:cNvPr>
@@ -911,7 +911,7 @@
           <p:cNvPr id="6" name="Slide Number Placeholder 5">
             <a:extLst>
               <a:ext uri="{FF2B5EF4-FFF2-40B4-BE49-F238E27FC236}">
-                <a16:creationId xmlns:a16="http://schemas.microsoft.com/office/drawing/2014/main" id="{574C27E0-F36A-4438-9402-C2CB0377D92D}"/>
+                <a16:creationId xmlns:a16="http://schemas.microsoft.com/office/drawing/2014/main" xmlns="" id="{574C27E0-F36A-4438-9402-C2CB0377D92D}"/>
               </a:ext>
             </a:extLst>
           </p:cNvPr>
@@ -970,7 +970,7 @@
           <p:cNvPr id="2" name="Title 1">
             <a:extLst>
               <a:ext uri="{FF2B5EF4-FFF2-40B4-BE49-F238E27FC236}">
-                <a16:creationId xmlns:a16="http://schemas.microsoft.com/office/drawing/2014/main" id="{80A42FFA-8A45-40F8-9C5C-9906971B38AB}"/>
+                <a16:creationId xmlns:a16="http://schemas.microsoft.com/office/drawing/2014/main" xmlns="" id="{80A42FFA-8A45-40F8-9C5C-9906971B38AB}"/>
               </a:ext>
             </a:extLst>
           </p:cNvPr>
@@ -1008,7 +1008,7 @@
           <p:cNvPr id="3" name="Text Placeholder 2">
             <a:extLst>
               <a:ext uri="{FF2B5EF4-FFF2-40B4-BE49-F238E27FC236}">
-                <a16:creationId xmlns:a16="http://schemas.microsoft.com/office/drawing/2014/main" id="{7D8879A7-8225-4473-B738-B780B6224EC5}"/>
+                <a16:creationId xmlns:a16="http://schemas.microsoft.com/office/drawing/2014/main" xmlns="" id="{7D8879A7-8225-4473-B738-B780B6224EC5}"/>
               </a:ext>
             </a:extLst>
           </p:cNvPr>
@@ -1133,7 +1133,7 @@
           <p:cNvPr id="4" name="Date Placeholder 3">
             <a:extLst>
               <a:ext uri="{FF2B5EF4-FFF2-40B4-BE49-F238E27FC236}">
-                <a16:creationId xmlns:a16="http://schemas.microsoft.com/office/drawing/2014/main" id="{6CF7978C-FE65-4091-9152-E33029C12AEA}"/>
+                <a16:creationId xmlns:a16="http://schemas.microsoft.com/office/drawing/2014/main" xmlns="" id="{6CF7978C-FE65-4091-9152-E33029C12AEA}"/>
               </a:ext>
             </a:extLst>
           </p:cNvPr>
@@ -1151,7 +1151,7 @@
           <a:p>
             <a:fld id="{03EC4E3E-8101-482F-A883-8B55DAFF7C07}" type="datetimeFigureOut">
               <a:rPr lang="en-SG" smtClean="0"/>
-              <a:t>6/7/2018</a:t>
+              <a:t>31/3/2019</a:t>
             </a:fld>
             <a:endParaRPr lang="en-SG"/>
           </a:p>
@@ -1162,7 +1162,7 @@
           <p:cNvPr id="5" name="Footer Placeholder 4">
             <a:extLst>
               <a:ext uri="{FF2B5EF4-FFF2-40B4-BE49-F238E27FC236}">
-                <a16:creationId xmlns:a16="http://schemas.microsoft.com/office/drawing/2014/main" id="{B344C9CC-480F-4DCB-AC70-D7A4CCA0B8B7}"/>
+                <a16:creationId xmlns:a16="http://schemas.microsoft.com/office/drawing/2014/main" xmlns="" id="{B344C9CC-480F-4DCB-AC70-D7A4CCA0B8B7}"/>
               </a:ext>
             </a:extLst>
           </p:cNvPr>
@@ -1187,7 +1187,7 @@
           <p:cNvPr id="6" name="Slide Number Placeholder 5">
             <a:extLst>
               <a:ext uri="{FF2B5EF4-FFF2-40B4-BE49-F238E27FC236}">
-                <a16:creationId xmlns:a16="http://schemas.microsoft.com/office/drawing/2014/main" id="{8F5A07EC-843A-4ED9-8F1C-AD703CA36D58}"/>
+                <a16:creationId xmlns:a16="http://schemas.microsoft.com/office/drawing/2014/main" xmlns="" id="{8F5A07EC-843A-4ED9-8F1C-AD703CA36D58}"/>
               </a:ext>
             </a:extLst>
           </p:cNvPr>
@@ -1246,7 +1246,7 @@
           <p:cNvPr id="2" name="Title 1">
             <a:extLst>
               <a:ext uri="{FF2B5EF4-FFF2-40B4-BE49-F238E27FC236}">
-                <a16:creationId xmlns:a16="http://schemas.microsoft.com/office/drawing/2014/main" id="{056EE2DA-07D9-4774-A8CA-0CA247F8C72A}"/>
+                <a16:creationId xmlns:a16="http://schemas.microsoft.com/office/drawing/2014/main" xmlns="" id="{056EE2DA-07D9-4774-A8CA-0CA247F8C72A}"/>
               </a:ext>
             </a:extLst>
           </p:cNvPr>
@@ -1275,7 +1275,7 @@
           <p:cNvPr id="3" name="Content Placeholder 2">
             <a:extLst>
               <a:ext uri="{FF2B5EF4-FFF2-40B4-BE49-F238E27FC236}">
-                <a16:creationId xmlns:a16="http://schemas.microsoft.com/office/drawing/2014/main" id="{3CF93A59-4E25-4FFA-8796-AA06EF3E5C3E}"/>
+                <a16:creationId xmlns:a16="http://schemas.microsoft.com/office/drawing/2014/main" xmlns="" id="{3CF93A59-4E25-4FFA-8796-AA06EF3E5C3E}"/>
               </a:ext>
             </a:extLst>
           </p:cNvPr>
@@ -1338,7 +1338,7 @@
           <p:cNvPr id="4" name="Content Placeholder 3">
             <a:extLst>
               <a:ext uri="{FF2B5EF4-FFF2-40B4-BE49-F238E27FC236}">
-                <a16:creationId xmlns:a16="http://schemas.microsoft.com/office/drawing/2014/main" id="{81373B10-E346-4893-AFEE-65E014405E2D}"/>
+                <a16:creationId xmlns:a16="http://schemas.microsoft.com/office/drawing/2014/main" xmlns="" id="{81373B10-E346-4893-AFEE-65E014405E2D}"/>
               </a:ext>
             </a:extLst>
           </p:cNvPr>
@@ -1401,7 +1401,7 @@
           <p:cNvPr id="5" name="Date Placeholder 4">
             <a:extLst>
               <a:ext uri="{FF2B5EF4-FFF2-40B4-BE49-F238E27FC236}">
-                <a16:creationId xmlns:a16="http://schemas.microsoft.com/office/drawing/2014/main" id="{D9C411A1-6D64-4C63-A758-5D2FEE677F45}"/>
+                <a16:creationId xmlns:a16="http://schemas.microsoft.com/office/drawing/2014/main" xmlns="" id="{D9C411A1-6D64-4C63-A758-5D2FEE677F45}"/>
               </a:ext>
             </a:extLst>
           </p:cNvPr>
@@ -1419,7 +1419,7 @@
           <a:p>
             <a:fld id="{03EC4E3E-8101-482F-A883-8B55DAFF7C07}" type="datetimeFigureOut">
               <a:rPr lang="en-SG" smtClean="0"/>
-              <a:t>6/7/2018</a:t>
+              <a:t>31/3/2019</a:t>
             </a:fld>
             <a:endParaRPr lang="en-SG"/>
           </a:p>
@@ -1430,7 +1430,7 @@
           <p:cNvPr id="6" name="Footer Placeholder 5">
             <a:extLst>
               <a:ext uri="{FF2B5EF4-FFF2-40B4-BE49-F238E27FC236}">
-                <a16:creationId xmlns:a16="http://schemas.microsoft.com/office/drawing/2014/main" id="{8D9C2E46-644C-4155-A697-764A7A0AB1F4}"/>
+                <a16:creationId xmlns:a16="http://schemas.microsoft.com/office/drawing/2014/main" xmlns="" id="{8D9C2E46-644C-4155-A697-764A7A0AB1F4}"/>
               </a:ext>
             </a:extLst>
           </p:cNvPr>
@@ -1455,7 +1455,7 @@
           <p:cNvPr id="7" name="Slide Number Placeholder 6">
             <a:extLst>
               <a:ext uri="{FF2B5EF4-FFF2-40B4-BE49-F238E27FC236}">
-                <a16:creationId xmlns:a16="http://schemas.microsoft.com/office/drawing/2014/main" id="{6192DEDD-6479-45E4-B1F5-6EDD41BBB103}"/>
+                <a16:creationId xmlns:a16="http://schemas.microsoft.com/office/drawing/2014/main" xmlns="" id="{6192DEDD-6479-45E4-B1F5-6EDD41BBB103}"/>
               </a:ext>
             </a:extLst>
           </p:cNvPr>
@@ -1514,7 +1514,7 @@
           <p:cNvPr id="2" name="Title 1">
             <a:extLst>
               <a:ext uri="{FF2B5EF4-FFF2-40B4-BE49-F238E27FC236}">
-                <a16:creationId xmlns:a16="http://schemas.microsoft.com/office/drawing/2014/main" id="{DC0ED888-63EF-4CC0-8500-9C8DB672FEC2}"/>
+                <a16:creationId xmlns:a16="http://schemas.microsoft.com/office/drawing/2014/main" xmlns="" id="{DC0ED888-63EF-4CC0-8500-9C8DB672FEC2}"/>
               </a:ext>
             </a:extLst>
           </p:cNvPr>
@@ -1548,7 +1548,7 @@
           <p:cNvPr id="3" name="Text Placeholder 2">
             <a:extLst>
               <a:ext uri="{FF2B5EF4-FFF2-40B4-BE49-F238E27FC236}">
-                <a16:creationId xmlns:a16="http://schemas.microsoft.com/office/drawing/2014/main" id="{3C33BC1E-FB79-4906-A967-9C7046C6D272}"/>
+                <a16:creationId xmlns:a16="http://schemas.microsoft.com/office/drawing/2014/main" xmlns="" id="{3C33BC1E-FB79-4906-A967-9C7046C6D272}"/>
               </a:ext>
             </a:extLst>
           </p:cNvPr>
@@ -1619,7 +1619,7 @@
           <p:cNvPr id="4" name="Content Placeholder 3">
             <a:extLst>
               <a:ext uri="{FF2B5EF4-FFF2-40B4-BE49-F238E27FC236}">
-                <a16:creationId xmlns:a16="http://schemas.microsoft.com/office/drawing/2014/main" id="{697A4EC6-1C42-4BA4-8108-32579276C17B}"/>
+                <a16:creationId xmlns:a16="http://schemas.microsoft.com/office/drawing/2014/main" xmlns="" id="{697A4EC6-1C42-4BA4-8108-32579276C17B}"/>
               </a:ext>
             </a:extLst>
           </p:cNvPr>
@@ -1682,7 +1682,7 @@
           <p:cNvPr id="5" name="Text Placeholder 4">
             <a:extLst>
               <a:ext uri="{FF2B5EF4-FFF2-40B4-BE49-F238E27FC236}">
-                <a16:creationId xmlns:a16="http://schemas.microsoft.com/office/drawing/2014/main" id="{8A2CA209-B9F5-4E1E-B302-74CC2D4CFDFB}"/>
+                <a16:creationId xmlns:a16="http://schemas.microsoft.com/office/drawing/2014/main" xmlns="" id="{8A2CA209-B9F5-4E1E-B302-74CC2D4CFDFB}"/>
               </a:ext>
             </a:extLst>
           </p:cNvPr>
@@ -1753,7 +1753,7 @@
           <p:cNvPr id="6" name="Content Placeholder 5">
             <a:extLst>
               <a:ext uri="{FF2B5EF4-FFF2-40B4-BE49-F238E27FC236}">
-                <a16:creationId xmlns:a16="http://schemas.microsoft.com/office/drawing/2014/main" id="{0E6E876D-DC4D-40EE-BA38-CD01089602CF}"/>
+                <a16:creationId xmlns:a16="http://schemas.microsoft.com/office/drawing/2014/main" xmlns="" id="{0E6E876D-DC4D-40EE-BA38-CD01089602CF}"/>
               </a:ext>
             </a:extLst>
           </p:cNvPr>
@@ -1816,7 +1816,7 @@
           <p:cNvPr id="7" name="Date Placeholder 6">
             <a:extLst>
               <a:ext uri="{FF2B5EF4-FFF2-40B4-BE49-F238E27FC236}">
-                <a16:creationId xmlns:a16="http://schemas.microsoft.com/office/drawing/2014/main" id="{F24E1D97-8B3C-41A1-B0BA-BA833AD8BC7C}"/>
+                <a16:creationId xmlns:a16="http://schemas.microsoft.com/office/drawing/2014/main" xmlns="" id="{F24E1D97-8B3C-41A1-B0BA-BA833AD8BC7C}"/>
               </a:ext>
             </a:extLst>
           </p:cNvPr>
@@ -1834,7 +1834,7 @@
           <a:p>
             <a:fld id="{03EC4E3E-8101-482F-A883-8B55DAFF7C07}" type="datetimeFigureOut">
               <a:rPr lang="en-SG" smtClean="0"/>
-              <a:t>6/7/2018</a:t>
+              <a:t>31/3/2019</a:t>
             </a:fld>
             <a:endParaRPr lang="en-SG"/>
           </a:p>
@@ -1845,7 +1845,7 @@
           <p:cNvPr id="8" name="Footer Placeholder 7">
             <a:extLst>
               <a:ext uri="{FF2B5EF4-FFF2-40B4-BE49-F238E27FC236}">
-                <a16:creationId xmlns:a16="http://schemas.microsoft.com/office/drawing/2014/main" id="{FC358D8F-B7DA-4DCE-AC8F-706450EEC0DC}"/>
+                <a16:creationId xmlns:a16="http://schemas.microsoft.com/office/drawing/2014/main" xmlns="" id="{FC358D8F-B7DA-4DCE-AC8F-706450EEC0DC}"/>
               </a:ext>
             </a:extLst>
           </p:cNvPr>
@@ -1870,7 +1870,7 @@
           <p:cNvPr id="9" name="Slide Number Placeholder 8">
             <a:extLst>
               <a:ext uri="{FF2B5EF4-FFF2-40B4-BE49-F238E27FC236}">
-                <a16:creationId xmlns:a16="http://schemas.microsoft.com/office/drawing/2014/main" id="{40CE354E-2C73-4B6F-8AEB-14D1378A77E1}"/>
+                <a16:creationId xmlns:a16="http://schemas.microsoft.com/office/drawing/2014/main" xmlns="" id="{40CE354E-2C73-4B6F-8AEB-14D1378A77E1}"/>
               </a:ext>
             </a:extLst>
           </p:cNvPr>
@@ -1929,7 +1929,7 @@
           <p:cNvPr id="2" name="Title 1">
             <a:extLst>
               <a:ext uri="{FF2B5EF4-FFF2-40B4-BE49-F238E27FC236}">
-                <a16:creationId xmlns:a16="http://schemas.microsoft.com/office/drawing/2014/main" id="{17D9D381-288C-43FB-86C2-AAA4FCFD43FD}"/>
+                <a16:creationId xmlns:a16="http://schemas.microsoft.com/office/drawing/2014/main" xmlns="" id="{17D9D381-288C-43FB-86C2-AAA4FCFD43FD}"/>
               </a:ext>
             </a:extLst>
           </p:cNvPr>
@@ -1958,7 +1958,7 @@
           <p:cNvPr id="3" name="Date Placeholder 2">
             <a:extLst>
               <a:ext uri="{FF2B5EF4-FFF2-40B4-BE49-F238E27FC236}">
-                <a16:creationId xmlns:a16="http://schemas.microsoft.com/office/drawing/2014/main" id="{A85D75E5-4830-4F75-8132-91122609F925}"/>
+                <a16:creationId xmlns:a16="http://schemas.microsoft.com/office/drawing/2014/main" xmlns="" id="{A85D75E5-4830-4F75-8132-91122609F925}"/>
               </a:ext>
             </a:extLst>
           </p:cNvPr>
@@ -1976,7 +1976,7 @@
           <a:p>
             <a:fld id="{03EC4E3E-8101-482F-A883-8B55DAFF7C07}" type="datetimeFigureOut">
               <a:rPr lang="en-SG" smtClean="0"/>
-              <a:t>6/7/2018</a:t>
+              <a:t>31/3/2019</a:t>
             </a:fld>
             <a:endParaRPr lang="en-SG"/>
           </a:p>
@@ -1987,7 +1987,7 @@
           <p:cNvPr id="4" name="Footer Placeholder 3">
             <a:extLst>
               <a:ext uri="{FF2B5EF4-FFF2-40B4-BE49-F238E27FC236}">
-                <a16:creationId xmlns:a16="http://schemas.microsoft.com/office/drawing/2014/main" id="{0C14A42C-834F-43EA-8053-84D5A665CEE7}"/>
+                <a16:creationId xmlns:a16="http://schemas.microsoft.com/office/drawing/2014/main" xmlns="" id="{0C14A42C-834F-43EA-8053-84D5A665CEE7}"/>
               </a:ext>
             </a:extLst>
           </p:cNvPr>
@@ -2012,7 +2012,7 @@
           <p:cNvPr id="5" name="Slide Number Placeholder 4">
             <a:extLst>
               <a:ext uri="{FF2B5EF4-FFF2-40B4-BE49-F238E27FC236}">
-                <a16:creationId xmlns:a16="http://schemas.microsoft.com/office/drawing/2014/main" id="{38C1E789-CDA9-48FF-A7BA-F21E31600226}"/>
+                <a16:creationId xmlns:a16="http://schemas.microsoft.com/office/drawing/2014/main" xmlns="" id="{38C1E789-CDA9-48FF-A7BA-F21E31600226}"/>
               </a:ext>
             </a:extLst>
           </p:cNvPr>
@@ -2071,7 +2071,7 @@
           <p:cNvPr id="2" name="Date Placeholder 1">
             <a:extLst>
               <a:ext uri="{FF2B5EF4-FFF2-40B4-BE49-F238E27FC236}">
-                <a16:creationId xmlns:a16="http://schemas.microsoft.com/office/drawing/2014/main" id="{21A40ECD-0ABD-4F35-B481-512A01FC643D}"/>
+                <a16:creationId xmlns:a16="http://schemas.microsoft.com/office/drawing/2014/main" xmlns="" id="{21A40ECD-0ABD-4F35-B481-512A01FC643D}"/>
               </a:ext>
             </a:extLst>
           </p:cNvPr>
@@ -2089,7 +2089,7 @@
           <a:p>
             <a:fld id="{03EC4E3E-8101-482F-A883-8B55DAFF7C07}" type="datetimeFigureOut">
               <a:rPr lang="en-SG" smtClean="0"/>
-              <a:t>6/7/2018</a:t>
+              <a:t>31/3/2019</a:t>
             </a:fld>
             <a:endParaRPr lang="en-SG"/>
           </a:p>
@@ -2100,7 +2100,7 @@
           <p:cNvPr id="3" name="Footer Placeholder 2">
             <a:extLst>
               <a:ext uri="{FF2B5EF4-FFF2-40B4-BE49-F238E27FC236}">
-                <a16:creationId xmlns:a16="http://schemas.microsoft.com/office/drawing/2014/main" id="{D44B8F11-A412-4FA6-9070-B9C742F699F3}"/>
+                <a16:creationId xmlns:a16="http://schemas.microsoft.com/office/drawing/2014/main" xmlns="" id="{D44B8F11-A412-4FA6-9070-B9C742F699F3}"/>
               </a:ext>
             </a:extLst>
           </p:cNvPr>
@@ -2125,7 +2125,7 @@
           <p:cNvPr id="4" name="Slide Number Placeholder 3">
             <a:extLst>
               <a:ext uri="{FF2B5EF4-FFF2-40B4-BE49-F238E27FC236}">
-                <a16:creationId xmlns:a16="http://schemas.microsoft.com/office/drawing/2014/main" id="{E3EA086A-DA0B-4378-A128-F213644ECB0C}"/>
+                <a16:creationId xmlns:a16="http://schemas.microsoft.com/office/drawing/2014/main" xmlns="" id="{E3EA086A-DA0B-4378-A128-F213644ECB0C}"/>
               </a:ext>
             </a:extLst>
           </p:cNvPr>
@@ -2184,7 +2184,7 @@
           <p:cNvPr id="2" name="Title 1">
             <a:extLst>
               <a:ext uri="{FF2B5EF4-FFF2-40B4-BE49-F238E27FC236}">
-                <a16:creationId xmlns:a16="http://schemas.microsoft.com/office/drawing/2014/main" id="{765D165A-D423-4E89-A075-D59A9FB59792}"/>
+                <a16:creationId xmlns:a16="http://schemas.microsoft.com/office/drawing/2014/main" xmlns="" id="{765D165A-D423-4E89-A075-D59A9FB59792}"/>
               </a:ext>
             </a:extLst>
           </p:cNvPr>
@@ -2222,7 +2222,7 @@
           <p:cNvPr id="3" name="Content Placeholder 2">
             <a:extLst>
               <a:ext uri="{FF2B5EF4-FFF2-40B4-BE49-F238E27FC236}">
-                <a16:creationId xmlns:a16="http://schemas.microsoft.com/office/drawing/2014/main" id="{77C2A5CC-2876-49CA-993D-F4F73FC9D2B0}"/>
+                <a16:creationId xmlns:a16="http://schemas.microsoft.com/office/drawing/2014/main" xmlns="" id="{77C2A5CC-2876-49CA-993D-F4F73FC9D2B0}"/>
               </a:ext>
             </a:extLst>
           </p:cNvPr>
@@ -2313,7 +2313,7 @@
           <p:cNvPr id="4" name="Text Placeholder 3">
             <a:extLst>
               <a:ext uri="{FF2B5EF4-FFF2-40B4-BE49-F238E27FC236}">
-                <a16:creationId xmlns:a16="http://schemas.microsoft.com/office/drawing/2014/main" id="{7B4DE2E8-CCF6-4E88-A858-05A04CD0D736}"/>
+                <a16:creationId xmlns:a16="http://schemas.microsoft.com/office/drawing/2014/main" xmlns="" id="{7B4DE2E8-CCF6-4E88-A858-05A04CD0D736}"/>
               </a:ext>
             </a:extLst>
           </p:cNvPr>
@@ -2384,7 +2384,7 @@
           <p:cNvPr id="5" name="Date Placeholder 4">
             <a:extLst>
               <a:ext uri="{FF2B5EF4-FFF2-40B4-BE49-F238E27FC236}">
-                <a16:creationId xmlns:a16="http://schemas.microsoft.com/office/drawing/2014/main" id="{CAEBEC1E-DE48-4B55-A846-F8248E381145}"/>
+                <a16:creationId xmlns:a16="http://schemas.microsoft.com/office/drawing/2014/main" xmlns="" id="{CAEBEC1E-DE48-4B55-A846-F8248E381145}"/>
               </a:ext>
             </a:extLst>
           </p:cNvPr>
@@ -2402,7 +2402,7 @@
           <a:p>
             <a:fld id="{03EC4E3E-8101-482F-A883-8B55DAFF7C07}" type="datetimeFigureOut">
               <a:rPr lang="en-SG" smtClean="0"/>
-              <a:t>6/7/2018</a:t>
+              <a:t>31/3/2019</a:t>
             </a:fld>
             <a:endParaRPr lang="en-SG"/>
           </a:p>
@@ -2413,7 +2413,7 @@
           <p:cNvPr id="6" name="Footer Placeholder 5">
             <a:extLst>
               <a:ext uri="{FF2B5EF4-FFF2-40B4-BE49-F238E27FC236}">
-                <a16:creationId xmlns:a16="http://schemas.microsoft.com/office/drawing/2014/main" id="{945A6E8B-6BC2-49E9-B4E5-DAD3F7A1A1BF}"/>
+                <a16:creationId xmlns:a16="http://schemas.microsoft.com/office/drawing/2014/main" xmlns="" id="{945A6E8B-6BC2-49E9-B4E5-DAD3F7A1A1BF}"/>
               </a:ext>
             </a:extLst>
           </p:cNvPr>
@@ -2438,7 +2438,7 @@
           <p:cNvPr id="7" name="Slide Number Placeholder 6">
             <a:extLst>
               <a:ext uri="{FF2B5EF4-FFF2-40B4-BE49-F238E27FC236}">
-                <a16:creationId xmlns:a16="http://schemas.microsoft.com/office/drawing/2014/main" id="{E5CF739B-EDF0-43CE-A87E-C49F040C85A5}"/>
+                <a16:creationId xmlns:a16="http://schemas.microsoft.com/office/drawing/2014/main" xmlns="" id="{E5CF739B-EDF0-43CE-A87E-C49F040C85A5}"/>
               </a:ext>
             </a:extLst>
           </p:cNvPr>
@@ -2497,7 +2497,7 @@
           <p:cNvPr id="2" name="Title 1">
             <a:extLst>
               <a:ext uri="{FF2B5EF4-FFF2-40B4-BE49-F238E27FC236}">
-                <a16:creationId xmlns:a16="http://schemas.microsoft.com/office/drawing/2014/main" id="{0091F49F-E849-4834-84DB-61CF2F2652D4}"/>
+                <a16:creationId xmlns:a16="http://schemas.microsoft.com/office/drawing/2014/main" xmlns="" id="{0091F49F-E849-4834-84DB-61CF2F2652D4}"/>
               </a:ext>
             </a:extLst>
           </p:cNvPr>
@@ -2535,7 +2535,7 @@
           <p:cNvPr id="3" name="Picture Placeholder 2">
             <a:extLst>
               <a:ext uri="{FF2B5EF4-FFF2-40B4-BE49-F238E27FC236}">
-                <a16:creationId xmlns:a16="http://schemas.microsoft.com/office/drawing/2014/main" id="{631D62A9-3420-4F1C-9EB9-09EF85106E78}"/>
+                <a16:creationId xmlns:a16="http://schemas.microsoft.com/office/drawing/2014/main" xmlns="" id="{631D62A9-3420-4F1C-9EB9-09EF85106E78}"/>
               </a:ext>
             </a:extLst>
           </p:cNvPr>
@@ -2602,7 +2602,7 @@
           <p:cNvPr id="4" name="Text Placeholder 3">
             <a:extLst>
               <a:ext uri="{FF2B5EF4-FFF2-40B4-BE49-F238E27FC236}">
-                <a16:creationId xmlns:a16="http://schemas.microsoft.com/office/drawing/2014/main" id="{E450EC8D-D7F4-45FC-AD8C-2E198A32CCA2}"/>
+                <a16:creationId xmlns:a16="http://schemas.microsoft.com/office/drawing/2014/main" xmlns="" id="{E450EC8D-D7F4-45FC-AD8C-2E198A32CCA2}"/>
               </a:ext>
             </a:extLst>
           </p:cNvPr>
@@ -2673,7 +2673,7 @@
           <p:cNvPr id="5" name="Date Placeholder 4">
             <a:extLst>
               <a:ext uri="{FF2B5EF4-FFF2-40B4-BE49-F238E27FC236}">
-                <a16:creationId xmlns:a16="http://schemas.microsoft.com/office/drawing/2014/main" id="{7A73D668-ABF4-41FE-958C-542EEDC5F6CC}"/>
+                <a16:creationId xmlns:a16="http://schemas.microsoft.com/office/drawing/2014/main" xmlns="" id="{7A73D668-ABF4-41FE-958C-542EEDC5F6CC}"/>
               </a:ext>
             </a:extLst>
           </p:cNvPr>
@@ -2691,7 +2691,7 @@
           <a:p>
             <a:fld id="{03EC4E3E-8101-482F-A883-8B55DAFF7C07}" type="datetimeFigureOut">
               <a:rPr lang="en-SG" smtClean="0"/>
-              <a:t>6/7/2018</a:t>
+              <a:t>31/3/2019</a:t>
             </a:fld>
             <a:endParaRPr lang="en-SG"/>
           </a:p>
@@ -2702,7 +2702,7 @@
           <p:cNvPr id="6" name="Footer Placeholder 5">
             <a:extLst>
               <a:ext uri="{FF2B5EF4-FFF2-40B4-BE49-F238E27FC236}">
-                <a16:creationId xmlns:a16="http://schemas.microsoft.com/office/drawing/2014/main" id="{F4A83B1C-93E7-4D32-9D1B-3F37403B1ACD}"/>
+                <a16:creationId xmlns:a16="http://schemas.microsoft.com/office/drawing/2014/main" xmlns="" id="{F4A83B1C-93E7-4D32-9D1B-3F37403B1ACD}"/>
               </a:ext>
             </a:extLst>
           </p:cNvPr>
@@ -2727,7 +2727,7 @@
           <p:cNvPr id="7" name="Slide Number Placeholder 6">
             <a:extLst>
               <a:ext uri="{FF2B5EF4-FFF2-40B4-BE49-F238E27FC236}">
-                <a16:creationId xmlns:a16="http://schemas.microsoft.com/office/drawing/2014/main" id="{C6AF73BE-F17B-487B-943B-28655BB51C92}"/>
+                <a16:creationId xmlns:a16="http://schemas.microsoft.com/office/drawing/2014/main" xmlns="" id="{C6AF73BE-F17B-487B-943B-28655BB51C92}"/>
               </a:ext>
             </a:extLst>
           </p:cNvPr>
@@ -2791,7 +2791,7 @@
           <p:cNvPr id="2" name="Title Placeholder 1">
             <a:extLst>
               <a:ext uri="{FF2B5EF4-FFF2-40B4-BE49-F238E27FC236}">
-                <a16:creationId xmlns:a16="http://schemas.microsoft.com/office/drawing/2014/main" id="{96F7127E-5F47-4B37-9FDB-695AB14D9551}"/>
+                <a16:creationId xmlns:a16="http://schemas.microsoft.com/office/drawing/2014/main" xmlns="" id="{96F7127E-5F47-4B37-9FDB-695AB14D9551}"/>
               </a:ext>
             </a:extLst>
           </p:cNvPr>
@@ -2830,7 +2830,7 @@
           <p:cNvPr id="3" name="Text Placeholder 2">
             <a:extLst>
               <a:ext uri="{FF2B5EF4-FFF2-40B4-BE49-F238E27FC236}">
-                <a16:creationId xmlns:a16="http://schemas.microsoft.com/office/drawing/2014/main" id="{3BD20F0F-B303-4EE3-AF17-E303EA90B1A3}"/>
+                <a16:creationId xmlns:a16="http://schemas.microsoft.com/office/drawing/2014/main" xmlns="" id="{3BD20F0F-B303-4EE3-AF17-E303EA90B1A3}"/>
               </a:ext>
             </a:extLst>
           </p:cNvPr>
@@ -2898,7 +2898,7 @@
           <p:cNvPr id="4" name="Date Placeholder 3">
             <a:extLst>
               <a:ext uri="{FF2B5EF4-FFF2-40B4-BE49-F238E27FC236}">
-                <a16:creationId xmlns:a16="http://schemas.microsoft.com/office/drawing/2014/main" id="{7927ADFB-0C7F-4333-A456-815FAB4B0315}"/>
+                <a16:creationId xmlns:a16="http://schemas.microsoft.com/office/drawing/2014/main" xmlns="" id="{7927ADFB-0C7F-4333-A456-815FAB4B0315}"/>
               </a:ext>
             </a:extLst>
           </p:cNvPr>
@@ -2934,7 +2934,7 @@
           <a:p>
             <a:fld id="{03EC4E3E-8101-482F-A883-8B55DAFF7C07}" type="datetimeFigureOut">
               <a:rPr lang="en-SG" smtClean="0"/>
-              <a:t>6/7/2018</a:t>
+              <a:t>31/3/2019</a:t>
             </a:fld>
             <a:endParaRPr lang="en-SG"/>
           </a:p>
@@ -2945,7 +2945,7 @@
           <p:cNvPr id="5" name="Footer Placeholder 4">
             <a:extLst>
               <a:ext uri="{FF2B5EF4-FFF2-40B4-BE49-F238E27FC236}">
-                <a16:creationId xmlns:a16="http://schemas.microsoft.com/office/drawing/2014/main" id="{A1992B28-8397-4C93-A277-5EE43A537825}"/>
+                <a16:creationId xmlns:a16="http://schemas.microsoft.com/office/drawing/2014/main" xmlns="" id="{A1992B28-8397-4C93-A277-5EE43A537825}"/>
               </a:ext>
             </a:extLst>
           </p:cNvPr>
@@ -2988,7 +2988,7 @@
           <p:cNvPr id="6" name="Slide Number Placeholder 5">
             <a:extLst>
               <a:ext uri="{FF2B5EF4-FFF2-40B4-BE49-F238E27FC236}">
-                <a16:creationId xmlns:a16="http://schemas.microsoft.com/office/drawing/2014/main" id="{D7231209-A74B-4134-87D0-421AB81BBB47}"/>
+                <a16:creationId xmlns:a16="http://schemas.microsoft.com/office/drawing/2014/main" xmlns="" id="{D7231209-A74B-4134-87D0-421AB81BBB47}"/>
               </a:ext>
             </a:extLst>
           </p:cNvPr>
@@ -3356,7 +3356,7 @@
           <p:cNvPr id="45" name="TextBox 44">
             <a:extLst>
               <a:ext uri="{FF2B5EF4-FFF2-40B4-BE49-F238E27FC236}">
-                <a16:creationId xmlns:a16="http://schemas.microsoft.com/office/drawing/2014/main" id="{3151A13B-9509-43FA-BFEB-1D9866A00B84}"/>
+                <a16:creationId xmlns:a16="http://schemas.microsoft.com/office/drawing/2014/main" xmlns="" id="{3151A13B-9509-43FA-BFEB-1D9866A00B84}"/>
               </a:ext>
             </a:extLst>
           </p:cNvPr>
@@ -3400,7 +3400,7 @@
           <p:cNvPr id="13" name="Table 12">
             <a:extLst>
               <a:ext uri="{FF2B5EF4-FFF2-40B4-BE49-F238E27FC236}">
-                <a16:creationId xmlns:a16="http://schemas.microsoft.com/office/drawing/2014/main" id="{F545FAB8-F1CE-4886-9BDE-E772BCB0A9C4}"/>
+                <a16:creationId xmlns:a16="http://schemas.microsoft.com/office/drawing/2014/main" xmlns="" id="{F545FAB8-F1CE-4886-9BDE-E772BCB0A9C4}"/>
               </a:ext>
             </a:extLst>
           </p:cNvPr>
@@ -3410,7 +3410,7 @@
           <p:nvPr>
             <p:extLst>
               <p:ext uri="{D42A27DB-BD31-4B8C-83A1-F6EECF244321}">
-                <p14:modId xmlns:p14="http://schemas.microsoft.com/office/powerpoint/2010/main" val="770650361"/>
+                <p14:modId xmlns:p14="http://schemas.microsoft.com/office/powerpoint/2010/main" val="3489095245"/>
               </p:ext>
             </p:extLst>
           </p:nvPr>
@@ -3429,7 +3429,7 @@
                 <a:gridCol w="1833356">
                   <a:extLst>
                     <a:ext uri="{9D8B030D-6E8A-4147-A177-3AD203B41FA5}">
-                      <a16:colId xmlns:a16="http://schemas.microsoft.com/office/drawing/2014/main" val="4240773277"/>
+                      <a16:colId xmlns:a16="http://schemas.microsoft.com/office/drawing/2014/main" xmlns="" val="4240773277"/>
                     </a:ext>
                   </a:extLst>
                 </a:gridCol>
@@ -3441,12 +3441,12 @@
                     <a:lstStyle/>
                     <a:p>
                       <a:r>
-                        <a:rPr lang="en-SG" u="sng" dirty="0"/>
-                        <a:t>ab0:</a:t>
+                        <a:rPr lang="en-SG" u="sng" dirty="0" smtClean="0"/>
+                        <a:t>td0:</a:t>
                       </a:r>
                       <a:r>
-                        <a:rPr lang="en-SG" sz="1800" u="sng" dirty="0"/>
-                        <a:t>AddressBook</a:t>
+                        <a:rPr lang="en-SG" sz="1800" u="sng" dirty="0" smtClean="0"/>
+                        <a:t>TopDeck</a:t>
                       </a:r>
                       <a:endParaRPr lang="en-SG" sz="1600" u="sng" dirty="0"/>
                     </a:p>
@@ -3455,7 +3455,7 @@
                 </a:tc>
                 <a:extLst>
                   <a:ext uri="{0D108BD9-81ED-4DB2-BD59-A6C34878D82A}">
-                    <a16:rowId xmlns:a16="http://schemas.microsoft.com/office/drawing/2014/main" val="2194462629"/>
+                    <a16:rowId xmlns:a16="http://schemas.microsoft.com/office/drawing/2014/main" xmlns="" val="2194462629"/>
                   </a:ext>
                 </a:extLst>
               </a:tr>
@@ -3471,7 +3471,7 @@
         </p:nvSpPr>
         <p:spPr>
           <a:xfrm>
-            <a:off x="4397701" y="2244365"/>
+            <a:off x="3707419" y="2244364"/>
             <a:ext cx="1672046" cy="1402081"/>
           </a:xfrm>
           <a:prstGeom prst="downArrow">
@@ -3558,7 +3558,7 @@
           <p:cNvPr id="19" name="TextBox 18">
             <a:extLst>
               <a:ext uri="{FF2B5EF4-FFF2-40B4-BE49-F238E27FC236}">
-                <a16:creationId xmlns:a16="http://schemas.microsoft.com/office/drawing/2014/main" id="{3151A13B-9509-43FA-BFEB-1D9866A00B84}"/>
+                <a16:creationId xmlns:a16="http://schemas.microsoft.com/office/drawing/2014/main" xmlns="" id="{3151A13B-9509-43FA-BFEB-1D9866A00B84}"/>
               </a:ext>
             </a:extLst>
           </p:cNvPr>
@@ -3567,7 +3567,7 @@
         </p:nvSpPr>
         <p:spPr>
           <a:xfrm>
-            <a:off x="1967014" y="5245581"/>
+            <a:off x="1453958" y="5245581"/>
             <a:ext cx="3207000" cy="369332"/>
           </a:xfrm>
           <a:prstGeom prst="rect">
@@ -3648,7 +3648,7 @@
           <p:cNvPr id="12" name="Table 11">
             <a:extLst>
               <a:ext uri="{FF2B5EF4-FFF2-40B4-BE49-F238E27FC236}">
-                <a16:creationId xmlns:a16="http://schemas.microsoft.com/office/drawing/2014/main" id="{F545FAB8-F1CE-4886-9BDE-E772BCB0A9C4}"/>
+                <a16:creationId xmlns:a16="http://schemas.microsoft.com/office/drawing/2014/main" xmlns="" id="{F545FAB8-F1CE-4886-9BDE-E772BCB0A9C4}"/>
               </a:ext>
             </a:extLst>
           </p:cNvPr>
@@ -3658,14 +3658,14 @@
           <p:nvPr>
             <p:extLst>
               <p:ext uri="{D42A27DB-BD31-4B8C-83A1-F6EECF244321}">
-                <p14:modId xmlns:p14="http://schemas.microsoft.com/office/powerpoint/2010/main" val="2370624015"/>
+                <p14:modId xmlns:p14="http://schemas.microsoft.com/office/powerpoint/2010/main" val="1530152179"/>
               </p:ext>
             </p:extLst>
           </p:nvPr>
         </p:nvGraphicFramePr>
         <p:xfrm>
-          <a:off x="2448268" y="3926065"/>
-          <a:ext cx="1833356" cy="410363"/>
+          <a:off x="2017961" y="3930351"/>
+          <a:ext cx="1433450" cy="410363"/>
         </p:xfrm>
         <a:graphic>
           <a:graphicData uri="http://schemas.openxmlformats.org/drawingml/2006/table">
@@ -3674,10 +3674,10 @@
                 <a:tableStyleId>{638B1855-1B75-4FBE-930C-398BA8C253C6}</a:tableStyleId>
               </a:tblPr>
               <a:tblGrid>
-                <a:gridCol w="1833356">
+                <a:gridCol w="1433450">
                   <a:extLst>
                     <a:ext uri="{9D8B030D-6E8A-4147-A177-3AD203B41FA5}">
-                      <a16:colId xmlns:a16="http://schemas.microsoft.com/office/drawing/2014/main" val="4240773277"/>
+                      <a16:colId xmlns:a16="http://schemas.microsoft.com/office/drawing/2014/main" xmlns="" val="4240773277"/>
                     </a:ext>
                   </a:extLst>
                 </a:gridCol>
@@ -3689,12 +3689,8 @@
                     <a:lstStyle/>
                     <a:p>
                       <a:r>
-                        <a:rPr lang="en-SG" u="sng" dirty="0"/>
-                        <a:t>ab1:</a:t>
-                      </a:r>
-                      <a:r>
-                        <a:rPr lang="en-SG" sz="1800" u="sng" dirty="0"/>
-                        <a:t>AddressBook</a:t>
+                        <a:rPr lang="en-SG" u="sng" dirty="0" smtClean="0"/>
+                        <a:t>td1:TopDeck</a:t>
                       </a:r>
                       <a:endParaRPr lang="en-SG" sz="1600" u="sng" dirty="0"/>
                     </a:p>
@@ -3703,7 +3699,7 @@
                 </a:tc>
                 <a:extLst>
                   <a:ext uri="{0D108BD9-81ED-4DB2-BD59-A6C34878D82A}">
-                    <a16:rowId xmlns:a16="http://schemas.microsoft.com/office/drawing/2014/main" val="2194462629"/>
+                    <a16:rowId xmlns:a16="http://schemas.microsoft.com/office/drawing/2014/main" xmlns="" val="2194462629"/>
                   </a:ext>
                 </a:extLst>
               </a:tr>
@@ -3716,7 +3712,7 @@
           <p:cNvPr id="15" name="Table 14">
             <a:extLst>
               <a:ext uri="{FF2B5EF4-FFF2-40B4-BE49-F238E27FC236}">
-                <a16:creationId xmlns:a16="http://schemas.microsoft.com/office/drawing/2014/main" id="{F545FAB8-F1CE-4886-9BDE-E772BCB0A9C4}"/>
+                <a16:creationId xmlns:a16="http://schemas.microsoft.com/office/drawing/2014/main" xmlns="" id="{F545FAB8-F1CE-4886-9BDE-E772BCB0A9C4}"/>
               </a:ext>
             </a:extLst>
           </p:cNvPr>
@@ -3726,14 +3722,14 @@
           <p:nvPr>
             <p:extLst>
               <p:ext uri="{D42A27DB-BD31-4B8C-83A1-F6EECF244321}">
-                <p14:modId xmlns:p14="http://schemas.microsoft.com/office/powerpoint/2010/main" val="2523374166"/>
+                <p14:modId xmlns:p14="http://schemas.microsoft.com/office/powerpoint/2010/main" val="1060294524"/>
               </p:ext>
             </p:extLst>
           </p:nvPr>
         </p:nvGraphicFramePr>
         <p:xfrm>
           <a:off x="473240" y="3918002"/>
-          <a:ext cx="1833356" cy="410363"/>
+          <a:ext cx="1382454" cy="410363"/>
         </p:xfrm>
         <a:graphic>
           <a:graphicData uri="http://schemas.openxmlformats.org/drawingml/2006/table">
@@ -3742,10 +3738,10 @@
                 <a:tableStyleId>{638B1855-1B75-4FBE-930C-398BA8C253C6}</a:tableStyleId>
               </a:tblPr>
               <a:tblGrid>
-                <a:gridCol w="1833356">
+                <a:gridCol w="1382454">
                   <a:extLst>
                     <a:ext uri="{9D8B030D-6E8A-4147-A177-3AD203B41FA5}">
-                      <a16:colId xmlns:a16="http://schemas.microsoft.com/office/drawing/2014/main" val="4240773277"/>
+                      <a16:colId xmlns:a16="http://schemas.microsoft.com/office/drawing/2014/main" xmlns="" val="4240773277"/>
                     </a:ext>
                   </a:extLst>
                 </a:gridCol>
@@ -3757,12 +3753,12 @@
                     <a:lstStyle/>
                     <a:p>
                       <a:r>
-                        <a:rPr lang="en-SG" u="sng" dirty="0"/>
-                        <a:t>ab0:</a:t>
+                        <a:rPr lang="en-SG" u="sng" dirty="0" smtClean="0"/>
+                        <a:t>td0:</a:t>
                       </a:r>
                       <a:r>
-                        <a:rPr lang="en-SG" sz="1800" u="sng" dirty="0"/>
-                        <a:t>AddressBook</a:t>
+                        <a:rPr lang="en-SG" sz="1800" u="sng" dirty="0" smtClean="0"/>
+                        <a:t>TopDeck</a:t>
                       </a:r>
                       <a:endParaRPr lang="en-SG" sz="1600" u="sng" dirty="0"/>
                     </a:p>
@@ -3771,7 +3767,7 @@
                 </a:tc>
                 <a:extLst>
                   <a:ext uri="{0D108BD9-81ED-4DB2-BD59-A6C34878D82A}">
-                    <a16:rowId xmlns:a16="http://schemas.microsoft.com/office/drawing/2014/main" val="2194462629"/>
+                    <a16:rowId xmlns:a16="http://schemas.microsoft.com/office/drawing/2014/main" xmlns="" val="2194462629"/>
                   </a:ext>
                 </a:extLst>
               </a:tr>
@@ -3784,7 +3780,7 @@
           <p:cNvPr id="14" name="Straight Arrow Connector 13">
             <a:extLst>
               <a:ext uri="{FF2B5EF4-FFF2-40B4-BE49-F238E27FC236}">
-                <a16:creationId xmlns:a16="http://schemas.microsoft.com/office/drawing/2014/main" id="{4E562EDA-12B3-44FD-8B44-BCF3C4356EB8}"/>
+                <a16:creationId xmlns:a16="http://schemas.microsoft.com/office/drawing/2014/main" xmlns="" id="{4E562EDA-12B3-44FD-8B44-BCF3C4356EB8}"/>
               </a:ext>
             </a:extLst>
           </p:cNvPr>
@@ -3828,7 +3824,7 @@
           <p:cNvPr id="16" name="Straight Arrow Connector 15">
             <a:extLst>
               <a:ext uri="{FF2B5EF4-FFF2-40B4-BE49-F238E27FC236}">
-                <a16:creationId xmlns:a16="http://schemas.microsoft.com/office/drawing/2014/main" id="{0C07500F-40C6-444B-B521-89577F312910}"/>
+                <a16:creationId xmlns:a16="http://schemas.microsoft.com/office/drawing/2014/main" xmlns="" id="{0C07500F-40C6-444B-B521-89577F312910}"/>
               </a:ext>
             </a:extLst>
           </p:cNvPr>
@@ -3839,7 +3835,7 @@
         </p:nvCxnSpPr>
         <p:spPr>
           <a:xfrm flipV="1">
-            <a:off x="3389152" y="4538708"/>
+            <a:off x="2922988" y="4538708"/>
             <a:ext cx="0" cy="706873"/>
           </a:xfrm>
           <a:prstGeom prst="straightConnector1">
@@ -4169,7 +4165,7 @@
   <a:extraClrSchemeLst/>
   <a:extLst>
     <a:ext uri="{05A4C25C-085E-4340-85A3-A5531E510DB2}">
-      <thm15:themeFamily xmlns:thm15="http://schemas.microsoft.com/office/thememl/2012/main" name="Office Theme" id="{62F939B6-93AF-4DB8-9C6B-D6C7DFDC589F}" vid="{4A3C46E8-61CC-4603-A589-7422A47A8E4A}"/>
+      <thm15:themeFamily xmlns:thm15="http://schemas.microsoft.com/office/thememl/2012/main" xmlns="" name="Office Theme" id="{62F939B6-93AF-4DB8-9C6B-D6C7DFDC589F}" vid="{4A3C46E8-61CC-4603-A589-7422A47A8E4A}"/>
     </a:ext>
   </a:extLst>
 </a:theme>

--- a/docs/diagrams/UndoRedoNewCommand1StateListDiagram.pptx
+++ b/docs/diagrams/UndoRedoNewCommand1StateListDiagram.pptx
@@ -112,10 +112,6 @@
 </p:presentation>
 </file>
 
-<file path=ppt/revisionInfo.xml><?xml version="1.0" encoding="utf-8"?>
-<p1510:revInfo xmlns:a="http://schemas.openxmlformats.org/drawingml/2006/main" xmlns:r="http://schemas.openxmlformats.org/officeDocument/2006/relationships" xmlns:p1510="http://schemas.microsoft.com/office/powerpoint/2015/10/main"/>
-</file>
-
 <file path=ppt/slideLayouts/slideLayout1.xml><?xml version="1.0" encoding="utf-8"?>
 <p:sldLayout xmlns:a="http://schemas.openxmlformats.org/drawingml/2006/main" xmlns:r="http://schemas.openxmlformats.org/officeDocument/2006/relationships" xmlns:p="http://schemas.openxmlformats.org/presentationml/2006/main" type="title" preserve="1">
   <p:cSld name="Title Slide">
@@ -265,7 +261,7 @@
           <a:p>
             <a:fld id="{03EC4E3E-8101-482F-A883-8B55DAFF7C07}" type="datetimeFigureOut">
               <a:rPr lang="en-SG" smtClean="0"/>
-              <a:t>6/7/2018</a:t>
+              <a:t>1/4/2019</a:t>
             </a:fld>
             <a:endParaRPr lang="en-SG"/>
           </a:p>
@@ -465,7 +461,7 @@
           <a:p>
             <a:fld id="{03EC4E3E-8101-482F-A883-8B55DAFF7C07}" type="datetimeFigureOut">
               <a:rPr lang="en-SG" smtClean="0"/>
-              <a:t>6/7/2018</a:t>
+              <a:t>1/4/2019</a:t>
             </a:fld>
             <a:endParaRPr lang="en-SG"/>
           </a:p>
@@ -675,7 +671,7 @@
           <a:p>
             <a:fld id="{03EC4E3E-8101-482F-A883-8B55DAFF7C07}" type="datetimeFigureOut">
               <a:rPr lang="en-SG" smtClean="0"/>
-              <a:t>6/7/2018</a:t>
+              <a:t>1/4/2019</a:t>
             </a:fld>
             <a:endParaRPr lang="en-SG"/>
           </a:p>
@@ -875,7 +871,7 @@
           <a:p>
             <a:fld id="{03EC4E3E-8101-482F-A883-8B55DAFF7C07}" type="datetimeFigureOut">
               <a:rPr lang="en-SG" smtClean="0"/>
-              <a:t>6/7/2018</a:t>
+              <a:t>1/4/2019</a:t>
             </a:fld>
             <a:endParaRPr lang="en-SG"/>
           </a:p>
@@ -1151,7 +1147,7 @@
           <a:p>
             <a:fld id="{03EC4E3E-8101-482F-A883-8B55DAFF7C07}" type="datetimeFigureOut">
               <a:rPr lang="en-SG" smtClean="0"/>
-              <a:t>6/7/2018</a:t>
+              <a:t>1/4/2019</a:t>
             </a:fld>
             <a:endParaRPr lang="en-SG"/>
           </a:p>
@@ -1419,7 +1415,7 @@
           <a:p>
             <a:fld id="{03EC4E3E-8101-482F-A883-8B55DAFF7C07}" type="datetimeFigureOut">
               <a:rPr lang="en-SG" smtClean="0"/>
-              <a:t>6/7/2018</a:t>
+              <a:t>1/4/2019</a:t>
             </a:fld>
             <a:endParaRPr lang="en-SG"/>
           </a:p>
@@ -1834,7 +1830,7 @@
           <a:p>
             <a:fld id="{03EC4E3E-8101-482F-A883-8B55DAFF7C07}" type="datetimeFigureOut">
               <a:rPr lang="en-SG" smtClean="0"/>
-              <a:t>6/7/2018</a:t>
+              <a:t>1/4/2019</a:t>
             </a:fld>
             <a:endParaRPr lang="en-SG"/>
           </a:p>
@@ -1976,7 +1972,7 @@
           <a:p>
             <a:fld id="{03EC4E3E-8101-482F-A883-8B55DAFF7C07}" type="datetimeFigureOut">
               <a:rPr lang="en-SG" smtClean="0"/>
-              <a:t>6/7/2018</a:t>
+              <a:t>1/4/2019</a:t>
             </a:fld>
             <a:endParaRPr lang="en-SG"/>
           </a:p>
@@ -2089,7 +2085,7 @@
           <a:p>
             <a:fld id="{03EC4E3E-8101-482F-A883-8B55DAFF7C07}" type="datetimeFigureOut">
               <a:rPr lang="en-SG" smtClean="0"/>
-              <a:t>6/7/2018</a:t>
+              <a:t>1/4/2019</a:t>
             </a:fld>
             <a:endParaRPr lang="en-SG"/>
           </a:p>
@@ -2402,7 +2398,7 @@
           <a:p>
             <a:fld id="{03EC4E3E-8101-482F-A883-8B55DAFF7C07}" type="datetimeFigureOut">
               <a:rPr lang="en-SG" smtClean="0"/>
-              <a:t>6/7/2018</a:t>
+              <a:t>1/4/2019</a:t>
             </a:fld>
             <a:endParaRPr lang="en-SG"/>
           </a:p>
@@ -2691,7 +2687,7 @@
           <a:p>
             <a:fld id="{03EC4E3E-8101-482F-A883-8B55DAFF7C07}" type="datetimeFigureOut">
               <a:rPr lang="en-SG" smtClean="0"/>
-              <a:t>6/7/2018</a:t>
+              <a:t>1/4/2019</a:t>
             </a:fld>
             <a:endParaRPr lang="en-SG"/>
           </a:p>
@@ -2934,7 +2930,7 @@
           <a:p>
             <a:fld id="{03EC4E3E-8101-482F-A883-8B55DAFF7C07}" type="datetimeFigureOut">
               <a:rPr lang="en-SG" smtClean="0"/>
-              <a:t>6/7/2018</a:t>
+              <a:t>1/4/2019</a:t>
             </a:fld>
             <a:endParaRPr lang="en-SG"/>
           </a:p>
@@ -3410,14 +3406,14 @@
           <p:nvPr>
             <p:extLst>
               <p:ext uri="{D42A27DB-BD31-4B8C-83A1-F6EECF244321}">
-                <p14:modId xmlns:p14="http://schemas.microsoft.com/office/powerpoint/2010/main" val="770650361"/>
+                <p14:modId xmlns:p14="http://schemas.microsoft.com/office/powerpoint/2010/main" val="1163204641"/>
               </p:ext>
             </p:extLst>
           </p:nvPr>
         </p:nvGraphicFramePr>
         <p:xfrm>
           <a:off x="473240" y="1476102"/>
-          <a:ext cx="1833356" cy="410363"/>
+          <a:ext cx="1975028" cy="410363"/>
         </p:xfrm>
         <a:graphic>
           <a:graphicData uri="http://schemas.openxmlformats.org/drawingml/2006/table">
@@ -3426,7 +3422,7 @@
                 <a:tableStyleId>{638B1855-1B75-4FBE-930C-398BA8C253C6}</a:tableStyleId>
               </a:tblPr>
               <a:tblGrid>
-                <a:gridCol w="1833356">
+                <a:gridCol w="1975028">
                   <a:extLst>
                     <a:ext uri="{9D8B030D-6E8A-4147-A177-3AD203B41FA5}">
                       <a16:colId xmlns:a16="http://schemas.microsoft.com/office/drawing/2014/main" val="4240773277"/>
@@ -3442,11 +3438,11 @@
                     <a:p>
                       <a:r>
                         <a:rPr lang="en-SG" u="sng" dirty="0"/>
-                        <a:t>ab0:</a:t>
+                        <a:t>ft0:</a:t>
                       </a:r>
                       <a:r>
                         <a:rPr lang="en-SG" sz="1800" u="sng" dirty="0"/>
-                        <a:t>AddressBook</a:t>
+                        <a:t>FinanceTracker</a:t>
                       </a:r>
                       <a:endParaRPr lang="en-SG" sz="1600" u="sng" dirty="0"/>
                     </a:p>
@@ -3658,14 +3654,14 @@
           <p:nvPr>
             <p:extLst>
               <p:ext uri="{D42A27DB-BD31-4B8C-83A1-F6EECF244321}">
-                <p14:modId xmlns:p14="http://schemas.microsoft.com/office/powerpoint/2010/main" val="2370624015"/>
+                <p14:modId xmlns:p14="http://schemas.microsoft.com/office/powerpoint/2010/main" val="1240117573"/>
               </p:ext>
             </p:extLst>
           </p:nvPr>
         </p:nvGraphicFramePr>
         <p:xfrm>
-          <a:off x="2448268" y="3926065"/>
-          <a:ext cx="1833356" cy="410363"/>
+          <a:off x="2564345" y="3926982"/>
+          <a:ext cx="1975026" cy="410363"/>
         </p:xfrm>
         <a:graphic>
           <a:graphicData uri="http://schemas.openxmlformats.org/drawingml/2006/table">
@@ -3674,7 +3670,7 @@
                 <a:tableStyleId>{638B1855-1B75-4FBE-930C-398BA8C253C6}</a:tableStyleId>
               </a:tblPr>
               <a:tblGrid>
-                <a:gridCol w="1833356">
+                <a:gridCol w="1975026">
                   <a:extLst>
                     <a:ext uri="{9D8B030D-6E8A-4147-A177-3AD203B41FA5}">
                       <a16:colId xmlns:a16="http://schemas.microsoft.com/office/drawing/2014/main" val="4240773277"/>
@@ -3690,11 +3686,11 @@
                     <a:p>
                       <a:r>
                         <a:rPr lang="en-SG" u="sng" dirty="0"/>
-                        <a:t>ab1:</a:t>
+                        <a:t>ft1:</a:t>
                       </a:r>
                       <a:r>
                         <a:rPr lang="en-SG" sz="1800" u="sng" dirty="0"/>
-                        <a:t>AddressBook</a:t>
+                        <a:t>FinanceTracker</a:t>
                       </a:r>
                       <a:endParaRPr lang="en-SG" sz="1600" u="sng" dirty="0"/>
                     </a:p>
@@ -3726,14 +3722,14 @@
           <p:nvPr>
             <p:extLst>
               <p:ext uri="{D42A27DB-BD31-4B8C-83A1-F6EECF244321}">
-                <p14:modId xmlns:p14="http://schemas.microsoft.com/office/powerpoint/2010/main" val="2523374166"/>
+                <p14:modId xmlns:p14="http://schemas.microsoft.com/office/powerpoint/2010/main" val="478448141"/>
               </p:ext>
             </p:extLst>
           </p:nvPr>
         </p:nvGraphicFramePr>
         <p:xfrm>
-          <a:off x="473240" y="3918002"/>
-          <a:ext cx="1833356" cy="410363"/>
+          <a:off x="473239" y="3918002"/>
+          <a:ext cx="1975027" cy="410363"/>
         </p:xfrm>
         <a:graphic>
           <a:graphicData uri="http://schemas.openxmlformats.org/drawingml/2006/table">
@@ -3742,7 +3738,7 @@
                 <a:tableStyleId>{638B1855-1B75-4FBE-930C-398BA8C253C6}</a:tableStyleId>
               </a:tblPr>
               <a:tblGrid>
-                <a:gridCol w="1833356">
+                <a:gridCol w="1975027">
                   <a:extLst>
                     <a:ext uri="{9D8B030D-6E8A-4147-A177-3AD203B41FA5}">
                       <a16:colId xmlns:a16="http://schemas.microsoft.com/office/drawing/2014/main" val="4240773277"/>
@@ -3758,11 +3754,11 @@
                     <a:p>
                       <a:r>
                         <a:rPr lang="en-SG" u="sng" dirty="0"/>
-                        <a:t>ab0:</a:t>
+                        <a:t>ft0:</a:t>
                       </a:r>
                       <a:r>
                         <a:rPr lang="en-SG" sz="1800" u="sng" dirty="0"/>
-                        <a:t>AddressBook</a:t>
+                        <a:t>FinanceTracker</a:t>
                       </a:r>
                       <a:endParaRPr lang="en-SG" sz="1600" u="sng" dirty="0"/>
                     </a:p>

--- a/docs/diagrams/UndoRedoNewCommand1StateListDiagram.pptx
+++ b/docs/diagrams/UndoRedoNewCommand1StateListDiagram.pptx
@@ -106,14 +106,21 @@
   </p:defaultTextStyle>
   <p:extLst>
     <p:ext uri="{EFAFB233-063F-42B5-8137-9DF3F51BA10A}">
-      <p15:sldGuideLst xmlns:p15="http://schemas.microsoft.com/office/powerpoint/2012/main" xmlns=""/>
+      <p15:sldGuideLst xmlns:p15="http://schemas.microsoft.com/office/powerpoint/2012/main">
+        <p15:guide id="1" orient="horz" pos="2160">
+          <p15:clr>
+            <a:srgbClr val="A4A3A4"/>
+          </p15:clr>
+        </p15:guide>
+        <p15:guide id="2" pos="3840">
+          <p15:clr>
+            <a:srgbClr val="A4A3A4"/>
+          </p15:clr>
+        </p15:guide>
+      </p15:sldGuideLst>
     </p:ext>
   </p:extLst>
 </p:presentation>
-</file>
-
-<file path=ppt/revisionInfo.xml><?xml version="1.0" encoding="utf-8"?>
-<p1510:revInfo xmlns:a="http://schemas.openxmlformats.org/drawingml/2006/main" xmlns:r="http://schemas.openxmlformats.org/officeDocument/2006/relationships" xmlns:p1510="http://schemas.microsoft.com/office/powerpoint/2015/10/main"/>
 </file>
 
 <file path=ppt/slideLayouts/slideLayout1.xml><?xml version="1.0" encoding="utf-8"?>
@@ -138,7 +145,7 @@
           <p:cNvPr id="2" name="Title 1">
             <a:extLst>
               <a:ext uri="{FF2B5EF4-FFF2-40B4-BE49-F238E27FC236}">
-                <a16:creationId xmlns:a16="http://schemas.microsoft.com/office/drawing/2014/main" xmlns="" id="{39FCC519-EE2E-4054-A653-93D611E0133E}"/>
+                <a16:creationId xmlns:a16="http://schemas.microsoft.com/office/drawing/2014/main" id="{39FCC519-EE2E-4054-A653-93D611E0133E}"/>
               </a:ext>
             </a:extLst>
           </p:cNvPr>
@@ -176,7 +183,7 @@
           <p:cNvPr id="3" name="Subtitle 2">
             <a:extLst>
               <a:ext uri="{FF2B5EF4-FFF2-40B4-BE49-F238E27FC236}">
-                <a16:creationId xmlns:a16="http://schemas.microsoft.com/office/drawing/2014/main" xmlns="" id="{3EDEA74E-4030-4F69-A055-4C6319EEEC29}"/>
+                <a16:creationId xmlns:a16="http://schemas.microsoft.com/office/drawing/2014/main" id="{3EDEA74E-4030-4F69-A055-4C6319EEEC29}"/>
               </a:ext>
             </a:extLst>
           </p:cNvPr>
@@ -247,7 +254,7 @@
           <p:cNvPr id="4" name="Date Placeholder 3">
             <a:extLst>
               <a:ext uri="{FF2B5EF4-FFF2-40B4-BE49-F238E27FC236}">
-                <a16:creationId xmlns:a16="http://schemas.microsoft.com/office/drawing/2014/main" xmlns="" id="{E5CC99E3-37A6-4485-B9A2-AF27A72608C6}"/>
+                <a16:creationId xmlns:a16="http://schemas.microsoft.com/office/drawing/2014/main" id="{E5CC99E3-37A6-4485-B9A2-AF27A72608C6}"/>
               </a:ext>
             </a:extLst>
           </p:cNvPr>
@@ -266,7 +273,7 @@
             <a:fld id="{03EC4E3E-8101-482F-A883-8B55DAFF7C07}" type="datetimeFigureOut">
               <a:rPr lang="en-SG" smtClean="0"/>
               <a:pPr/>
-              <a:t>31/3/2019</a:t>
+              <a:t>2/4/2019</a:t>
             </a:fld>
             <a:endParaRPr lang="en-SG"/>
           </a:p>
@@ -277,7 +284,7 @@
           <p:cNvPr id="5" name="Footer Placeholder 4">
             <a:extLst>
               <a:ext uri="{FF2B5EF4-FFF2-40B4-BE49-F238E27FC236}">
-                <a16:creationId xmlns:a16="http://schemas.microsoft.com/office/drawing/2014/main" xmlns="" id="{D75BD546-D949-4A25-8EA4-47DF23229409}"/>
+                <a16:creationId xmlns:a16="http://schemas.microsoft.com/office/drawing/2014/main" id="{D75BD546-D949-4A25-8EA4-47DF23229409}"/>
               </a:ext>
             </a:extLst>
           </p:cNvPr>
@@ -302,7 +309,7 @@
           <p:cNvPr id="6" name="Slide Number Placeholder 5">
             <a:extLst>
               <a:ext uri="{FF2B5EF4-FFF2-40B4-BE49-F238E27FC236}">
-                <a16:creationId xmlns:a16="http://schemas.microsoft.com/office/drawing/2014/main" xmlns="" id="{68147391-4DF6-4ACF-BCE9-C1A9DAC803E3}"/>
+                <a16:creationId xmlns:a16="http://schemas.microsoft.com/office/drawing/2014/main" id="{68147391-4DF6-4ACF-BCE9-C1A9DAC803E3}"/>
               </a:ext>
             </a:extLst>
           </p:cNvPr>
@@ -330,7 +337,7 @@
     </p:spTree>
     <p:extLst>
       <p:ext uri="{BB962C8B-B14F-4D97-AF65-F5344CB8AC3E}">
-        <p14:creationId xmlns:p14="http://schemas.microsoft.com/office/powerpoint/2010/main" xmlns="" val="4227771393"/>
+        <p14:creationId xmlns:p14="http://schemas.microsoft.com/office/powerpoint/2010/main" val="4227771393"/>
       </p:ext>
     </p:extLst>
   </p:cSld>
@@ -362,7 +369,7 @@
           <p:cNvPr id="2" name="Title 1">
             <a:extLst>
               <a:ext uri="{FF2B5EF4-FFF2-40B4-BE49-F238E27FC236}">
-                <a16:creationId xmlns:a16="http://schemas.microsoft.com/office/drawing/2014/main" xmlns="" id="{251D3DFE-0C62-45F5-B1BF-FD1F194ED112}"/>
+                <a16:creationId xmlns:a16="http://schemas.microsoft.com/office/drawing/2014/main" id="{251D3DFE-0C62-45F5-B1BF-FD1F194ED112}"/>
               </a:ext>
             </a:extLst>
           </p:cNvPr>
@@ -391,7 +398,7 @@
           <p:cNvPr id="3" name="Vertical Text Placeholder 2">
             <a:extLst>
               <a:ext uri="{FF2B5EF4-FFF2-40B4-BE49-F238E27FC236}">
-                <a16:creationId xmlns:a16="http://schemas.microsoft.com/office/drawing/2014/main" xmlns="" id="{D2392762-3586-4B6D-A174-2D3ACF0A125B}"/>
+                <a16:creationId xmlns:a16="http://schemas.microsoft.com/office/drawing/2014/main" id="{D2392762-3586-4B6D-A174-2D3ACF0A125B}"/>
               </a:ext>
             </a:extLst>
           </p:cNvPr>
@@ -449,7 +456,7 @@
           <p:cNvPr id="4" name="Date Placeholder 3">
             <a:extLst>
               <a:ext uri="{FF2B5EF4-FFF2-40B4-BE49-F238E27FC236}">
-                <a16:creationId xmlns:a16="http://schemas.microsoft.com/office/drawing/2014/main" xmlns="" id="{73B232E7-84FB-4535-9FC1-1BEF8F17421F}"/>
+                <a16:creationId xmlns:a16="http://schemas.microsoft.com/office/drawing/2014/main" id="{73B232E7-84FB-4535-9FC1-1BEF8F17421F}"/>
               </a:ext>
             </a:extLst>
           </p:cNvPr>
@@ -468,7 +475,7 @@
             <a:fld id="{03EC4E3E-8101-482F-A883-8B55DAFF7C07}" type="datetimeFigureOut">
               <a:rPr lang="en-SG" smtClean="0"/>
               <a:pPr/>
-              <a:t>31/3/2019</a:t>
+              <a:t>2/4/2019</a:t>
             </a:fld>
             <a:endParaRPr lang="en-SG"/>
           </a:p>
@@ -479,7 +486,7 @@
           <p:cNvPr id="5" name="Footer Placeholder 4">
             <a:extLst>
               <a:ext uri="{FF2B5EF4-FFF2-40B4-BE49-F238E27FC236}">
-                <a16:creationId xmlns:a16="http://schemas.microsoft.com/office/drawing/2014/main" xmlns="" id="{76F796EF-04EF-401A-AC84-F7BDBC99DE80}"/>
+                <a16:creationId xmlns:a16="http://schemas.microsoft.com/office/drawing/2014/main" id="{76F796EF-04EF-401A-AC84-F7BDBC99DE80}"/>
               </a:ext>
             </a:extLst>
           </p:cNvPr>
@@ -504,7 +511,7 @@
           <p:cNvPr id="6" name="Slide Number Placeholder 5">
             <a:extLst>
               <a:ext uri="{FF2B5EF4-FFF2-40B4-BE49-F238E27FC236}">
-                <a16:creationId xmlns:a16="http://schemas.microsoft.com/office/drawing/2014/main" xmlns="" id="{8F55F009-0A64-4649-A732-4AA6D619F1F3}"/>
+                <a16:creationId xmlns:a16="http://schemas.microsoft.com/office/drawing/2014/main" id="{8F55F009-0A64-4649-A732-4AA6D619F1F3}"/>
               </a:ext>
             </a:extLst>
           </p:cNvPr>
@@ -532,7 +539,7 @@
     </p:spTree>
     <p:extLst>
       <p:ext uri="{BB962C8B-B14F-4D97-AF65-F5344CB8AC3E}">
-        <p14:creationId xmlns:p14="http://schemas.microsoft.com/office/powerpoint/2010/main" xmlns="" val="2305198193"/>
+        <p14:creationId xmlns:p14="http://schemas.microsoft.com/office/powerpoint/2010/main" val="2305198193"/>
       </p:ext>
     </p:extLst>
   </p:cSld>
@@ -564,7 +571,7 @@
           <p:cNvPr id="2" name="Vertical Title 1">
             <a:extLst>
               <a:ext uri="{FF2B5EF4-FFF2-40B4-BE49-F238E27FC236}">
-                <a16:creationId xmlns:a16="http://schemas.microsoft.com/office/drawing/2014/main" xmlns="" id="{F7DE9595-D7A8-4E19-B4C6-E295F978F6A4}"/>
+                <a16:creationId xmlns:a16="http://schemas.microsoft.com/office/drawing/2014/main" id="{F7DE9595-D7A8-4E19-B4C6-E295F978F6A4}"/>
               </a:ext>
             </a:extLst>
           </p:cNvPr>
@@ -598,7 +605,7 @@
           <p:cNvPr id="3" name="Vertical Text Placeholder 2">
             <a:extLst>
               <a:ext uri="{FF2B5EF4-FFF2-40B4-BE49-F238E27FC236}">
-                <a16:creationId xmlns:a16="http://schemas.microsoft.com/office/drawing/2014/main" xmlns="" id="{0D2975B7-7A6D-40EA-B2F6-338022AD2BF1}"/>
+                <a16:creationId xmlns:a16="http://schemas.microsoft.com/office/drawing/2014/main" id="{0D2975B7-7A6D-40EA-B2F6-338022AD2BF1}"/>
               </a:ext>
             </a:extLst>
           </p:cNvPr>
@@ -661,7 +668,7 @@
           <p:cNvPr id="4" name="Date Placeholder 3">
             <a:extLst>
               <a:ext uri="{FF2B5EF4-FFF2-40B4-BE49-F238E27FC236}">
-                <a16:creationId xmlns:a16="http://schemas.microsoft.com/office/drawing/2014/main" xmlns="" id="{C8230AC3-1BED-4D2B-96D3-51C50E14A9E6}"/>
+                <a16:creationId xmlns:a16="http://schemas.microsoft.com/office/drawing/2014/main" id="{C8230AC3-1BED-4D2B-96D3-51C50E14A9E6}"/>
               </a:ext>
             </a:extLst>
           </p:cNvPr>
@@ -680,7 +687,7 @@
             <a:fld id="{03EC4E3E-8101-482F-A883-8B55DAFF7C07}" type="datetimeFigureOut">
               <a:rPr lang="en-SG" smtClean="0"/>
               <a:pPr/>
-              <a:t>31/3/2019</a:t>
+              <a:t>2/4/2019</a:t>
             </a:fld>
             <a:endParaRPr lang="en-SG"/>
           </a:p>
@@ -691,7 +698,7 @@
           <p:cNvPr id="5" name="Footer Placeholder 4">
             <a:extLst>
               <a:ext uri="{FF2B5EF4-FFF2-40B4-BE49-F238E27FC236}">
-                <a16:creationId xmlns:a16="http://schemas.microsoft.com/office/drawing/2014/main" xmlns="" id="{4AD6CA96-231A-43AD-B530-7C509651DE3B}"/>
+                <a16:creationId xmlns:a16="http://schemas.microsoft.com/office/drawing/2014/main" id="{4AD6CA96-231A-43AD-B530-7C509651DE3B}"/>
               </a:ext>
             </a:extLst>
           </p:cNvPr>
@@ -716,7 +723,7 @@
           <p:cNvPr id="6" name="Slide Number Placeholder 5">
             <a:extLst>
               <a:ext uri="{FF2B5EF4-FFF2-40B4-BE49-F238E27FC236}">
-                <a16:creationId xmlns:a16="http://schemas.microsoft.com/office/drawing/2014/main" xmlns="" id="{12063E3B-180A-454E-A661-6CCD48D7062C}"/>
+                <a16:creationId xmlns:a16="http://schemas.microsoft.com/office/drawing/2014/main" id="{12063E3B-180A-454E-A661-6CCD48D7062C}"/>
               </a:ext>
             </a:extLst>
           </p:cNvPr>
@@ -744,7 +751,7 @@
     </p:spTree>
     <p:extLst>
       <p:ext uri="{BB962C8B-B14F-4D97-AF65-F5344CB8AC3E}">
-        <p14:creationId xmlns:p14="http://schemas.microsoft.com/office/powerpoint/2010/main" xmlns="" val="1148984362"/>
+        <p14:creationId xmlns:p14="http://schemas.microsoft.com/office/powerpoint/2010/main" val="1148984362"/>
       </p:ext>
     </p:extLst>
   </p:cSld>
@@ -776,7 +783,7 @@
           <p:cNvPr id="2" name="Title 1">
             <a:extLst>
               <a:ext uri="{FF2B5EF4-FFF2-40B4-BE49-F238E27FC236}">
-                <a16:creationId xmlns:a16="http://schemas.microsoft.com/office/drawing/2014/main" xmlns="" id="{7E861C8D-BAF0-4DD9-92B9-591B272791CA}"/>
+                <a16:creationId xmlns:a16="http://schemas.microsoft.com/office/drawing/2014/main" id="{7E861C8D-BAF0-4DD9-92B9-591B272791CA}"/>
               </a:ext>
             </a:extLst>
           </p:cNvPr>
@@ -805,7 +812,7 @@
           <p:cNvPr id="3" name="Content Placeholder 2">
             <a:extLst>
               <a:ext uri="{FF2B5EF4-FFF2-40B4-BE49-F238E27FC236}">
-                <a16:creationId xmlns:a16="http://schemas.microsoft.com/office/drawing/2014/main" xmlns="" id="{534DA4BD-1D78-446B-B79F-C1229642DDEB}"/>
+                <a16:creationId xmlns:a16="http://schemas.microsoft.com/office/drawing/2014/main" id="{534DA4BD-1D78-446B-B79F-C1229642DDEB}"/>
               </a:ext>
             </a:extLst>
           </p:cNvPr>
@@ -863,7 +870,7 @@
           <p:cNvPr id="4" name="Date Placeholder 3">
             <a:extLst>
               <a:ext uri="{FF2B5EF4-FFF2-40B4-BE49-F238E27FC236}">
-                <a16:creationId xmlns:a16="http://schemas.microsoft.com/office/drawing/2014/main" xmlns="" id="{AD6BEDB5-7B62-4953-BECB-7F7F3E909CAC}"/>
+                <a16:creationId xmlns:a16="http://schemas.microsoft.com/office/drawing/2014/main" id="{AD6BEDB5-7B62-4953-BECB-7F7F3E909CAC}"/>
               </a:ext>
             </a:extLst>
           </p:cNvPr>
@@ -882,7 +889,7 @@
             <a:fld id="{03EC4E3E-8101-482F-A883-8B55DAFF7C07}" type="datetimeFigureOut">
               <a:rPr lang="en-SG" smtClean="0"/>
               <a:pPr/>
-              <a:t>31/3/2019</a:t>
+              <a:t>2/4/2019</a:t>
             </a:fld>
             <a:endParaRPr lang="en-SG"/>
           </a:p>
@@ -893,7 +900,7 @@
           <p:cNvPr id="5" name="Footer Placeholder 4">
             <a:extLst>
               <a:ext uri="{FF2B5EF4-FFF2-40B4-BE49-F238E27FC236}">
-                <a16:creationId xmlns:a16="http://schemas.microsoft.com/office/drawing/2014/main" xmlns="" id="{349CD732-2DD1-42BE-8480-5C6507018294}"/>
+                <a16:creationId xmlns:a16="http://schemas.microsoft.com/office/drawing/2014/main" id="{349CD732-2DD1-42BE-8480-5C6507018294}"/>
               </a:ext>
             </a:extLst>
           </p:cNvPr>
@@ -918,7 +925,7 @@
           <p:cNvPr id="6" name="Slide Number Placeholder 5">
             <a:extLst>
               <a:ext uri="{FF2B5EF4-FFF2-40B4-BE49-F238E27FC236}">
-                <a16:creationId xmlns:a16="http://schemas.microsoft.com/office/drawing/2014/main" xmlns="" id="{574C27E0-F36A-4438-9402-C2CB0377D92D}"/>
+                <a16:creationId xmlns:a16="http://schemas.microsoft.com/office/drawing/2014/main" id="{574C27E0-F36A-4438-9402-C2CB0377D92D}"/>
               </a:ext>
             </a:extLst>
           </p:cNvPr>
@@ -946,7 +953,7 @@
     </p:spTree>
     <p:extLst>
       <p:ext uri="{BB962C8B-B14F-4D97-AF65-F5344CB8AC3E}">
-        <p14:creationId xmlns:p14="http://schemas.microsoft.com/office/powerpoint/2010/main" xmlns="" val="111561436"/>
+        <p14:creationId xmlns:p14="http://schemas.microsoft.com/office/powerpoint/2010/main" val="111561436"/>
       </p:ext>
     </p:extLst>
   </p:cSld>
@@ -978,7 +985,7 @@
           <p:cNvPr id="2" name="Title 1">
             <a:extLst>
               <a:ext uri="{FF2B5EF4-FFF2-40B4-BE49-F238E27FC236}">
-                <a16:creationId xmlns:a16="http://schemas.microsoft.com/office/drawing/2014/main" xmlns="" id="{80A42FFA-8A45-40F8-9C5C-9906971B38AB}"/>
+                <a16:creationId xmlns:a16="http://schemas.microsoft.com/office/drawing/2014/main" id="{80A42FFA-8A45-40F8-9C5C-9906971B38AB}"/>
               </a:ext>
             </a:extLst>
           </p:cNvPr>
@@ -1016,7 +1023,7 @@
           <p:cNvPr id="3" name="Text Placeholder 2">
             <a:extLst>
               <a:ext uri="{FF2B5EF4-FFF2-40B4-BE49-F238E27FC236}">
-                <a16:creationId xmlns:a16="http://schemas.microsoft.com/office/drawing/2014/main" xmlns="" id="{7D8879A7-8225-4473-B738-B780B6224EC5}"/>
+                <a16:creationId xmlns:a16="http://schemas.microsoft.com/office/drawing/2014/main" id="{7D8879A7-8225-4473-B738-B780B6224EC5}"/>
               </a:ext>
             </a:extLst>
           </p:cNvPr>
@@ -1141,7 +1148,7 @@
           <p:cNvPr id="4" name="Date Placeholder 3">
             <a:extLst>
               <a:ext uri="{FF2B5EF4-FFF2-40B4-BE49-F238E27FC236}">
-                <a16:creationId xmlns:a16="http://schemas.microsoft.com/office/drawing/2014/main" xmlns="" id="{6CF7978C-FE65-4091-9152-E33029C12AEA}"/>
+                <a16:creationId xmlns:a16="http://schemas.microsoft.com/office/drawing/2014/main" id="{6CF7978C-FE65-4091-9152-E33029C12AEA}"/>
               </a:ext>
             </a:extLst>
           </p:cNvPr>
@@ -1160,7 +1167,7 @@
             <a:fld id="{03EC4E3E-8101-482F-A883-8B55DAFF7C07}" type="datetimeFigureOut">
               <a:rPr lang="en-SG" smtClean="0"/>
               <a:pPr/>
-              <a:t>31/3/2019</a:t>
+              <a:t>2/4/2019</a:t>
             </a:fld>
             <a:endParaRPr lang="en-SG"/>
           </a:p>
@@ -1171,7 +1178,7 @@
           <p:cNvPr id="5" name="Footer Placeholder 4">
             <a:extLst>
               <a:ext uri="{FF2B5EF4-FFF2-40B4-BE49-F238E27FC236}">
-                <a16:creationId xmlns:a16="http://schemas.microsoft.com/office/drawing/2014/main" xmlns="" id="{B344C9CC-480F-4DCB-AC70-D7A4CCA0B8B7}"/>
+                <a16:creationId xmlns:a16="http://schemas.microsoft.com/office/drawing/2014/main" id="{B344C9CC-480F-4DCB-AC70-D7A4CCA0B8B7}"/>
               </a:ext>
             </a:extLst>
           </p:cNvPr>
@@ -1196,7 +1203,7 @@
           <p:cNvPr id="6" name="Slide Number Placeholder 5">
             <a:extLst>
               <a:ext uri="{FF2B5EF4-FFF2-40B4-BE49-F238E27FC236}">
-                <a16:creationId xmlns:a16="http://schemas.microsoft.com/office/drawing/2014/main" xmlns="" id="{8F5A07EC-843A-4ED9-8F1C-AD703CA36D58}"/>
+                <a16:creationId xmlns:a16="http://schemas.microsoft.com/office/drawing/2014/main" id="{8F5A07EC-843A-4ED9-8F1C-AD703CA36D58}"/>
               </a:ext>
             </a:extLst>
           </p:cNvPr>
@@ -1224,7 +1231,7 @@
     </p:spTree>
     <p:extLst>
       <p:ext uri="{BB962C8B-B14F-4D97-AF65-F5344CB8AC3E}">
-        <p14:creationId xmlns:p14="http://schemas.microsoft.com/office/powerpoint/2010/main" xmlns="" val="2217340100"/>
+        <p14:creationId xmlns:p14="http://schemas.microsoft.com/office/powerpoint/2010/main" val="2217340100"/>
       </p:ext>
     </p:extLst>
   </p:cSld>
@@ -1256,7 +1263,7 @@
           <p:cNvPr id="2" name="Title 1">
             <a:extLst>
               <a:ext uri="{FF2B5EF4-FFF2-40B4-BE49-F238E27FC236}">
-                <a16:creationId xmlns:a16="http://schemas.microsoft.com/office/drawing/2014/main" xmlns="" id="{056EE2DA-07D9-4774-A8CA-0CA247F8C72A}"/>
+                <a16:creationId xmlns:a16="http://schemas.microsoft.com/office/drawing/2014/main" id="{056EE2DA-07D9-4774-A8CA-0CA247F8C72A}"/>
               </a:ext>
             </a:extLst>
           </p:cNvPr>
@@ -1285,7 +1292,7 @@
           <p:cNvPr id="3" name="Content Placeholder 2">
             <a:extLst>
               <a:ext uri="{FF2B5EF4-FFF2-40B4-BE49-F238E27FC236}">
-                <a16:creationId xmlns:a16="http://schemas.microsoft.com/office/drawing/2014/main" xmlns="" id="{3CF93A59-4E25-4FFA-8796-AA06EF3E5C3E}"/>
+                <a16:creationId xmlns:a16="http://schemas.microsoft.com/office/drawing/2014/main" id="{3CF93A59-4E25-4FFA-8796-AA06EF3E5C3E}"/>
               </a:ext>
             </a:extLst>
           </p:cNvPr>
@@ -1348,7 +1355,7 @@
           <p:cNvPr id="4" name="Content Placeholder 3">
             <a:extLst>
               <a:ext uri="{FF2B5EF4-FFF2-40B4-BE49-F238E27FC236}">
-                <a16:creationId xmlns:a16="http://schemas.microsoft.com/office/drawing/2014/main" xmlns="" id="{81373B10-E346-4893-AFEE-65E014405E2D}"/>
+                <a16:creationId xmlns:a16="http://schemas.microsoft.com/office/drawing/2014/main" id="{81373B10-E346-4893-AFEE-65E014405E2D}"/>
               </a:ext>
             </a:extLst>
           </p:cNvPr>
@@ -1411,7 +1418,7 @@
           <p:cNvPr id="5" name="Date Placeholder 4">
             <a:extLst>
               <a:ext uri="{FF2B5EF4-FFF2-40B4-BE49-F238E27FC236}">
-                <a16:creationId xmlns:a16="http://schemas.microsoft.com/office/drawing/2014/main" xmlns="" id="{D9C411A1-6D64-4C63-A758-5D2FEE677F45}"/>
+                <a16:creationId xmlns:a16="http://schemas.microsoft.com/office/drawing/2014/main" id="{D9C411A1-6D64-4C63-A758-5D2FEE677F45}"/>
               </a:ext>
             </a:extLst>
           </p:cNvPr>
@@ -1430,7 +1437,7 @@
             <a:fld id="{03EC4E3E-8101-482F-A883-8B55DAFF7C07}" type="datetimeFigureOut">
               <a:rPr lang="en-SG" smtClean="0"/>
               <a:pPr/>
-              <a:t>31/3/2019</a:t>
+              <a:t>2/4/2019</a:t>
             </a:fld>
             <a:endParaRPr lang="en-SG"/>
           </a:p>
@@ -1441,7 +1448,7 @@
           <p:cNvPr id="6" name="Footer Placeholder 5">
             <a:extLst>
               <a:ext uri="{FF2B5EF4-FFF2-40B4-BE49-F238E27FC236}">
-                <a16:creationId xmlns:a16="http://schemas.microsoft.com/office/drawing/2014/main" xmlns="" id="{8D9C2E46-644C-4155-A697-764A7A0AB1F4}"/>
+                <a16:creationId xmlns:a16="http://schemas.microsoft.com/office/drawing/2014/main" id="{8D9C2E46-644C-4155-A697-764A7A0AB1F4}"/>
               </a:ext>
             </a:extLst>
           </p:cNvPr>
@@ -1466,7 +1473,7 @@
           <p:cNvPr id="7" name="Slide Number Placeholder 6">
             <a:extLst>
               <a:ext uri="{FF2B5EF4-FFF2-40B4-BE49-F238E27FC236}">
-                <a16:creationId xmlns:a16="http://schemas.microsoft.com/office/drawing/2014/main" xmlns="" id="{6192DEDD-6479-45E4-B1F5-6EDD41BBB103}"/>
+                <a16:creationId xmlns:a16="http://schemas.microsoft.com/office/drawing/2014/main" id="{6192DEDD-6479-45E4-B1F5-6EDD41BBB103}"/>
               </a:ext>
             </a:extLst>
           </p:cNvPr>
@@ -1494,7 +1501,7 @@
     </p:spTree>
     <p:extLst>
       <p:ext uri="{BB962C8B-B14F-4D97-AF65-F5344CB8AC3E}">
-        <p14:creationId xmlns:p14="http://schemas.microsoft.com/office/powerpoint/2010/main" xmlns="" val="1298304602"/>
+        <p14:creationId xmlns:p14="http://schemas.microsoft.com/office/powerpoint/2010/main" val="1298304602"/>
       </p:ext>
     </p:extLst>
   </p:cSld>
@@ -1526,7 +1533,7 @@
           <p:cNvPr id="2" name="Title 1">
             <a:extLst>
               <a:ext uri="{FF2B5EF4-FFF2-40B4-BE49-F238E27FC236}">
-                <a16:creationId xmlns:a16="http://schemas.microsoft.com/office/drawing/2014/main" xmlns="" id="{DC0ED888-63EF-4CC0-8500-9C8DB672FEC2}"/>
+                <a16:creationId xmlns:a16="http://schemas.microsoft.com/office/drawing/2014/main" id="{DC0ED888-63EF-4CC0-8500-9C8DB672FEC2}"/>
               </a:ext>
             </a:extLst>
           </p:cNvPr>
@@ -1560,7 +1567,7 @@
           <p:cNvPr id="3" name="Text Placeholder 2">
             <a:extLst>
               <a:ext uri="{FF2B5EF4-FFF2-40B4-BE49-F238E27FC236}">
-                <a16:creationId xmlns:a16="http://schemas.microsoft.com/office/drawing/2014/main" xmlns="" id="{3C33BC1E-FB79-4906-A967-9C7046C6D272}"/>
+                <a16:creationId xmlns:a16="http://schemas.microsoft.com/office/drawing/2014/main" id="{3C33BC1E-FB79-4906-A967-9C7046C6D272}"/>
               </a:ext>
             </a:extLst>
           </p:cNvPr>
@@ -1631,7 +1638,7 @@
           <p:cNvPr id="4" name="Content Placeholder 3">
             <a:extLst>
               <a:ext uri="{FF2B5EF4-FFF2-40B4-BE49-F238E27FC236}">
-                <a16:creationId xmlns:a16="http://schemas.microsoft.com/office/drawing/2014/main" xmlns="" id="{697A4EC6-1C42-4BA4-8108-32579276C17B}"/>
+                <a16:creationId xmlns:a16="http://schemas.microsoft.com/office/drawing/2014/main" id="{697A4EC6-1C42-4BA4-8108-32579276C17B}"/>
               </a:ext>
             </a:extLst>
           </p:cNvPr>
@@ -1694,7 +1701,7 @@
           <p:cNvPr id="5" name="Text Placeholder 4">
             <a:extLst>
               <a:ext uri="{FF2B5EF4-FFF2-40B4-BE49-F238E27FC236}">
-                <a16:creationId xmlns:a16="http://schemas.microsoft.com/office/drawing/2014/main" xmlns="" id="{8A2CA209-B9F5-4E1E-B302-74CC2D4CFDFB}"/>
+                <a16:creationId xmlns:a16="http://schemas.microsoft.com/office/drawing/2014/main" id="{8A2CA209-B9F5-4E1E-B302-74CC2D4CFDFB}"/>
               </a:ext>
             </a:extLst>
           </p:cNvPr>
@@ -1765,7 +1772,7 @@
           <p:cNvPr id="6" name="Content Placeholder 5">
             <a:extLst>
               <a:ext uri="{FF2B5EF4-FFF2-40B4-BE49-F238E27FC236}">
-                <a16:creationId xmlns:a16="http://schemas.microsoft.com/office/drawing/2014/main" xmlns="" id="{0E6E876D-DC4D-40EE-BA38-CD01089602CF}"/>
+                <a16:creationId xmlns:a16="http://schemas.microsoft.com/office/drawing/2014/main" id="{0E6E876D-DC4D-40EE-BA38-CD01089602CF}"/>
               </a:ext>
             </a:extLst>
           </p:cNvPr>
@@ -1828,7 +1835,7 @@
           <p:cNvPr id="7" name="Date Placeholder 6">
             <a:extLst>
               <a:ext uri="{FF2B5EF4-FFF2-40B4-BE49-F238E27FC236}">
-                <a16:creationId xmlns:a16="http://schemas.microsoft.com/office/drawing/2014/main" xmlns="" id="{F24E1D97-8B3C-41A1-B0BA-BA833AD8BC7C}"/>
+                <a16:creationId xmlns:a16="http://schemas.microsoft.com/office/drawing/2014/main" id="{F24E1D97-8B3C-41A1-B0BA-BA833AD8BC7C}"/>
               </a:ext>
             </a:extLst>
           </p:cNvPr>
@@ -1847,7 +1854,7 @@
             <a:fld id="{03EC4E3E-8101-482F-A883-8B55DAFF7C07}" type="datetimeFigureOut">
               <a:rPr lang="en-SG" smtClean="0"/>
               <a:pPr/>
-              <a:t>31/3/2019</a:t>
+              <a:t>2/4/2019</a:t>
             </a:fld>
             <a:endParaRPr lang="en-SG"/>
           </a:p>
@@ -1858,7 +1865,7 @@
           <p:cNvPr id="8" name="Footer Placeholder 7">
             <a:extLst>
               <a:ext uri="{FF2B5EF4-FFF2-40B4-BE49-F238E27FC236}">
-                <a16:creationId xmlns:a16="http://schemas.microsoft.com/office/drawing/2014/main" xmlns="" id="{FC358D8F-B7DA-4DCE-AC8F-706450EEC0DC}"/>
+                <a16:creationId xmlns:a16="http://schemas.microsoft.com/office/drawing/2014/main" id="{FC358D8F-B7DA-4DCE-AC8F-706450EEC0DC}"/>
               </a:ext>
             </a:extLst>
           </p:cNvPr>
@@ -1883,7 +1890,7 @@
           <p:cNvPr id="9" name="Slide Number Placeholder 8">
             <a:extLst>
               <a:ext uri="{FF2B5EF4-FFF2-40B4-BE49-F238E27FC236}">
-                <a16:creationId xmlns:a16="http://schemas.microsoft.com/office/drawing/2014/main" xmlns="" id="{40CE354E-2C73-4B6F-8AEB-14D1378A77E1}"/>
+                <a16:creationId xmlns:a16="http://schemas.microsoft.com/office/drawing/2014/main" id="{40CE354E-2C73-4B6F-8AEB-14D1378A77E1}"/>
               </a:ext>
             </a:extLst>
           </p:cNvPr>
@@ -1911,7 +1918,7 @@
     </p:spTree>
     <p:extLst>
       <p:ext uri="{BB962C8B-B14F-4D97-AF65-F5344CB8AC3E}">
-        <p14:creationId xmlns:p14="http://schemas.microsoft.com/office/powerpoint/2010/main" xmlns="" val="937260254"/>
+        <p14:creationId xmlns:p14="http://schemas.microsoft.com/office/powerpoint/2010/main" val="937260254"/>
       </p:ext>
     </p:extLst>
   </p:cSld>
@@ -1943,7 +1950,7 @@
           <p:cNvPr id="2" name="Title 1">
             <a:extLst>
               <a:ext uri="{FF2B5EF4-FFF2-40B4-BE49-F238E27FC236}">
-                <a16:creationId xmlns:a16="http://schemas.microsoft.com/office/drawing/2014/main" xmlns="" id="{17D9D381-288C-43FB-86C2-AAA4FCFD43FD}"/>
+                <a16:creationId xmlns:a16="http://schemas.microsoft.com/office/drawing/2014/main" id="{17D9D381-288C-43FB-86C2-AAA4FCFD43FD}"/>
               </a:ext>
             </a:extLst>
           </p:cNvPr>
@@ -1972,7 +1979,7 @@
           <p:cNvPr id="3" name="Date Placeholder 2">
             <a:extLst>
               <a:ext uri="{FF2B5EF4-FFF2-40B4-BE49-F238E27FC236}">
-                <a16:creationId xmlns:a16="http://schemas.microsoft.com/office/drawing/2014/main" xmlns="" id="{A85D75E5-4830-4F75-8132-91122609F925}"/>
+                <a16:creationId xmlns:a16="http://schemas.microsoft.com/office/drawing/2014/main" id="{A85D75E5-4830-4F75-8132-91122609F925}"/>
               </a:ext>
             </a:extLst>
           </p:cNvPr>
@@ -1991,7 +1998,7 @@
             <a:fld id="{03EC4E3E-8101-482F-A883-8B55DAFF7C07}" type="datetimeFigureOut">
               <a:rPr lang="en-SG" smtClean="0"/>
               <a:pPr/>
-              <a:t>31/3/2019</a:t>
+              <a:t>2/4/2019</a:t>
             </a:fld>
             <a:endParaRPr lang="en-SG"/>
           </a:p>
@@ -2002,7 +2009,7 @@
           <p:cNvPr id="4" name="Footer Placeholder 3">
             <a:extLst>
               <a:ext uri="{FF2B5EF4-FFF2-40B4-BE49-F238E27FC236}">
-                <a16:creationId xmlns:a16="http://schemas.microsoft.com/office/drawing/2014/main" xmlns="" id="{0C14A42C-834F-43EA-8053-84D5A665CEE7}"/>
+                <a16:creationId xmlns:a16="http://schemas.microsoft.com/office/drawing/2014/main" id="{0C14A42C-834F-43EA-8053-84D5A665CEE7}"/>
               </a:ext>
             </a:extLst>
           </p:cNvPr>
@@ -2027,7 +2034,7 @@
           <p:cNvPr id="5" name="Slide Number Placeholder 4">
             <a:extLst>
               <a:ext uri="{FF2B5EF4-FFF2-40B4-BE49-F238E27FC236}">
-                <a16:creationId xmlns:a16="http://schemas.microsoft.com/office/drawing/2014/main" xmlns="" id="{38C1E789-CDA9-48FF-A7BA-F21E31600226}"/>
+                <a16:creationId xmlns:a16="http://schemas.microsoft.com/office/drawing/2014/main" id="{38C1E789-CDA9-48FF-A7BA-F21E31600226}"/>
               </a:ext>
             </a:extLst>
           </p:cNvPr>
@@ -2055,7 +2062,7 @@
     </p:spTree>
     <p:extLst>
       <p:ext uri="{BB962C8B-B14F-4D97-AF65-F5344CB8AC3E}">
-        <p14:creationId xmlns:p14="http://schemas.microsoft.com/office/powerpoint/2010/main" xmlns="" val="2713172575"/>
+        <p14:creationId xmlns:p14="http://schemas.microsoft.com/office/powerpoint/2010/main" val="2713172575"/>
       </p:ext>
     </p:extLst>
   </p:cSld>
@@ -2087,7 +2094,7 @@
           <p:cNvPr id="2" name="Date Placeholder 1">
             <a:extLst>
               <a:ext uri="{FF2B5EF4-FFF2-40B4-BE49-F238E27FC236}">
-                <a16:creationId xmlns:a16="http://schemas.microsoft.com/office/drawing/2014/main" xmlns="" id="{21A40ECD-0ABD-4F35-B481-512A01FC643D}"/>
+                <a16:creationId xmlns:a16="http://schemas.microsoft.com/office/drawing/2014/main" id="{21A40ECD-0ABD-4F35-B481-512A01FC643D}"/>
               </a:ext>
             </a:extLst>
           </p:cNvPr>
@@ -2106,7 +2113,7 @@
             <a:fld id="{03EC4E3E-8101-482F-A883-8B55DAFF7C07}" type="datetimeFigureOut">
               <a:rPr lang="en-SG" smtClean="0"/>
               <a:pPr/>
-              <a:t>31/3/2019</a:t>
+              <a:t>2/4/2019</a:t>
             </a:fld>
             <a:endParaRPr lang="en-SG"/>
           </a:p>
@@ -2117,7 +2124,7 @@
           <p:cNvPr id="3" name="Footer Placeholder 2">
             <a:extLst>
               <a:ext uri="{FF2B5EF4-FFF2-40B4-BE49-F238E27FC236}">
-                <a16:creationId xmlns:a16="http://schemas.microsoft.com/office/drawing/2014/main" xmlns="" id="{D44B8F11-A412-4FA6-9070-B9C742F699F3}"/>
+                <a16:creationId xmlns:a16="http://schemas.microsoft.com/office/drawing/2014/main" id="{D44B8F11-A412-4FA6-9070-B9C742F699F3}"/>
               </a:ext>
             </a:extLst>
           </p:cNvPr>
@@ -2142,7 +2149,7 @@
           <p:cNvPr id="4" name="Slide Number Placeholder 3">
             <a:extLst>
               <a:ext uri="{FF2B5EF4-FFF2-40B4-BE49-F238E27FC236}">
-                <a16:creationId xmlns:a16="http://schemas.microsoft.com/office/drawing/2014/main" xmlns="" id="{E3EA086A-DA0B-4378-A128-F213644ECB0C}"/>
+                <a16:creationId xmlns:a16="http://schemas.microsoft.com/office/drawing/2014/main" id="{E3EA086A-DA0B-4378-A128-F213644ECB0C}"/>
               </a:ext>
             </a:extLst>
           </p:cNvPr>
@@ -2170,7 +2177,7 @@
     </p:spTree>
     <p:extLst>
       <p:ext uri="{BB962C8B-B14F-4D97-AF65-F5344CB8AC3E}">
-        <p14:creationId xmlns:p14="http://schemas.microsoft.com/office/powerpoint/2010/main" xmlns="" val="2808055610"/>
+        <p14:creationId xmlns:p14="http://schemas.microsoft.com/office/powerpoint/2010/main" val="2808055610"/>
       </p:ext>
     </p:extLst>
   </p:cSld>
@@ -2202,7 +2209,7 @@
           <p:cNvPr id="2" name="Title 1">
             <a:extLst>
               <a:ext uri="{FF2B5EF4-FFF2-40B4-BE49-F238E27FC236}">
-                <a16:creationId xmlns:a16="http://schemas.microsoft.com/office/drawing/2014/main" xmlns="" id="{765D165A-D423-4E89-A075-D59A9FB59792}"/>
+                <a16:creationId xmlns:a16="http://schemas.microsoft.com/office/drawing/2014/main" id="{765D165A-D423-4E89-A075-D59A9FB59792}"/>
               </a:ext>
             </a:extLst>
           </p:cNvPr>
@@ -2240,7 +2247,7 @@
           <p:cNvPr id="3" name="Content Placeholder 2">
             <a:extLst>
               <a:ext uri="{FF2B5EF4-FFF2-40B4-BE49-F238E27FC236}">
-                <a16:creationId xmlns:a16="http://schemas.microsoft.com/office/drawing/2014/main" xmlns="" id="{77C2A5CC-2876-49CA-993D-F4F73FC9D2B0}"/>
+                <a16:creationId xmlns:a16="http://schemas.microsoft.com/office/drawing/2014/main" id="{77C2A5CC-2876-49CA-993D-F4F73FC9D2B0}"/>
               </a:ext>
             </a:extLst>
           </p:cNvPr>
@@ -2331,7 +2338,7 @@
           <p:cNvPr id="4" name="Text Placeholder 3">
             <a:extLst>
               <a:ext uri="{FF2B5EF4-FFF2-40B4-BE49-F238E27FC236}">
-                <a16:creationId xmlns:a16="http://schemas.microsoft.com/office/drawing/2014/main" xmlns="" id="{7B4DE2E8-CCF6-4E88-A858-05A04CD0D736}"/>
+                <a16:creationId xmlns:a16="http://schemas.microsoft.com/office/drawing/2014/main" id="{7B4DE2E8-CCF6-4E88-A858-05A04CD0D736}"/>
               </a:ext>
             </a:extLst>
           </p:cNvPr>
@@ -2402,7 +2409,7 @@
           <p:cNvPr id="5" name="Date Placeholder 4">
             <a:extLst>
               <a:ext uri="{FF2B5EF4-FFF2-40B4-BE49-F238E27FC236}">
-                <a16:creationId xmlns:a16="http://schemas.microsoft.com/office/drawing/2014/main" xmlns="" id="{CAEBEC1E-DE48-4B55-A846-F8248E381145}"/>
+                <a16:creationId xmlns:a16="http://schemas.microsoft.com/office/drawing/2014/main" id="{CAEBEC1E-DE48-4B55-A846-F8248E381145}"/>
               </a:ext>
             </a:extLst>
           </p:cNvPr>
@@ -2421,7 +2428,7 @@
             <a:fld id="{03EC4E3E-8101-482F-A883-8B55DAFF7C07}" type="datetimeFigureOut">
               <a:rPr lang="en-SG" smtClean="0"/>
               <a:pPr/>
-              <a:t>31/3/2019</a:t>
+              <a:t>2/4/2019</a:t>
             </a:fld>
             <a:endParaRPr lang="en-SG"/>
           </a:p>
@@ -2432,7 +2439,7 @@
           <p:cNvPr id="6" name="Footer Placeholder 5">
             <a:extLst>
               <a:ext uri="{FF2B5EF4-FFF2-40B4-BE49-F238E27FC236}">
-                <a16:creationId xmlns:a16="http://schemas.microsoft.com/office/drawing/2014/main" xmlns="" id="{945A6E8B-6BC2-49E9-B4E5-DAD3F7A1A1BF}"/>
+                <a16:creationId xmlns:a16="http://schemas.microsoft.com/office/drawing/2014/main" id="{945A6E8B-6BC2-49E9-B4E5-DAD3F7A1A1BF}"/>
               </a:ext>
             </a:extLst>
           </p:cNvPr>
@@ -2457,7 +2464,7 @@
           <p:cNvPr id="7" name="Slide Number Placeholder 6">
             <a:extLst>
               <a:ext uri="{FF2B5EF4-FFF2-40B4-BE49-F238E27FC236}">
-                <a16:creationId xmlns:a16="http://schemas.microsoft.com/office/drawing/2014/main" xmlns="" id="{E5CF739B-EDF0-43CE-A87E-C49F040C85A5}"/>
+                <a16:creationId xmlns:a16="http://schemas.microsoft.com/office/drawing/2014/main" id="{E5CF739B-EDF0-43CE-A87E-C49F040C85A5}"/>
               </a:ext>
             </a:extLst>
           </p:cNvPr>
@@ -2485,7 +2492,7 @@
     </p:spTree>
     <p:extLst>
       <p:ext uri="{BB962C8B-B14F-4D97-AF65-F5344CB8AC3E}">
-        <p14:creationId xmlns:p14="http://schemas.microsoft.com/office/powerpoint/2010/main" xmlns="" val="4039745741"/>
+        <p14:creationId xmlns:p14="http://schemas.microsoft.com/office/powerpoint/2010/main" val="4039745741"/>
       </p:ext>
     </p:extLst>
   </p:cSld>
@@ -2517,7 +2524,7 @@
           <p:cNvPr id="2" name="Title 1">
             <a:extLst>
               <a:ext uri="{FF2B5EF4-FFF2-40B4-BE49-F238E27FC236}">
-                <a16:creationId xmlns:a16="http://schemas.microsoft.com/office/drawing/2014/main" xmlns="" id="{0091F49F-E849-4834-84DB-61CF2F2652D4}"/>
+                <a16:creationId xmlns:a16="http://schemas.microsoft.com/office/drawing/2014/main" id="{0091F49F-E849-4834-84DB-61CF2F2652D4}"/>
               </a:ext>
             </a:extLst>
           </p:cNvPr>
@@ -2555,7 +2562,7 @@
           <p:cNvPr id="3" name="Picture Placeholder 2">
             <a:extLst>
               <a:ext uri="{FF2B5EF4-FFF2-40B4-BE49-F238E27FC236}">
-                <a16:creationId xmlns:a16="http://schemas.microsoft.com/office/drawing/2014/main" xmlns="" id="{631D62A9-3420-4F1C-9EB9-09EF85106E78}"/>
+                <a16:creationId xmlns:a16="http://schemas.microsoft.com/office/drawing/2014/main" id="{631D62A9-3420-4F1C-9EB9-09EF85106E78}"/>
               </a:ext>
             </a:extLst>
           </p:cNvPr>
@@ -2622,7 +2629,7 @@
           <p:cNvPr id="4" name="Text Placeholder 3">
             <a:extLst>
               <a:ext uri="{FF2B5EF4-FFF2-40B4-BE49-F238E27FC236}">
-                <a16:creationId xmlns:a16="http://schemas.microsoft.com/office/drawing/2014/main" xmlns="" id="{E450EC8D-D7F4-45FC-AD8C-2E198A32CCA2}"/>
+                <a16:creationId xmlns:a16="http://schemas.microsoft.com/office/drawing/2014/main" id="{E450EC8D-D7F4-45FC-AD8C-2E198A32CCA2}"/>
               </a:ext>
             </a:extLst>
           </p:cNvPr>
@@ -2693,7 +2700,7 @@
           <p:cNvPr id="5" name="Date Placeholder 4">
             <a:extLst>
               <a:ext uri="{FF2B5EF4-FFF2-40B4-BE49-F238E27FC236}">
-                <a16:creationId xmlns:a16="http://schemas.microsoft.com/office/drawing/2014/main" xmlns="" id="{7A73D668-ABF4-41FE-958C-542EEDC5F6CC}"/>
+                <a16:creationId xmlns:a16="http://schemas.microsoft.com/office/drawing/2014/main" id="{7A73D668-ABF4-41FE-958C-542EEDC5F6CC}"/>
               </a:ext>
             </a:extLst>
           </p:cNvPr>
@@ -2712,7 +2719,7 @@
             <a:fld id="{03EC4E3E-8101-482F-A883-8B55DAFF7C07}" type="datetimeFigureOut">
               <a:rPr lang="en-SG" smtClean="0"/>
               <a:pPr/>
-              <a:t>31/3/2019</a:t>
+              <a:t>2/4/2019</a:t>
             </a:fld>
             <a:endParaRPr lang="en-SG"/>
           </a:p>
@@ -2723,7 +2730,7 @@
           <p:cNvPr id="6" name="Footer Placeholder 5">
             <a:extLst>
               <a:ext uri="{FF2B5EF4-FFF2-40B4-BE49-F238E27FC236}">
-                <a16:creationId xmlns:a16="http://schemas.microsoft.com/office/drawing/2014/main" xmlns="" id="{F4A83B1C-93E7-4D32-9D1B-3F37403B1ACD}"/>
+                <a16:creationId xmlns:a16="http://schemas.microsoft.com/office/drawing/2014/main" id="{F4A83B1C-93E7-4D32-9D1B-3F37403B1ACD}"/>
               </a:ext>
             </a:extLst>
           </p:cNvPr>
@@ -2748,7 +2755,7 @@
           <p:cNvPr id="7" name="Slide Number Placeholder 6">
             <a:extLst>
               <a:ext uri="{FF2B5EF4-FFF2-40B4-BE49-F238E27FC236}">
-                <a16:creationId xmlns:a16="http://schemas.microsoft.com/office/drawing/2014/main" xmlns="" id="{C6AF73BE-F17B-487B-943B-28655BB51C92}"/>
+                <a16:creationId xmlns:a16="http://schemas.microsoft.com/office/drawing/2014/main" id="{C6AF73BE-F17B-487B-943B-28655BB51C92}"/>
               </a:ext>
             </a:extLst>
           </p:cNvPr>
@@ -2776,7 +2783,7 @@
     </p:spTree>
     <p:extLst>
       <p:ext uri="{BB962C8B-B14F-4D97-AF65-F5344CB8AC3E}">
-        <p14:creationId xmlns:p14="http://schemas.microsoft.com/office/powerpoint/2010/main" xmlns="" val="1851851517"/>
+        <p14:creationId xmlns:p14="http://schemas.microsoft.com/office/powerpoint/2010/main" val="1851851517"/>
       </p:ext>
     </p:extLst>
   </p:cSld>
@@ -2813,7 +2820,7 @@
           <p:cNvPr id="2" name="Title Placeholder 1">
             <a:extLst>
               <a:ext uri="{FF2B5EF4-FFF2-40B4-BE49-F238E27FC236}">
-                <a16:creationId xmlns:a16="http://schemas.microsoft.com/office/drawing/2014/main" xmlns="" id="{96F7127E-5F47-4B37-9FDB-695AB14D9551}"/>
+                <a16:creationId xmlns:a16="http://schemas.microsoft.com/office/drawing/2014/main" id="{96F7127E-5F47-4B37-9FDB-695AB14D9551}"/>
               </a:ext>
             </a:extLst>
           </p:cNvPr>
@@ -2852,7 +2859,7 @@
           <p:cNvPr id="3" name="Text Placeholder 2">
             <a:extLst>
               <a:ext uri="{FF2B5EF4-FFF2-40B4-BE49-F238E27FC236}">
-                <a16:creationId xmlns:a16="http://schemas.microsoft.com/office/drawing/2014/main" xmlns="" id="{3BD20F0F-B303-4EE3-AF17-E303EA90B1A3}"/>
+                <a16:creationId xmlns:a16="http://schemas.microsoft.com/office/drawing/2014/main" id="{3BD20F0F-B303-4EE3-AF17-E303EA90B1A3}"/>
               </a:ext>
             </a:extLst>
           </p:cNvPr>
@@ -2920,7 +2927,7 @@
           <p:cNvPr id="4" name="Date Placeholder 3">
             <a:extLst>
               <a:ext uri="{FF2B5EF4-FFF2-40B4-BE49-F238E27FC236}">
-                <a16:creationId xmlns:a16="http://schemas.microsoft.com/office/drawing/2014/main" xmlns="" id="{7927ADFB-0C7F-4333-A456-815FAB4B0315}"/>
+                <a16:creationId xmlns:a16="http://schemas.microsoft.com/office/drawing/2014/main" id="{7927ADFB-0C7F-4333-A456-815FAB4B0315}"/>
               </a:ext>
             </a:extLst>
           </p:cNvPr>
@@ -2957,7 +2964,7 @@
             <a:fld id="{03EC4E3E-8101-482F-A883-8B55DAFF7C07}" type="datetimeFigureOut">
               <a:rPr lang="en-SG" smtClean="0"/>
               <a:pPr/>
-              <a:t>31/3/2019</a:t>
+              <a:t>2/4/2019</a:t>
             </a:fld>
             <a:endParaRPr lang="en-SG"/>
           </a:p>
@@ -2968,7 +2975,7 @@
           <p:cNvPr id="5" name="Footer Placeholder 4">
             <a:extLst>
               <a:ext uri="{FF2B5EF4-FFF2-40B4-BE49-F238E27FC236}">
-                <a16:creationId xmlns:a16="http://schemas.microsoft.com/office/drawing/2014/main" xmlns="" id="{A1992B28-8397-4C93-A277-5EE43A537825}"/>
+                <a16:creationId xmlns:a16="http://schemas.microsoft.com/office/drawing/2014/main" id="{A1992B28-8397-4C93-A277-5EE43A537825}"/>
               </a:ext>
             </a:extLst>
           </p:cNvPr>
@@ -3011,7 +3018,7 @@
           <p:cNvPr id="6" name="Slide Number Placeholder 5">
             <a:extLst>
               <a:ext uri="{FF2B5EF4-FFF2-40B4-BE49-F238E27FC236}">
-                <a16:creationId xmlns:a16="http://schemas.microsoft.com/office/drawing/2014/main" xmlns="" id="{D7231209-A74B-4134-87D0-421AB81BBB47}"/>
+                <a16:creationId xmlns:a16="http://schemas.microsoft.com/office/drawing/2014/main" id="{D7231209-A74B-4134-87D0-421AB81BBB47}"/>
               </a:ext>
             </a:extLst>
           </p:cNvPr>
@@ -3057,7 +3064,7 @@
     </p:spTree>
     <p:extLst>
       <p:ext uri="{BB962C8B-B14F-4D97-AF65-F5344CB8AC3E}">
-        <p14:creationId xmlns:p14="http://schemas.microsoft.com/office/powerpoint/2010/main" xmlns="" val="162984175"/>
+        <p14:creationId xmlns:p14="http://schemas.microsoft.com/office/powerpoint/2010/main" val="162984175"/>
       </p:ext>
     </p:extLst>
   </p:cSld>
@@ -3380,7 +3387,7 @@
           <p:cNvPr id="45" name="TextBox 44">
             <a:extLst>
               <a:ext uri="{FF2B5EF4-FFF2-40B4-BE49-F238E27FC236}">
-                <a16:creationId xmlns:a16="http://schemas.microsoft.com/office/drawing/2014/main" xmlns="" id="{3151A13B-9509-43FA-BFEB-1D9866A00B84}"/>
+                <a16:creationId xmlns:a16="http://schemas.microsoft.com/office/drawing/2014/main" id="{3151A13B-9509-43FA-BFEB-1D9866A00B84}"/>
               </a:ext>
             </a:extLst>
           </p:cNvPr>
@@ -3424,7 +3431,7 @@
           <p:cNvPr id="13" name="Table 12">
             <a:extLst>
               <a:ext uri="{FF2B5EF4-FFF2-40B4-BE49-F238E27FC236}">
-                <a16:creationId xmlns:a16="http://schemas.microsoft.com/office/drawing/2014/main" xmlns="" id="{F545FAB8-F1CE-4886-9BDE-E772BCB0A9C4}"/>
+                <a16:creationId xmlns:a16="http://schemas.microsoft.com/office/drawing/2014/main" id="{F545FAB8-F1CE-4886-9BDE-E772BCB0A9C4}"/>
               </a:ext>
             </a:extLst>
           </p:cNvPr>
@@ -3434,7 +3441,7 @@
           <p:nvPr>
             <p:extLst>
               <p:ext uri="{D42A27DB-BD31-4B8C-83A1-F6EECF244321}">
-                <p14:modId xmlns:p14="http://schemas.microsoft.com/office/powerpoint/2010/main" xmlns="" val="770650361"/>
+                <p14:modId xmlns:p14="http://schemas.microsoft.com/office/powerpoint/2010/main" val="770650361"/>
               </p:ext>
             </p:extLst>
           </p:nvPr>
@@ -3453,7 +3460,7 @@
                 <a:gridCol w="1833356">
                   <a:extLst>
                     <a:ext uri="{9D8B030D-6E8A-4147-A177-3AD203B41FA5}">
-                      <a16:colId xmlns:a16="http://schemas.microsoft.com/office/drawing/2014/main" xmlns="" val="4240773277"/>
+                      <a16:colId xmlns:a16="http://schemas.microsoft.com/office/drawing/2014/main" val="4240773277"/>
                     </a:ext>
                   </a:extLst>
                 </a:gridCol>
@@ -3465,11 +3472,11 @@
                     <a:lstStyle/>
                     <a:p>
                       <a:r>
-                        <a:rPr lang="en-SG" u="sng" dirty="0" smtClean="0"/>
+                        <a:rPr lang="en-SG" u="sng" dirty="0"/>
                         <a:t>gt0:</a:t>
                       </a:r>
                       <a:r>
-                        <a:rPr lang="en-SG" sz="1800" u="sng" dirty="0" smtClean="0"/>
+                        <a:rPr lang="en-SG" sz="1800" u="sng" dirty="0"/>
                         <a:t>GradTrak</a:t>
                       </a:r>
                       <a:endParaRPr lang="en-SG" sz="1600" u="sng" dirty="0"/>
@@ -3479,7 +3486,7 @@
                 </a:tc>
                 <a:extLst>
                   <a:ext uri="{0D108BD9-81ED-4DB2-BD59-A6C34878D82A}">
-                    <a16:rowId xmlns:a16="http://schemas.microsoft.com/office/drawing/2014/main" xmlns="" val="2194462629"/>
+                    <a16:rowId xmlns:a16="http://schemas.microsoft.com/office/drawing/2014/main" val="2194462629"/>
                   </a:ext>
                 </a:extLst>
               </a:tr>
@@ -3582,7 +3589,7 @@
           <p:cNvPr id="19" name="TextBox 18">
             <a:extLst>
               <a:ext uri="{FF2B5EF4-FFF2-40B4-BE49-F238E27FC236}">
-                <a16:creationId xmlns:a16="http://schemas.microsoft.com/office/drawing/2014/main" xmlns="" id="{3151A13B-9509-43FA-BFEB-1D9866A00B84}"/>
+                <a16:creationId xmlns:a16="http://schemas.microsoft.com/office/drawing/2014/main" id="{3151A13B-9509-43FA-BFEB-1D9866A00B84}"/>
               </a:ext>
             </a:extLst>
           </p:cNvPr>
@@ -3672,7 +3679,7 @@
           <p:cNvPr id="12" name="Table 11">
             <a:extLst>
               <a:ext uri="{FF2B5EF4-FFF2-40B4-BE49-F238E27FC236}">
-                <a16:creationId xmlns:a16="http://schemas.microsoft.com/office/drawing/2014/main" xmlns="" id="{F545FAB8-F1CE-4886-9BDE-E772BCB0A9C4}"/>
+                <a16:creationId xmlns:a16="http://schemas.microsoft.com/office/drawing/2014/main" id="{F545FAB8-F1CE-4886-9BDE-E772BCB0A9C4}"/>
               </a:ext>
             </a:extLst>
           </p:cNvPr>
@@ -3682,7 +3689,7 @@
           <p:nvPr>
             <p:extLst>
               <p:ext uri="{D42A27DB-BD31-4B8C-83A1-F6EECF244321}">
-                <p14:modId xmlns:p14="http://schemas.microsoft.com/office/powerpoint/2010/main" xmlns="" val="2370624015"/>
+                <p14:modId xmlns:p14="http://schemas.microsoft.com/office/powerpoint/2010/main" val="1342053534"/>
               </p:ext>
             </p:extLst>
           </p:nvPr>
@@ -3701,7 +3708,7 @@
                 <a:gridCol w="1833356">
                   <a:extLst>
                     <a:ext uri="{9D8B030D-6E8A-4147-A177-3AD203B41FA5}">
-                      <a16:colId xmlns:a16="http://schemas.microsoft.com/office/drawing/2014/main" xmlns="" val="4240773277"/>
+                      <a16:colId xmlns:a16="http://schemas.microsoft.com/office/drawing/2014/main" val="4240773277"/>
                     </a:ext>
                   </a:extLst>
                 </a:gridCol>
@@ -3713,8 +3720,8 @@
                     <a:lstStyle/>
                     <a:p>
                       <a:r>
-                        <a:rPr lang="en-SG" u="sng" smtClean="0"/>
-                        <a:t>Gt1:GradTrak</a:t>
+                        <a:rPr lang="en-SG" u="sng"/>
+                        <a:t>gt1:GradTrak</a:t>
                       </a:r>
                       <a:endParaRPr lang="en-SG" sz="1600" u="sng" dirty="0"/>
                     </a:p>
@@ -3723,7 +3730,7 @@
                 </a:tc>
                 <a:extLst>
                   <a:ext uri="{0D108BD9-81ED-4DB2-BD59-A6C34878D82A}">
-                    <a16:rowId xmlns:a16="http://schemas.microsoft.com/office/drawing/2014/main" xmlns="" val="2194462629"/>
+                    <a16:rowId xmlns:a16="http://schemas.microsoft.com/office/drawing/2014/main" val="2194462629"/>
                   </a:ext>
                 </a:extLst>
               </a:tr>
@@ -3736,7 +3743,7 @@
           <p:cNvPr id="15" name="Table 14">
             <a:extLst>
               <a:ext uri="{FF2B5EF4-FFF2-40B4-BE49-F238E27FC236}">
-                <a16:creationId xmlns:a16="http://schemas.microsoft.com/office/drawing/2014/main" xmlns="" id="{F545FAB8-F1CE-4886-9BDE-E772BCB0A9C4}"/>
+                <a16:creationId xmlns:a16="http://schemas.microsoft.com/office/drawing/2014/main" id="{F545FAB8-F1CE-4886-9BDE-E772BCB0A9C4}"/>
               </a:ext>
             </a:extLst>
           </p:cNvPr>
@@ -3746,7 +3753,7 @@
           <p:nvPr>
             <p:extLst>
               <p:ext uri="{D42A27DB-BD31-4B8C-83A1-F6EECF244321}">
-                <p14:modId xmlns:p14="http://schemas.microsoft.com/office/powerpoint/2010/main" xmlns="" val="2523374166"/>
+                <p14:modId xmlns:p14="http://schemas.microsoft.com/office/powerpoint/2010/main" val="2523374166"/>
               </p:ext>
             </p:extLst>
           </p:nvPr>
@@ -3765,7 +3772,7 @@
                 <a:gridCol w="1833356">
                   <a:extLst>
                     <a:ext uri="{9D8B030D-6E8A-4147-A177-3AD203B41FA5}">
-                      <a16:colId xmlns:a16="http://schemas.microsoft.com/office/drawing/2014/main" xmlns="" val="4240773277"/>
+                      <a16:colId xmlns:a16="http://schemas.microsoft.com/office/drawing/2014/main" val="4240773277"/>
                     </a:ext>
                   </a:extLst>
                 </a:gridCol>
@@ -3777,11 +3784,11 @@
                     <a:lstStyle/>
                     <a:p>
                       <a:r>
-                        <a:rPr lang="en-SG" u="sng" dirty="0" smtClean="0"/>
+                        <a:rPr lang="en-SG" u="sng" dirty="0"/>
                         <a:t>gt0:</a:t>
                       </a:r>
                       <a:r>
-                        <a:rPr lang="en-SG" sz="1800" u="sng" dirty="0" smtClean="0"/>
+                        <a:rPr lang="en-SG" sz="1800" u="sng" dirty="0"/>
                         <a:t>GradTrak</a:t>
                       </a:r>
                       <a:endParaRPr lang="en-SG" sz="1600" u="sng" dirty="0"/>
@@ -3791,7 +3798,7 @@
                 </a:tc>
                 <a:extLst>
                   <a:ext uri="{0D108BD9-81ED-4DB2-BD59-A6C34878D82A}">
-                    <a16:rowId xmlns:a16="http://schemas.microsoft.com/office/drawing/2014/main" xmlns="" val="2194462629"/>
+                    <a16:rowId xmlns:a16="http://schemas.microsoft.com/office/drawing/2014/main" val="2194462629"/>
                   </a:ext>
                 </a:extLst>
               </a:tr>
@@ -3804,7 +3811,7 @@
           <p:cNvPr id="14" name="Straight Arrow Connector 13">
             <a:extLst>
               <a:ext uri="{FF2B5EF4-FFF2-40B4-BE49-F238E27FC236}">
-                <a16:creationId xmlns:a16="http://schemas.microsoft.com/office/drawing/2014/main" xmlns="" id="{4E562EDA-12B3-44FD-8B44-BCF3C4356EB8}"/>
+                <a16:creationId xmlns:a16="http://schemas.microsoft.com/office/drawing/2014/main" id="{4E562EDA-12B3-44FD-8B44-BCF3C4356EB8}"/>
               </a:ext>
             </a:extLst>
           </p:cNvPr>
@@ -3848,7 +3855,7 @@
           <p:cNvPr id="16" name="Straight Arrow Connector 15">
             <a:extLst>
               <a:ext uri="{FF2B5EF4-FFF2-40B4-BE49-F238E27FC236}">
-                <a16:creationId xmlns:a16="http://schemas.microsoft.com/office/drawing/2014/main" xmlns="" id="{0C07500F-40C6-444B-B521-89577F312910}"/>
+                <a16:creationId xmlns:a16="http://schemas.microsoft.com/office/drawing/2014/main" id="{0C07500F-40C6-444B-B521-89577F312910}"/>
               </a:ext>
             </a:extLst>
           </p:cNvPr>
@@ -3890,7 +3897,7 @@
     </p:spTree>
     <p:extLst>
       <p:ext uri="{BB962C8B-B14F-4D97-AF65-F5344CB8AC3E}">
-        <p14:creationId xmlns:p14="http://schemas.microsoft.com/office/powerpoint/2010/main" xmlns="" val="3338945851"/>
+        <p14:creationId xmlns:p14="http://schemas.microsoft.com/office/powerpoint/2010/main" val="3338945851"/>
       </p:ext>
     </p:extLst>
   </p:cSld>
@@ -4189,7 +4196,7 @@
   <a:extraClrSchemeLst/>
   <a:extLst>
     <a:ext uri="{05A4C25C-085E-4340-85A3-A5531E510DB2}">
-      <thm15:themeFamily xmlns:thm15="http://schemas.microsoft.com/office/thememl/2012/main" xmlns="" name="Office Theme" id="{62F939B6-93AF-4DB8-9C6B-D6C7DFDC589F}" vid="{4A3C46E8-61CC-4603-A589-7422A47A8E4A}"/>
+      <thm15:themeFamily xmlns:thm15="http://schemas.microsoft.com/office/thememl/2012/main" name="Office Theme" id="{62F939B6-93AF-4DB8-9C6B-D6C7DFDC589F}" vid="{4A3C46E8-61CC-4603-A589-7422A47A8E4A}"/>
     </a:ext>
   </a:extLst>
 </a:theme>

--- a/docs/diagrams/UndoRedoNewCommand1StateListDiagram.pptx
+++ b/docs/diagrams/UndoRedoNewCommand1StateListDiagram.pptx
@@ -112,10 +112,6 @@
 </p:presentation>
 </file>
 
-<file path=ppt/revisionInfo.xml><?xml version="1.0" encoding="utf-8"?>
-<p1510:revInfo xmlns:a="http://schemas.openxmlformats.org/drawingml/2006/main" xmlns:r="http://schemas.openxmlformats.org/officeDocument/2006/relationships" xmlns:p1510="http://schemas.microsoft.com/office/powerpoint/2015/10/main"/>
-</file>
-
 <file path=ppt/slideLayouts/slideLayout1.xml><?xml version="1.0" encoding="utf-8"?>
 <p:sldLayout xmlns:a="http://schemas.openxmlformats.org/drawingml/2006/main" xmlns:r="http://schemas.openxmlformats.org/officeDocument/2006/relationships" xmlns:p="http://schemas.openxmlformats.org/presentationml/2006/main" type="title" preserve="1">
   <p:cSld name="Title Slide">
@@ -138,7 +134,7 @@
           <p:cNvPr id="2" name="Title 1">
             <a:extLst>
               <a:ext uri="{FF2B5EF4-FFF2-40B4-BE49-F238E27FC236}">
-                <a16:creationId xmlns:a16="http://schemas.microsoft.com/office/drawing/2014/main" xmlns="" id="{39FCC519-EE2E-4054-A653-93D611E0133E}"/>
+                <a16:creationId xmlns:a16="http://schemas.microsoft.com/office/drawing/2014/main" id="{39FCC519-EE2E-4054-A653-93D611E0133E}"/>
               </a:ext>
             </a:extLst>
           </p:cNvPr>
@@ -176,7 +172,7 @@
           <p:cNvPr id="3" name="Subtitle 2">
             <a:extLst>
               <a:ext uri="{FF2B5EF4-FFF2-40B4-BE49-F238E27FC236}">
-                <a16:creationId xmlns:a16="http://schemas.microsoft.com/office/drawing/2014/main" xmlns="" id="{3EDEA74E-4030-4F69-A055-4C6319EEEC29}"/>
+                <a16:creationId xmlns:a16="http://schemas.microsoft.com/office/drawing/2014/main" id="{3EDEA74E-4030-4F69-A055-4C6319EEEC29}"/>
               </a:ext>
             </a:extLst>
           </p:cNvPr>
@@ -247,7 +243,7 @@
           <p:cNvPr id="4" name="Date Placeholder 3">
             <a:extLst>
               <a:ext uri="{FF2B5EF4-FFF2-40B4-BE49-F238E27FC236}">
-                <a16:creationId xmlns:a16="http://schemas.microsoft.com/office/drawing/2014/main" xmlns="" id="{E5CC99E3-37A6-4485-B9A2-AF27A72608C6}"/>
+                <a16:creationId xmlns:a16="http://schemas.microsoft.com/office/drawing/2014/main" id="{E5CC99E3-37A6-4485-B9A2-AF27A72608C6}"/>
               </a:ext>
             </a:extLst>
           </p:cNvPr>
@@ -265,7 +261,7 @@
           <a:p>
             <a:fld id="{03EC4E3E-8101-482F-A883-8B55DAFF7C07}" type="datetimeFigureOut">
               <a:rPr lang="en-SG" smtClean="0"/>
-              <a:t>5/3/19</a:t>
+              <a:t>2/4/19</a:t>
             </a:fld>
             <a:endParaRPr lang="en-SG"/>
           </a:p>
@@ -276,7 +272,7 @@
           <p:cNvPr id="5" name="Footer Placeholder 4">
             <a:extLst>
               <a:ext uri="{FF2B5EF4-FFF2-40B4-BE49-F238E27FC236}">
-                <a16:creationId xmlns:a16="http://schemas.microsoft.com/office/drawing/2014/main" xmlns="" id="{D75BD546-D949-4A25-8EA4-47DF23229409}"/>
+                <a16:creationId xmlns:a16="http://schemas.microsoft.com/office/drawing/2014/main" id="{D75BD546-D949-4A25-8EA4-47DF23229409}"/>
               </a:ext>
             </a:extLst>
           </p:cNvPr>
@@ -301,7 +297,7 @@
           <p:cNvPr id="6" name="Slide Number Placeholder 5">
             <a:extLst>
               <a:ext uri="{FF2B5EF4-FFF2-40B4-BE49-F238E27FC236}">
-                <a16:creationId xmlns:a16="http://schemas.microsoft.com/office/drawing/2014/main" xmlns="" id="{68147391-4DF6-4ACF-BCE9-C1A9DAC803E3}"/>
+                <a16:creationId xmlns:a16="http://schemas.microsoft.com/office/drawing/2014/main" id="{68147391-4DF6-4ACF-BCE9-C1A9DAC803E3}"/>
               </a:ext>
             </a:extLst>
           </p:cNvPr>
@@ -360,7 +356,7 @@
           <p:cNvPr id="2" name="Title 1">
             <a:extLst>
               <a:ext uri="{FF2B5EF4-FFF2-40B4-BE49-F238E27FC236}">
-                <a16:creationId xmlns:a16="http://schemas.microsoft.com/office/drawing/2014/main" xmlns="" id="{251D3DFE-0C62-45F5-B1BF-FD1F194ED112}"/>
+                <a16:creationId xmlns:a16="http://schemas.microsoft.com/office/drawing/2014/main" id="{251D3DFE-0C62-45F5-B1BF-FD1F194ED112}"/>
               </a:ext>
             </a:extLst>
           </p:cNvPr>
@@ -389,7 +385,7 @@
           <p:cNvPr id="3" name="Vertical Text Placeholder 2">
             <a:extLst>
               <a:ext uri="{FF2B5EF4-FFF2-40B4-BE49-F238E27FC236}">
-                <a16:creationId xmlns:a16="http://schemas.microsoft.com/office/drawing/2014/main" xmlns="" id="{D2392762-3586-4B6D-A174-2D3ACF0A125B}"/>
+                <a16:creationId xmlns:a16="http://schemas.microsoft.com/office/drawing/2014/main" id="{D2392762-3586-4B6D-A174-2D3ACF0A125B}"/>
               </a:ext>
             </a:extLst>
           </p:cNvPr>
@@ -447,7 +443,7 @@
           <p:cNvPr id="4" name="Date Placeholder 3">
             <a:extLst>
               <a:ext uri="{FF2B5EF4-FFF2-40B4-BE49-F238E27FC236}">
-                <a16:creationId xmlns:a16="http://schemas.microsoft.com/office/drawing/2014/main" xmlns="" id="{73B232E7-84FB-4535-9FC1-1BEF8F17421F}"/>
+                <a16:creationId xmlns:a16="http://schemas.microsoft.com/office/drawing/2014/main" id="{73B232E7-84FB-4535-9FC1-1BEF8F17421F}"/>
               </a:ext>
             </a:extLst>
           </p:cNvPr>
@@ -465,7 +461,7 @@
           <a:p>
             <a:fld id="{03EC4E3E-8101-482F-A883-8B55DAFF7C07}" type="datetimeFigureOut">
               <a:rPr lang="en-SG" smtClean="0"/>
-              <a:t>5/3/19</a:t>
+              <a:t>2/4/19</a:t>
             </a:fld>
             <a:endParaRPr lang="en-SG"/>
           </a:p>
@@ -476,7 +472,7 @@
           <p:cNvPr id="5" name="Footer Placeholder 4">
             <a:extLst>
               <a:ext uri="{FF2B5EF4-FFF2-40B4-BE49-F238E27FC236}">
-                <a16:creationId xmlns:a16="http://schemas.microsoft.com/office/drawing/2014/main" xmlns="" id="{76F796EF-04EF-401A-AC84-F7BDBC99DE80}"/>
+                <a16:creationId xmlns:a16="http://schemas.microsoft.com/office/drawing/2014/main" id="{76F796EF-04EF-401A-AC84-F7BDBC99DE80}"/>
               </a:ext>
             </a:extLst>
           </p:cNvPr>
@@ -501,7 +497,7 @@
           <p:cNvPr id="6" name="Slide Number Placeholder 5">
             <a:extLst>
               <a:ext uri="{FF2B5EF4-FFF2-40B4-BE49-F238E27FC236}">
-                <a16:creationId xmlns:a16="http://schemas.microsoft.com/office/drawing/2014/main" xmlns="" id="{8F55F009-0A64-4649-A732-4AA6D619F1F3}"/>
+                <a16:creationId xmlns:a16="http://schemas.microsoft.com/office/drawing/2014/main" id="{8F55F009-0A64-4649-A732-4AA6D619F1F3}"/>
               </a:ext>
             </a:extLst>
           </p:cNvPr>
@@ -560,7 +556,7 @@
           <p:cNvPr id="2" name="Vertical Title 1">
             <a:extLst>
               <a:ext uri="{FF2B5EF4-FFF2-40B4-BE49-F238E27FC236}">
-                <a16:creationId xmlns:a16="http://schemas.microsoft.com/office/drawing/2014/main" xmlns="" id="{F7DE9595-D7A8-4E19-B4C6-E295F978F6A4}"/>
+                <a16:creationId xmlns:a16="http://schemas.microsoft.com/office/drawing/2014/main" id="{F7DE9595-D7A8-4E19-B4C6-E295F978F6A4}"/>
               </a:ext>
             </a:extLst>
           </p:cNvPr>
@@ -594,7 +590,7 @@
           <p:cNvPr id="3" name="Vertical Text Placeholder 2">
             <a:extLst>
               <a:ext uri="{FF2B5EF4-FFF2-40B4-BE49-F238E27FC236}">
-                <a16:creationId xmlns:a16="http://schemas.microsoft.com/office/drawing/2014/main" xmlns="" id="{0D2975B7-7A6D-40EA-B2F6-338022AD2BF1}"/>
+                <a16:creationId xmlns:a16="http://schemas.microsoft.com/office/drawing/2014/main" id="{0D2975B7-7A6D-40EA-B2F6-338022AD2BF1}"/>
               </a:ext>
             </a:extLst>
           </p:cNvPr>
@@ -657,7 +653,7 @@
           <p:cNvPr id="4" name="Date Placeholder 3">
             <a:extLst>
               <a:ext uri="{FF2B5EF4-FFF2-40B4-BE49-F238E27FC236}">
-                <a16:creationId xmlns:a16="http://schemas.microsoft.com/office/drawing/2014/main" xmlns="" id="{C8230AC3-1BED-4D2B-96D3-51C50E14A9E6}"/>
+                <a16:creationId xmlns:a16="http://schemas.microsoft.com/office/drawing/2014/main" id="{C8230AC3-1BED-4D2B-96D3-51C50E14A9E6}"/>
               </a:ext>
             </a:extLst>
           </p:cNvPr>
@@ -675,7 +671,7 @@
           <a:p>
             <a:fld id="{03EC4E3E-8101-482F-A883-8B55DAFF7C07}" type="datetimeFigureOut">
               <a:rPr lang="en-SG" smtClean="0"/>
-              <a:t>5/3/19</a:t>
+              <a:t>2/4/19</a:t>
             </a:fld>
             <a:endParaRPr lang="en-SG"/>
           </a:p>
@@ -686,7 +682,7 @@
           <p:cNvPr id="5" name="Footer Placeholder 4">
             <a:extLst>
               <a:ext uri="{FF2B5EF4-FFF2-40B4-BE49-F238E27FC236}">
-                <a16:creationId xmlns:a16="http://schemas.microsoft.com/office/drawing/2014/main" xmlns="" id="{4AD6CA96-231A-43AD-B530-7C509651DE3B}"/>
+                <a16:creationId xmlns:a16="http://schemas.microsoft.com/office/drawing/2014/main" id="{4AD6CA96-231A-43AD-B530-7C509651DE3B}"/>
               </a:ext>
             </a:extLst>
           </p:cNvPr>
@@ -711,7 +707,7 @@
           <p:cNvPr id="6" name="Slide Number Placeholder 5">
             <a:extLst>
               <a:ext uri="{FF2B5EF4-FFF2-40B4-BE49-F238E27FC236}">
-                <a16:creationId xmlns:a16="http://schemas.microsoft.com/office/drawing/2014/main" xmlns="" id="{12063E3B-180A-454E-A661-6CCD48D7062C}"/>
+                <a16:creationId xmlns:a16="http://schemas.microsoft.com/office/drawing/2014/main" id="{12063E3B-180A-454E-A661-6CCD48D7062C}"/>
               </a:ext>
             </a:extLst>
           </p:cNvPr>
@@ -770,7 +766,7 @@
           <p:cNvPr id="2" name="Title 1">
             <a:extLst>
               <a:ext uri="{FF2B5EF4-FFF2-40B4-BE49-F238E27FC236}">
-                <a16:creationId xmlns:a16="http://schemas.microsoft.com/office/drawing/2014/main" xmlns="" id="{7E861C8D-BAF0-4DD9-92B9-591B272791CA}"/>
+                <a16:creationId xmlns:a16="http://schemas.microsoft.com/office/drawing/2014/main" id="{7E861C8D-BAF0-4DD9-92B9-591B272791CA}"/>
               </a:ext>
             </a:extLst>
           </p:cNvPr>
@@ -799,7 +795,7 @@
           <p:cNvPr id="3" name="Content Placeholder 2">
             <a:extLst>
               <a:ext uri="{FF2B5EF4-FFF2-40B4-BE49-F238E27FC236}">
-                <a16:creationId xmlns:a16="http://schemas.microsoft.com/office/drawing/2014/main" xmlns="" id="{534DA4BD-1D78-446B-B79F-C1229642DDEB}"/>
+                <a16:creationId xmlns:a16="http://schemas.microsoft.com/office/drawing/2014/main" id="{534DA4BD-1D78-446B-B79F-C1229642DDEB}"/>
               </a:ext>
             </a:extLst>
           </p:cNvPr>
@@ -857,7 +853,7 @@
           <p:cNvPr id="4" name="Date Placeholder 3">
             <a:extLst>
               <a:ext uri="{FF2B5EF4-FFF2-40B4-BE49-F238E27FC236}">
-                <a16:creationId xmlns:a16="http://schemas.microsoft.com/office/drawing/2014/main" xmlns="" id="{AD6BEDB5-7B62-4953-BECB-7F7F3E909CAC}"/>
+                <a16:creationId xmlns:a16="http://schemas.microsoft.com/office/drawing/2014/main" id="{AD6BEDB5-7B62-4953-BECB-7F7F3E909CAC}"/>
               </a:ext>
             </a:extLst>
           </p:cNvPr>
@@ -875,7 +871,7 @@
           <a:p>
             <a:fld id="{03EC4E3E-8101-482F-A883-8B55DAFF7C07}" type="datetimeFigureOut">
               <a:rPr lang="en-SG" smtClean="0"/>
-              <a:t>5/3/19</a:t>
+              <a:t>2/4/19</a:t>
             </a:fld>
             <a:endParaRPr lang="en-SG"/>
           </a:p>
@@ -886,7 +882,7 @@
           <p:cNvPr id="5" name="Footer Placeholder 4">
             <a:extLst>
               <a:ext uri="{FF2B5EF4-FFF2-40B4-BE49-F238E27FC236}">
-                <a16:creationId xmlns:a16="http://schemas.microsoft.com/office/drawing/2014/main" xmlns="" id="{349CD732-2DD1-42BE-8480-5C6507018294}"/>
+                <a16:creationId xmlns:a16="http://schemas.microsoft.com/office/drawing/2014/main" id="{349CD732-2DD1-42BE-8480-5C6507018294}"/>
               </a:ext>
             </a:extLst>
           </p:cNvPr>
@@ -911,7 +907,7 @@
           <p:cNvPr id="6" name="Slide Number Placeholder 5">
             <a:extLst>
               <a:ext uri="{FF2B5EF4-FFF2-40B4-BE49-F238E27FC236}">
-                <a16:creationId xmlns:a16="http://schemas.microsoft.com/office/drawing/2014/main" xmlns="" id="{574C27E0-F36A-4438-9402-C2CB0377D92D}"/>
+                <a16:creationId xmlns:a16="http://schemas.microsoft.com/office/drawing/2014/main" id="{574C27E0-F36A-4438-9402-C2CB0377D92D}"/>
               </a:ext>
             </a:extLst>
           </p:cNvPr>
@@ -970,7 +966,7 @@
           <p:cNvPr id="2" name="Title 1">
             <a:extLst>
               <a:ext uri="{FF2B5EF4-FFF2-40B4-BE49-F238E27FC236}">
-                <a16:creationId xmlns:a16="http://schemas.microsoft.com/office/drawing/2014/main" xmlns="" id="{80A42FFA-8A45-40F8-9C5C-9906971B38AB}"/>
+                <a16:creationId xmlns:a16="http://schemas.microsoft.com/office/drawing/2014/main" id="{80A42FFA-8A45-40F8-9C5C-9906971B38AB}"/>
               </a:ext>
             </a:extLst>
           </p:cNvPr>
@@ -1008,7 +1004,7 @@
           <p:cNvPr id="3" name="Text Placeholder 2">
             <a:extLst>
               <a:ext uri="{FF2B5EF4-FFF2-40B4-BE49-F238E27FC236}">
-                <a16:creationId xmlns:a16="http://schemas.microsoft.com/office/drawing/2014/main" xmlns="" id="{7D8879A7-8225-4473-B738-B780B6224EC5}"/>
+                <a16:creationId xmlns:a16="http://schemas.microsoft.com/office/drawing/2014/main" id="{7D8879A7-8225-4473-B738-B780B6224EC5}"/>
               </a:ext>
             </a:extLst>
           </p:cNvPr>
@@ -1133,7 +1129,7 @@
           <p:cNvPr id="4" name="Date Placeholder 3">
             <a:extLst>
               <a:ext uri="{FF2B5EF4-FFF2-40B4-BE49-F238E27FC236}">
-                <a16:creationId xmlns:a16="http://schemas.microsoft.com/office/drawing/2014/main" xmlns="" id="{6CF7978C-FE65-4091-9152-E33029C12AEA}"/>
+                <a16:creationId xmlns:a16="http://schemas.microsoft.com/office/drawing/2014/main" id="{6CF7978C-FE65-4091-9152-E33029C12AEA}"/>
               </a:ext>
             </a:extLst>
           </p:cNvPr>
@@ -1151,7 +1147,7 @@
           <a:p>
             <a:fld id="{03EC4E3E-8101-482F-A883-8B55DAFF7C07}" type="datetimeFigureOut">
               <a:rPr lang="en-SG" smtClean="0"/>
-              <a:t>5/3/19</a:t>
+              <a:t>2/4/19</a:t>
             </a:fld>
             <a:endParaRPr lang="en-SG"/>
           </a:p>
@@ -1162,7 +1158,7 @@
           <p:cNvPr id="5" name="Footer Placeholder 4">
             <a:extLst>
               <a:ext uri="{FF2B5EF4-FFF2-40B4-BE49-F238E27FC236}">
-                <a16:creationId xmlns:a16="http://schemas.microsoft.com/office/drawing/2014/main" xmlns="" id="{B344C9CC-480F-4DCB-AC70-D7A4CCA0B8B7}"/>
+                <a16:creationId xmlns:a16="http://schemas.microsoft.com/office/drawing/2014/main" id="{B344C9CC-480F-4DCB-AC70-D7A4CCA0B8B7}"/>
               </a:ext>
             </a:extLst>
           </p:cNvPr>
@@ -1187,7 +1183,7 @@
           <p:cNvPr id="6" name="Slide Number Placeholder 5">
             <a:extLst>
               <a:ext uri="{FF2B5EF4-FFF2-40B4-BE49-F238E27FC236}">
-                <a16:creationId xmlns:a16="http://schemas.microsoft.com/office/drawing/2014/main" xmlns="" id="{8F5A07EC-843A-4ED9-8F1C-AD703CA36D58}"/>
+                <a16:creationId xmlns:a16="http://schemas.microsoft.com/office/drawing/2014/main" id="{8F5A07EC-843A-4ED9-8F1C-AD703CA36D58}"/>
               </a:ext>
             </a:extLst>
           </p:cNvPr>
@@ -1246,7 +1242,7 @@
           <p:cNvPr id="2" name="Title 1">
             <a:extLst>
               <a:ext uri="{FF2B5EF4-FFF2-40B4-BE49-F238E27FC236}">
-                <a16:creationId xmlns:a16="http://schemas.microsoft.com/office/drawing/2014/main" xmlns="" id="{056EE2DA-07D9-4774-A8CA-0CA247F8C72A}"/>
+                <a16:creationId xmlns:a16="http://schemas.microsoft.com/office/drawing/2014/main" id="{056EE2DA-07D9-4774-A8CA-0CA247F8C72A}"/>
               </a:ext>
             </a:extLst>
           </p:cNvPr>
@@ -1275,7 +1271,7 @@
           <p:cNvPr id="3" name="Content Placeholder 2">
             <a:extLst>
               <a:ext uri="{FF2B5EF4-FFF2-40B4-BE49-F238E27FC236}">
-                <a16:creationId xmlns:a16="http://schemas.microsoft.com/office/drawing/2014/main" xmlns="" id="{3CF93A59-4E25-4FFA-8796-AA06EF3E5C3E}"/>
+                <a16:creationId xmlns:a16="http://schemas.microsoft.com/office/drawing/2014/main" id="{3CF93A59-4E25-4FFA-8796-AA06EF3E5C3E}"/>
               </a:ext>
             </a:extLst>
           </p:cNvPr>
@@ -1338,7 +1334,7 @@
           <p:cNvPr id="4" name="Content Placeholder 3">
             <a:extLst>
               <a:ext uri="{FF2B5EF4-FFF2-40B4-BE49-F238E27FC236}">
-                <a16:creationId xmlns:a16="http://schemas.microsoft.com/office/drawing/2014/main" xmlns="" id="{81373B10-E346-4893-AFEE-65E014405E2D}"/>
+                <a16:creationId xmlns:a16="http://schemas.microsoft.com/office/drawing/2014/main" id="{81373B10-E346-4893-AFEE-65E014405E2D}"/>
               </a:ext>
             </a:extLst>
           </p:cNvPr>
@@ -1401,7 +1397,7 @@
           <p:cNvPr id="5" name="Date Placeholder 4">
             <a:extLst>
               <a:ext uri="{FF2B5EF4-FFF2-40B4-BE49-F238E27FC236}">
-                <a16:creationId xmlns:a16="http://schemas.microsoft.com/office/drawing/2014/main" xmlns="" id="{D9C411A1-6D64-4C63-A758-5D2FEE677F45}"/>
+                <a16:creationId xmlns:a16="http://schemas.microsoft.com/office/drawing/2014/main" id="{D9C411A1-6D64-4C63-A758-5D2FEE677F45}"/>
               </a:ext>
             </a:extLst>
           </p:cNvPr>
@@ -1419,7 +1415,7 @@
           <a:p>
             <a:fld id="{03EC4E3E-8101-482F-A883-8B55DAFF7C07}" type="datetimeFigureOut">
               <a:rPr lang="en-SG" smtClean="0"/>
-              <a:t>5/3/19</a:t>
+              <a:t>2/4/19</a:t>
             </a:fld>
             <a:endParaRPr lang="en-SG"/>
           </a:p>
@@ -1430,7 +1426,7 @@
           <p:cNvPr id="6" name="Footer Placeholder 5">
             <a:extLst>
               <a:ext uri="{FF2B5EF4-FFF2-40B4-BE49-F238E27FC236}">
-                <a16:creationId xmlns:a16="http://schemas.microsoft.com/office/drawing/2014/main" xmlns="" id="{8D9C2E46-644C-4155-A697-764A7A0AB1F4}"/>
+                <a16:creationId xmlns:a16="http://schemas.microsoft.com/office/drawing/2014/main" id="{8D9C2E46-644C-4155-A697-764A7A0AB1F4}"/>
               </a:ext>
             </a:extLst>
           </p:cNvPr>
@@ -1455,7 +1451,7 @@
           <p:cNvPr id="7" name="Slide Number Placeholder 6">
             <a:extLst>
               <a:ext uri="{FF2B5EF4-FFF2-40B4-BE49-F238E27FC236}">
-                <a16:creationId xmlns:a16="http://schemas.microsoft.com/office/drawing/2014/main" xmlns="" id="{6192DEDD-6479-45E4-B1F5-6EDD41BBB103}"/>
+                <a16:creationId xmlns:a16="http://schemas.microsoft.com/office/drawing/2014/main" id="{6192DEDD-6479-45E4-B1F5-6EDD41BBB103}"/>
               </a:ext>
             </a:extLst>
           </p:cNvPr>
@@ -1514,7 +1510,7 @@
           <p:cNvPr id="2" name="Title 1">
             <a:extLst>
               <a:ext uri="{FF2B5EF4-FFF2-40B4-BE49-F238E27FC236}">
-                <a16:creationId xmlns:a16="http://schemas.microsoft.com/office/drawing/2014/main" xmlns="" id="{DC0ED888-63EF-4CC0-8500-9C8DB672FEC2}"/>
+                <a16:creationId xmlns:a16="http://schemas.microsoft.com/office/drawing/2014/main" id="{DC0ED888-63EF-4CC0-8500-9C8DB672FEC2}"/>
               </a:ext>
             </a:extLst>
           </p:cNvPr>
@@ -1548,7 +1544,7 @@
           <p:cNvPr id="3" name="Text Placeholder 2">
             <a:extLst>
               <a:ext uri="{FF2B5EF4-FFF2-40B4-BE49-F238E27FC236}">
-                <a16:creationId xmlns:a16="http://schemas.microsoft.com/office/drawing/2014/main" xmlns="" id="{3C33BC1E-FB79-4906-A967-9C7046C6D272}"/>
+                <a16:creationId xmlns:a16="http://schemas.microsoft.com/office/drawing/2014/main" id="{3C33BC1E-FB79-4906-A967-9C7046C6D272}"/>
               </a:ext>
             </a:extLst>
           </p:cNvPr>
@@ -1619,7 +1615,7 @@
           <p:cNvPr id="4" name="Content Placeholder 3">
             <a:extLst>
               <a:ext uri="{FF2B5EF4-FFF2-40B4-BE49-F238E27FC236}">
-                <a16:creationId xmlns:a16="http://schemas.microsoft.com/office/drawing/2014/main" xmlns="" id="{697A4EC6-1C42-4BA4-8108-32579276C17B}"/>
+                <a16:creationId xmlns:a16="http://schemas.microsoft.com/office/drawing/2014/main" id="{697A4EC6-1C42-4BA4-8108-32579276C17B}"/>
               </a:ext>
             </a:extLst>
           </p:cNvPr>
@@ -1682,7 +1678,7 @@
           <p:cNvPr id="5" name="Text Placeholder 4">
             <a:extLst>
               <a:ext uri="{FF2B5EF4-FFF2-40B4-BE49-F238E27FC236}">
-                <a16:creationId xmlns:a16="http://schemas.microsoft.com/office/drawing/2014/main" xmlns="" id="{8A2CA209-B9F5-4E1E-B302-74CC2D4CFDFB}"/>
+                <a16:creationId xmlns:a16="http://schemas.microsoft.com/office/drawing/2014/main" id="{8A2CA209-B9F5-4E1E-B302-74CC2D4CFDFB}"/>
               </a:ext>
             </a:extLst>
           </p:cNvPr>
@@ -1753,7 +1749,7 @@
           <p:cNvPr id="6" name="Content Placeholder 5">
             <a:extLst>
               <a:ext uri="{FF2B5EF4-FFF2-40B4-BE49-F238E27FC236}">
-                <a16:creationId xmlns:a16="http://schemas.microsoft.com/office/drawing/2014/main" xmlns="" id="{0E6E876D-DC4D-40EE-BA38-CD01089602CF}"/>
+                <a16:creationId xmlns:a16="http://schemas.microsoft.com/office/drawing/2014/main" id="{0E6E876D-DC4D-40EE-BA38-CD01089602CF}"/>
               </a:ext>
             </a:extLst>
           </p:cNvPr>
@@ -1816,7 +1812,7 @@
           <p:cNvPr id="7" name="Date Placeholder 6">
             <a:extLst>
               <a:ext uri="{FF2B5EF4-FFF2-40B4-BE49-F238E27FC236}">
-                <a16:creationId xmlns:a16="http://schemas.microsoft.com/office/drawing/2014/main" xmlns="" id="{F24E1D97-8B3C-41A1-B0BA-BA833AD8BC7C}"/>
+                <a16:creationId xmlns:a16="http://schemas.microsoft.com/office/drawing/2014/main" id="{F24E1D97-8B3C-41A1-B0BA-BA833AD8BC7C}"/>
               </a:ext>
             </a:extLst>
           </p:cNvPr>
@@ -1834,7 +1830,7 @@
           <a:p>
             <a:fld id="{03EC4E3E-8101-482F-A883-8B55DAFF7C07}" type="datetimeFigureOut">
               <a:rPr lang="en-SG" smtClean="0"/>
-              <a:t>5/3/19</a:t>
+              <a:t>2/4/19</a:t>
             </a:fld>
             <a:endParaRPr lang="en-SG"/>
           </a:p>
@@ -1845,7 +1841,7 @@
           <p:cNvPr id="8" name="Footer Placeholder 7">
             <a:extLst>
               <a:ext uri="{FF2B5EF4-FFF2-40B4-BE49-F238E27FC236}">
-                <a16:creationId xmlns:a16="http://schemas.microsoft.com/office/drawing/2014/main" xmlns="" id="{FC358D8F-B7DA-4DCE-AC8F-706450EEC0DC}"/>
+                <a16:creationId xmlns:a16="http://schemas.microsoft.com/office/drawing/2014/main" id="{FC358D8F-B7DA-4DCE-AC8F-706450EEC0DC}"/>
               </a:ext>
             </a:extLst>
           </p:cNvPr>
@@ -1870,7 +1866,7 @@
           <p:cNvPr id="9" name="Slide Number Placeholder 8">
             <a:extLst>
               <a:ext uri="{FF2B5EF4-FFF2-40B4-BE49-F238E27FC236}">
-                <a16:creationId xmlns:a16="http://schemas.microsoft.com/office/drawing/2014/main" xmlns="" id="{40CE354E-2C73-4B6F-8AEB-14D1378A77E1}"/>
+                <a16:creationId xmlns:a16="http://schemas.microsoft.com/office/drawing/2014/main" id="{40CE354E-2C73-4B6F-8AEB-14D1378A77E1}"/>
               </a:ext>
             </a:extLst>
           </p:cNvPr>
@@ -1929,7 +1925,7 @@
           <p:cNvPr id="2" name="Title 1">
             <a:extLst>
               <a:ext uri="{FF2B5EF4-FFF2-40B4-BE49-F238E27FC236}">
-                <a16:creationId xmlns:a16="http://schemas.microsoft.com/office/drawing/2014/main" xmlns="" id="{17D9D381-288C-43FB-86C2-AAA4FCFD43FD}"/>
+                <a16:creationId xmlns:a16="http://schemas.microsoft.com/office/drawing/2014/main" id="{17D9D381-288C-43FB-86C2-AAA4FCFD43FD}"/>
               </a:ext>
             </a:extLst>
           </p:cNvPr>
@@ -1958,7 +1954,7 @@
           <p:cNvPr id="3" name="Date Placeholder 2">
             <a:extLst>
               <a:ext uri="{FF2B5EF4-FFF2-40B4-BE49-F238E27FC236}">
-                <a16:creationId xmlns:a16="http://schemas.microsoft.com/office/drawing/2014/main" xmlns="" id="{A85D75E5-4830-4F75-8132-91122609F925}"/>
+                <a16:creationId xmlns:a16="http://schemas.microsoft.com/office/drawing/2014/main" id="{A85D75E5-4830-4F75-8132-91122609F925}"/>
               </a:ext>
             </a:extLst>
           </p:cNvPr>
@@ -1976,7 +1972,7 @@
           <a:p>
             <a:fld id="{03EC4E3E-8101-482F-A883-8B55DAFF7C07}" type="datetimeFigureOut">
               <a:rPr lang="en-SG" smtClean="0"/>
-              <a:t>5/3/19</a:t>
+              <a:t>2/4/19</a:t>
             </a:fld>
             <a:endParaRPr lang="en-SG"/>
           </a:p>
@@ -1987,7 +1983,7 @@
           <p:cNvPr id="4" name="Footer Placeholder 3">
             <a:extLst>
               <a:ext uri="{FF2B5EF4-FFF2-40B4-BE49-F238E27FC236}">
-                <a16:creationId xmlns:a16="http://schemas.microsoft.com/office/drawing/2014/main" xmlns="" id="{0C14A42C-834F-43EA-8053-84D5A665CEE7}"/>
+                <a16:creationId xmlns:a16="http://schemas.microsoft.com/office/drawing/2014/main" id="{0C14A42C-834F-43EA-8053-84D5A665CEE7}"/>
               </a:ext>
             </a:extLst>
           </p:cNvPr>
@@ -2012,7 +2008,7 @@
           <p:cNvPr id="5" name="Slide Number Placeholder 4">
             <a:extLst>
               <a:ext uri="{FF2B5EF4-FFF2-40B4-BE49-F238E27FC236}">
-                <a16:creationId xmlns:a16="http://schemas.microsoft.com/office/drawing/2014/main" xmlns="" id="{38C1E789-CDA9-48FF-A7BA-F21E31600226}"/>
+                <a16:creationId xmlns:a16="http://schemas.microsoft.com/office/drawing/2014/main" id="{38C1E789-CDA9-48FF-A7BA-F21E31600226}"/>
               </a:ext>
             </a:extLst>
           </p:cNvPr>
@@ -2071,7 +2067,7 @@
           <p:cNvPr id="2" name="Date Placeholder 1">
             <a:extLst>
               <a:ext uri="{FF2B5EF4-FFF2-40B4-BE49-F238E27FC236}">
-                <a16:creationId xmlns:a16="http://schemas.microsoft.com/office/drawing/2014/main" xmlns="" id="{21A40ECD-0ABD-4F35-B481-512A01FC643D}"/>
+                <a16:creationId xmlns:a16="http://schemas.microsoft.com/office/drawing/2014/main" id="{21A40ECD-0ABD-4F35-B481-512A01FC643D}"/>
               </a:ext>
             </a:extLst>
           </p:cNvPr>
@@ -2089,7 +2085,7 @@
           <a:p>
             <a:fld id="{03EC4E3E-8101-482F-A883-8B55DAFF7C07}" type="datetimeFigureOut">
               <a:rPr lang="en-SG" smtClean="0"/>
-              <a:t>5/3/19</a:t>
+              <a:t>2/4/19</a:t>
             </a:fld>
             <a:endParaRPr lang="en-SG"/>
           </a:p>
@@ -2100,7 +2096,7 @@
           <p:cNvPr id="3" name="Footer Placeholder 2">
             <a:extLst>
               <a:ext uri="{FF2B5EF4-FFF2-40B4-BE49-F238E27FC236}">
-                <a16:creationId xmlns:a16="http://schemas.microsoft.com/office/drawing/2014/main" xmlns="" id="{D44B8F11-A412-4FA6-9070-B9C742F699F3}"/>
+                <a16:creationId xmlns:a16="http://schemas.microsoft.com/office/drawing/2014/main" id="{D44B8F11-A412-4FA6-9070-B9C742F699F3}"/>
               </a:ext>
             </a:extLst>
           </p:cNvPr>
@@ -2125,7 +2121,7 @@
           <p:cNvPr id="4" name="Slide Number Placeholder 3">
             <a:extLst>
               <a:ext uri="{FF2B5EF4-FFF2-40B4-BE49-F238E27FC236}">
-                <a16:creationId xmlns:a16="http://schemas.microsoft.com/office/drawing/2014/main" xmlns="" id="{E3EA086A-DA0B-4378-A128-F213644ECB0C}"/>
+                <a16:creationId xmlns:a16="http://schemas.microsoft.com/office/drawing/2014/main" id="{E3EA086A-DA0B-4378-A128-F213644ECB0C}"/>
               </a:ext>
             </a:extLst>
           </p:cNvPr>
@@ -2184,7 +2180,7 @@
           <p:cNvPr id="2" name="Title 1">
             <a:extLst>
               <a:ext uri="{FF2B5EF4-FFF2-40B4-BE49-F238E27FC236}">
-                <a16:creationId xmlns:a16="http://schemas.microsoft.com/office/drawing/2014/main" xmlns="" id="{765D165A-D423-4E89-A075-D59A9FB59792}"/>
+                <a16:creationId xmlns:a16="http://schemas.microsoft.com/office/drawing/2014/main" id="{765D165A-D423-4E89-A075-D59A9FB59792}"/>
               </a:ext>
             </a:extLst>
           </p:cNvPr>
@@ -2222,7 +2218,7 @@
           <p:cNvPr id="3" name="Content Placeholder 2">
             <a:extLst>
               <a:ext uri="{FF2B5EF4-FFF2-40B4-BE49-F238E27FC236}">
-                <a16:creationId xmlns:a16="http://schemas.microsoft.com/office/drawing/2014/main" xmlns="" id="{77C2A5CC-2876-49CA-993D-F4F73FC9D2B0}"/>
+                <a16:creationId xmlns:a16="http://schemas.microsoft.com/office/drawing/2014/main" id="{77C2A5CC-2876-49CA-993D-F4F73FC9D2B0}"/>
               </a:ext>
             </a:extLst>
           </p:cNvPr>
@@ -2313,7 +2309,7 @@
           <p:cNvPr id="4" name="Text Placeholder 3">
             <a:extLst>
               <a:ext uri="{FF2B5EF4-FFF2-40B4-BE49-F238E27FC236}">
-                <a16:creationId xmlns:a16="http://schemas.microsoft.com/office/drawing/2014/main" xmlns="" id="{7B4DE2E8-CCF6-4E88-A858-05A04CD0D736}"/>
+                <a16:creationId xmlns:a16="http://schemas.microsoft.com/office/drawing/2014/main" id="{7B4DE2E8-CCF6-4E88-A858-05A04CD0D736}"/>
               </a:ext>
             </a:extLst>
           </p:cNvPr>
@@ -2384,7 +2380,7 @@
           <p:cNvPr id="5" name="Date Placeholder 4">
             <a:extLst>
               <a:ext uri="{FF2B5EF4-FFF2-40B4-BE49-F238E27FC236}">
-                <a16:creationId xmlns:a16="http://schemas.microsoft.com/office/drawing/2014/main" xmlns="" id="{CAEBEC1E-DE48-4B55-A846-F8248E381145}"/>
+                <a16:creationId xmlns:a16="http://schemas.microsoft.com/office/drawing/2014/main" id="{CAEBEC1E-DE48-4B55-A846-F8248E381145}"/>
               </a:ext>
             </a:extLst>
           </p:cNvPr>
@@ -2402,7 +2398,7 @@
           <a:p>
             <a:fld id="{03EC4E3E-8101-482F-A883-8B55DAFF7C07}" type="datetimeFigureOut">
               <a:rPr lang="en-SG" smtClean="0"/>
-              <a:t>5/3/19</a:t>
+              <a:t>2/4/19</a:t>
             </a:fld>
             <a:endParaRPr lang="en-SG"/>
           </a:p>
@@ -2413,7 +2409,7 @@
           <p:cNvPr id="6" name="Footer Placeholder 5">
             <a:extLst>
               <a:ext uri="{FF2B5EF4-FFF2-40B4-BE49-F238E27FC236}">
-                <a16:creationId xmlns:a16="http://schemas.microsoft.com/office/drawing/2014/main" xmlns="" id="{945A6E8B-6BC2-49E9-B4E5-DAD3F7A1A1BF}"/>
+                <a16:creationId xmlns:a16="http://schemas.microsoft.com/office/drawing/2014/main" id="{945A6E8B-6BC2-49E9-B4E5-DAD3F7A1A1BF}"/>
               </a:ext>
             </a:extLst>
           </p:cNvPr>
@@ -2438,7 +2434,7 @@
           <p:cNvPr id="7" name="Slide Number Placeholder 6">
             <a:extLst>
               <a:ext uri="{FF2B5EF4-FFF2-40B4-BE49-F238E27FC236}">
-                <a16:creationId xmlns:a16="http://schemas.microsoft.com/office/drawing/2014/main" xmlns="" id="{E5CF739B-EDF0-43CE-A87E-C49F040C85A5}"/>
+                <a16:creationId xmlns:a16="http://schemas.microsoft.com/office/drawing/2014/main" id="{E5CF739B-EDF0-43CE-A87E-C49F040C85A5}"/>
               </a:ext>
             </a:extLst>
           </p:cNvPr>
@@ -2497,7 +2493,7 @@
           <p:cNvPr id="2" name="Title 1">
             <a:extLst>
               <a:ext uri="{FF2B5EF4-FFF2-40B4-BE49-F238E27FC236}">
-                <a16:creationId xmlns:a16="http://schemas.microsoft.com/office/drawing/2014/main" xmlns="" id="{0091F49F-E849-4834-84DB-61CF2F2652D4}"/>
+                <a16:creationId xmlns:a16="http://schemas.microsoft.com/office/drawing/2014/main" id="{0091F49F-E849-4834-84DB-61CF2F2652D4}"/>
               </a:ext>
             </a:extLst>
           </p:cNvPr>
@@ -2535,7 +2531,7 @@
           <p:cNvPr id="3" name="Picture Placeholder 2">
             <a:extLst>
               <a:ext uri="{FF2B5EF4-FFF2-40B4-BE49-F238E27FC236}">
-                <a16:creationId xmlns:a16="http://schemas.microsoft.com/office/drawing/2014/main" xmlns="" id="{631D62A9-3420-4F1C-9EB9-09EF85106E78}"/>
+                <a16:creationId xmlns:a16="http://schemas.microsoft.com/office/drawing/2014/main" id="{631D62A9-3420-4F1C-9EB9-09EF85106E78}"/>
               </a:ext>
             </a:extLst>
           </p:cNvPr>
@@ -2602,7 +2598,7 @@
           <p:cNvPr id="4" name="Text Placeholder 3">
             <a:extLst>
               <a:ext uri="{FF2B5EF4-FFF2-40B4-BE49-F238E27FC236}">
-                <a16:creationId xmlns:a16="http://schemas.microsoft.com/office/drawing/2014/main" xmlns="" id="{E450EC8D-D7F4-45FC-AD8C-2E198A32CCA2}"/>
+                <a16:creationId xmlns:a16="http://schemas.microsoft.com/office/drawing/2014/main" id="{E450EC8D-D7F4-45FC-AD8C-2E198A32CCA2}"/>
               </a:ext>
             </a:extLst>
           </p:cNvPr>
@@ -2673,7 +2669,7 @@
           <p:cNvPr id="5" name="Date Placeholder 4">
             <a:extLst>
               <a:ext uri="{FF2B5EF4-FFF2-40B4-BE49-F238E27FC236}">
-                <a16:creationId xmlns:a16="http://schemas.microsoft.com/office/drawing/2014/main" xmlns="" id="{7A73D668-ABF4-41FE-958C-542EEDC5F6CC}"/>
+                <a16:creationId xmlns:a16="http://schemas.microsoft.com/office/drawing/2014/main" id="{7A73D668-ABF4-41FE-958C-542EEDC5F6CC}"/>
               </a:ext>
             </a:extLst>
           </p:cNvPr>
@@ -2691,7 +2687,7 @@
           <a:p>
             <a:fld id="{03EC4E3E-8101-482F-A883-8B55DAFF7C07}" type="datetimeFigureOut">
               <a:rPr lang="en-SG" smtClean="0"/>
-              <a:t>5/3/19</a:t>
+              <a:t>2/4/19</a:t>
             </a:fld>
             <a:endParaRPr lang="en-SG"/>
           </a:p>
@@ -2702,7 +2698,7 @@
           <p:cNvPr id="6" name="Footer Placeholder 5">
             <a:extLst>
               <a:ext uri="{FF2B5EF4-FFF2-40B4-BE49-F238E27FC236}">
-                <a16:creationId xmlns:a16="http://schemas.microsoft.com/office/drawing/2014/main" xmlns="" id="{F4A83B1C-93E7-4D32-9D1B-3F37403B1ACD}"/>
+                <a16:creationId xmlns:a16="http://schemas.microsoft.com/office/drawing/2014/main" id="{F4A83B1C-93E7-4D32-9D1B-3F37403B1ACD}"/>
               </a:ext>
             </a:extLst>
           </p:cNvPr>
@@ -2727,7 +2723,7 @@
           <p:cNvPr id="7" name="Slide Number Placeholder 6">
             <a:extLst>
               <a:ext uri="{FF2B5EF4-FFF2-40B4-BE49-F238E27FC236}">
-                <a16:creationId xmlns:a16="http://schemas.microsoft.com/office/drawing/2014/main" xmlns="" id="{C6AF73BE-F17B-487B-943B-28655BB51C92}"/>
+                <a16:creationId xmlns:a16="http://schemas.microsoft.com/office/drawing/2014/main" id="{C6AF73BE-F17B-487B-943B-28655BB51C92}"/>
               </a:ext>
             </a:extLst>
           </p:cNvPr>
@@ -2791,7 +2787,7 @@
           <p:cNvPr id="2" name="Title Placeholder 1">
             <a:extLst>
               <a:ext uri="{FF2B5EF4-FFF2-40B4-BE49-F238E27FC236}">
-                <a16:creationId xmlns:a16="http://schemas.microsoft.com/office/drawing/2014/main" xmlns="" id="{96F7127E-5F47-4B37-9FDB-695AB14D9551}"/>
+                <a16:creationId xmlns:a16="http://schemas.microsoft.com/office/drawing/2014/main" id="{96F7127E-5F47-4B37-9FDB-695AB14D9551}"/>
               </a:ext>
             </a:extLst>
           </p:cNvPr>
@@ -2830,7 +2826,7 @@
           <p:cNvPr id="3" name="Text Placeholder 2">
             <a:extLst>
               <a:ext uri="{FF2B5EF4-FFF2-40B4-BE49-F238E27FC236}">
-                <a16:creationId xmlns:a16="http://schemas.microsoft.com/office/drawing/2014/main" xmlns="" id="{3BD20F0F-B303-4EE3-AF17-E303EA90B1A3}"/>
+                <a16:creationId xmlns:a16="http://schemas.microsoft.com/office/drawing/2014/main" id="{3BD20F0F-B303-4EE3-AF17-E303EA90B1A3}"/>
               </a:ext>
             </a:extLst>
           </p:cNvPr>
@@ -2898,7 +2894,7 @@
           <p:cNvPr id="4" name="Date Placeholder 3">
             <a:extLst>
               <a:ext uri="{FF2B5EF4-FFF2-40B4-BE49-F238E27FC236}">
-                <a16:creationId xmlns:a16="http://schemas.microsoft.com/office/drawing/2014/main" xmlns="" id="{7927ADFB-0C7F-4333-A456-815FAB4B0315}"/>
+                <a16:creationId xmlns:a16="http://schemas.microsoft.com/office/drawing/2014/main" id="{7927ADFB-0C7F-4333-A456-815FAB4B0315}"/>
               </a:ext>
             </a:extLst>
           </p:cNvPr>
@@ -2934,7 +2930,7 @@
           <a:p>
             <a:fld id="{03EC4E3E-8101-482F-A883-8B55DAFF7C07}" type="datetimeFigureOut">
               <a:rPr lang="en-SG" smtClean="0"/>
-              <a:t>5/3/19</a:t>
+              <a:t>2/4/19</a:t>
             </a:fld>
             <a:endParaRPr lang="en-SG"/>
           </a:p>
@@ -2945,7 +2941,7 @@
           <p:cNvPr id="5" name="Footer Placeholder 4">
             <a:extLst>
               <a:ext uri="{FF2B5EF4-FFF2-40B4-BE49-F238E27FC236}">
-                <a16:creationId xmlns:a16="http://schemas.microsoft.com/office/drawing/2014/main" xmlns="" id="{A1992B28-8397-4C93-A277-5EE43A537825}"/>
+                <a16:creationId xmlns:a16="http://schemas.microsoft.com/office/drawing/2014/main" id="{A1992B28-8397-4C93-A277-5EE43A537825}"/>
               </a:ext>
             </a:extLst>
           </p:cNvPr>
@@ -2988,7 +2984,7 @@
           <p:cNvPr id="6" name="Slide Number Placeholder 5">
             <a:extLst>
               <a:ext uri="{FF2B5EF4-FFF2-40B4-BE49-F238E27FC236}">
-                <a16:creationId xmlns:a16="http://schemas.microsoft.com/office/drawing/2014/main" xmlns="" id="{D7231209-A74B-4134-87D0-421AB81BBB47}"/>
+                <a16:creationId xmlns:a16="http://schemas.microsoft.com/office/drawing/2014/main" id="{D7231209-A74B-4134-87D0-421AB81BBB47}"/>
               </a:ext>
             </a:extLst>
           </p:cNvPr>
@@ -3356,7 +3352,7 @@
           <p:cNvPr id="45" name="TextBox 44">
             <a:extLst>
               <a:ext uri="{FF2B5EF4-FFF2-40B4-BE49-F238E27FC236}">
-                <a16:creationId xmlns:a16="http://schemas.microsoft.com/office/drawing/2014/main" xmlns="" id="{3151A13B-9509-43FA-BFEB-1D9866A00B84}"/>
+                <a16:creationId xmlns:a16="http://schemas.microsoft.com/office/drawing/2014/main" id="{3151A13B-9509-43FA-BFEB-1D9866A00B84}"/>
               </a:ext>
             </a:extLst>
           </p:cNvPr>
@@ -3400,7 +3396,7 @@
           <p:cNvPr id="13" name="Table 12">
             <a:extLst>
               <a:ext uri="{FF2B5EF4-FFF2-40B4-BE49-F238E27FC236}">
-                <a16:creationId xmlns:a16="http://schemas.microsoft.com/office/drawing/2014/main" xmlns="" id="{F545FAB8-F1CE-4886-9BDE-E772BCB0A9C4}"/>
+                <a16:creationId xmlns:a16="http://schemas.microsoft.com/office/drawing/2014/main" id="{F545FAB8-F1CE-4886-9BDE-E772BCB0A9C4}"/>
               </a:ext>
             </a:extLst>
           </p:cNvPr>
@@ -3410,7 +3406,7 @@
           <p:nvPr>
             <p:extLst>
               <p:ext uri="{D42A27DB-BD31-4B8C-83A1-F6EECF244321}">
-                <p14:modId xmlns:p14="http://schemas.microsoft.com/office/powerpoint/2010/main" val="251345024"/>
+                <p14:modId xmlns:p14="http://schemas.microsoft.com/office/powerpoint/2010/main" val="883300784"/>
               </p:ext>
             </p:extLst>
           </p:nvPr>
@@ -3429,7 +3425,7 @@
                 <a:gridCol w="1833356">
                   <a:extLst>
                     <a:ext uri="{9D8B030D-6E8A-4147-A177-3AD203B41FA5}">
-                      <a16:colId xmlns:a16="http://schemas.microsoft.com/office/drawing/2014/main" xmlns="" val="4240773277"/>
+                      <a16:colId xmlns:a16="http://schemas.microsoft.com/office/drawing/2014/main" val="4240773277"/>
                     </a:ext>
                   </a:extLst>
                 </a:gridCol>
@@ -3441,11 +3437,11 @@
                     <a:lstStyle/>
                     <a:p>
                       <a:r>
-                        <a:rPr lang="en-SG" u="sng" dirty="0" smtClean="0"/>
+                        <a:rPr lang="en-SG" u="sng" dirty="0"/>
                         <a:t>b0:</a:t>
                       </a:r>
                       <a:r>
-                        <a:rPr lang="en-SG" sz="1800" u="sng" dirty="0" smtClean="0"/>
+                        <a:rPr lang="en-SG" sz="1800" u="sng" dirty="0"/>
                         <a:t>BookShelf</a:t>
                       </a:r>
                       <a:endParaRPr lang="en-SG" sz="1600" u="sng" dirty="0"/>
@@ -3455,7 +3451,7 @@
                 </a:tc>
                 <a:extLst>
                   <a:ext uri="{0D108BD9-81ED-4DB2-BD59-A6C34878D82A}">
-                    <a16:rowId xmlns:a16="http://schemas.microsoft.com/office/drawing/2014/main" xmlns="" val="2194462629"/>
+                    <a16:rowId xmlns:a16="http://schemas.microsoft.com/office/drawing/2014/main" val="2194462629"/>
                   </a:ext>
                 </a:extLst>
               </a:tr>
@@ -3503,9 +3499,12 @@
               <a:rPr lang="en-SG" dirty="0"/>
               <a:t>delete </a:t>
             </a:r>
-            <a:r>
-              <a:rPr lang="en-SG" dirty="0" smtClean="0"/>
-              <a:t>Alice</a:t>
+          </a:p>
+          <a:p>
+            <a:pPr algn="ctr"/>
+            <a:r>
+              <a:rPr lang="en-SG"/>
+              <a:t>1</a:t>
             </a:r>
             <a:endParaRPr lang="en-US" dirty="0"/>
           </a:p>
@@ -3562,7 +3561,7 @@
           <p:cNvPr id="19" name="TextBox 18">
             <a:extLst>
               <a:ext uri="{FF2B5EF4-FFF2-40B4-BE49-F238E27FC236}">
-                <a16:creationId xmlns:a16="http://schemas.microsoft.com/office/drawing/2014/main" xmlns="" id="{3151A13B-9509-43FA-BFEB-1D9866A00B84}"/>
+                <a16:creationId xmlns:a16="http://schemas.microsoft.com/office/drawing/2014/main" id="{3151A13B-9509-43FA-BFEB-1D9866A00B84}"/>
               </a:ext>
             </a:extLst>
           </p:cNvPr>
@@ -3652,7 +3651,7 @@
           <p:cNvPr id="12" name="Table 11">
             <a:extLst>
               <a:ext uri="{FF2B5EF4-FFF2-40B4-BE49-F238E27FC236}">
-                <a16:creationId xmlns:a16="http://schemas.microsoft.com/office/drawing/2014/main" xmlns="" id="{F545FAB8-F1CE-4886-9BDE-E772BCB0A9C4}"/>
+                <a16:creationId xmlns:a16="http://schemas.microsoft.com/office/drawing/2014/main" id="{F545FAB8-F1CE-4886-9BDE-E772BCB0A9C4}"/>
               </a:ext>
             </a:extLst>
           </p:cNvPr>
@@ -3662,7 +3661,7 @@
           <p:nvPr>
             <p:extLst>
               <p:ext uri="{D42A27DB-BD31-4B8C-83A1-F6EECF244321}">
-                <p14:modId xmlns:p14="http://schemas.microsoft.com/office/powerpoint/2010/main" val="255484719"/>
+                <p14:modId xmlns:p14="http://schemas.microsoft.com/office/powerpoint/2010/main" val="1753534712"/>
               </p:ext>
             </p:extLst>
           </p:nvPr>
@@ -3681,7 +3680,7 @@
                 <a:gridCol w="1833356">
                   <a:extLst>
                     <a:ext uri="{9D8B030D-6E8A-4147-A177-3AD203B41FA5}">
-                      <a16:colId xmlns:a16="http://schemas.microsoft.com/office/drawing/2014/main" xmlns="" val="4240773277"/>
+                      <a16:colId xmlns:a16="http://schemas.microsoft.com/office/drawing/2014/main" val="4240773277"/>
                     </a:ext>
                   </a:extLst>
                 </a:gridCol>
@@ -3693,11 +3692,11 @@
                     <a:lstStyle/>
                     <a:p>
                       <a:r>
-                        <a:rPr lang="en-SG" u="sng" smtClean="0"/>
+                        <a:rPr lang="en-SG" u="sng"/>
                         <a:t>b0:</a:t>
                       </a:r>
                       <a:r>
-                        <a:rPr lang="en-SG" sz="1800" u="sng" smtClean="0"/>
+                        <a:rPr lang="en-SG" sz="1800" u="sng"/>
                         <a:t>BookShelf</a:t>
                       </a:r>
                       <a:endParaRPr lang="en-SG" sz="1600" u="sng" dirty="0"/>
@@ -3707,7 +3706,7 @@
                 </a:tc>
                 <a:extLst>
                   <a:ext uri="{0D108BD9-81ED-4DB2-BD59-A6C34878D82A}">
-                    <a16:rowId xmlns:a16="http://schemas.microsoft.com/office/drawing/2014/main" xmlns="" val="2194462629"/>
+                    <a16:rowId xmlns:a16="http://schemas.microsoft.com/office/drawing/2014/main" val="2194462629"/>
                   </a:ext>
                 </a:extLst>
               </a:tr>
@@ -3720,7 +3719,7 @@
           <p:cNvPr id="15" name="Table 14">
             <a:extLst>
               <a:ext uri="{FF2B5EF4-FFF2-40B4-BE49-F238E27FC236}">
-                <a16:creationId xmlns:a16="http://schemas.microsoft.com/office/drawing/2014/main" xmlns="" id="{F545FAB8-F1CE-4886-9BDE-E772BCB0A9C4}"/>
+                <a16:creationId xmlns:a16="http://schemas.microsoft.com/office/drawing/2014/main" id="{F545FAB8-F1CE-4886-9BDE-E772BCB0A9C4}"/>
               </a:ext>
             </a:extLst>
           </p:cNvPr>
@@ -3730,7 +3729,7 @@
           <p:nvPr>
             <p:extLst>
               <p:ext uri="{D42A27DB-BD31-4B8C-83A1-F6EECF244321}">
-                <p14:modId xmlns:p14="http://schemas.microsoft.com/office/powerpoint/2010/main" val="1111861880"/>
+                <p14:modId xmlns:p14="http://schemas.microsoft.com/office/powerpoint/2010/main" val="3469688890"/>
               </p:ext>
             </p:extLst>
           </p:nvPr>
@@ -3749,7 +3748,7 @@
                 <a:gridCol w="1833356">
                   <a:extLst>
                     <a:ext uri="{9D8B030D-6E8A-4147-A177-3AD203B41FA5}">
-                      <a16:colId xmlns:a16="http://schemas.microsoft.com/office/drawing/2014/main" xmlns="" val="4240773277"/>
+                      <a16:colId xmlns:a16="http://schemas.microsoft.com/office/drawing/2014/main" val="4240773277"/>
                     </a:ext>
                   </a:extLst>
                 </a:gridCol>
@@ -3761,11 +3760,11 @@
                     <a:lstStyle/>
                     <a:p>
                       <a:r>
-                        <a:rPr lang="en-SG" u="sng" dirty="0" smtClean="0"/>
+                        <a:rPr lang="en-SG" u="sng" dirty="0"/>
                         <a:t>b0:</a:t>
                       </a:r>
                       <a:r>
-                        <a:rPr lang="en-SG" sz="1800" u="sng" dirty="0" smtClean="0"/>
+                        <a:rPr lang="en-SG" sz="1800" u="sng" dirty="0"/>
                         <a:t>BookShelf</a:t>
                       </a:r>
                       <a:endParaRPr lang="en-SG" sz="1600" u="sng" dirty="0"/>
@@ -3775,7 +3774,7 @@
                 </a:tc>
                 <a:extLst>
                   <a:ext uri="{0D108BD9-81ED-4DB2-BD59-A6C34878D82A}">
-                    <a16:rowId xmlns:a16="http://schemas.microsoft.com/office/drawing/2014/main" xmlns="" val="2194462629"/>
+                    <a16:rowId xmlns:a16="http://schemas.microsoft.com/office/drawing/2014/main" val="2194462629"/>
                   </a:ext>
                 </a:extLst>
               </a:tr>
@@ -3788,7 +3787,7 @@
           <p:cNvPr id="14" name="Straight Arrow Connector 13">
             <a:extLst>
               <a:ext uri="{FF2B5EF4-FFF2-40B4-BE49-F238E27FC236}">
-                <a16:creationId xmlns:a16="http://schemas.microsoft.com/office/drawing/2014/main" xmlns="" id="{4E562EDA-12B3-44FD-8B44-BCF3C4356EB8}"/>
+                <a16:creationId xmlns:a16="http://schemas.microsoft.com/office/drawing/2014/main" id="{4E562EDA-12B3-44FD-8B44-BCF3C4356EB8}"/>
               </a:ext>
             </a:extLst>
           </p:cNvPr>
@@ -3832,7 +3831,7 @@
           <p:cNvPr id="16" name="Straight Arrow Connector 15">
             <a:extLst>
               <a:ext uri="{FF2B5EF4-FFF2-40B4-BE49-F238E27FC236}">
-                <a16:creationId xmlns:a16="http://schemas.microsoft.com/office/drawing/2014/main" xmlns="" id="{0C07500F-40C6-444B-B521-89577F312910}"/>
+                <a16:creationId xmlns:a16="http://schemas.microsoft.com/office/drawing/2014/main" id="{0C07500F-40C6-444B-B521-89577F312910}"/>
               </a:ext>
             </a:extLst>
           </p:cNvPr>

--- a/docs/diagrams/UndoRedoNewCommand1StateListDiagram.pptx
+++ b/docs/diagrams/UndoRedoNewCommand1StateListDiagram.pptx
@@ -112,10 +112,6 @@
 </p:presentation>
 </file>
 
-<file path=ppt/revisionInfo.xml><?xml version="1.0" encoding="utf-8"?>
-<p1510:revInfo xmlns:a="http://schemas.openxmlformats.org/drawingml/2006/main" xmlns:r="http://schemas.openxmlformats.org/officeDocument/2006/relationships" xmlns:p1510="http://schemas.microsoft.com/office/powerpoint/2015/10/main"/>
-</file>
-
 <file path=ppt/slideLayouts/slideLayout1.xml><?xml version="1.0" encoding="utf-8"?>
 <p:sldLayout xmlns:a="http://schemas.openxmlformats.org/drawingml/2006/main" xmlns:r="http://schemas.openxmlformats.org/officeDocument/2006/relationships" xmlns:p="http://schemas.openxmlformats.org/presentationml/2006/main" type="title" preserve="1">
   <p:cSld name="Title Slide">
@@ -265,7 +261,7 @@
           <a:p>
             <a:fld id="{03EC4E3E-8101-482F-A883-8B55DAFF7C07}" type="datetimeFigureOut">
               <a:rPr lang="en-SG" smtClean="0"/>
-              <a:t>6/7/2018</a:t>
+              <a:t>5/4/19</a:t>
             </a:fld>
             <a:endParaRPr lang="en-SG"/>
           </a:p>
@@ -465,7 +461,7 @@
           <a:p>
             <a:fld id="{03EC4E3E-8101-482F-A883-8B55DAFF7C07}" type="datetimeFigureOut">
               <a:rPr lang="en-SG" smtClean="0"/>
-              <a:t>6/7/2018</a:t>
+              <a:t>5/4/19</a:t>
             </a:fld>
             <a:endParaRPr lang="en-SG"/>
           </a:p>
@@ -675,7 +671,7 @@
           <a:p>
             <a:fld id="{03EC4E3E-8101-482F-A883-8B55DAFF7C07}" type="datetimeFigureOut">
               <a:rPr lang="en-SG" smtClean="0"/>
-              <a:t>6/7/2018</a:t>
+              <a:t>5/4/19</a:t>
             </a:fld>
             <a:endParaRPr lang="en-SG"/>
           </a:p>
@@ -875,7 +871,7 @@
           <a:p>
             <a:fld id="{03EC4E3E-8101-482F-A883-8B55DAFF7C07}" type="datetimeFigureOut">
               <a:rPr lang="en-SG" smtClean="0"/>
-              <a:t>6/7/2018</a:t>
+              <a:t>5/4/19</a:t>
             </a:fld>
             <a:endParaRPr lang="en-SG"/>
           </a:p>
@@ -1151,7 +1147,7 @@
           <a:p>
             <a:fld id="{03EC4E3E-8101-482F-A883-8B55DAFF7C07}" type="datetimeFigureOut">
               <a:rPr lang="en-SG" smtClean="0"/>
-              <a:t>6/7/2018</a:t>
+              <a:t>5/4/19</a:t>
             </a:fld>
             <a:endParaRPr lang="en-SG"/>
           </a:p>
@@ -1419,7 +1415,7 @@
           <a:p>
             <a:fld id="{03EC4E3E-8101-482F-A883-8B55DAFF7C07}" type="datetimeFigureOut">
               <a:rPr lang="en-SG" smtClean="0"/>
-              <a:t>6/7/2018</a:t>
+              <a:t>5/4/19</a:t>
             </a:fld>
             <a:endParaRPr lang="en-SG"/>
           </a:p>
@@ -1834,7 +1830,7 @@
           <a:p>
             <a:fld id="{03EC4E3E-8101-482F-A883-8B55DAFF7C07}" type="datetimeFigureOut">
               <a:rPr lang="en-SG" smtClean="0"/>
-              <a:t>6/7/2018</a:t>
+              <a:t>5/4/19</a:t>
             </a:fld>
             <a:endParaRPr lang="en-SG"/>
           </a:p>
@@ -1976,7 +1972,7 @@
           <a:p>
             <a:fld id="{03EC4E3E-8101-482F-A883-8B55DAFF7C07}" type="datetimeFigureOut">
               <a:rPr lang="en-SG" smtClean="0"/>
-              <a:t>6/7/2018</a:t>
+              <a:t>5/4/19</a:t>
             </a:fld>
             <a:endParaRPr lang="en-SG"/>
           </a:p>
@@ -2089,7 +2085,7 @@
           <a:p>
             <a:fld id="{03EC4E3E-8101-482F-A883-8B55DAFF7C07}" type="datetimeFigureOut">
               <a:rPr lang="en-SG" smtClean="0"/>
-              <a:t>6/7/2018</a:t>
+              <a:t>5/4/19</a:t>
             </a:fld>
             <a:endParaRPr lang="en-SG"/>
           </a:p>
@@ -2402,7 +2398,7 @@
           <a:p>
             <a:fld id="{03EC4E3E-8101-482F-A883-8B55DAFF7C07}" type="datetimeFigureOut">
               <a:rPr lang="en-SG" smtClean="0"/>
-              <a:t>6/7/2018</a:t>
+              <a:t>5/4/19</a:t>
             </a:fld>
             <a:endParaRPr lang="en-SG"/>
           </a:p>
@@ -2691,7 +2687,7 @@
           <a:p>
             <a:fld id="{03EC4E3E-8101-482F-A883-8B55DAFF7C07}" type="datetimeFigureOut">
               <a:rPr lang="en-SG" smtClean="0"/>
-              <a:t>6/7/2018</a:t>
+              <a:t>5/4/19</a:t>
             </a:fld>
             <a:endParaRPr lang="en-SG"/>
           </a:p>
@@ -2934,7 +2930,7 @@
           <a:p>
             <a:fld id="{03EC4E3E-8101-482F-A883-8B55DAFF7C07}" type="datetimeFigureOut">
               <a:rPr lang="en-SG" smtClean="0"/>
-              <a:t>6/7/2018</a:t>
+              <a:t>5/4/19</a:t>
             </a:fld>
             <a:endParaRPr lang="en-SG"/>
           </a:p>
@@ -3410,7 +3406,7 @@
           <p:nvPr>
             <p:extLst>
               <p:ext uri="{D42A27DB-BD31-4B8C-83A1-F6EECF244321}">
-                <p14:modId xmlns:p14="http://schemas.microsoft.com/office/powerpoint/2010/main" val="770650361"/>
+                <p14:modId xmlns:p14="http://schemas.microsoft.com/office/powerpoint/2010/main" val="2313660200"/>
               </p:ext>
             </p:extLst>
           </p:nvPr>
@@ -3440,15 +3436,11 @@
                     <a:bodyPr/>
                     <a:lstStyle/>
                     <a:p>
+                      <a:pPr algn="ctr"/>
                       <a:r>
                         <a:rPr lang="en-SG" u="sng" dirty="0"/>
-                        <a:t>ab0:</a:t>
+                        <a:t>fd0:FoodDiary</a:t>
                       </a:r>
-                      <a:r>
-                        <a:rPr lang="en-SG" sz="1800" u="sng" dirty="0"/>
-                        <a:t>AddressBook</a:t>
-                      </a:r>
-                      <a:endParaRPr lang="en-SG" sz="1600" u="sng" dirty="0"/>
                     </a:p>
                   </a:txBody>
                   <a:tcPr/>
@@ -3658,7 +3650,7 @@
           <p:nvPr>
             <p:extLst>
               <p:ext uri="{D42A27DB-BD31-4B8C-83A1-F6EECF244321}">
-                <p14:modId xmlns:p14="http://schemas.microsoft.com/office/powerpoint/2010/main" val="2370624015"/>
+                <p14:modId xmlns:p14="http://schemas.microsoft.com/office/powerpoint/2010/main" val="1152906740"/>
               </p:ext>
             </p:extLst>
           </p:nvPr>
@@ -3688,15 +3680,11 @@
                     <a:bodyPr/>
                     <a:lstStyle/>
                     <a:p>
+                      <a:pPr algn="ctr"/>
                       <a:r>
                         <a:rPr lang="en-SG" u="sng" dirty="0"/>
-                        <a:t>ab1:</a:t>
+                        <a:t>fd1:FoodDiary</a:t>
                       </a:r>
-                      <a:r>
-                        <a:rPr lang="en-SG" sz="1800" u="sng" dirty="0"/>
-                        <a:t>AddressBook</a:t>
-                      </a:r>
-                      <a:endParaRPr lang="en-SG" sz="1600" u="sng" dirty="0"/>
                     </a:p>
                   </a:txBody>
                   <a:tcPr/>
@@ -3726,7 +3714,7 @@
           <p:nvPr>
             <p:extLst>
               <p:ext uri="{D42A27DB-BD31-4B8C-83A1-F6EECF244321}">
-                <p14:modId xmlns:p14="http://schemas.microsoft.com/office/powerpoint/2010/main" val="2523374166"/>
+                <p14:modId xmlns:p14="http://schemas.microsoft.com/office/powerpoint/2010/main" val="1804220099"/>
               </p:ext>
             </p:extLst>
           </p:nvPr>
@@ -3756,15 +3744,11 @@
                     <a:bodyPr/>
                     <a:lstStyle/>
                     <a:p>
+                      <a:pPr algn="ctr"/>
                       <a:r>
                         <a:rPr lang="en-SG" u="sng" dirty="0"/>
-                        <a:t>ab0:</a:t>
+                        <a:t>fd0:FoodDiary</a:t>
                       </a:r>
-                      <a:r>
-                        <a:rPr lang="en-SG" sz="1800" u="sng" dirty="0"/>
-                        <a:t>AddressBook</a:t>
-                      </a:r>
-                      <a:endParaRPr lang="en-SG" sz="1600" u="sng" dirty="0"/>
                     </a:p>
                   </a:txBody>
                   <a:tcPr/>

--- a/docs/diagrams/UndoRedoNewCommand1StateListDiagram.pptx
+++ b/docs/diagrams/UndoRedoNewCommand1StateListDiagram.pptx
@@ -106,7 +106,7 @@
   </p:defaultTextStyle>
   <p:extLst>
     <p:ext uri="{EFAFB233-063F-42B5-8137-9DF3F51BA10A}">
-      <p15:sldGuideLst xmlns:p15="http://schemas.microsoft.com/office/powerpoint/2012/main">
+      <p15:sldGuideLst xmlns:p15="http://schemas.microsoft.com/office/powerpoint/2012/main" xmlns="">
         <p15:guide id="1" orient="horz" pos="2160">
           <p15:clr>
             <a:srgbClr val="A4A3A4"/>
@@ -145,7 +145,7 @@
           <p:cNvPr id="2" name="Title 1">
             <a:extLst>
               <a:ext uri="{FF2B5EF4-FFF2-40B4-BE49-F238E27FC236}">
-                <a16:creationId xmlns:a16="http://schemas.microsoft.com/office/drawing/2014/main" id="{39FCC519-EE2E-4054-A653-93D611E0133E}"/>
+                <a16:creationId xmlns:a16="http://schemas.microsoft.com/office/drawing/2014/main" xmlns="" id="{39FCC519-EE2E-4054-A653-93D611E0133E}"/>
               </a:ext>
             </a:extLst>
           </p:cNvPr>
@@ -183,7 +183,7 @@
           <p:cNvPr id="3" name="Subtitle 2">
             <a:extLst>
               <a:ext uri="{FF2B5EF4-FFF2-40B4-BE49-F238E27FC236}">
-                <a16:creationId xmlns:a16="http://schemas.microsoft.com/office/drawing/2014/main" id="{3EDEA74E-4030-4F69-A055-4C6319EEEC29}"/>
+                <a16:creationId xmlns:a16="http://schemas.microsoft.com/office/drawing/2014/main" xmlns="" id="{3EDEA74E-4030-4F69-A055-4C6319EEEC29}"/>
               </a:ext>
             </a:extLst>
           </p:cNvPr>
@@ -254,7 +254,7 @@
           <p:cNvPr id="4" name="Date Placeholder 3">
             <a:extLst>
               <a:ext uri="{FF2B5EF4-FFF2-40B4-BE49-F238E27FC236}">
-                <a16:creationId xmlns:a16="http://schemas.microsoft.com/office/drawing/2014/main" id="{E5CC99E3-37A6-4485-B9A2-AF27A72608C6}"/>
+                <a16:creationId xmlns:a16="http://schemas.microsoft.com/office/drawing/2014/main" xmlns="" id="{E5CC99E3-37A6-4485-B9A2-AF27A72608C6}"/>
               </a:ext>
             </a:extLst>
           </p:cNvPr>
@@ -273,9 +273,9 @@
             <a:fld id="{03EC4E3E-8101-482F-A883-8B55DAFF7C07}" type="datetimeFigureOut">
               <a:rPr lang="en-SG" smtClean="0"/>
               <a:pPr/>
-              <a:t>2/4/2019</a:t>
+              <a:t>11/4/2019</a:t>
             </a:fld>
-            <a:endParaRPr lang="en-SG"/>
+            <a:endParaRPr lang="en-SG" dirty="0"/>
           </a:p>
         </p:txBody>
       </p:sp>
@@ -284,7 +284,7 @@
           <p:cNvPr id="5" name="Footer Placeholder 4">
             <a:extLst>
               <a:ext uri="{FF2B5EF4-FFF2-40B4-BE49-F238E27FC236}">
-                <a16:creationId xmlns:a16="http://schemas.microsoft.com/office/drawing/2014/main" id="{D75BD546-D949-4A25-8EA4-47DF23229409}"/>
+                <a16:creationId xmlns:a16="http://schemas.microsoft.com/office/drawing/2014/main" xmlns="" id="{D75BD546-D949-4A25-8EA4-47DF23229409}"/>
               </a:ext>
             </a:extLst>
           </p:cNvPr>
@@ -300,7 +300,7 @@
           <a:bodyPr/>
           <a:lstStyle/>
           <a:p>
-            <a:endParaRPr lang="en-SG"/>
+            <a:endParaRPr lang="en-SG" dirty="0"/>
           </a:p>
         </p:txBody>
       </p:sp>
@@ -309,7 +309,7 @@
           <p:cNvPr id="6" name="Slide Number Placeholder 5">
             <a:extLst>
               <a:ext uri="{FF2B5EF4-FFF2-40B4-BE49-F238E27FC236}">
-                <a16:creationId xmlns:a16="http://schemas.microsoft.com/office/drawing/2014/main" id="{68147391-4DF6-4ACF-BCE9-C1A9DAC803E3}"/>
+                <a16:creationId xmlns:a16="http://schemas.microsoft.com/office/drawing/2014/main" xmlns="" id="{68147391-4DF6-4ACF-BCE9-C1A9DAC803E3}"/>
               </a:ext>
             </a:extLst>
           </p:cNvPr>
@@ -330,14 +330,14 @@
               <a:pPr/>
               <a:t>‹#›</a:t>
             </a:fld>
-            <a:endParaRPr lang="en-SG"/>
+            <a:endParaRPr lang="en-SG" dirty="0"/>
           </a:p>
         </p:txBody>
       </p:sp>
     </p:spTree>
     <p:extLst>
       <p:ext uri="{BB962C8B-B14F-4D97-AF65-F5344CB8AC3E}">
-        <p14:creationId xmlns:p14="http://schemas.microsoft.com/office/powerpoint/2010/main" val="4227771393"/>
+        <p14:creationId xmlns:p14="http://schemas.microsoft.com/office/powerpoint/2010/main" xmlns="" val="4227771393"/>
       </p:ext>
     </p:extLst>
   </p:cSld>
@@ -369,7 +369,7 @@
           <p:cNvPr id="2" name="Title 1">
             <a:extLst>
               <a:ext uri="{FF2B5EF4-FFF2-40B4-BE49-F238E27FC236}">
-                <a16:creationId xmlns:a16="http://schemas.microsoft.com/office/drawing/2014/main" id="{251D3DFE-0C62-45F5-B1BF-FD1F194ED112}"/>
+                <a16:creationId xmlns:a16="http://schemas.microsoft.com/office/drawing/2014/main" xmlns="" id="{251D3DFE-0C62-45F5-B1BF-FD1F194ED112}"/>
               </a:ext>
             </a:extLst>
           </p:cNvPr>
@@ -398,7 +398,7 @@
           <p:cNvPr id="3" name="Vertical Text Placeholder 2">
             <a:extLst>
               <a:ext uri="{FF2B5EF4-FFF2-40B4-BE49-F238E27FC236}">
-                <a16:creationId xmlns:a16="http://schemas.microsoft.com/office/drawing/2014/main" id="{D2392762-3586-4B6D-A174-2D3ACF0A125B}"/>
+                <a16:creationId xmlns:a16="http://schemas.microsoft.com/office/drawing/2014/main" xmlns="" id="{D2392762-3586-4B6D-A174-2D3ACF0A125B}"/>
               </a:ext>
             </a:extLst>
           </p:cNvPr>
@@ -456,7 +456,7 @@
           <p:cNvPr id="4" name="Date Placeholder 3">
             <a:extLst>
               <a:ext uri="{FF2B5EF4-FFF2-40B4-BE49-F238E27FC236}">
-                <a16:creationId xmlns:a16="http://schemas.microsoft.com/office/drawing/2014/main" id="{73B232E7-84FB-4535-9FC1-1BEF8F17421F}"/>
+                <a16:creationId xmlns:a16="http://schemas.microsoft.com/office/drawing/2014/main" xmlns="" id="{73B232E7-84FB-4535-9FC1-1BEF8F17421F}"/>
               </a:ext>
             </a:extLst>
           </p:cNvPr>
@@ -475,9 +475,9 @@
             <a:fld id="{03EC4E3E-8101-482F-A883-8B55DAFF7C07}" type="datetimeFigureOut">
               <a:rPr lang="en-SG" smtClean="0"/>
               <a:pPr/>
-              <a:t>2/4/2019</a:t>
+              <a:t>11/4/2019</a:t>
             </a:fld>
-            <a:endParaRPr lang="en-SG"/>
+            <a:endParaRPr lang="en-SG" dirty="0"/>
           </a:p>
         </p:txBody>
       </p:sp>
@@ -486,7 +486,7 @@
           <p:cNvPr id="5" name="Footer Placeholder 4">
             <a:extLst>
               <a:ext uri="{FF2B5EF4-FFF2-40B4-BE49-F238E27FC236}">
-                <a16:creationId xmlns:a16="http://schemas.microsoft.com/office/drawing/2014/main" id="{76F796EF-04EF-401A-AC84-F7BDBC99DE80}"/>
+                <a16:creationId xmlns:a16="http://schemas.microsoft.com/office/drawing/2014/main" xmlns="" id="{76F796EF-04EF-401A-AC84-F7BDBC99DE80}"/>
               </a:ext>
             </a:extLst>
           </p:cNvPr>
@@ -502,7 +502,7 @@
           <a:bodyPr/>
           <a:lstStyle/>
           <a:p>
-            <a:endParaRPr lang="en-SG"/>
+            <a:endParaRPr lang="en-SG" dirty="0"/>
           </a:p>
         </p:txBody>
       </p:sp>
@@ -511,7 +511,7 @@
           <p:cNvPr id="6" name="Slide Number Placeholder 5">
             <a:extLst>
               <a:ext uri="{FF2B5EF4-FFF2-40B4-BE49-F238E27FC236}">
-                <a16:creationId xmlns:a16="http://schemas.microsoft.com/office/drawing/2014/main" id="{8F55F009-0A64-4649-A732-4AA6D619F1F3}"/>
+                <a16:creationId xmlns:a16="http://schemas.microsoft.com/office/drawing/2014/main" xmlns="" id="{8F55F009-0A64-4649-A732-4AA6D619F1F3}"/>
               </a:ext>
             </a:extLst>
           </p:cNvPr>
@@ -532,14 +532,14 @@
               <a:pPr/>
               <a:t>‹#›</a:t>
             </a:fld>
-            <a:endParaRPr lang="en-SG"/>
+            <a:endParaRPr lang="en-SG" dirty="0"/>
           </a:p>
         </p:txBody>
       </p:sp>
     </p:spTree>
     <p:extLst>
       <p:ext uri="{BB962C8B-B14F-4D97-AF65-F5344CB8AC3E}">
-        <p14:creationId xmlns:p14="http://schemas.microsoft.com/office/powerpoint/2010/main" val="2305198193"/>
+        <p14:creationId xmlns:p14="http://schemas.microsoft.com/office/powerpoint/2010/main" xmlns="" val="2305198193"/>
       </p:ext>
     </p:extLst>
   </p:cSld>
@@ -571,7 +571,7 @@
           <p:cNvPr id="2" name="Vertical Title 1">
             <a:extLst>
               <a:ext uri="{FF2B5EF4-FFF2-40B4-BE49-F238E27FC236}">
-                <a16:creationId xmlns:a16="http://schemas.microsoft.com/office/drawing/2014/main" id="{F7DE9595-D7A8-4E19-B4C6-E295F978F6A4}"/>
+                <a16:creationId xmlns:a16="http://schemas.microsoft.com/office/drawing/2014/main" xmlns="" id="{F7DE9595-D7A8-4E19-B4C6-E295F978F6A4}"/>
               </a:ext>
             </a:extLst>
           </p:cNvPr>
@@ -605,7 +605,7 @@
           <p:cNvPr id="3" name="Vertical Text Placeholder 2">
             <a:extLst>
               <a:ext uri="{FF2B5EF4-FFF2-40B4-BE49-F238E27FC236}">
-                <a16:creationId xmlns:a16="http://schemas.microsoft.com/office/drawing/2014/main" id="{0D2975B7-7A6D-40EA-B2F6-338022AD2BF1}"/>
+                <a16:creationId xmlns:a16="http://schemas.microsoft.com/office/drawing/2014/main" xmlns="" id="{0D2975B7-7A6D-40EA-B2F6-338022AD2BF1}"/>
               </a:ext>
             </a:extLst>
           </p:cNvPr>
@@ -668,7 +668,7 @@
           <p:cNvPr id="4" name="Date Placeholder 3">
             <a:extLst>
               <a:ext uri="{FF2B5EF4-FFF2-40B4-BE49-F238E27FC236}">
-                <a16:creationId xmlns:a16="http://schemas.microsoft.com/office/drawing/2014/main" id="{C8230AC3-1BED-4D2B-96D3-51C50E14A9E6}"/>
+                <a16:creationId xmlns:a16="http://schemas.microsoft.com/office/drawing/2014/main" xmlns="" id="{C8230AC3-1BED-4D2B-96D3-51C50E14A9E6}"/>
               </a:ext>
             </a:extLst>
           </p:cNvPr>
@@ -687,9 +687,9 @@
             <a:fld id="{03EC4E3E-8101-482F-A883-8B55DAFF7C07}" type="datetimeFigureOut">
               <a:rPr lang="en-SG" smtClean="0"/>
               <a:pPr/>
-              <a:t>2/4/2019</a:t>
+              <a:t>11/4/2019</a:t>
             </a:fld>
-            <a:endParaRPr lang="en-SG"/>
+            <a:endParaRPr lang="en-SG" dirty="0"/>
           </a:p>
         </p:txBody>
       </p:sp>
@@ -698,7 +698,7 @@
           <p:cNvPr id="5" name="Footer Placeholder 4">
             <a:extLst>
               <a:ext uri="{FF2B5EF4-FFF2-40B4-BE49-F238E27FC236}">
-                <a16:creationId xmlns:a16="http://schemas.microsoft.com/office/drawing/2014/main" id="{4AD6CA96-231A-43AD-B530-7C509651DE3B}"/>
+                <a16:creationId xmlns:a16="http://schemas.microsoft.com/office/drawing/2014/main" xmlns="" id="{4AD6CA96-231A-43AD-B530-7C509651DE3B}"/>
               </a:ext>
             </a:extLst>
           </p:cNvPr>
@@ -714,7 +714,7 @@
           <a:bodyPr/>
           <a:lstStyle/>
           <a:p>
-            <a:endParaRPr lang="en-SG"/>
+            <a:endParaRPr lang="en-SG" dirty="0"/>
           </a:p>
         </p:txBody>
       </p:sp>
@@ -723,7 +723,7 @@
           <p:cNvPr id="6" name="Slide Number Placeholder 5">
             <a:extLst>
               <a:ext uri="{FF2B5EF4-FFF2-40B4-BE49-F238E27FC236}">
-                <a16:creationId xmlns:a16="http://schemas.microsoft.com/office/drawing/2014/main" id="{12063E3B-180A-454E-A661-6CCD48D7062C}"/>
+                <a16:creationId xmlns:a16="http://schemas.microsoft.com/office/drawing/2014/main" xmlns="" id="{12063E3B-180A-454E-A661-6CCD48D7062C}"/>
               </a:ext>
             </a:extLst>
           </p:cNvPr>
@@ -744,14 +744,14 @@
               <a:pPr/>
               <a:t>‹#›</a:t>
             </a:fld>
-            <a:endParaRPr lang="en-SG"/>
+            <a:endParaRPr lang="en-SG" dirty="0"/>
           </a:p>
         </p:txBody>
       </p:sp>
     </p:spTree>
     <p:extLst>
       <p:ext uri="{BB962C8B-B14F-4D97-AF65-F5344CB8AC3E}">
-        <p14:creationId xmlns:p14="http://schemas.microsoft.com/office/powerpoint/2010/main" val="1148984362"/>
+        <p14:creationId xmlns:p14="http://schemas.microsoft.com/office/powerpoint/2010/main" xmlns="" val="1148984362"/>
       </p:ext>
     </p:extLst>
   </p:cSld>
@@ -783,7 +783,7 @@
           <p:cNvPr id="2" name="Title 1">
             <a:extLst>
               <a:ext uri="{FF2B5EF4-FFF2-40B4-BE49-F238E27FC236}">
-                <a16:creationId xmlns:a16="http://schemas.microsoft.com/office/drawing/2014/main" id="{7E861C8D-BAF0-4DD9-92B9-591B272791CA}"/>
+                <a16:creationId xmlns:a16="http://schemas.microsoft.com/office/drawing/2014/main" xmlns="" id="{7E861C8D-BAF0-4DD9-92B9-591B272791CA}"/>
               </a:ext>
             </a:extLst>
           </p:cNvPr>
@@ -812,7 +812,7 @@
           <p:cNvPr id="3" name="Content Placeholder 2">
             <a:extLst>
               <a:ext uri="{FF2B5EF4-FFF2-40B4-BE49-F238E27FC236}">
-                <a16:creationId xmlns:a16="http://schemas.microsoft.com/office/drawing/2014/main" id="{534DA4BD-1D78-446B-B79F-C1229642DDEB}"/>
+                <a16:creationId xmlns:a16="http://schemas.microsoft.com/office/drawing/2014/main" xmlns="" id="{534DA4BD-1D78-446B-B79F-C1229642DDEB}"/>
               </a:ext>
             </a:extLst>
           </p:cNvPr>
@@ -870,7 +870,7 @@
           <p:cNvPr id="4" name="Date Placeholder 3">
             <a:extLst>
               <a:ext uri="{FF2B5EF4-FFF2-40B4-BE49-F238E27FC236}">
-                <a16:creationId xmlns:a16="http://schemas.microsoft.com/office/drawing/2014/main" id="{AD6BEDB5-7B62-4953-BECB-7F7F3E909CAC}"/>
+                <a16:creationId xmlns:a16="http://schemas.microsoft.com/office/drawing/2014/main" xmlns="" id="{AD6BEDB5-7B62-4953-BECB-7F7F3E909CAC}"/>
               </a:ext>
             </a:extLst>
           </p:cNvPr>
@@ -889,9 +889,9 @@
             <a:fld id="{03EC4E3E-8101-482F-A883-8B55DAFF7C07}" type="datetimeFigureOut">
               <a:rPr lang="en-SG" smtClean="0"/>
               <a:pPr/>
-              <a:t>2/4/2019</a:t>
+              <a:t>11/4/2019</a:t>
             </a:fld>
-            <a:endParaRPr lang="en-SG"/>
+            <a:endParaRPr lang="en-SG" dirty="0"/>
           </a:p>
         </p:txBody>
       </p:sp>
@@ -900,7 +900,7 @@
           <p:cNvPr id="5" name="Footer Placeholder 4">
             <a:extLst>
               <a:ext uri="{FF2B5EF4-FFF2-40B4-BE49-F238E27FC236}">
-                <a16:creationId xmlns:a16="http://schemas.microsoft.com/office/drawing/2014/main" id="{349CD732-2DD1-42BE-8480-5C6507018294}"/>
+                <a16:creationId xmlns:a16="http://schemas.microsoft.com/office/drawing/2014/main" xmlns="" id="{349CD732-2DD1-42BE-8480-5C6507018294}"/>
               </a:ext>
             </a:extLst>
           </p:cNvPr>
@@ -916,7 +916,7 @@
           <a:bodyPr/>
           <a:lstStyle/>
           <a:p>
-            <a:endParaRPr lang="en-SG"/>
+            <a:endParaRPr lang="en-SG" dirty="0"/>
           </a:p>
         </p:txBody>
       </p:sp>
@@ -925,7 +925,7 @@
           <p:cNvPr id="6" name="Slide Number Placeholder 5">
             <a:extLst>
               <a:ext uri="{FF2B5EF4-FFF2-40B4-BE49-F238E27FC236}">
-                <a16:creationId xmlns:a16="http://schemas.microsoft.com/office/drawing/2014/main" id="{574C27E0-F36A-4438-9402-C2CB0377D92D}"/>
+                <a16:creationId xmlns:a16="http://schemas.microsoft.com/office/drawing/2014/main" xmlns="" id="{574C27E0-F36A-4438-9402-C2CB0377D92D}"/>
               </a:ext>
             </a:extLst>
           </p:cNvPr>
@@ -946,14 +946,14 @@
               <a:pPr/>
               <a:t>‹#›</a:t>
             </a:fld>
-            <a:endParaRPr lang="en-SG"/>
+            <a:endParaRPr lang="en-SG" dirty="0"/>
           </a:p>
         </p:txBody>
       </p:sp>
     </p:spTree>
     <p:extLst>
       <p:ext uri="{BB962C8B-B14F-4D97-AF65-F5344CB8AC3E}">
-        <p14:creationId xmlns:p14="http://schemas.microsoft.com/office/powerpoint/2010/main" val="111561436"/>
+        <p14:creationId xmlns:p14="http://schemas.microsoft.com/office/powerpoint/2010/main" xmlns="" val="111561436"/>
       </p:ext>
     </p:extLst>
   </p:cSld>
@@ -985,7 +985,7 @@
           <p:cNvPr id="2" name="Title 1">
             <a:extLst>
               <a:ext uri="{FF2B5EF4-FFF2-40B4-BE49-F238E27FC236}">
-                <a16:creationId xmlns:a16="http://schemas.microsoft.com/office/drawing/2014/main" id="{80A42FFA-8A45-40F8-9C5C-9906971B38AB}"/>
+                <a16:creationId xmlns:a16="http://schemas.microsoft.com/office/drawing/2014/main" xmlns="" id="{80A42FFA-8A45-40F8-9C5C-9906971B38AB}"/>
               </a:ext>
             </a:extLst>
           </p:cNvPr>
@@ -1023,7 +1023,7 @@
           <p:cNvPr id="3" name="Text Placeholder 2">
             <a:extLst>
               <a:ext uri="{FF2B5EF4-FFF2-40B4-BE49-F238E27FC236}">
-                <a16:creationId xmlns:a16="http://schemas.microsoft.com/office/drawing/2014/main" id="{7D8879A7-8225-4473-B738-B780B6224EC5}"/>
+                <a16:creationId xmlns:a16="http://schemas.microsoft.com/office/drawing/2014/main" xmlns="" id="{7D8879A7-8225-4473-B738-B780B6224EC5}"/>
               </a:ext>
             </a:extLst>
           </p:cNvPr>
@@ -1148,7 +1148,7 @@
           <p:cNvPr id="4" name="Date Placeholder 3">
             <a:extLst>
               <a:ext uri="{FF2B5EF4-FFF2-40B4-BE49-F238E27FC236}">
-                <a16:creationId xmlns:a16="http://schemas.microsoft.com/office/drawing/2014/main" id="{6CF7978C-FE65-4091-9152-E33029C12AEA}"/>
+                <a16:creationId xmlns:a16="http://schemas.microsoft.com/office/drawing/2014/main" xmlns="" id="{6CF7978C-FE65-4091-9152-E33029C12AEA}"/>
               </a:ext>
             </a:extLst>
           </p:cNvPr>
@@ -1167,9 +1167,9 @@
             <a:fld id="{03EC4E3E-8101-482F-A883-8B55DAFF7C07}" type="datetimeFigureOut">
               <a:rPr lang="en-SG" smtClean="0"/>
               <a:pPr/>
-              <a:t>2/4/2019</a:t>
+              <a:t>11/4/2019</a:t>
             </a:fld>
-            <a:endParaRPr lang="en-SG"/>
+            <a:endParaRPr lang="en-SG" dirty="0"/>
           </a:p>
         </p:txBody>
       </p:sp>
@@ -1178,7 +1178,7 @@
           <p:cNvPr id="5" name="Footer Placeholder 4">
             <a:extLst>
               <a:ext uri="{FF2B5EF4-FFF2-40B4-BE49-F238E27FC236}">
-                <a16:creationId xmlns:a16="http://schemas.microsoft.com/office/drawing/2014/main" id="{B344C9CC-480F-4DCB-AC70-D7A4CCA0B8B7}"/>
+                <a16:creationId xmlns:a16="http://schemas.microsoft.com/office/drawing/2014/main" xmlns="" id="{B344C9CC-480F-4DCB-AC70-D7A4CCA0B8B7}"/>
               </a:ext>
             </a:extLst>
           </p:cNvPr>
@@ -1194,7 +1194,7 @@
           <a:bodyPr/>
           <a:lstStyle/>
           <a:p>
-            <a:endParaRPr lang="en-SG"/>
+            <a:endParaRPr lang="en-SG" dirty="0"/>
           </a:p>
         </p:txBody>
       </p:sp>
@@ -1203,7 +1203,7 @@
           <p:cNvPr id="6" name="Slide Number Placeholder 5">
             <a:extLst>
               <a:ext uri="{FF2B5EF4-FFF2-40B4-BE49-F238E27FC236}">
-                <a16:creationId xmlns:a16="http://schemas.microsoft.com/office/drawing/2014/main" id="{8F5A07EC-843A-4ED9-8F1C-AD703CA36D58}"/>
+                <a16:creationId xmlns:a16="http://schemas.microsoft.com/office/drawing/2014/main" xmlns="" id="{8F5A07EC-843A-4ED9-8F1C-AD703CA36D58}"/>
               </a:ext>
             </a:extLst>
           </p:cNvPr>
@@ -1224,14 +1224,14 @@
               <a:pPr/>
               <a:t>‹#›</a:t>
             </a:fld>
-            <a:endParaRPr lang="en-SG"/>
+            <a:endParaRPr lang="en-SG" dirty="0"/>
           </a:p>
         </p:txBody>
       </p:sp>
     </p:spTree>
     <p:extLst>
       <p:ext uri="{BB962C8B-B14F-4D97-AF65-F5344CB8AC3E}">
-        <p14:creationId xmlns:p14="http://schemas.microsoft.com/office/powerpoint/2010/main" val="2217340100"/>
+        <p14:creationId xmlns:p14="http://schemas.microsoft.com/office/powerpoint/2010/main" xmlns="" val="2217340100"/>
       </p:ext>
     </p:extLst>
   </p:cSld>
@@ -1263,7 +1263,7 @@
           <p:cNvPr id="2" name="Title 1">
             <a:extLst>
               <a:ext uri="{FF2B5EF4-FFF2-40B4-BE49-F238E27FC236}">
-                <a16:creationId xmlns:a16="http://schemas.microsoft.com/office/drawing/2014/main" id="{056EE2DA-07D9-4774-A8CA-0CA247F8C72A}"/>
+                <a16:creationId xmlns:a16="http://schemas.microsoft.com/office/drawing/2014/main" xmlns="" id="{056EE2DA-07D9-4774-A8CA-0CA247F8C72A}"/>
               </a:ext>
             </a:extLst>
           </p:cNvPr>
@@ -1292,7 +1292,7 @@
           <p:cNvPr id="3" name="Content Placeholder 2">
             <a:extLst>
               <a:ext uri="{FF2B5EF4-FFF2-40B4-BE49-F238E27FC236}">
-                <a16:creationId xmlns:a16="http://schemas.microsoft.com/office/drawing/2014/main" id="{3CF93A59-4E25-4FFA-8796-AA06EF3E5C3E}"/>
+                <a16:creationId xmlns:a16="http://schemas.microsoft.com/office/drawing/2014/main" xmlns="" id="{3CF93A59-4E25-4FFA-8796-AA06EF3E5C3E}"/>
               </a:ext>
             </a:extLst>
           </p:cNvPr>
@@ -1355,7 +1355,7 @@
           <p:cNvPr id="4" name="Content Placeholder 3">
             <a:extLst>
               <a:ext uri="{FF2B5EF4-FFF2-40B4-BE49-F238E27FC236}">
-                <a16:creationId xmlns:a16="http://schemas.microsoft.com/office/drawing/2014/main" id="{81373B10-E346-4893-AFEE-65E014405E2D}"/>
+                <a16:creationId xmlns:a16="http://schemas.microsoft.com/office/drawing/2014/main" xmlns="" id="{81373B10-E346-4893-AFEE-65E014405E2D}"/>
               </a:ext>
             </a:extLst>
           </p:cNvPr>
@@ -1418,7 +1418,7 @@
           <p:cNvPr id="5" name="Date Placeholder 4">
             <a:extLst>
               <a:ext uri="{FF2B5EF4-FFF2-40B4-BE49-F238E27FC236}">
-                <a16:creationId xmlns:a16="http://schemas.microsoft.com/office/drawing/2014/main" id="{D9C411A1-6D64-4C63-A758-5D2FEE677F45}"/>
+                <a16:creationId xmlns:a16="http://schemas.microsoft.com/office/drawing/2014/main" xmlns="" id="{D9C411A1-6D64-4C63-A758-5D2FEE677F45}"/>
               </a:ext>
             </a:extLst>
           </p:cNvPr>
@@ -1437,9 +1437,9 @@
             <a:fld id="{03EC4E3E-8101-482F-A883-8B55DAFF7C07}" type="datetimeFigureOut">
               <a:rPr lang="en-SG" smtClean="0"/>
               <a:pPr/>
-              <a:t>2/4/2019</a:t>
+              <a:t>11/4/2019</a:t>
             </a:fld>
-            <a:endParaRPr lang="en-SG"/>
+            <a:endParaRPr lang="en-SG" dirty="0"/>
           </a:p>
         </p:txBody>
       </p:sp>
@@ -1448,7 +1448,7 @@
           <p:cNvPr id="6" name="Footer Placeholder 5">
             <a:extLst>
               <a:ext uri="{FF2B5EF4-FFF2-40B4-BE49-F238E27FC236}">
-                <a16:creationId xmlns:a16="http://schemas.microsoft.com/office/drawing/2014/main" id="{8D9C2E46-644C-4155-A697-764A7A0AB1F4}"/>
+                <a16:creationId xmlns:a16="http://schemas.microsoft.com/office/drawing/2014/main" xmlns="" id="{8D9C2E46-644C-4155-A697-764A7A0AB1F4}"/>
               </a:ext>
             </a:extLst>
           </p:cNvPr>
@@ -1464,7 +1464,7 @@
           <a:bodyPr/>
           <a:lstStyle/>
           <a:p>
-            <a:endParaRPr lang="en-SG"/>
+            <a:endParaRPr lang="en-SG" dirty="0"/>
           </a:p>
         </p:txBody>
       </p:sp>
@@ -1473,7 +1473,7 @@
           <p:cNvPr id="7" name="Slide Number Placeholder 6">
             <a:extLst>
               <a:ext uri="{FF2B5EF4-FFF2-40B4-BE49-F238E27FC236}">
-                <a16:creationId xmlns:a16="http://schemas.microsoft.com/office/drawing/2014/main" id="{6192DEDD-6479-45E4-B1F5-6EDD41BBB103}"/>
+                <a16:creationId xmlns:a16="http://schemas.microsoft.com/office/drawing/2014/main" xmlns="" id="{6192DEDD-6479-45E4-B1F5-6EDD41BBB103}"/>
               </a:ext>
             </a:extLst>
           </p:cNvPr>
@@ -1494,14 +1494,14 @@
               <a:pPr/>
               <a:t>‹#›</a:t>
             </a:fld>
-            <a:endParaRPr lang="en-SG"/>
+            <a:endParaRPr lang="en-SG" dirty="0"/>
           </a:p>
         </p:txBody>
       </p:sp>
     </p:spTree>
     <p:extLst>
       <p:ext uri="{BB962C8B-B14F-4D97-AF65-F5344CB8AC3E}">
-        <p14:creationId xmlns:p14="http://schemas.microsoft.com/office/powerpoint/2010/main" val="1298304602"/>
+        <p14:creationId xmlns:p14="http://schemas.microsoft.com/office/powerpoint/2010/main" xmlns="" val="1298304602"/>
       </p:ext>
     </p:extLst>
   </p:cSld>
@@ -1533,7 +1533,7 @@
           <p:cNvPr id="2" name="Title 1">
             <a:extLst>
               <a:ext uri="{FF2B5EF4-FFF2-40B4-BE49-F238E27FC236}">
-                <a16:creationId xmlns:a16="http://schemas.microsoft.com/office/drawing/2014/main" id="{DC0ED888-63EF-4CC0-8500-9C8DB672FEC2}"/>
+                <a16:creationId xmlns:a16="http://schemas.microsoft.com/office/drawing/2014/main" xmlns="" id="{DC0ED888-63EF-4CC0-8500-9C8DB672FEC2}"/>
               </a:ext>
             </a:extLst>
           </p:cNvPr>
@@ -1567,7 +1567,7 @@
           <p:cNvPr id="3" name="Text Placeholder 2">
             <a:extLst>
               <a:ext uri="{FF2B5EF4-FFF2-40B4-BE49-F238E27FC236}">
-                <a16:creationId xmlns:a16="http://schemas.microsoft.com/office/drawing/2014/main" id="{3C33BC1E-FB79-4906-A967-9C7046C6D272}"/>
+                <a16:creationId xmlns:a16="http://schemas.microsoft.com/office/drawing/2014/main" xmlns="" id="{3C33BC1E-FB79-4906-A967-9C7046C6D272}"/>
               </a:ext>
             </a:extLst>
           </p:cNvPr>
@@ -1638,7 +1638,7 @@
           <p:cNvPr id="4" name="Content Placeholder 3">
             <a:extLst>
               <a:ext uri="{FF2B5EF4-FFF2-40B4-BE49-F238E27FC236}">
-                <a16:creationId xmlns:a16="http://schemas.microsoft.com/office/drawing/2014/main" id="{697A4EC6-1C42-4BA4-8108-32579276C17B}"/>
+                <a16:creationId xmlns:a16="http://schemas.microsoft.com/office/drawing/2014/main" xmlns="" id="{697A4EC6-1C42-4BA4-8108-32579276C17B}"/>
               </a:ext>
             </a:extLst>
           </p:cNvPr>
@@ -1701,7 +1701,7 @@
           <p:cNvPr id="5" name="Text Placeholder 4">
             <a:extLst>
               <a:ext uri="{FF2B5EF4-FFF2-40B4-BE49-F238E27FC236}">
-                <a16:creationId xmlns:a16="http://schemas.microsoft.com/office/drawing/2014/main" id="{8A2CA209-B9F5-4E1E-B302-74CC2D4CFDFB}"/>
+                <a16:creationId xmlns:a16="http://schemas.microsoft.com/office/drawing/2014/main" xmlns="" id="{8A2CA209-B9F5-4E1E-B302-74CC2D4CFDFB}"/>
               </a:ext>
             </a:extLst>
           </p:cNvPr>
@@ -1772,7 +1772,7 @@
           <p:cNvPr id="6" name="Content Placeholder 5">
             <a:extLst>
               <a:ext uri="{FF2B5EF4-FFF2-40B4-BE49-F238E27FC236}">
-                <a16:creationId xmlns:a16="http://schemas.microsoft.com/office/drawing/2014/main" id="{0E6E876D-DC4D-40EE-BA38-CD01089602CF}"/>
+                <a16:creationId xmlns:a16="http://schemas.microsoft.com/office/drawing/2014/main" xmlns="" id="{0E6E876D-DC4D-40EE-BA38-CD01089602CF}"/>
               </a:ext>
             </a:extLst>
           </p:cNvPr>
@@ -1835,7 +1835,7 @@
           <p:cNvPr id="7" name="Date Placeholder 6">
             <a:extLst>
               <a:ext uri="{FF2B5EF4-FFF2-40B4-BE49-F238E27FC236}">
-                <a16:creationId xmlns:a16="http://schemas.microsoft.com/office/drawing/2014/main" id="{F24E1D97-8B3C-41A1-B0BA-BA833AD8BC7C}"/>
+                <a16:creationId xmlns:a16="http://schemas.microsoft.com/office/drawing/2014/main" xmlns="" id="{F24E1D97-8B3C-41A1-B0BA-BA833AD8BC7C}"/>
               </a:ext>
             </a:extLst>
           </p:cNvPr>
@@ -1854,9 +1854,9 @@
             <a:fld id="{03EC4E3E-8101-482F-A883-8B55DAFF7C07}" type="datetimeFigureOut">
               <a:rPr lang="en-SG" smtClean="0"/>
               <a:pPr/>
-              <a:t>2/4/2019</a:t>
+              <a:t>11/4/2019</a:t>
             </a:fld>
-            <a:endParaRPr lang="en-SG"/>
+            <a:endParaRPr lang="en-SG" dirty="0"/>
           </a:p>
         </p:txBody>
       </p:sp>
@@ -1865,7 +1865,7 @@
           <p:cNvPr id="8" name="Footer Placeholder 7">
             <a:extLst>
               <a:ext uri="{FF2B5EF4-FFF2-40B4-BE49-F238E27FC236}">
-                <a16:creationId xmlns:a16="http://schemas.microsoft.com/office/drawing/2014/main" id="{FC358D8F-B7DA-4DCE-AC8F-706450EEC0DC}"/>
+                <a16:creationId xmlns:a16="http://schemas.microsoft.com/office/drawing/2014/main" xmlns="" id="{FC358D8F-B7DA-4DCE-AC8F-706450EEC0DC}"/>
               </a:ext>
             </a:extLst>
           </p:cNvPr>
@@ -1881,7 +1881,7 @@
           <a:bodyPr/>
           <a:lstStyle/>
           <a:p>
-            <a:endParaRPr lang="en-SG"/>
+            <a:endParaRPr lang="en-SG" dirty="0"/>
           </a:p>
         </p:txBody>
       </p:sp>
@@ -1890,7 +1890,7 @@
           <p:cNvPr id="9" name="Slide Number Placeholder 8">
             <a:extLst>
               <a:ext uri="{FF2B5EF4-FFF2-40B4-BE49-F238E27FC236}">
-                <a16:creationId xmlns:a16="http://schemas.microsoft.com/office/drawing/2014/main" id="{40CE354E-2C73-4B6F-8AEB-14D1378A77E1}"/>
+                <a16:creationId xmlns:a16="http://schemas.microsoft.com/office/drawing/2014/main" xmlns="" id="{40CE354E-2C73-4B6F-8AEB-14D1378A77E1}"/>
               </a:ext>
             </a:extLst>
           </p:cNvPr>
@@ -1911,14 +1911,14 @@
               <a:pPr/>
               <a:t>‹#›</a:t>
             </a:fld>
-            <a:endParaRPr lang="en-SG"/>
+            <a:endParaRPr lang="en-SG" dirty="0"/>
           </a:p>
         </p:txBody>
       </p:sp>
     </p:spTree>
     <p:extLst>
       <p:ext uri="{BB962C8B-B14F-4D97-AF65-F5344CB8AC3E}">
-        <p14:creationId xmlns:p14="http://schemas.microsoft.com/office/powerpoint/2010/main" val="937260254"/>
+        <p14:creationId xmlns:p14="http://schemas.microsoft.com/office/powerpoint/2010/main" xmlns="" val="937260254"/>
       </p:ext>
     </p:extLst>
   </p:cSld>
@@ -1950,7 +1950,7 @@
           <p:cNvPr id="2" name="Title 1">
             <a:extLst>
               <a:ext uri="{FF2B5EF4-FFF2-40B4-BE49-F238E27FC236}">
-                <a16:creationId xmlns:a16="http://schemas.microsoft.com/office/drawing/2014/main" id="{17D9D381-288C-43FB-86C2-AAA4FCFD43FD}"/>
+                <a16:creationId xmlns:a16="http://schemas.microsoft.com/office/drawing/2014/main" xmlns="" id="{17D9D381-288C-43FB-86C2-AAA4FCFD43FD}"/>
               </a:ext>
             </a:extLst>
           </p:cNvPr>
@@ -1979,7 +1979,7 @@
           <p:cNvPr id="3" name="Date Placeholder 2">
             <a:extLst>
               <a:ext uri="{FF2B5EF4-FFF2-40B4-BE49-F238E27FC236}">
-                <a16:creationId xmlns:a16="http://schemas.microsoft.com/office/drawing/2014/main" id="{A85D75E5-4830-4F75-8132-91122609F925}"/>
+                <a16:creationId xmlns:a16="http://schemas.microsoft.com/office/drawing/2014/main" xmlns="" id="{A85D75E5-4830-4F75-8132-91122609F925}"/>
               </a:ext>
             </a:extLst>
           </p:cNvPr>
@@ -1998,9 +1998,9 @@
             <a:fld id="{03EC4E3E-8101-482F-A883-8B55DAFF7C07}" type="datetimeFigureOut">
               <a:rPr lang="en-SG" smtClean="0"/>
               <a:pPr/>
-              <a:t>2/4/2019</a:t>
+              <a:t>11/4/2019</a:t>
             </a:fld>
-            <a:endParaRPr lang="en-SG"/>
+            <a:endParaRPr lang="en-SG" dirty="0"/>
           </a:p>
         </p:txBody>
       </p:sp>
@@ -2009,7 +2009,7 @@
           <p:cNvPr id="4" name="Footer Placeholder 3">
             <a:extLst>
               <a:ext uri="{FF2B5EF4-FFF2-40B4-BE49-F238E27FC236}">
-                <a16:creationId xmlns:a16="http://schemas.microsoft.com/office/drawing/2014/main" id="{0C14A42C-834F-43EA-8053-84D5A665CEE7}"/>
+                <a16:creationId xmlns:a16="http://schemas.microsoft.com/office/drawing/2014/main" xmlns="" id="{0C14A42C-834F-43EA-8053-84D5A665CEE7}"/>
               </a:ext>
             </a:extLst>
           </p:cNvPr>
@@ -2025,7 +2025,7 @@
           <a:bodyPr/>
           <a:lstStyle/>
           <a:p>
-            <a:endParaRPr lang="en-SG"/>
+            <a:endParaRPr lang="en-SG" dirty="0"/>
           </a:p>
         </p:txBody>
       </p:sp>
@@ -2034,7 +2034,7 @@
           <p:cNvPr id="5" name="Slide Number Placeholder 4">
             <a:extLst>
               <a:ext uri="{FF2B5EF4-FFF2-40B4-BE49-F238E27FC236}">
-                <a16:creationId xmlns:a16="http://schemas.microsoft.com/office/drawing/2014/main" id="{38C1E789-CDA9-48FF-A7BA-F21E31600226}"/>
+                <a16:creationId xmlns:a16="http://schemas.microsoft.com/office/drawing/2014/main" xmlns="" id="{38C1E789-CDA9-48FF-A7BA-F21E31600226}"/>
               </a:ext>
             </a:extLst>
           </p:cNvPr>
@@ -2055,14 +2055,14 @@
               <a:pPr/>
               <a:t>‹#›</a:t>
             </a:fld>
-            <a:endParaRPr lang="en-SG"/>
+            <a:endParaRPr lang="en-SG" dirty="0"/>
           </a:p>
         </p:txBody>
       </p:sp>
     </p:spTree>
     <p:extLst>
       <p:ext uri="{BB962C8B-B14F-4D97-AF65-F5344CB8AC3E}">
-        <p14:creationId xmlns:p14="http://schemas.microsoft.com/office/powerpoint/2010/main" val="2713172575"/>
+        <p14:creationId xmlns:p14="http://schemas.microsoft.com/office/powerpoint/2010/main" xmlns="" val="2713172575"/>
       </p:ext>
     </p:extLst>
   </p:cSld>
@@ -2094,7 +2094,7 @@
           <p:cNvPr id="2" name="Date Placeholder 1">
             <a:extLst>
               <a:ext uri="{FF2B5EF4-FFF2-40B4-BE49-F238E27FC236}">
-                <a16:creationId xmlns:a16="http://schemas.microsoft.com/office/drawing/2014/main" id="{21A40ECD-0ABD-4F35-B481-512A01FC643D}"/>
+                <a16:creationId xmlns:a16="http://schemas.microsoft.com/office/drawing/2014/main" xmlns="" id="{21A40ECD-0ABD-4F35-B481-512A01FC643D}"/>
               </a:ext>
             </a:extLst>
           </p:cNvPr>
@@ -2113,9 +2113,9 @@
             <a:fld id="{03EC4E3E-8101-482F-A883-8B55DAFF7C07}" type="datetimeFigureOut">
               <a:rPr lang="en-SG" smtClean="0"/>
               <a:pPr/>
-              <a:t>2/4/2019</a:t>
+              <a:t>11/4/2019</a:t>
             </a:fld>
-            <a:endParaRPr lang="en-SG"/>
+            <a:endParaRPr lang="en-SG" dirty="0"/>
           </a:p>
         </p:txBody>
       </p:sp>
@@ -2124,7 +2124,7 @@
           <p:cNvPr id="3" name="Footer Placeholder 2">
             <a:extLst>
               <a:ext uri="{FF2B5EF4-FFF2-40B4-BE49-F238E27FC236}">
-                <a16:creationId xmlns:a16="http://schemas.microsoft.com/office/drawing/2014/main" id="{D44B8F11-A412-4FA6-9070-B9C742F699F3}"/>
+                <a16:creationId xmlns:a16="http://schemas.microsoft.com/office/drawing/2014/main" xmlns="" id="{D44B8F11-A412-4FA6-9070-B9C742F699F3}"/>
               </a:ext>
             </a:extLst>
           </p:cNvPr>
@@ -2140,7 +2140,7 @@
           <a:bodyPr/>
           <a:lstStyle/>
           <a:p>
-            <a:endParaRPr lang="en-SG"/>
+            <a:endParaRPr lang="en-SG" dirty="0"/>
           </a:p>
         </p:txBody>
       </p:sp>
@@ -2149,7 +2149,7 @@
           <p:cNvPr id="4" name="Slide Number Placeholder 3">
             <a:extLst>
               <a:ext uri="{FF2B5EF4-FFF2-40B4-BE49-F238E27FC236}">
-                <a16:creationId xmlns:a16="http://schemas.microsoft.com/office/drawing/2014/main" id="{E3EA086A-DA0B-4378-A128-F213644ECB0C}"/>
+                <a16:creationId xmlns:a16="http://schemas.microsoft.com/office/drawing/2014/main" xmlns="" id="{E3EA086A-DA0B-4378-A128-F213644ECB0C}"/>
               </a:ext>
             </a:extLst>
           </p:cNvPr>
@@ -2170,14 +2170,14 @@
               <a:pPr/>
               <a:t>‹#›</a:t>
             </a:fld>
-            <a:endParaRPr lang="en-SG"/>
+            <a:endParaRPr lang="en-SG" dirty="0"/>
           </a:p>
         </p:txBody>
       </p:sp>
     </p:spTree>
     <p:extLst>
       <p:ext uri="{BB962C8B-B14F-4D97-AF65-F5344CB8AC3E}">
-        <p14:creationId xmlns:p14="http://schemas.microsoft.com/office/powerpoint/2010/main" val="2808055610"/>
+        <p14:creationId xmlns:p14="http://schemas.microsoft.com/office/powerpoint/2010/main" xmlns="" val="2808055610"/>
       </p:ext>
     </p:extLst>
   </p:cSld>
@@ -2209,7 +2209,7 @@
           <p:cNvPr id="2" name="Title 1">
             <a:extLst>
               <a:ext uri="{FF2B5EF4-FFF2-40B4-BE49-F238E27FC236}">
-                <a16:creationId xmlns:a16="http://schemas.microsoft.com/office/drawing/2014/main" id="{765D165A-D423-4E89-A075-D59A9FB59792}"/>
+                <a16:creationId xmlns:a16="http://schemas.microsoft.com/office/drawing/2014/main" xmlns="" id="{765D165A-D423-4E89-A075-D59A9FB59792}"/>
               </a:ext>
             </a:extLst>
           </p:cNvPr>
@@ -2247,7 +2247,7 @@
           <p:cNvPr id="3" name="Content Placeholder 2">
             <a:extLst>
               <a:ext uri="{FF2B5EF4-FFF2-40B4-BE49-F238E27FC236}">
-                <a16:creationId xmlns:a16="http://schemas.microsoft.com/office/drawing/2014/main" id="{77C2A5CC-2876-49CA-993D-F4F73FC9D2B0}"/>
+                <a16:creationId xmlns:a16="http://schemas.microsoft.com/office/drawing/2014/main" xmlns="" id="{77C2A5CC-2876-49CA-993D-F4F73FC9D2B0}"/>
               </a:ext>
             </a:extLst>
           </p:cNvPr>
@@ -2338,7 +2338,7 @@
           <p:cNvPr id="4" name="Text Placeholder 3">
             <a:extLst>
               <a:ext uri="{FF2B5EF4-FFF2-40B4-BE49-F238E27FC236}">
-                <a16:creationId xmlns:a16="http://schemas.microsoft.com/office/drawing/2014/main" id="{7B4DE2E8-CCF6-4E88-A858-05A04CD0D736}"/>
+                <a16:creationId xmlns:a16="http://schemas.microsoft.com/office/drawing/2014/main" xmlns="" id="{7B4DE2E8-CCF6-4E88-A858-05A04CD0D736}"/>
               </a:ext>
             </a:extLst>
           </p:cNvPr>
@@ -2409,7 +2409,7 @@
           <p:cNvPr id="5" name="Date Placeholder 4">
             <a:extLst>
               <a:ext uri="{FF2B5EF4-FFF2-40B4-BE49-F238E27FC236}">
-                <a16:creationId xmlns:a16="http://schemas.microsoft.com/office/drawing/2014/main" id="{CAEBEC1E-DE48-4B55-A846-F8248E381145}"/>
+                <a16:creationId xmlns:a16="http://schemas.microsoft.com/office/drawing/2014/main" xmlns="" id="{CAEBEC1E-DE48-4B55-A846-F8248E381145}"/>
               </a:ext>
             </a:extLst>
           </p:cNvPr>
@@ -2428,9 +2428,9 @@
             <a:fld id="{03EC4E3E-8101-482F-A883-8B55DAFF7C07}" type="datetimeFigureOut">
               <a:rPr lang="en-SG" smtClean="0"/>
               <a:pPr/>
-              <a:t>2/4/2019</a:t>
+              <a:t>11/4/2019</a:t>
             </a:fld>
-            <a:endParaRPr lang="en-SG"/>
+            <a:endParaRPr lang="en-SG" dirty="0"/>
           </a:p>
         </p:txBody>
       </p:sp>
@@ -2439,7 +2439,7 @@
           <p:cNvPr id="6" name="Footer Placeholder 5">
             <a:extLst>
               <a:ext uri="{FF2B5EF4-FFF2-40B4-BE49-F238E27FC236}">
-                <a16:creationId xmlns:a16="http://schemas.microsoft.com/office/drawing/2014/main" id="{945A6E8B-6BC2-49E9-B4E5-DAD3F7A1A1BF}"/>
+                <a16:creationId xmlns:a16="http://schemas.microsoft.com/office/drawing/2014/main" xmlns="" id="{945A6E8B-6BC2-49E9-B4E5-DAD3F7A1A1BF}"/>
               </a:ext>
             </a:extLst>
           </p:cNvPr>
@@ -2455,7 +2455,7 @@
           <a:bodyPr/>
           <a:lstStyle/>
           <a:p>
-            <a:endParaRPr lang="en-SG"/>
+            <a:endParaRPr lang="en-SG" dirty="0"/>
           </a:p>
         </p:txBody>
       </p:sp>
@@ -2464,7 +2464,7 @@
           <p:cNvPr id="7" name="Slide Number Placeholder 6">
             <a:extLst>
               <a:ext uri="{FF2B5EF4-FFF2-40B4-BE49-F238E27FC236}">
-                <a16:creationId xmlns:a16="http://schemas.microsoft.com/office/drawing/2014/main" id="{E5CF739B-EDF0-43CE-A87E-C49F040C85A5}"/>
+                <a16:creationId xmlns:a16="http://schemas.microsoft.com/office/drawing/2014/main" xmlns="" id="{E5CF739B-EDF0-43CE-A87E-C49F040C85A5}"/>
               </a:ext>
             </a:extLst>
           </p:cNvPr>
@@ -2485,14 +2485,14 @@
               <a:pPr/>
               <a:t>‹#›</a:t>
             </a:fld>
-            <a:endParaRPr lang="en-SG"/>
+            <a:endParaRPr lang="en-SG" dirty="0"/>
           </a:p>
         </p:txBody>
       </p:sp>
     </p:spTree>
     <p:extLst>
       <p:ext uri="{BB962C8B-B14F-4D97-AF65-F5344CB8AC3E}">
-        <p14:creationId xmlns:p14="http://schemas.microsoft.com/office/powerpoint/2010/main" val="4039745741"/>
+        <p14:creationId xmlns:p14="http://schemas.microsoft.com/office/powerpoint/2010/main" xmlns="" val="4039745741"/>
       </p:ext>
     </p:extLst>
   </p:cSld>
@@ -2524,7 +2524,7 @@
           <p:cNvPr id="2" name="Title 1">
             <a:extLst>
               <a:ext uri="{FF2B5EF4-FFF2-40B4-BE49-F238E27FC236}">
-                <a16:creationId xmlns:a16="http://schemas.microsoft.com/office/drawing/2014/main" id="{0091F49F-E849-4834-84DB-61CF2F2652D4}"/>
+                <a16:creationId xmlns:a16="http://schemas.microsoft.com/office/drawing/2014/main" xmlns="" id="{0091F49F-E849-4834-84DB-61CF2F2652D4}"/>
               </a:ext>
             </a:extLst>
           </p:cNvPr>
@@ -2562,7 +2562,7 @@
           <p:cNvPr id="3" name="Picture Placeholder 2">
             <a:extLst>
               <a:ext uri="{FF2B5EF4-FFF2-40B4-BE49-F238E27FC236}">
-                <a16:creationId xmlns:a16="http://schemas.microsoft.com/office/drawing/2014/main" id="{631D62A9-3420-4F1C-9EB9-09EF85106E78}"/>
+                <a16:creationId xmlns:a16="http://schemas.microsoft.com/office/drawing/2014/main" xmlns="" id="{631D62A9-3420-4F1C-9EB9-09EF85106E78}"/>
               </a:ext>
             </a:extLst>
           </p:cNvPr>
@@ -2620,7 +2620,7 @@
             </a:lvl9pPr>
           </a:lstStyle>
           <a:p>
-            <a:endParaRPr lang="en-SG"/>
+            <a:endParaRPr lang="en-SG" dirty="0"/>
           </a:p>
         </p:txBody>
       </p:sp>
@@ -2629,7 +2629,7 @@
           <p:cNvPr id="4" name="Text Placeholder 3">
             <a:extLst>
               <a:ext uri="{FF2B5EF4-FFF2-40B4-BE49-F238E27FC236}">
-                <a16:creationId xmlns:a16="http://schemas.microsoft.com/office/drawing/2014/main" id="{E450EC8D-D7F4-45FC-AD8C-2E198A32CCA2}"/>
+                <a16:creationId xmlns:a16="http://schemas.microsoft.com/office/drawing/2014/main" xmlns="" id="{E450EC8D-D7F4-45FC-AD8C-2E198A32CCA2}"/>
               </a:ext>
             </a:extLst>
           </p:cNvPr>
@@ -2700,7 +2700,7 @@
           <p:cNvPr id="5" name="Date Placeholder 4">
             <a:extLst>
               <a:ext uri="{FF2B5EF4-FFF2-40B4-BE49-F238E27FC236}">
-                <a16:creationId xmlns:a16="http://schemas.microsoft.com/office/drawing/2014/main" id="{7A73D668-ABF4-41FE-958C-542EEDC5F6CC}"/>
+                <a16:creationId xmlns:a16="http://schemas.microsoft.com/office/drawing/2014/main" xmlns="" id="{7A73D668-ABF4-41FE-958C-542EEDC5F6CC}"/>
               </a:ext>
             </a:extLst>
           </p:cNvPr>
@@ -2719,9 +2719,9 @@
             <a:fld id="{03EC4E3E-8101-482F-A883-8B55DAFF7C07}" type="datetimeFigureOut">
               <a:rPr lang="en-SG" smtClean="0"/>
               <a:pPr/>
-              <a:t>2/4/2019</a:t>
+              <a:t>11/4/2019</a:t>
             </a:fld>
-            <a:endParaRPr lang="en-SG"/>
+            <a:endParaRPr lang="en-SG" dirty="0"/>
           </a:p>
         </p:txBody>
       </p:sp>
@@ -2730,7 +2730,7 @@
           <p:cNvPr id="6" name="Footer Placeholder 5">
             <a:extLst>
               <a:ext uri="{FF2B5EF4-FFF2-40B4-BE49-F238E27FC236}">
-                <a16:creationId xmlns:a16="http://schemas.microsoft.com/office/drawing/2014/main" id="{F4A83B1C-93E7-4D32-9D1B-3F37403B1ACD}"/>
+                <a16:creationId xmlns:a16="http://schemas.microsoft.com/office/drawing/2014/main" xmlns="" id="{F4A83B1C-93E7-4D32-9D1B-3F37403B1ACD}"/>
               </a:ext>
             </a:extLst>
           </p:cNvPr>
@@ -2746,7 +2746,7 @@
           <a:bodyPr/>
           <a:lstStyle/>
           <a:p>
-            <a:endParaRPr lang="en-SG"/>
+            <a:endParaRPr lang="en-SG" dirty="0"/>
           </a:p>
         </p:txBody>
       </p:sp>
@@ -2755,7 +2755,7 @@
           <p:cNvPr id="7" name="Slide Number Placeholder 6">
             <a:extLst>
               <a:ext uri="{FF2B5EF4-FFF2-40B4-BE49-F238E27FC236}">
-                <a16:creationId xmlns:a16="http://schemas.microsoft.com/office/drawing/2014/main" id="{C6AF73BE-F17B-487B-943B-28655BB51C92}"/>
+                <a16:creationId xmlns:a16="http://schemas.microsoft.com/office/drawing/2014/main" xmlns="" id="{C6AF73BE-F17B-487B-943B-28655BB51C92}"/>
               </a:ext>
             </a:extLst>
           </p:cNvPr>
@@ -2776,14 +2776,14 @@
               <a:pPr/>
               <a:t>‹#›</a:t>
             </a:fld>
-            <a:endParaRPr lang="en-SG"/>
+            <a:endParaRPr lang="en-SG" dirty="0"/>
           </a:p>
         </p:txBody>
       </p:sp>
     </p:spTree>
     <p:extLst>
       <p:ext uri="{BB962C8B-B14F-4D97-AF65-F5344CB8AC3E}">
-        <p14:creationId xmlns:p14="http://schemas.microsoft.com/office/powerpoint/2010/main" val="1851851517"/>
+        <p14:creationId xmlns:p14="http://schemas.microsoft.com/office/powerpoint/2010/main" xmlns="" val="1851851517"/>
       </p:ext>
     </p:extLst>
   </p:cSld>
@@ -2820,7 +2820,7 @@
           <p:cNvPr id="2" name="Title Placeholder 1">
             <a:extLst>
               <a:ext uri="{FF2B5EF4-FFF2-40B4-BE49-F238E27FC236}">
-                <a16:creationId xmlns:a16="http://schemas.microsoft.com/office/drawing/2014/main" id="{96F7127E-5F47-4B37-9FDB-695AB14D9551}"/>
+                <a16:creationId xmlns:a16="http://schemas.microsoft.com/office/drawing/2014/main" xmlns="" id="{96F7127E-5F47-4B37-9FDB-695AB14D9551}"/>
               </a:ext>
             </a:extLst>
           </p:cNvPr>
@@ -2859,7 +2859,7 @@
           <p:cNvPr id="3" name="Text Placeholder 2">
             <a:extLst>
               <a:ext uri="{FF2B5EF4-FFF2-40B4-BE49-F238E27FC236}">
-                <a16:creationId xmlns:a16="http://schemas.microsoft.com/office/drawing/2014/main" id="{3BD20F0F-B303-4EE3-AF17-E303EA90B1A3}"/>
+                <a16:creationId xmlns:a16="http://schemas.microsoft.com/office/drawing/2014/main" xmlns="" id="{3BD20F0F-B303-4EE3-AF17-E303EA90B1A3}"/>
               </a:ext>
             </a:extLst>
           </p:cNvPr>
@@ -2927,7 +2927,7 @@
           <p:cNvPr id="4" name="Date Placeholder 3">
             <a:extLst>
               <a:ext uri="{FF2B5EF4-FFF2-40B4-BE49-F238E27FC236}">
-                <a16:creationId xmlns:a16="http://schemas.microsoft.com/office/drawing/2014/main" id="{7927ADFB-0C7F-4333-A456-815FAB4B0315}"/>
+                <a16:creationId xmlns:a16="http://schemas.microsoft.com/office/drawing/2014/main" xmlns="" id="{7927ADFB-0C7F-4333-A456-815FAB4B0315}"/>
               </a:ext>
             </a:extLst>
           </p:cNvPr>
@@ -2964,9 +2964,9 @@
             <a:fld id="{03EC4E3E-8101-482F-A883-8B55DAFF7C07}" type="datetimeFigureOut">
               <a:rPr lang="en-SG" smtClean="0"/>
               <a:pPr/>
-              <a:t>2/4/2019</a:t>
+              <a:t>11/4/2019</a:t>
             </a:fld>
-            <a:endParaRPr lang="en-SG"/>
+            <a:endParaRPr lang="en-SG" dirty="0"/>
           </a:p>
         </p:txBody>
       </p:sp>
@@ -2975,7 +2975,7 @@
           <p:cNvPr id="5" name="Footer Placeholder 4">
             <a:extLst>
               <a:ext uri="{FF2B5EF4-FFF2-40B4-BE49-F238E27FC236}">
-                <a16:creationId xmlns:a16="http://schemas.microsoft.com/office/drawing/2014/main" id="{A1992B28-8397-4C93-A277-5EE43A537825}"/>
+                <a16:creationId xmlns:a16="http://schemas.microsoft.com/office/drawing/2014/main" xmlns="" id="{A1992B28-8397-4C93-A277-5EE43A537825}"/>
               </a:ext>
             </a:extLst>
           </p:cNvPr>
@@ -3009,7 +3009,7 @@
             </a:lvl1pPr>
           </a:lstStyle>
           <a:p>
-            <a:endParaRPr lang="en-SG"/>
+            <a:endParaRPr lang="en-SG" dirty="0"/>
           </a:p>
         </p:txBody>
       </p:sp>
@@ -3018,7 +3018,7 @@
           <p:cNvPr id="6" name="Slide Number Placeholder 5">
             <a:extLst>
               <a:ext uri="{FF2B5EF4-FFF2-40B4-BE49-F238E27FC236}">
-                <a16:creationId xmlns:a16="http://schemas.microsoft.com/office/drawing/2014/main" id="{D7231209-A74B-4134-87D0-421AB81BBB47}"/>
+                <a16:creationId xmlns:a16="http://schemas.microsoft.com/office/drawing/2014/main" xmlns="" id="{D7231209-A74B-4134-87D0-421AB81BBB47}"/>
               </a:ext>
             </a:extLst>
           </p:cNvPr>
@@ -3057,14 +3057,14 @@
               <a:pPr/>
               <a:t>‹#›</a:t>
             </a:fld>
-            <a:endParaRPr lang="en-SG"/>
+            <a:endParaRPr lang="en-SG" dirty="0"/>
           </a:p>
         </p:txBody>
       </p:sp>
     </p:spTree>
     <p:extLst>
       <p:ext uri="{BB962C8B-B14F-4D97-AF65-F5344CB8AC3E}">
-        <p14:creationId xmlns:p14="http://schemas.microsoft.com/office/powerpoint/2010/main" val="162984175"/>
+        <p14:creationId xmlns:p14="http://schemas.microsoft.com/office/powerpoint/2010/main" xmlns="" val="162984175"/>
       </p:ext>
     </p:extLst>
   </p:cSld>
@@ -3387,7 +3387,7 @@
           <p:cNvPr id="45" name="TextBox 44">
             <a:extLst>
               <a:ext uri="{FF2B5EF4-FFF2-40B4-BE49-F238E27FC236}">
-                <a16:creationId xmlns:a16="http://schemas.microsoft.com/office/drawing/2014/main" id="{3151A13B-9509-43FA-BFEB-1D9866A00B84}"/>
+                <a16:creationId xmlns:a16="http://schemas.microsoft.com/office/drawing/2014/main" xmlns="" id="{3151A13B-9509-43FA-BFEB-1D9866A00B84}"/>
               </a:ext>
             </a:extLst>
           </p:cNvPr>
@@ -3412,16 +3412,10 @@
           <a:p>
             <a:pPr algn="ctr"/>
             <a:r>
-              <a:rPr lang="en-SG" dirty="0" err="1">
-                <a:latin typeface="Consolas" panose="020B0609020204030204" pitchFamily="49" charset="0"/>
-              </a:rPr>
-              <a:t>currentStatePointer</a:t>
-            </a:r>
-            <a:r>
               <a:rPr lang="en-SG" dirty="0">
                 <a:latin typeface="Consolas" panose="020B0609020204030204" pitchFamily="49" charset="0"/>
               </a:rPr>
-              <a:t> = 0</a:t>
+              <a:t>currentStatePointer = 0</a:t>
             </a:r>
           </a:p>
         </p:txBody>
@@ -3431,7 +3425,7 @@
           <p:cNvPr id="13" name="Table 12">
             <a:extLst>
               <a:ext uri="{FF2B5EF4-FFF2-40B4-BE49-F238E27FC236}">
-                <a16:creationId xmlns:a16="http://schemas.microsoft.com/office/drawing/2014/main" id="{F545FAB8-F1CE-4886-9BDE-E772BCB0A9C4}"/>
+                <a16:creationId xmlns:a16="http://schemas.microsoft.com/office/drawing/2014/main" xmlns="" id="{F545FAB8-F1CE-4886-9BDE-E772BCB0A9C4}"/>
               </a:ext>
             </a:extLst>
           </p:cNvPr>
@@ -3441,7 +3435,7 @@
           <p:nvPr>
             <p:extLst>
               <p:ext uri="{D42A27DB-BD31-4B8C-83A1-F6EECF244321}">
-                <p14:modId xmlns:p14="http://schemas.microsoft.com/office/powerpoint/2010/main" val="770650361"/>
+                <p14:modId xmlns:p14="http://schemas.microsoft.com/office/powerpoint/2010/main" xmlns="" val="770650361"/>
               </p:ext>
             </p:extLst>
           </p:nvPr>
@@ -3460,7 +3454,7 @@
                 <a:gridCol w="1833356">
                   <a:extLst>
                     <a:ext uri="{9D8B030D-6E8A-4147-A177-3AD203B41FA5}">
-                      <a16:colId xmlns:a16="http://schemas.microsoft.com/office/drawing/2014/main" val="4240773277"/>
+                      <a16:colId xmlns:a16="http://schemas.microsoft.com/office/drawing/2014/main" xmlns="" val="4240773277"/>
                     </a:ext>
                   </a:extLst>
                 </a:gridCol>
@@ -3486,7 +3480,7 @@
                 </a:tc>
                 <a:extLst>
                   <a:ext uri="{0D108BD9-81ED-4DB2-BD59-A6C34878D82A}">
-                    <a16:rowId xmlns:a16="http://schemas.microsoft.com/office/drawing/2014/main" val="2194462629"/>
+                    <a16:rowId xmlns:a16="http://schemas.microsoft.com/office/drawing/2014/main" xmlns="" val="2194462629"/>
                   </a:ext>
                 </a:extLst>
               </a:tr>
@@ -3580,7 +3574,7 @@
           <a:lstStyle/>
           <a:p>
             <a:pPr algn="ctr"/>
-            <a:endParaRPr lang="en-US"/>
+            <a:endParaRPr lang="en-US" dirty="0"/>
           </a:p>
         </p:txBody>
       </p:sp>
@@ -3589,7 +3583,7 @@
           <p:cNvPr id="19" name="TextBox 18">
             <a:extLst>
               <a:ext uri="{FF2B5EF4-FFF2-40B4-BE49-F238E27FC236}">
-                <a16:creationId xmlns:a16="http://schemas.microsoft.com/office/drawing/2014/main" id="{3151A13B-9509-43FA-BFEB-1D9866A00B84}"/>
+                <a16:creationId xmlns:a16="http://schemas.microsoft.com/office/drawing/2014/main" xmlns="" id="{3151A13B-9509-43FA-BFEB-1D9866A00B84}"/>
               </a:ext>
             </a:extLst>
           </p:cNvPr>
@@ -3614,16 +3608,10 @@
           <a:p>
             <a:pPr algn="ctr"/>
             <a:r>
-              <a:rPr lang="en-SG" dirty="0" err="1">
-                <a:latin typeface="Consolas" panose="020B0609020204030204" pitchFamily="49" charset="0"/>
-              </a:rPr>
-              <a:t>currentStatePointer</a:t>
-            </a:r>
-            <a:r>
               <a:rPr lang="en-SG" dirty="0">
                 <a:latin typeface="Consolas" panose="020B0609020204030204" pitchFamily="49" charset="0"/>
               </a:rPr>
-              <a:t> = 1</a:t>
+              <a:t>currentStatePointer = 1</a:t>
             </a:r>
           </a:p>
         </p:txBody>
@@ -3670,7 +3658,7 @@
           <a:lstStyle/>
           <a:p>
             <a:pPr algn="ctr"/>
-            <a:endParaRPr lang="en-US"/>
+            <a:endParaRPr lang="en-US" dirty="0"/>
           </a:p>
         </p:txBody>
       </p:sp>
@@ -3679,7 +3667,7 @@
           <p:cNvPr id="12" name="Table 11">
             <a:extLst>
               <a:ext uri="{FF2B5EF4-FFF2-40B4-BE49-F238E27FC236}">
-                <a16:creationId xmlns:a16="http://schemas.microsoft.com/office/drawing/2014/main" id="{F545FAB8-F1CE-4886-9BDE-E772BCB0A9C4}"/>
+                <a16:creationId xmlns:a16="http://schemas.microsoft.com/office/drawing/2014/main" xmlns="" id="{F545FAB8-F1CE-4886-9BDE-E772BCB0A9C4}"/>
               </a:ext>
             </a:extLst>
           </p:cNvPr>
@@ -3689,7 +3677,7 @@
           <p:nvPr>
             <p:extLst>
               <p:ext uri="{D42A27DB-BD31-4B8C-83A1-F6EECF244321}">
-                <p14:modId xmlns:p14="http://schemas.microsoft.com/office/powerpoint/2010/main" val="1342053534"/>
+                <p14:modId xmlns:p14="http://schemas.microsoft.com/office/powerpoint/2010/main" xmlns="" val="1342053534"/>
               </p:ext>
             </p:extLst>
           </p:nvPr>
@@ -3708,7 +3696,7 @@
                 <a:gridCol w="1833356">
                   <a:extLst>
                     <a:ext uri="{9D8B030D-6E8A-4147-A177-3AD203B41FA5}">
-                      <a16:colId xmlns:a16="http://schemas.microsoft.com/office/drawing/2014/main" val="4240773277"/>
+                      <a16:colId xmlns:a16="http://schemas.microsoft.com/office/drawing/2014/main" xmlns="" val="4240773277"/>
                     </a:ext>
                   </a:extLst>
                 </a:gridCol>
@@ -3720,7 +3708,7 @@
                     <a:lstStyle/>
                     <a:p>
                       <a:r>
-                        <a:rPr lang="en-SG" u="sng"/>
+                        <a:rPr lang="en-SG" u="sng" dirty="0"/>
                         <a:t>gt1:GradTrak</a:t>
                       </a:r>
                       <a:endParaRPr lang="en-SG" sz="1600" u="sng" dirty="0"/>
@@ -3730,7 +3718,7 @@
                 </a:tc>
                 <a:extLst>
                   <a:ext uri="{0D108BD9-81ED-4DB2-BD59-A6C34878D82A}">
-                    <a16:rowId xmlns:a16="http://schemas.microsoft.com/office/drawing/2014/main" val="2194462629"/>
+                    <a16:rowId xmlns:a16="http://schemas.microsoft.com/office/drawing/2014/main" xmlns="" val="2194462629"/>
                   </a:ext>
                 </a:extLst>
               </a:tr>
@@ -3743,7 +3731,7 @@
           <p:cNvPr id="15" name="Table 14">
             <a:extLst>
               <a:ext uri="{FF2B5EF4-FFF2-40B4-BE49-F238E27FC236}">
-                <a16:creationId xmlns:a16="http://schemas.microsoft.com/office/drawing/2014/main" id="{F545FAB8-F1CE-4886-9BDE-E772BCB0A9C4}"/>
+                <a16:creationId xmlns:a16="http://schemas.microsoft.com/office/drawing/2014/main" xmlns="" id="{F545FAB8-F1CE-4886-9BDE-E772BCB0A9C4}"/>
               </a:ext>
             </a:extLst>
           </p:cNvPr>
@@ -3753,7 +3741,7 @@
           <p:nvPr>
             <p:extLst>
               <p:ext uri="{D42A27DB-BD31-4B8C-83A1-F6EECF244321}">
-                <p14:modId xmlns:p14="http://schemas.microsoft.com/office/powerpoint/2010/main" val="2523374166"/>
+                <p14:modId xmlns:p14="http://schemas.microsoft.com/office/powerpoint/2010/main" xmlns="" val="2523374166"/>
               </p:ext>
             </p:extLst>
           </p:nvPr>
@@ -3772,7 +3760,7 @@
                 <a:gridCol w="1833356">
                   <a:extLst>
                     <a:ext uri="{9D8B030D-6E8A-4147-A177-3AD203B41FA5}">
-                      <a16:colId xmlns:a16="http://schemas.microsoft.com/office/drawing/2014/main" val="4240773277"/>
+                      <a16:colId xmlns:a16="http://schemas.microsoft.com/office/drawing/2014/main" xmlns="" val="4240773277"/>
                     </a:ext>
                   </a:extLst>
                 </a:gridCol>
@@ -3798,7 +3786,7 @@
                 </a:tc>
                 <a:extLst>
                   <a:ext uri="{0D108BD9-81ED-4DB2-BD59-A6C34878D82A}">
-                    <a16:rowId xmlns:a16="http://schemas.microsoft.com/office/drawing/2014/main" val="2194462629"/>
+                    <a16:rowId xmlns:a16="http://schemas.microsoft.com/office/drawing/2014/main" xmlns="" val="2194462629"/>
                   </a:ext>
                 </a:extLst>
               </a:tr>
@@ -3811,7 +3799,7 @@
           <p:cNvPr id="14" name="Straight Arrow Connector 13">
             <a:extLst>
               <a:ext uri="{FF2B5EF4-FFF2-40B4-BE49-F238E27FC236}">
-                <a16:creationId xmlns:a16="http://schemas.microsoft.com/office/drawing/2014/main" id="{4E562EDA-12B3-44FD-8B44-BCF3C4356EB8}"/>
+                <a16:creationId xmlns:a16="http://schemas.microsoft.com/office/drawing/2014/main" xmlns="" id="{4E562EDA-12B3-44FD-8B44-BCF3C4356EB8}"/>
               </a:ext>
             </a:extLst>
           </p:cNvPr>
@@ -3855,7 +3843,7 @@
           <p:cNvPr id="16" name="Straight Arrow Connector 15">
             <a:extLst>
               <a:ext uri="{FF2B5EF4-FFF2-40B4-BE49-F238E27FC236}">
-                <a16:creationId xmlns:a16="http://schemas.microsoft.com/office/drawing/2014/main" id="{0C07500F-40C6-444B-B521-89577F312910}"/>
+                <a16:creationId xmlns:a16="http://schemas.microsoft.com/office/drawing/2014/main" xmlns="" id="{0C07500F-40C6-444B-B521-89577F312910}"/>
               </a:ext>
             </a:extLst>
           </p:cNvPr>
@@ -3897,7 +3885,7 @@
     </p:spTree>
     <p:extLst>
       <p:ext uri="{BB962C8B-B14F-4D97-AF65-F5344CB8AC3E}">
-        <p14:creationId xmlns:p14="http://schemas.microsoft.com/office/powerpoint/2010/main" val="3338945851"/>
+        <p14:creationId xmlns:p14="http://schemas.microsoft.com/office/powerpoint/2010/main" xmlns="" val="3338945851"/>
       </p:ext>
     </p:extLst>
   </p:cSld>
@@ -4196,7 +4184,7 @@
   <a:extraClrSchemeLst/>
   <a:extLst>
     <a:ext uri="{05A4C25C-085E-4340-85A3-A5531E510DB2}">
-      <thm15:themeFamily xmlns:thm15="http://schemas.microsoft.com/office/thememl/2012/main" name="Office Theme" id="{62F939B6-93AF-4DB8-9C6B-D6C7DFDC589F}" vid="{4A3C46E8-61CC-4603-A589-7422A47A8E4A}"/>
+      <thm15:themeFamily xmlns:thm15="http://schemas.microsoft.com/office/thememl/2012/main" xmlns="" name="Office Theme" id="{62F939B6-93AF-4DB8-9C6B-D6C7DFDC589F}" vid="{4A3C46E8-61CC-4603-A589-7422A47A8E4A}"/>
     </a:ext>
   </a:extLst>
 </a:theme>

--- a/docs/diagrams/UndoRedoNewCommand1StateListDiagram.pptx
+++ b/docs/diagrams/UndoRedoNewCommand1StateListDiagram.pptx
@@ -112,10 +112,6 @@
 </p:presentation>
 </file>
 
-<file path=ppt/revisionInfo.xml><?xml version="1.0" encoding="utf-8"?>
-<p1510:revInfo xmlns:a="http://schemas.openxmlformats.org/drawingml/2006/main" xmlns:r="http://schemas.openxmlformats.org/officeDocument/2006/relationships" xmlns:p1510="http://schemas.microsoft.com/office/powerpoint/2015/10/main"/>
-</file>
-
 <file path=ppt/slideLayouts/slideLayout1.xml><?xml version="1.0" encoding="utf-8"?>
 <p:sldLayout xmlns:a="http://schemas.openxmlformats.org/drawingml/2006/main" xmlns:r="http://schemas.openxmlformats.org/officeDocument/2006/relationships" xmlns:p="http://schemas.openxmlformats.org/presentationml/2006/main" type="title" preserve="1">
   <p:cSld name="Title Slide">
@@ -265,7 +261,7 @@
           <a:p>
             <a:fld id="{03EC4E3E-8101-482F-A883-8B55DAFF7C07}" type="datetimeFigureOut">
               <a:rPr lang="en-SG" smtClean="0"/>
-              <a:t>6/7/2018</a:t>
+              <a:t>13/4/2019</a:t>
             </a:fld>
             <a:endParaRPr lang="en-SG"/>
           </a:p>
@@ -465,7 +461,7 @@
           <a:p>
             <a:fld id="{03EC4E3E-8101-482F-A883-8B55DAFF7C07}" type="datetimeFigureOut">
               <a:rPr lang="en-SG" smtClean="0"/>
-              <a:t>6/7/2018</a:t>
+              <a:t>13/4/2019</a:t>
             </a:fld>
             <a:endParaRPr lang="en-SG"/>
           </a:p>
@@ -675,7 +671,7 @@
           <a:p>
             <a:fld id="{03EC4E3E-8101-482F-A883-8B55DAFF7C07}" type="datetimeFigureOut">
               <a:rPr lang="en-SG" smtClean="0"/>
-              <a:t>6/7/2018</a:t>
+              <a:t>13/4/2019</a:t>
             </a:fld>
             <a:endParaRPr lang="en-SG"/>
           </a:p>
@@ -875,7 +871,7 @@
           <a:p>
             <a:fld id="{03EC4E3E-8101-482F-A883-8B55DAFF7C07}" type="datetimeFigureOut">
               <a:rPr lang="en-SG" smtClean="0"/>
-              <a:t>6/7/2018</a:t>
+              <a:t>13/4/2019</a:t>
             </a:fld>
             <a:endParaRPr lang="en-SG"/>
           </a:p>
@@ -1151,7 +1147,7 @@
           <a:p>
             <a:fld id="{03EC4E3E-8101-482F-A883-8B55DAFF7C07}" type="datetimeFigureOut">
               <a:rPr lang="en-SG" smtClean="0"/>
-              <a:t>6/7/2018</a:t>
+              <a:t>13/4/2019</a:t>
             </a:fld>
             <a:endParaRPr lang="en-SG"/>
           </a:p>
@@ -1419,7 +1415,7 @@
           <a:p>
             <a:fld id="{03EC4E3E-8101-482F-A883-8B55DAFF7C07}" type="datetimeFigureOut">
               <a:rPr lang="en-SG" smtClean="0"/>
-              <a:t>6/7/2018</a:t>
+              <a:t>13/4/2019</a:t>
             </a:fld>
             <a:endParaRPr lang="en-SG"/>
           </a:p>
@@ -1834,7 +1830,7 @@
           <a:p>
             <a:fld id="{03EC4E3E-8101-482F-A883-8B55DAFF7C07}" type="datetimeFigureOut">
               <a:rPr lang="en-SG" smtClean="0"/>
-              <a:t>6/7/2018</a:t>
+              <a:t>13/4/2019</a:t>
             </a:fld>
             <a:endParaRPr lang="en-SG"/>
           </a:p>
@@ -1976,7 +1972,7 @@
           <a:p>
             <a:fld id="{03EC4E3E-8101-482F-A883-8B55DAFF7C07}" type="datetimeFigureOut">
               <a:rPr lang="en-SG" smtClean="0"/>
-              <a:t>6/7/2018</a:t>
+              <a:t>13/4/2019</a:t>
             </a:fld>
             <a:endParaRPr lang="en-SG"/>
           </a:p>
@@ -2089,7 +2085,7 @@
           <a:p>
             <a:fld id="{03EC4E3E-8101-482F-A883-8B55DAFF7C07}" type="datetimeFigureOut">
               <a:rPr lang="en-SG" smtClean="0"/>
-              <a:t>6/7/2018</a:t>
+              <a:t>13/4/2019</a:t>
             </a:fld>
             <a:endParaRPr lang="en-SG"/>
           </a:p>
@@ -2402,7 +2398,7 @@
           <a:p>
             <a:fld id="{03EC4E3E-8101-482F-A883-8B55DAFF7C07}" type="datetimeFigureOut">
               <a:rPr lang="en-SG" smtClean="0"/>
-              <a:t>6/7/2018</a:t>
+              <a:t>13/4/2019</a:t>
             </a:fld>
             <a:endParaRPr lang="en-SG"/>
           </a:p>
@@ -2691,7 +2687,7 @@
           <a:p>
             <a:fld id="{03EC4E3E-8101-482F-A883-8B55DAFF7C07}" type="datetimeFigureOut">
               <a:rPr lang="en-SG" smtClean="0"/>
-              <a:t>6/7/2018</a:t>
+              <a:t>13/4/2019</a:t>
             </a:fld>
             <a:endParaRPr lang="en-SG"/>
           </a:p>
@@ -2934,7 +2930,7 @@
           <a:p>
             <a:fld id="{03EC4E3E-8101-482F-A883-8B55DAFF7C07}" type="datetimeFigureOut">
               <a:rPr lang="en-SG" smtClean="0"/>
-              <a:t>6/7/2018</a:t>
+              <a:t>13/4/2019</a:t>
             </a:fld>
             <a:endParaRPr lang="en-SG"/>
           </a:p>
@@ -3365,7 +3361,7 @@
         </p:nvSpPr>
         <p:spPr>
           <a:xfrm>
-            <a:off x="0" y="2760740"/>
+            <a:off x="531453" y="2760740"/>
             <a:ext cx="3207000" cy="369332"/>
           </a:xfrm>
           <a:prstGeom prst="rect">
@@ -3381,88 +3377,14 @@
           <a:p>
             <a:pPr algn="ctr"/>
             <a:r>
-              <a:rPr lang="en-SG" dirty="0" err="1">
-                <a:latin typeface="Consolas" panose="020B0609020204030204" pitchFamily="49" charset="0"/>
-              </a:rPr>
-              <a:t>currentStatePointer</a:t>
-            </a:r>
-            <a:r>
               <a:rPr lang="en-SG" dirty="0">
                 <a:latin typeface="Consolas" panose="020B0609020204030204" pitchFamily="49" charset="0"/>
               </a:rPr>
-              <a:t> = 0</a:t>
-            </a:r>
-          </a:p>
-        </p:txBody>
-      </p:sp>
-      <p:graphicFrame>
-        <p:nvGraphicFramePr>
-          <p:cNvPr id="13" name="Table 12">
-            <a:extLst>
-              <a:ext uri="{FF2B5EF4-FFF2-40B4-BE49-F238E27FC236}">
-                <a16:creationId xmlns:a16="http://schemas.microsoft.com/office/drawing/2014/main" id="{F545FAB8-F1CE-4886-9BDE-E772BCB0A9C4}"/>
-              </a:ext>
-            </a:extLst>
-          </p:cNvPr>
-          <p:cNvGraphicFramePr>
-            <a:graphicFrameLocks noGrp="1"/>
-          </p:cNvGraphicFramePr>
-          <p:nvPr>
-            <p:extLst>
-              <p:ext uri="{D42A27DB-BD31-4B8C-83A1-F6EECF244321}">
-                <p14:modId xmlns:p14="http://schemas.microsoft.com/office/powerpoint/2010/main" val="770650361"/>
-              </p:ext>
-            </p:extLst>
-          </p:nvPr>
-        </p:nvGraphicFramePr>
-        <p:xfrm>
-          <a:off x="473240" y="1476102"/>
-          <a:ext cx="1833356" cy="410363"/>
-        </p:xfrm>
-        <a:graphic>
-          <a:graphicData uri="http://schemas.openxmlformats.org/drawingml/2006/table">
-            <a:tbl>
-              <a:tblPr>
-                <a:tableStyleId>{638B1855-1B75-4FBE-930C-398BA8C253C6}</a:tableStyleId>
-              </a:tblPr>
-              <a:tblGrid>
-                <a:gridCol w="1833356">
-                  <a:extLst>
-                    <a:ext uri="{9D8B030D-6E8A-4147-A177-3AD203B41FA5}">
-                      <a16:colId xmlns:a16="http://schemas.microsoft.com/office/drawing/2014/main" val="4240773277"/>
-                    </a:ext>
-                  </a:extLst>
-                </a:gridCol>
-              </a:tblGrid>
-              <a:tr h="410363">
-                <a:tc>
-                  <a:txBody>
-                    <a:bodyPr/>
-                    <a:lstStyle/>
-                    <a:p>
-                      <a:r>
-                        <a:rPr lang="en-SG" u="sng" dirty="0"/>
-                        <a:t>ab0:</a:t>
-                      </a:r>
-                      <a:r>
-                        <a:rPr lang="en-SG" sz="1800" u="sng" dirty="0"/>
-                        <a:t>AddressBook</a:t>
-                      </a:r>
-                      <a:endParaRPr lang="en-SG" sz="1600" u="sng" dirty="0"/>
-                    </a:p>
-                  </a:txBody>
-                  <a:tcPr/>
-                </a:tc>
-                <a:extLst>
-                  <a:ext uri="{0D108BD9-81ED-4DB2-BD59-A6C34878D82A}">
-                    <a16:rowId xmlns:a16="http://schemas.microsoft.com/office/drawing/2014/main" val="2194462629"/>
-                  </a:ext>
-                </a:extLst>
-              </a:tr>
-            </a:tbl>
-          </a:graphicData>
-        </a:graphic>
-      </p:graphicFrame>
+              <a:t>currentStatePointer = 0</a:t>
+            </a:r>
+          </a:p>
+        </p:txBody>
+      </p:sp>
       <p:sp>
         <p:nvSpPr>
           <p:cNvPr id="3" name="Down Arrow 2"/>
@@ -3471,8 +3393,8 @@
         </p:nvSpPr>
         <p:spPr>
           <a:xfrm>
-            <a:off x="4397701" y="2244365"/>
-            <a:ext cx="1672046" cy="1402081"/>
+            <a:off x="4397700" y="2244365"/>
+            <a:ext cx="1987467" cy="1402081"/>
           </a:xfrm>
           <a:prstGeom prst="downArrow">
             <a:avLst/>
@@ -3501,7 +3423,7 @@
             <a:pPr algn="ctr"/>
             <a:r>
               <a:rPr lang="en-SG" dirty="0"/>
-              <a:t>delete 5</a:t>
+              <a:t>delete-e 5</a:t>
             </a:r>
             <a:endParaRPr lang="en-US" dirty="0"/>
           </a:p>
@@ -3583,16 +3505,10 @@
           <a:p>
             <a:pPr algn="ctr"/>
             <a:r>
-              <a:rPr lang="en-SG" dirty="0" err="1">
-                <a:latin typeface="Consolas" panose="020B0609020204030204" pitchFamily="49" charset="0"/>
-              </a:rPr>
-              <a:t>currentStatePointer</a:t>
-            </a:r>
-            <a:r>
               <a:rPr lang="en-SG" dirty="0">
                 <a:latin typeface="Consolas" panose="020B0609020204030204" pitchFamily="49" charset="0"/>
               </a:rPr>
-              <a:t> = 1</a:t>
+              <a:t>currentStatePointer = 1</a:t>
             </a:r>
           </a:p>
         </p:txBody>
@@ -3643,142 +3559,6 @@
           </a:p>
         </p:txBody>
       </p:sp>
-      <p:graphicFrame>
-        <p:nvGraphicFramePr>
-          <p:cNvPr id="12" name="Table 11">
-            <a:extLst>
-              <a:ext uri="{FF2B5EF4-FFF2-40B4-BE49-F238E27FC236}">
-                <a16:creationId xmlns:a16="http://schemas.microsoft.com/office/drawing/2014/main" id="{F545FAB8-F1CE-4886-9BDE-E772BCB0A9C4}"/>
-              </a:ext>
-            </a:extLst>
-          </p:cNvPr>
-          <p:cNvGraphicFramePr>
-            <a:graphicFrameLocks noGrp="1"/>
-          </p:cNvGraphicFramePr>
-          <p:nvPr>
-            <p:extLst>
-              <p:ext uri="{D42A27DB-BD31-4B8C-83A1-F6EECF244321}">
-                <p14:modId xmlns:p14="http://schemas.microsoft.com/office/powerpoint/2010/main" val="2370624015"/>
-              </p:ext>
-            </p:extLst>
-          </p:nvPr>
-        </p:nvGraphicFramePr>
-        <p:xfrm>
-          <a:off x="2448268" y="3926065"/>
-          <a:ext cx="1833356" cy="410363"/>
-        </p:xfrm>
-        <a:graphic>
-          <a:graphicData uri="http://schemas.openxmlformats.org/drawingml/2006/table">
-            <a:tbl>
-              <a:tblPr>
-                <a:tableStyleId>{638B1855-1B75-4FBE-930C-398BA8C253C6}</a:tableStyleId>
-              </a:tblPr>
-              <a:tblGrid>
-                <a:gridCol w="1833356">
-                  <a:extLst>
-                    <a:ext uri="{9D8B030D-6E8A-4147-A177-3AD203B41FA5}">
-                      <a16:colId xmlns:a16="http://schemas.microsoft.com/office/drawing/2014/main" val="4240773277"/>
-                    </a:ext>
-                  </a:extLst>
-                </a:gridCol>
-              </a:tblGrid>
-              <a:tr h="410363">
-                <a:tc>
-                  <a:txBody>
-                    <a:bodyPr/>
-                    <a:lstStyle/>
-                    <a:p>
-                      <a:r>
-                        <a:rPr lang="en-SG" u="sng" dirty="0"/>
-                        <a:t>ab1:</a:t>
-                      </a:r>
-                      <a:r>
-                        <a:rPr lang="en-SG" sz="1800" u="sng" dirty="0"/>
-                        <a:t>AddressBook</a:t>
-                      </a:r>
-                      <a:endParaRPr lang="en-SG" sz="1600" u="sng" dirty="0"/>
-                    </a:p>
-                  </a:txBody>
-                  <a:tcPr/>
-                </a:tc>
-                <a:extLst>
-                  <a:ext uri="{0D108BD9-81ED-4DB2-BD59-A6C34878D82A}">
-                    <a16:rowId xmlns:a16="http://schemas.microsoft.com/office/drawing/2014/main" val="2194462629"/>
-                  </a:ext>
-                </a:extLst>
-              </a:tr>
-            </a:tbl>
-          </a:graphicData>
-        </a:graphic>
-      </p:graphicFrame>
-      <p:graphicFrame>
-        <p:nvGraphicFramePr>
-          <p:cNvPr id="15" name="Table 14">
-            <a:extLst>
-              <a:ext uri="{FF2B5EF4-FFF2-40B4-BE49-F238E27FC236}">
-                <a16:creationId xmlns:a16="http://schemas.microsoft.com/office/drawing/2014/main" id="{F545FAB8-F1CE-4886-9BDE-E772BCB0A9C4}"/>
-              </a:ext>
-            </a:extLst>
-          </p:cNvPr>
-          <p:cNvGraphicFramePr>
-            <a:graphicFrameLocks noGrp="1"/>
-          </p:cNvGraphicFramePr>
-          <p:nvPr>
-            <p:extLst>
-              <p:ext uri="{D42A27DB-BD31-4B8C-83A1-F6EECF244321}">
-                <p14:modId xmlns:p14="http://schemas.microsoft.com/office/powerpoint/2010/main" val="2523374166"/>
-              </p:ext>
-            </p:extLst>
-          </p:nvPr>
-        </p:nvGraphicFramePr>
-        <p:xfrm>
-          <a:off x="473240" y="3918002"/>
-          <a:ext cx="1833356" cy="410363"/>
-        </p:xfrm>
-        <a:graphic>
-          <a:graphicData uri="http://schemas.openxmlformats.org/drawingml/2006/table">
-            <a:tbl>
-              <a:tblPr>
-                <a:tableStyleId>{638B1855-1B75-4FBE-930C-398BA8C253C6}</a:tableStyleId>
-              </a:tblPr>
-              <a:tblGrid>
-                <a:gridCol w="1833356">
-                  <a:extLst>
-                    <a:ext uri="{9D8B030D-6E8A-4147-A177-3AD203B41FA5}">
-                      <a16:colId xmlns:a16="http://schemas.microsoft.com/office/drawing/2014/main" val="4240773277"/>
-                    </a:ext>
-                  </a:extLst>
-                </a:gridCol>
-              </a:tblGrid>
-              <a:tr h="410363">
-                <a:tc>
-                  <a:txBody>
-                    <a:bodyPr/>
-                    <a:lstStyle/>
-                    <a:p>
-                      <a:r>
-                        <a:rPr lang="en-SG" u="sng" dirty="0"/>
-                        <a:t>ab0:</a:t>
-                      </a:r>
-                      <a:r>
-                        <a:rPr lang="en-SG" sz="1800" u="sng" dirty="0"/>
-                        <a:t>AddressBook</a:t>
-                      </a:r>
-                      <a:endParaRPr lang="en-SG" sz="1600" u="sng" dirty="0"/>
-                    </a:p>
-                  </a:txBody>
-                  <a:tcPr/>
-                </a:tc>
-                <a:extLst>
-                  <a:ext uri="{0D108BD9-81ED-4DB2-BD59-A6C34878D82A}">
-                    <a16:rowId xmlns:a16="http://schemas.microsoft.com/office/drawing/2014/main" val="2194462629"/>
-                  </a:ext>
-                </a:extLst>
-              </a:tr>
-            </a:tbl>
-          </a:graphicData>
-        </a:graphic>
-      </p:graphicFrame>
       <p:cxnSp>
         <p:nvCxnSpPr>
           <p:cNvPr id="14" name="Straight Arrow Connector 13">
@@ -3795,7 +3575,7 @@
         </p:nvCxnSpPr>
         <p:spPr>
           <a:xfrm flipV="1">
-            <a:off x="1409350" y="2053867"/>
+            <a:off x="1940803" y="2053867"/>
             <a:ext cx="0" cy="706873"/>
           </a:xfrm>
           <a:prstGeom prst="straightConnector1">
@@ -3867,6 +3647,210 @@
           </a:fontRef>
         </p:style>
       </p:cxnSp>
+      <p:graphicFrame>
+        <p:nvGraphicFramePr>
+          <p:cNvPr id="17" name="Table 16">
+            <a:extLst>
+              <a:ext uri="{FF2B5EF4-FFF2-40B4-BE49-F238E27FC236}">
+                <a16:creationId xmlns:a16="http://schemas.microsoft.com/office/drawing/2014/main" id="{62A72694-55F1-452C-B984-1B8D635EE5AC}"/>
+              </a:ext>
+            </a:extLst>
+          </p:cNvPr>
+          <p:cNvGraphicFramePr>
+            <a:graphicFrameLocks noGrp="1"/>
+          </p:cNvGraphicFramePr>
+          <p:nvPr>
+            <p:extLst>
+              <p:ext uri="{D42A27DB-BD31-4B8C-83A1-F6EECF244321}">
+                <p14:modId xmlns:p14="http://schemas.microsoft.com/office/powerpoint/2010/main" val="188523226"/>
+              </p:ext>
+            </p:extLst>
+          </p:nvPr>
+        </p:nvGraphicFramePr>
+        <p:xfrm>
+          <a:off x="473239" y="1476102"/>
+          <a:ext cx="2543499" cy="417888"/>
+        </p:xfrm>
+        <a:graphic>
+          <a:graphicData uri="http://schemas.openxmlformats.org/drawingml/2006/table">
+            <a:tbl>
+              <a:tblPr>
+                <a:tableStyleId>{638B1855-1B75-4FBE-930C-398BA8C253C6}</a:tableStyleId>
+              </a:tblPr>
+              <a:tblGrid>
+                <a:gridCol w="2543499">
+                  <a:extLst>
+                    <a:ext uri="{9D8B030D-6E8A-4147-A177-3AD203B41FA5}">
+                      <a16:colId xmlns:a16="http://schemas.microsoft.com/office/drawing/2014/main" val="4240773277"/>
+                    </a:ext>
+                  </a:extLst>
+                </a:gridCol>
+              </a:tblGrid>
+              <a:tr h="417888">
+                <a:tc>
+                  <a:txBody>
+                    <a:bodyPr/>
+                    <a:lstStyle/>
+                    <a:p>
+                      <a:r>
+                        <a:rPr lang="en-SG" u="sng" dirty="0"/>
+                        <a:t>em0:</a:t>
+                      </a:r>
+                      <a:r>
+                        <a:rPr lang="en-SG" sz="1800" u="sng" dirty="0"/>
+                        <a:t>EquipmentManager</a:t>
+                      </a:r>
+                      <a:endParaRPr lang="en-SG" sz="1600" u="sng" dirty="0"/>
+                    </a:p>
+                  </a:txBody>
+                  <a:tcPr/>
+                </a:tc>
+                <a:extLst>
+                  <a:ext uri="{0D108BD9-81ED-4DB2-BD59-A6C34878D82A}">
+                    <a16:rowId xmlns:a16="http://schemas.microsoft.com/office/drawing/2014/main" val="2194462629"/>
+                  </a:ext>
+                </a:extLst>
+              </a:tr>
+            </a:tbl>
+          </a:graphicData>
+        </a:graphic>
+      </p:graphicFrame>
+      <p:graphicFrame>
+        <p:nvGraphicFramePr>
+          <p:cNvPr id="21" name="Table 20">
+            <a:extLst>
+              <a:ext uri="{FF2B5EF4-FFF2-40B4-BE49-F238E27FC236}">
+                <a16:creationId xmlns:a16="http://schemas.microsoft.com/office/drawing/2014/main" id="{6C8CA63F-9D03-4A99-9620-A46FC685A16B}"/>
+              </a:ext>
+            </a:extLst>
+          </p:cNvPr>
+          <p:cNvGraphicFramePr>
+            <a:graphicFrameLocks noGrp="1"/>
+          </p:cNvGraphicFramePr>
+          <p:nvPr>
+            <p:extLst>
+              <p:ext uri="{D42A27DB-BD31-4B8C-83A1-F6EECF244321}">
+                <p14:modId xmlns:p14="http://schemas.microsoft.com/office/powerpoint/2010/main" val="3678716730"/>
+              </p:ext>
+            </p:extLst>
+          </p:nvPr>
+        </p:nvGraphicFramePr>
+        <p:xfrm>
+          <a:off x="473239" y="3913796"/>
+          <a:ext cx="2543499" cy="417888"/>
+        </p:xfrm>
+        <a:graphic>
+          <a:graphicData uri="http://schemas.openxmlformats.org/drawingml/2006/table">
+            <a:tbl>
+              <a:tblPr>
+                <a:tableStyleId>{638B1855-1B75-4FBE-930C-398BA8C253C6}</a:tableStyleId>
+              </a:tblPr>
+              <a:tblGrid>
+                <a:gridCol w="2543499">
+                  <a:extLst>
+                    <a:ext uri="{9D8B030D-6E8A-4147-A177-3AD203B41FA5}">
+                      <a16:colId xmlns:a16="http://schemas.microsoft.com/office/drawing/2014/main" val="4240773277"/>
+                    </a:ext>
+                  </a:extLst>
+                </a:gridCol>
+              </a:tblGrid>
+              <a:tr h="417888">
+                <a:tc>
+                  <a:txBody>
+                    <a:bodyPr/>
+                    <a:lstStyle/>
+                    <a:p>
+                      <a:r>
+                        <a:rPr lang="en-SG" u="sng" dirty="0"/>
+                        <a:t>em0:</a:t>
+                      </a:r>
+                      <a:r>
+                        <a:rPr lang="en-SG" sz="1800" u="sng" dirty="0"/>
+                        <a:t>EquipmentManager</a:t>
+                      </a:r>
+                      <a:endParaRPr lang="en-SG" sz="1600" u="sng" dirty="0"/>
+                    </a:p>
+                  </a:txBody>
+                  <a:tcPr/>
+                </a:tc>
+                <a:extLst>
+                  <a:ext uri="{0D108BD9-81ED-4DB2-BD59-A6C34878D82A}">
+                    <a16:rowId xmlns:a16="http://schemas.microsoft.com/office/drawing/2014/main" val="2194462629"/>
+                  </a:ext>
+                </a:extLst>
+              </a:tr>
+            </a:tbl>
+          </a:graphicData>
+        </a:graphic>
+      </p:graphicFrame>
+      <p:graphicFrame>
+        <p:nvGraphicFramePr>
+          <p:cNvPr id="22" name="Table 21">
+            <a:extLst>
+              <a:ext uri="{FF2B5EF4-FFF2-40B4-BE49-F238E27FC236}">
+                <a16:creationId xmlns:a16="http://schemas.microsoft.com/office/drawing/2014/main" id="{8D7D0221-01DF-46A8-B508-97E6045861F7}"/>
+              </a:ext>
+            </a:extLst>
+          </p:cNvPr>
+          <p:cNvGraphicFramePr>
+            <a:graphicFrameLocks noGrp="1"/>
+          </p:cNvGraphicFramePr>
+          <p:nvPr>
+            <p:extLst>
+              <p:ext uri="{D42A27DB-BD31-4B8C-83A1-F6EECF244321}">
+                <p14:modId xmlns:p14="http://schemas.microsoft.com/office/powerpoint/2010/main" val="2912128036"/>
+              </p:ext>
+            </p:extLst>
+          </p:nvPr>
+        </p:nvGraphicFramePr>
+        <p:xfrm>
+          <a:off x="3125180" y="3915093"/>
+          <a:ext cx="2543499" cy="417888"/>
+        </p:xfrm>
+        <a:graphic>
+          <a:graphicData uri="http://schemas.openxmlformats.org/drawingml/2006/table">
+            <a:tbl>
+              <a:tblPr>
+                <a:tableStyleId>{638B1855-1B75-4FBE-930C-398BA8C253C6}</a:tableStyleId>
+              </a:tblPr>
+              <a:tblGrid>
+                <a:gridCol w="2543499">
+                  <a:extLst>
+                    <a:ext uri="{9D8B030D-6E8A-4147-A177-3AD203B41FA5}">
+                      <a16:colId xmlns:a16="http://schemas.microsoft.com/office/drawing/2014/main" val="4240773277"/>
+                    </a:ext>
+                  </a:extLst>
+                </a:gridCol>
+              </a:tblGrid>
+              <a:tr h="417888">
+                <a:tc>
+                  <a:txBody>
+                    <a:bodyPr/>
+                    <a:lstStyle/>
+                    <a:p>
+                      <a:r>
+                        <a:rPr lang="en-SG" u="sng" dirty="0"/>
+                        <a:t>em1:</a:t>
+                      </a:r>
+                      <a:r>
+                        <a:rPr lang="en-SG" sz="1800" u="sng" dirty="0"/>
+                        <a:t>EquipmentManager</a:t>
+                      </a:r>
+                      <a:endParaRPr lang="en-SG" sz="1600" u="sng" dirty="0"/>
+                    </a:p>
+                  </a:txBody>
+                  <a:tcPr/>
+                </a:tc>
+                <a:extLst>
+                  <a:ext uri="{0D108BD9-81ED-4DB2-BD59-A6C34878D82A}">
+                    <a16:rowId xmlns:a16="http://schemas.microsoft.com/office/drawing/2014/main" val="2194462629"/>
+                  </a:ext>
+                </a:extLst>
+              </a:tr>
+            </a:tbl>
+          </a:graphicData>
+        </a:graphic>
+      </p:graphicFrame>
     </p:spTree>
     <p:extLst>
       <p:ext uri="{BB962C8B-B14F-4D97-AF65-F5344CB8AC3E}">
